--- a/Slides/Lesson 8.2 Binary Search.pptx
+++ b/Slides/Lesson 8.2 Binary Search.pptx
@@ -5,7 +5,7 @@
     <p:sldMasterId id="2147483660" r:id="rId1"/>
   </p:sldMasterIdLst>
   <p:notesMasterIdLst>
-    <p:notesMasterId r:id="rId26"/>
+    <p:notesMasterId r:id="rId30"/>
   </p:notesMasterIdLst>
   <p:sldIdLst>
     <p:sldId id="358" r:id="rId2"/>
@@ -26,17 +26,21 @@
     <p:sldId id="366" r:id="rId17"/>
     <p:sldId id="367" r:id="rId18"/>
     <p:sldId id="368" r:id="rId19"/>
-    <p:sldId id="369" r:id="rId20"/>
-    <p:sldId id="370" r:id="rId21"/>
-    <p:sldId id="371" r:id="rId22"/>
-    <p:sldId id="374" r:id="rId23"/>
-    <p:sldId id="372" r:id="rId24"/>
-    <p:sldId id="373" r:id="rId25"/>
+    <p:sldId id="382" r:id="rId20"/>
+    <p:sldId id="383" r:id="rId21"/>
+    <p:sldId id="369" r:id="rId22"/>
+    <p:sldId id="384" r:id="rId23"/>
+    <p:sldId id="370" r:id="rId24"/>
+    <p:sldId id="371" r:id="rId25"/>
+    <p:sldId id="385" r:id="rId26"/>
+    <p:sldId id="386" r:id="rId27"/>
+    <p:sldId id="372" r:id="rId28"/>
+    <p:sldId id="373" r:id="rId29"/>
   </p:sldIdLst>
   <p:sldSz cx="9144000" cy="6858000" type="screen4x3"/>
   <p:notesSz cx="6858000" cy="9144000"/>
   <p:custDataLst>
-    <p:tags r:id="rId27"/>
+    <p:tags r:id="rId31"/>
   </p:custDataLst>
   <p:defaultTextStyle>
     <a:defPPr>
@@ -5570,82 +5574,6 @@
       </p:sp>
       <p:sp>
         <p:nvSpPr>
-          <p:cNvPr id="4" name="Rectangle 3"/>
-          <p:cNvSpPr/>
-          <p:nvPr/>
-        </p:nvSpPr>
-        <p:spPr>
-          <a:xfrm>
-            <a:off x="914399" y="2516832"/>
-            <a:ext cx="6515099" cy="609600"/>
-          </a:xfrm>
-          <a:prstGeom prst="rect">
-            <a:avLst/>
-          </a:prstGeom>
-          <a:ln w="12700">
-            <a:solidFill>
-              <a:schemeClr val="tx1"/>
-            </a:solidFill>
-            <a:tailEnd type="stealth" w="lg" len="lg"/>
-          </a:ln>
-        </p:spPr>
-        <p:style>
-          <a:lnRef idx="1">
-            <a:schemeClr val="accent1"/>
-          </a:lnRef>
-          <a:fillRef idx="0">
-            <a:schemeClr val="accent1"/>
-          </a:fillRef>
-          <a:effectRef idx="0">
-            <a:schemeClr val="accent1"/>
-          </a:effectRef>
-          <a:fontRef idx="minor">
-            <a:schemeClr val="tx1"/>
-          </a:fontRef>
-        </p:style>
-        <p:txBody>
-          <a:bodyPr rtlCol="0" anchor="ctr"/>
-          <a:lstStyle/>
-          <a:p>
-            <a:pPr algn="ctr"/>
-            <a:endParaRPr lang="en-US"/>
-          </a:p>
-        </p:txBody>
-      </p:sp>
-      <p:sp>
-        <p:nvSpPr>
-          <p:cNvPr id="6" name="TextBox 5"/>
-          <p:cNvSpPr txBox="1"/>
-          <p:nvPr/>
-        </p:nvSpPr>
-        <p:spPr>
-          <a:xfrm>
-            <a:off x="914400" y="2590800"/>
-            <a:ext cx="354584" cy="461665"/>
-          </a:xfrm>
-          <a:prstGeom prst="rect">
-            <a:avLst/>
-          </a:prstGeom>
-          <a:noFill/>
-        </p:spPr>
-        <p:txBody>
-          <a:bodyPr wrap="none" rtlCol="0">
-            <a:spAutoFit/>
-          </a:bodyPr>
-          <a:lstStyle/>
-          <a:p>
-            <a:r>
-              <a:rPr lang="en-US" sz="2400" b="1" dirty="0">
-                <a:latin typeface="Consolas" pitchFamily="49" charset="0"/>
-                <a:cs typeface="Consolas" pitchFamily="49" charset="0"/>
-              </a:rPr>
-              <a:t>0</a:t>
-            </a:r>
-          </a:p>
-        </p:txBody>
-      </p:sp>
-      <p:sp>
-        <p:nvSpPr>
           <p:cNvPr id="16" name="TextBox 15">
             <a:extLst>
               <a:ext uri="{FF2B5EF4-FFF2-40B4-BE49-F238E27FC236}">
@@ -5688,10 +5616,10 @@
       </p:sp>
       <p:grpSp>
         <p:nvGrpSpPr>
-          <p:cNvPr id="12" name="Group 11">
+          <p:cNvPr id="5" name="Group 4">
             <a:extLst>
               <a:ext uri="{FF2B5EF4-FFF2-40B4-BE49-F238E27FC236}">
-                <a16:creationId xmlns:a16="http://schemas.microsoft.com/office/drawing/2014/main" id="{551F5B3C-D875-4812-A840-8AB3367DFA6D}"/>
+                <a16:creationId xmlns:a16="http://schemas.microsoft.com/office/drawing/2014/main" id="{F560C61D-AF5E-4C76-B907-257B8F38E133}"/>
               </a:ext>
             </a:extLst>
           </p:cNvPr>
@@ -5700,28 +5628,66 @@
         </p:nvGrpSpPr>
         <p:grpSpPr>
           <a:xfrm>
-            <a:off x="3276600" y="3154179"/>
-            <a:ext cx="524503" cy="1202492"/>
-            <a:chOff x="3048000" y="3678773"/>
-            <a:chExt cx="524503" cy="1202492"/>
+            <a:off x="914399" y="2516832"/>
+            <a:ext cx="6515099" cy="1839839"/>
+            <a:chOff x="914399" y="2516832"/>
+            <a:chExt cx="6515099" cy="1839839"/>
           </a:xfrm>
         </p:grpSpPr>
         <p:sp>
           <p:nvSpPr>
-            <p:cNvPr id="25" name="TextBox 24">
-              <a:extLst>
-                <a:ext uri="{FF2B5EF4-FFF2-40B4-BE49-F238E27FC236}">
-                  <a16:creationId xmlns:a16="http://schemas.microsoft.com/office/drawing/2014/main" id="{3A6A6779-82B3-4AAE-A57E-5E27ECF3EEB7}"/>
-                </a:ext>
-              </a:extLst>
-            </p:cNvPr>
+            <p:cNvPr id="4" name="Rectangle 3"/>
+            <p:cNvSpPr/>
+            <p:nvPr/>
+          </p:nvSpPr>
+          <p:spPr>
+            <a:xfrm>
+              <a:off x="914399" y="2516832"/>
+              <a:ext cx="6515099" cy="609600"/>
+            </a:xfrm>
+            <a:prstGeom prst="rect">
+              <a:avLst/>
+            </a:prstGeom>
+            <a:ln w="12700">
+              <a:solidFill>
+                <a:schemeClr val="tx1"/>
+              </a:solidFill>
+              <a:tailEnd type="stealth" w="lg" len="lg"/>
+            </a:ln>
+          </p:spPr>
+          <p:style>
+            <a:lnRef idx="1">
+              <a:schemeClr val="accent1"/>
+            </a:lnRef>
+            <a:fillRef idx="0">
+              <a:schemeClr val="accent1"/>
+            </a:fillRef>
+            <a:effectRef idx="0">
+              <a:schemeClr val="accent1"/>
+            </a:effectRef>
+            <a:fontRef idx="minor">
+              <a:schemeClr val="tx1"/>
+            </a:fontRef>
+          </p:style>
+          <p:txBody>
+            <a:bodyPr rtlCol="0" anchor="ctr"/>
+            <a:lstStyle/>
+            <a:p>
+              <a:pPr algn="ctr"/>
+              <a:endParaRPr lang="en-US"/>
+            </a:p>
+          </p:txBody>
+        </p:sp>
+        <p:sp>
+          <p:nvSpPr>
+            <p:cNvPr id="6" name="TextBox 5"/>
             <p:cNvSpPr txBox="1"/>
             <p:nvPr/>
           </p:nvSpPr>
           <p:spPr>
             <a:xfrm>
-              <a:off x="3048000" y="4419600"/>
-              <a:ext cx="524503" cy="461665"/>
+              <a:off x="914400" y="2590800"/>
+              <a:ext cx="354584" cy="461665"/>
             </a:xfrm>
             <a:prstGeom prst="rect">
               <a:avLst/>
@@ -5739,40 +5705,240 @@
                   <a:latin typeface="Consolas" pitchFamily="49" charset="0"/>
                   <a:cs typeface="Consolas" pitchFamily="49" charset="0"/>
                 </a:rPr>
-                <a:t>lo</a:t>
+                <a:t>0</a:t>
               </a:r>
             </a:p>
           </p:txBody>
         </p:sp>
-        <p:cxnSp>
-          <p:nvCxnSpPr>
-            <p:cNvPr id="11" name="Straight Arrow Connector 10">
+        <p:grpSp>
+          <p:nvGrpSpPr>
+            <p:cNvPr id="12" name="Group 11">
               <a:extLst>
                 <a:ext uri="{FF2B5EF4-FFF2-40B4-BE49-F238E27FC236}">
-                  <a16:creationId xmlns:a16="http://schemas.microsoft.com/office/drawing/2014/main" id="{5CDE18C5-F314-4F7A-A6D1-C39254434492}"/>
+                  <a16:creationId xmlns:a16="http://schemas.microsoft.com/office/drawing/2014/main" id="{551F5B3C-D875-4812-A840-8AB3367DFA6D}"/>
                 </a:ext>
               </a:extLst>
             </p:cNvPr>
-            <p:cNvCxnSpPr>
-              <a:cxnSpLocks/>
-              <a:stCxn id="25" idx="0"/>
-            </p:cNvCxnSpPr>
+            <p:cNvGrpSpPr/>
+            <p:nvPr/>
+          </p:nvGrpSpPr>
+          <p:grpSpPr>
+            <a:xfrm>
+              <a:off x="3276600" y="3154179"/>
+              <a:ext cx="524503" cy="1202492"/>
+              <a:chOff x="3048000" y="3678773"/>
+              <a:chExt cx="524503" cy="1202492"/>
+            </a:xfrm>
+          </p:grpSpPr>
+          <p:sp>
+            <p:nvSpPr>
+              <p:cNvPr id="25" name="TextBox 24">
+                <a:extLst>
+                  <a:ext uri="{FF2B5EF4-FFF2-40B4-BE49-F238E27FC236}">
+                    <a16:creationId xmlns:a16="http://schemas.microsoft.com/office/drawing/2014/main" id="{3A6A6779-82B3-4AAE-A57E-5E27ECF3EEB7}"/>
+                  </a:ext>
+                </a:extLst>
+              </p:cNvPr>
+              <p:cNvSpPr txBox="1"/>
+              <p:nvPr/>
+            </p:nvSpPr>
+            <p:spPr>
+              <a:xfrm>
+                <a:off x="3048000" y="4419600"/>
+                <a:ext cx="524503" cy="461665"/>
+              </a:xfrm>
+              <a:prstGeom prst="rect">
+                <a:avLst/>
+              </a:prstGeom>
+              <a:noFill/>
+            </p:spPr>
+            <p:txBody>
+              <a:bodyPr wrap="none" rtlCol="0">
+                <a:spAutoFit/>
+              </a:bodyPr>
+              <a:lstStyle/>
+              <a:p>
+                <a:r>
+                  <a:rPr lang="en-US" sz="2400" b="1" dirty="0">
+                    <a:latin typeface="Consolas" pitchFamily="49" charset="0"/>
+                    <a:cs typeface="Consolas" pitchFamily="49" charset="0"/>
+                  </a:rPr>
+                  <a:t>lo</a:t>
+                </a:r>
+              </a:p>
+            </p:txBody>
+          </p:sp>
+          <p:cxnSp>
+            <p:nvCxnSpPr>
+              <p:cNvPr id="11" name="Straight Arrow Connector 10">
+                <a:extLst>
+                  <a:ext uri="{FF2B5EF4-FFF2-40B4-BE49-F238E27FC236}">
+                    <a16:creationId xmlns:a16="http://schemas.microsoft.com/office/drawing/2014/main" id="{5CDE18C5-F314-4F7A-A6D1-C39254434492}"/>
+                  </a:ext>
+                </a:extLst>
+              </p:cNvPr>
+              <p:cNvCxnSpPr>
+                <a:cxnSpLocks/>
+                <a:stCxn id="25" idx="0"/>
+              </p:cNvCxnSpPr>
+              <p:nvPr/>
+            </p:nvCxnSpPr>
+            <p:spPr>
+              <a:xfrm flipV="1">
+                <a:off x="3310252" y="3678773"/>
+                <a:ext cx="2068" cy="740827"/>
+              </a:xfrm>
+              <a:prstGeom prst="straightConnector1">
+                <a:avLst/>
+              </a:prstGeom>
+              <a:ln w="15875">
+                <a:solidFill>
+                  <a:schemeClr val="tx1"/>
+                </a:solidFill>
+                <a:tailEnd type="triangle"/>
+              </a:ln>
+            </p:spPr>
+            <p:style>
+              <a:lnRef idx="1">
+                <a:schemeClr val="accent1"/>
+              </a:lnRef>
+              <a:fillRef idx="0">
+                <a:schemeClr val="accent1"/>
+              </a:fillRef>
+              <a:effectRef idx="0">
+                <a:schemeClr val="accent1"/>
+              </a:effectRef>
+              <a:fontRef idx="minor">
+                <a:schemeClr val="tx1"/>
+              </a:fontRef>
+            </p:style>
+          </p:cxnSp>
+        </p:grpSp>
+        <p:grpSp>
+          <p:nvGrpSpPr>
+            <p:cNvPr id="29" name="Group 28">
+              <a:extLst>
+                <a:ext uri="{FF2B5EF4-FFF2-40B4-BE49-F238E27FC236}">
+                  <a16:creationId xmlns:a16="http://schemas.microsoft.com/office/drawing/2014/main" id="{FD24195B-E6B4-404A-BB40-59EAEE602EEE}"/>
+                </a:ext>
+              </a:extLst>
+            </p:cNvPr>
+            <p:cNvGrpSpPr/>
+            <p:nvPr/>
+          </p:nvGrpSpPr>
+          <p:grpSpPr>
+            <a:xfrm>
+              <a:off x="4648200" y="3124200"/>
+              <a:ext cx="524503" cy="1230089"/>
+              <a:chOff x="3048000" y="3651176"/>
+              <a:chExt cx="524503" cy="1230089"/>
+            </a:xfrm>
+          </p:grpSpPr>
+          <p:sp>
+            <p:nvSpPr>
+              <p:cNvPr id="30" name="TextBox 29">
+                <a:extLst>
+                  <a:ext uri="{FF2B5EF4-FFF2-40B4-BE49-F238E27FC236}">
+                    <a16:creationId xmlns:a16="http://schemas.microsoft.com/office/drawing/2014/main" id="{FA99C9FB-1E0B-45C9-AC35-9D95E5C0860C}"/>
+                  </a:ext>
+                </a:extLst>
+              </p:cNvPr>
+              <p:cNvSpPr txBox="1"/>
+              <p:nvPr/>
+            </p:nvSpPr>
+            <p:spPr>
+              <a:xfrm>
+                <a:off x="3048000" y="4419600"/>
+                <a:ext cx="524503" cy="461665"/>
+              </a:xfrm>
+              <a:prstGeom prst="rect">
+                <a:avLst/>
+              </a:prstGeom>
+              <a:noFill/>
+            </p:spPr>
+            <p:txBody>
+              <a:bodyPr wrap="none" rtlCol="0">
+                <a:spAutoFit/>
+              </a:bodyPr>
+              <a:lstStyle/>
+              <a:p>
+                <a:r>
+                  <a:rPr lang="en-US" sz="2400" b="1" dirty="0">
+                    <a:latin typeface="Consolas" pitchFamily="49" charset="0"/>
+                    <a:cs typeface="Consolas" pitchFamily="49" charset="0"/>
+                  </a:rPr>
+                  <a:t>hi</a:t>
+                </a:r>
+              </a:p>
+            </p:txBody>
+          </p:sp>
+          <p:cxnSp>
+            <p:nvCxnSpPr>
+              <p:cNvPr id="31" name="Straight Arrow Connector 30">
+                <a:extLst>
+                  <a:ext uri="{FF2B5EF4-FFF2-40B4-BE49-F238E27FC236}">
+                    <a16:creationId xmlns:a16="http://schemas.microsoft.com/office/drawing/2014/main" id="{FF423DD1-88B3-418D-9245-A18C9753393E}"/>
+                  </a:ext>
+                </a:extLst>
+              </p:cNvPr>
+              <p:cNvCxnSpPr>
+                <a:cxnSpLocks/>
+                <a:stCxn id="30" idx="0"/>
+              </p:cNvCxnSpPr>
+              <p:nvPr/>
+            </p:nvCxnSpPr>
+            <p:spPr>
+              <a:xfrm flipH="1" flipV="1">
+                <a:off x="3310251" y="3651176"/>
+                <a:ext cx="1" cy="768424"/>
+              </a:xfrm>
+              <a:prstGeom prst="straightConnector1">
+                <a:avLst/>
+              </a:prstGeom>
+              <a:ln w="15875">
+                <a:solidFill>
+                  <a:schemeClr val="tx1"/>
+                </a:solidFill>
+                <a:tailEnd type="triangle"/>
+              </a:ln>
+            </p:spPr>
+            <p:style>
+              <a:lnRef idx="1">
+                <a:schemeClr val="accent1"/>
+              </a:lnRef>
+              <a:fillRef idx="0">
+                <a:schemeClr val="accent1"/>
+              </a:fillRef>
+              <a:effectRef idx="0">
+                <a:schemeClr val="accent1"/>
+              </a:effectRef>
+              <a:fontRef idx="minor">
+                <a:schemeClr val="tx1"/>
+              </a:fontRef>
+            </p:style>
+          </p:cxnSp>
+        </p:grpSp>
+        <p:cxnSp>
+          <p:nvCxnSpPr>
+            <p:cNvPr id="7" name="Straight Connector 6">
+              <a:extLst>
+                <a:ext uri="{FF2B5EF4-FFF2-40B4-BE49-F238E27FC236}">
+                  <a16:creationId xmlns:a16="http://schemas.microsoft.com/office/drawing/2014/main" id="{943FE87A-49A6-49A3-9058-D3BBC188DF65}"/>
+                </a:ext>
+              </a:extLst>
+            </p:cNvPr>
+            <p:cNvCxnSpPr/>
             <p:nvPr/>
           </p:nvCxnSpPr>
           <p:spPr>
-            <a:xfrm flipV="1">
-              <a:off x="3310252" y="3678773"/>
-              <a:ext cx="2068" cy="740827"/>
+            <a:xfrm>
+              <a:off x="3390899" y="2516832"/>
+              <a:ext cx="0" cy="607368"/>
             </a:xfrm>
-            <a:prstGeom prst="straightConnector1">
+            <a:prstGeom prst="line">
               <a:avLst/>
             </a:prstGeom>
-            <a:ln w="15875">
-              <a:solidFill>
-                <a:schemeClr val="tx1"/>
-              </a:solidFill>
-              <a:tailEnd type="triangle"/>
-            </a:ln>
+            <a:ln w="12700"/>
           </p:spPr>
           <p:style>
             <a:lnRef idx="1">
@@ -5789,94 +5955,27 @@
             </a:fontRef>
           </p:style>
         </p:cxnSp>
-      </p:grpSp>
-      <p:grpSp>
-        <p:nvGrpSpPr>
-          <p:cNvPr id="29" name="Group 28">
-            <a:extLst>
-              <a:ext uri="{FF2B5EF4-FFF2-40B4-BE49-F238E27FC236}">
-                <a16:creationId xmlns:a16="http://schemas.microsoft.com/office/drawing/2014/main" id="{FD24195B-E6B4-404A-BB40-59EAEE602EEE}"/>
-              </a:ext>
-            </a:extLst>
-          </p:cNvPr>
-          <p:cNvGrpSpPr/>
-          <p:nvPr/>
-        </p:nvGrpSpPr>
-        <p:grpSpPr>
-          <a:xfrm>
-            <a:off x="4648200" y="3124200"/>
-            <a:ext cx="524503" cy="1230089"/>
-            <a:chOff x="3048000" y="3651176"/>
-            <a:chExt cx="524503" cy="1230089"/>
-          </a:xfrm>
-        </p:grpSpPr>
-        <p:sp>
-          <p:nvSpPr>
-            <p:cNvPr id="30" name="TextBox 29">
+        <p:cxnSp>
+          <p:nvCxnSpPr>
+            <p:cNvPr id="20" name="Straight Connector 19">
               <a:extLst>
                 <a:ext uri="{FF2B5EF4-FFF2-40B4-BE49-F238E27FC236}">
-                  <a16:creationId xmlns:a16="http://schemas.microsoft.com/office/drawing/2014/main" id="{FA99C9FB-1E0B-45C9-AC35-9D95E5C0860C}"/>
+                  <a16:creationId xmlns:a16="http://schemas.microsoft.com/office/drawing/2014/main" id="{37242A5E-D957-4E40-B1D0-9DDAF9F219FC}"/>
                 </a:ext>
               </a:extLst>
             </p:cNvPr>
-            <p:cNvSpPr txBox="1"/>
-            <p:nvPr/>
-          </p:nvSpPr>
-          <p:spPr>
-            <a:xfrm>
-              <a:off x="3048000" y="4419600"/>
-              <a:ext cx="524503" cy="461665"/>
-            </a:xfrm>
-            <a:prstGeom prst="rect">
-              <a:avLst/>
-            </a:prstGeom>
-            <a:noFill/>
-          </p:spPr>
-          <p:txBody>
-            <a:bodyPr wrap="none" rtlCol="0">
-              <a:spAutoFit/>
-            </a:bodyPr>
-            <a:lstStyle/>
-            <a:p>
-              <a:r>
-                <a:rPr lang="en-US" sz="2400" b="1" dirty="0">
-                  <a:latin typeface="Consolas" pitchFamily="49" charset="0"/>
-                  <a:cs typeface="Consolas" pitchFamily="49" charset="0"/>
-                </a:rPr>
-                <a:t>hi</a:t>
-              </a:r>
-            </a:p>
-          </p:txBody>
-        </p:sp>
-        <p:cxnSp>
-          <p:nvCxnSpPr>
-            <p:cNvPr id="31" name="Straight Arrow Connector 30">
-              <a:extLst>
-                <a:ext uri="{FF2B5EF4-FFF2-40B4-BE49-F238E27FC236}">
-                  <a16:creationId xmlns:a16="http://schemas.microsoft.com/office/drawing/2014/main" id="{FF423DD1-88B3-418D-9245-A18C9753393E}"/>
-                </a:ext>
-              </a:extLst>
-            </p:cNvPr>
-            <p:cNvCxnSpPr>
-              <a:cxnSpLocks/>
-              <a:stCxn id="30" idx="0"/>
-            </p:cNvCxnSpPr>
+            <p:cNvCxnSpPr/>
             <p:nvPr/>
           </p:nvCxnSpPr>
           <p:spPr>
-            <a:xfrm flipH="1" flipV="1">
-              <a:off x="3310251" y="3651176"/>
-              <a:ext cx="1" cy="768424"/>
+            <a:xfrm>
+              <a:off x="4800600" y="2526358"/>
+              <a:ext cx="0" cy="607368"/>
             </a:xfrm>
-            <a:prstGeom prst="straightConnector1">
+            <a:prstGeom prst="line">
               <a:avLst/>
             </a:prstGeom>
-            <a:ln w="15875">
-              <a:solidFill>
-                <a:schemeClr val="tx1"/>
-              </a:solidFill>
-              <a:tailEnd type="triangle"/>
-            </a:ln>
+            <a:ln w="12700"/>
           </p:spPr>
           <p:style>
             <a:lnRef idx="1">
@@ -5893,195 +5992,121 @@
             </a:fontRef>
           </p:style>
         </p:cxnSp>
+        <p:sp>
+          <p:nvSpPr>
+            <p:cNvPr id="26" name="TextBox 25">
+              <a:extLst>
+                <a:ext uri="{FF2B5EF4-FFF2-40B4-BE49-F238E27FC236}">
+                  <a16:creationId xmlns:a16="http://schemas.microsoft.com/office/drawing/2014/main" id="{07641905-168B-4A22-8451-07D9D7850FA3}"/>
+                </a:ext>
+              </a:extLst>
+            </p:cNvPr>
+            <p:cNvSpPr txBox="1"/>
+            <p:nvPr/>
+          </p:nvSpPr>
+          <p:spPr>
+            <a:xfrm>
+              <a:off x="1661766" y="2602983"/>
+              <a:ext cx="1195734" cy="461665"/>
+            </a:xfrm>
+            <a:prstGeom prst="rect">
+              <a:avLst/>
+            </a:prstGeom>
+            <a:noFill/>
+          </p:spPr>
+          <p:txBody>
+            <a:bodyPr wrap="square" rtlCol="0">
+              <a:spAutoFit/>
+            </a:bodyPr>
+            <a:lstStyle/>
+            <a:p>
+              <a:r>
+                <a:rPr lang="en-US" sz="2400" b="1" dirty="0">
+                  <a:latin typeface="Consolas" pitchFamily="49" charset="0"/>
+                  <a:cs typeface="Consolas" pitchFamily="49" charset="0"/>
+                </a:rPr>
+                <a:t>A[j]&lt;x</a:t>
+              </a:r>
+            </a:p>
+          </p:txBody>
+        </p:sp>
+        <p:sp>
+          <p:nvSpPr>
+            <p:cNvPr id="27" name="TextBox 26">
+              <a:extLst>
+                <a:ext uri="{FF2B5EF4-FFF2-40B4-BE49-F238E27FC236}">
+                  <a16:creationId xmlns:a16="http://schemas.microsoft.com/office/drawing/2014/main" id="{4604096C-85FE-4DC9-9F23-D45CDA7EDE01}"/>
+                </a:ext>
+              </a:extLst>
+            </p:cNvPr>
+            <p:cNvSpPr txBox="1"/>
+            <p:nvPr/>
+          </p:nvSpPr>
+          <p:spPr>
+            <a:xfrm>
+              <a:off x="3867148" y="2628596"/>
+              <a:ext cx="838200" cy="461665"/>
+            </a:xfrm>
+            <a:prstGeom prst="rect">
+              <a:avLst/>
+            </a:prstGeom>
+            <a:noFill/>
+          </p:spPr>
+          <p:txBody>
+            <a:bodyPr wrap="square" rtlCol="0">
+              <a:spAutoFit/>
+            </a:bodyPr>
+            <a:lstStyle/>
+            <a:p>
+              <a:r>
+                <a:rPr lang="en-US" sz="2400" b="1" dirty="0">
+                  <a:latin typeface="Consolas" pitchFamily="49" charset="0"/>
+                  <a:cs typeface="Consolas" pitchFamily="49" charset="0"/>
+                </a:rPr>
+                <a:t>???</a:t>
+              </a:r>
+            </a:p>
+          </p:txBody>
+        </p:sp>
+        <p:sp>
+          <p:nvSpPr>
+            <p:cNvPr id="34" name="TextBox 33">
+              <a:extLst>
+                <a:ext uri="{FF2B5EF4-FFF2-40B4-BE49-F238E27FC236}">
+                  <a16:creationId xmlns:a16="http://schemas.microsoft.com/office/drawing/2014/main" id="{3BC9B28E-1C7C-4A4F-A392-D8936DACA4D6}"/>
+                </a:ext>
+              </a:extLst>
+            </p:cNvPr>
+            <p:cNvSpPr txBox="1"/>
+            <p:nvPr/>
+          </p:nvSpPr>
+          <p:spPr>
+            <a:xfrm>
+              <a:off x="5512815" y="2638201"/>
+              <a:ext cx="1195734" cy="461665"/>
+            </a:xfrm>
+            <a:prstGeom prst="rect">
+              <a:avLst/>
+            </a:prstGeom>
+            <a:noFill/>
+          </p:spPr>
+          <p:txBody>
+            <a:bodyPr wrap="square" rtlCol="0">
+              <a:spAutoFit/>
+            </a:bodyPr>
+            <a:lstStyle/>
+            <a:p>
+              <a:r>
+                <a:rPr lang="en-US" sz="2400" b="1" dirty="0">
+                  <a:latin typeface="Consolas" pitchFamily="49" charset="0"/>
+                  <a:cs typeface="Consolas" pitchFamily="49" charset="0"/>
+                </a:rPr>
+                <a:t>A[j]&gt;x</a:t>
+              </a:r>
+            </a:p>
+          </p:txBody>
+        </p:sp>
       </p:grpSp>
-      <p:cxnSp>
-        <p:nvCxnSpPr>
-          <p:cNvPr id="7" name="Straight Connector 6">
-            <a:extLst>
-              <a:ext uri="{FF2B5EF4-FFF2-40B4-BE49-F238E27FC236}">
-                <a16:creationId xmlns:a16="http://schemas.microsoft.com/office/drawing/2014/main" id="{943FE87A-49A6-49A3-9058-D3BBC188DF65}"/>
-              </a:ext>
-            </a:extLst>
-          </p:cNvPr>
-          <p:cNvCxnSpPr/>
-          <p:nvPr/>
-        </p:nvCxnSpPr>
-        <p:spPr>
-          <a:xfrm>
-            <a:off x="3390899" y="2516832"/>
-            <a:ext cx="0" cy="607368"/>
-          </a:xfrm>
-          <a:prstGeom prst="line">
-            <a:avLst/>
-          </a:prstGeom>
-          <a:ln w="12700"/>
-        </p:spPr>
-        <p:style>
-          <a:lnRef idx="1">
-            <a:schemeClr val="accent1"/>
-          </a:lnRef>
-          <a:fillRef idx="0">
-            <a:schemeClr val="accent1"/>
-          </a:fillRef>
-          <a:effectRef idx="0">
-            <a:schemeClr val="accent1"/>
-          </a:effectRef>
-          <a:fontRef idx="minor">
-            <a:schemeClr val="tx1"/>
-          </a:fontRef>
-        </p:style>
-      </p:cxnSp>
-      <p:cxnSp>
-        <p:nvCxnSpPr>
-          <p:cNvPr id="20" name="Straight Connector 19">
-            <a:extLst>
-              <a:ext uri="{FF2B5EF4-FFF2-40B4-BE49-F238E27FC236}">
-                <a16:creationId xmlns:a16="http://schemas.microsoft.com/office/drawing/2014/main" id="{37242A5E-D957-4E40-B1D0-9DDAF9F219FC}"/>
-              </a:ext>
-            </a:extLst>
-          </p:cNvPr>
-          <p:cNvCxnSpPr/>
-          <p:nvPr/>
-        </p:nvCxnSpPr>
-        <p:spPr>
-          <a:xfrm>
-            <a:off x="4800600" y="2526358"/>
-            <a:ext cx="0" cy="607368"/>
-          </a:xfrm>
-          <a:prstGeom prst="line">
-            <a:avLst/>
-          </a:prstGeom>
-          <a:ln w="12700"/>
-        </p:spPr>
-        <p:style>
-          <a:lnRef idx="1">
-            <a:schemeClr val="accent1"/>
-          </a:lnRef>
-          <a:fillRef idx="0">
-            <a:schemeClr val="accent1"/>
-          </a:fillRef>
-          <a:effectRef idx="0">
-            <a:schemeClr val="accent1"/>
-          </a:effectRef>
-          <a:fontRef idx="minor">
-            <a:schemeClr val="tx1"/>
-          </a:fontRef>
-        </p:style>
-      </p:cxnSp>
-      <p:sp>
-        <p:nvSpPr>
-          <p:cNvPr id="26" name="TextBox 25">
-            <a:extLst>
-              <a:ext uri="{FF2B5EF4-FFF2-40B4-BE49-F238E27FC236}">
-                <a16:creationId xmlns:a16="http://schemas.microsoft.com/office/drawing/2014/main" id="{07641905-168B-4A22-8451-07D9D7850FA3}"/>
-              </a:ext>
-            </a:extLst>
-          </p:cNvPr>
-          <p:cNvSpPr txBox="1"/>
-          <p:nvPr/>
-        </p:nvSpPr>
-        <p:spPr>
-          <a:xfrm>
-            <a:off x="1661766" y="2602983"/>
-            <a:ext cx="1195734" cy="461665"/>
-          </a:xfrm>
-          <a:prstGeom prst="rect">
-            <a:avLst/>
-          </a:prstGeom>
-          <a:noFill/>
-        </p:spPr>
-        <p:txBody>
-          <a:bodyPr wrap="square" rtlCol="0">
-            <a:spAutoFit/>
-          </a:bodyPr>
-          <a:lstStyle/>
-          <a:p>
-            <a:r>
-              <a:rPr lang="en-US" sz="2400" b="1" dirty="0">
-                <a:latin typeface="Consolas" pitchFamily="49" charset="0"/>
-                <a:cs typeface="Consolas" pitchFamily="49" charset="0"/>
-              </a:rPr>
-              <a:t>A[j]&lt;x</a:t>
-            </a:r>
-          </a:p>
-        </p:txBody>
-      </p:sp>
-      <p:sp>
-        <p:nvSpPr>
-          <p:cNvPr id="27" name="TextBox 26">
-            <a:extLst>
-              <a:ext uri="{FF2B5EF4-FFF2-40B4-BE49-F238E27FC236}">
-                <a16:creationId xmlns:a16="http://schemas.microsoft.com/office/drawing/2014/main" id="{4604096C-85FE-4DC9-9F23-D45CDA7EDE01}"/>
-              </a:ext>
-            </a:extLst>
-          </p:cNvPr>
-          <p:cNvSpPr txBox="1"/>
-          <p:nvPr/>
-        </p:nvSpPr>
-        <p:spPr>
-          <a:xfrm>
-            <a:off x="3867148" y="2628596"/>
-            <a:ext cx="838200" cy="461665"/>
-          </a:xfrm>
-          <a:prstGeom prst="rect">
-            <a:avLst/>
-          </a:prstGeom>
-          <a:noFill/>
-        </p:spPr>
-        <p:txBody>
-          <a:bodyPr wrap="square" rtlCol="0">
-            <a:spAutoFit/>
-          </a:bodyPr>
-          <a:lstStyle/>
-          <a:p>
-            <a:r>
-              <a:rPr lang="en-US" sz="2400" b="1" dirty="0">
-                <a:latin typeface="Consolas" pitchFamily="49" charset="0"/>
-                <a:cs typeface="Consolas" pitchFamily="49" charset="0"/>
-              </a:rPr>
-              <a:t>???</a:t>
-            </a:r>
-          </a:p>
-        </p:txBody>
-      </p:sp>
-      <p:sp>
-        <p:nvSpPr>
-          <p:cNvPr id="34" name="TextBox 33">
-            <a:extLst>
-              <a:ext uri="{FF2B5EF4-FFF2-40B4-BE49-F238E27FC236}">
-                <a16:creationId xmlns:a16="http://schemas.microsoft.com/office/drawing/2014/main" id="{3BC9B28E-1C7C-4A4F-A392-D8936DACA4D6}"/>
-              </a:ext>
-            </a:extLst>
-          </p:cNvPr>
-          <p:cNvSpPr txBox="1"/>
-          <p:nvPr/>
-        </p:nvSpPr>
-        <p:spPr>
-          <a:xfrm>
-            <a:off x="5512815" y="2638201"/>
-            <a:ext cx="1195734" cy="461665"/>
-          </a:xfrm>
-          <a:prstGeom prst="rect">
-            <a:avLst/>
-          </a:prstGeom>
-          <a:noFill/>
-        </p:spPr>
-        <p:txBody>
-          <a:bodyPr wrap="square" rtlCol="0">
-            <a:spAutoFit/>
-          </a:bodyPr>
-          <a:lstStyle/>
-          <a:p>
-            <a:r>
-              <a:rPr lang="en-US" sz="2400" b="1" dirty="0">
-                <a:latin typeface="Consolas" pitchFamily="49" charset="0"/>
-                <a:cs typeface="Consolas" pitchFamily="49" charset="0"/>
-              </a:rPr>
-              <a:t>A[j]&gt;x</a:t>
-            </a:r>
-          </a:p>
-        </p:txBody>
-      </p:sp>
       <p:sp>
         <p:nvSpPr>
           <p:cNvPr id="14" name="TextBox 13">
@@ -6207,6 +6232,190 @@
               <a:rPr lang="en-US" sz="2400" dirty="0"/>
               <a:t>Drawing the arrows just to the right or just to the left of the boundary prevents many off-by-one errors.</a:t>
             </a:r>
+          </a:p>
+        </p:txBody>
+      </p:sp>
+      <p:sp>
+        <p:nvSpPr>
+          <p:cNvPr id="8" name="Cloud 7">
+            <a:extLst>
+              <a:ext uri="{FF2B5EF4-FFF2-40B4-BE49-F238E27FC236}">
+                <a16:creationId xmlns:a16="http://schemas.microsoft.com/office/drawing/2014/main" id="{83774FE5-6868-48B5-9A01-4375A535EBAC}"/>
+              </a:ext>
+            </a:extLst>
+          </p:cNvPr>
+          <p:cNvSpPr/>
+          <p:nvPr/>
+        </p:nvSpPr>
+        <p:spPr>
+          <a:xfrm>
+            <a:off x="306160" y="1466279"/>
+            <a:ext cx="2498954" cy="857822"/>
+          </a:xfrm>
+          <a:prstGeom prst="cloud">
+            <a:avLst/>
+          </a:prstGeom>
+          <a:solidFill>
+            <a:schemeClr val="accent3">
+              <a:lumMod val="40000"/>
+              <a:lumOff val="60000"/>
+            </a:schemeClr>
+          </a:solidFill>
+          <a:ln/>
+        </p:spPr>
+        <p:style>
+          <a:lnRef idx="2">
+            <a:schemeClr val="accent1"/>
+          </a:lnRef>
+          <a:fillRef idx="1">
+            <a:schemeClr val="lt1"/>
+          </a:fillRef>
+          <a:effectRef idx="0">
+            <a:schemeClr val="accent1"/>
+          </a:effectRef>
+          <a:fontRef idx="minor">
+            <a:schemeClr val="dk1"/>
+          </a:fontRef>
+        </p:style>
+        <p:txBody>
+          <a:bodyPr rot="0" spcFirstLastPara="0" vertOverflow="overflow" horzOverflow="overflow" vert="horz" wrap="square" lIns="91440" tIns="45720" rIns="91440" bIns="45720" numCol="1" spcCol="0" rtlCol="0" fromWordArt="0" anchor="ctr" anchorCtr="0" forceAA="0" compatLnSpc="1">
+            <a:prstTxWarp prst="textNoShape">
+              <a:avLst/>
+            </a:prstTxWarp>
+            <a:noAutofit/>
+          </a:bodyPr>
+          <a:lstStyle/>
+          <a:p>
+            <a:pPr algn="ctr"/>
+            <a:r>
+              <a:rPr lang="en-US" sz="1400" dirty="0">
+                <a:solidFill>
+                  <a:schemeClr val="tx1"/>
+                </a:solidFill>
+              </a:rPr>
+              <a:t>I’m writing </a:t>
+            </a:r>
+            <a:r>
+              <a:rPr lang="en-US" sz="1400" b="1" dirty="0">
+                <a:solidFill>
+                  <a:schemeClr val="tx1"/>
+                </a:solidFill>
+              </a:rPr>
+              <a:t>x</a:t>
+            </a:r>
+            <a:r>
+              <a:rPr lang="en-US" sz="1400" dirty="0">
+                <a:solidFill>
+                  <a:schemeClr val="tx1"/>
+                </a:solidFill>
+              </a:rPr>
+              <a:t> here, instead of </a:t>
+            </a:r>
+            <a:r>
+              <a:rPr lang="en-US" sz="1400" b="1" dirty="0" err="1">
+                <a:solidFill>
+                  <a:schemeClr val="tx1"/>
+                </a:solidFill>
+              </a:rPr>
+              <a:t>tgt</a:t>
+            </a:r>
+            <a:r>
+              <a:rPr lang="en-US" sz="1400" dirty="0">
+                <a:solidFill>
+                  <a:schemeClr val="tx1"/>
+                </a:solidFill>
+              </a:rPr>
+              <a:t> to save space, sorry</a:t>
+            </a:r>
+          </a:p>
+        </p:txBody>
+      </p:sp>
+      <p:sp>
+        <p:nvSpPr>
+          <p:cNvPr id="9" name="Freeform: Shape 8">
+            <a:extLst>
+              <a:ext uri="{FF2B5EF4-FFF2-40B4-BE49-F238E27FC236}">
+                <a16:creationId xmlns:a16="http://schemas.microsoft.com/office/drawing/2014/main" id="{D71F3285-B372-4A01-B580-95A26582DB69}"/>
+              </a:ext>
+            </a:extLst>
+          </p:cNvPr>
+          <p:cNvSpPr/>
+          <p:nvPr/>
+        </p:nvSpPr>
+        <p:spPr>
+          <a:xfrm>
+            <a:off x="2738438" y="1818469"/>
+            <a:ext cx="829067" cy="839006"/>
+          </a:xfrm>
+          <a:custGeom>
+            <a:avLst/>
+            <a:gdLst>
+              <a:gd name="connsiteX0" fmla="*/ 85725 w 829067"/>
+              <a:gd name="connsiteY0" fmla="*/ 77006 h 839006"/>
+              <a:gd name="connsiteX1" fmla="*/ 828675 w 829067"/>
+              <a:gd name="connsiteY1" fmla="*/ 72244 h 839006"/>
+              <a:gd name="connsiteX2" fmla="*/ 0 w 829067"/>
+              <a:gd name="connsiteY2" fmla="*/ 839006 h 839006"/>
+            </a:gdLst>
+            <a:ahLst/>
+            <a:cxnLst>
+              <a:cxn ang="0">
+                <a:pos x="connsiteX0" y="connsiteY0"/>
+              </a:cxn>
+              <a:cxn ang="0">
+                <a:pos x="connsiteX1" y="connsiteY1"/>
+              </a:cxn>
+              <a:cxn ang="0">
+                <a:pos x="connsiteX2" y="connsiteY2"/>
+              </a:cxn>
+            </a:cxnLst>
+            <a:rect l="l" t="t" r="r" b="b"/>
+            <a:pathLst>
+              <a:path w="829067" h="839006">
+                <a:moveTo>
+                  <a:pt x="85725" y="77006"/>
+                </a:moveTo>
+                <a:cubicBezTo>
+                  <a:pt x="464343" y="11125"/>
+                  <a:pt x="842962" y="-54756"/>
+                  <a:pt x="828675" y="72244"/>
+                </a:cubicBezTo>
+                <a:cubicBezTo>
+                  <a:pt x="814388" y="199244"/>
+                  <a:pt x="407194" y="519125"/>
+                  <a:pt x="0" y="839006"/>
+                </a:cubicBezTo>
+              </a:path>
+            </a:pathLst>
+          </a:custGeom>
+          <a:noFill/>
+          <a:ln>
+            <a:solidFill>
+              <a:schemeClr val="accent1"/>
+            </a:solidFill>
+            <a:tailEnd type="stealth" w="lg" len="lg"/>
+          </a:ln>
+        </p:spPr>
+        <p:style>
+          <a:lnRef idx="2">
+            <a:schemeClr val="accent1"/>
+          </a:lnRef>
+          <a:fillRef idx="1">
+            <a:schemeClr val="lt1"/>
+          </a:fillRef>
+          <a:effectRef idx="0">
+            <a:schemeClr val="accent1"/>
+          </a:effectRef>
+          <a:fontRef idx="minor">
+            <a:schemeClr val="dk1"/>
+          </a:fontRef>
+        </p:style>
+        <p:txBody>
+          <a:bodyPr rtlCol="0" anchor="ctr"/>
+          <a:lstStyle/>
+          <a:p>
+            <a:pPr algn="ctr"/>
+            <a:endParaRPr lang="en-US"/>
           </a:p>
         </p:txBody>
       </p:sp>
@@ -7219,7 +7428,15 @@
           <a:p>
             <a:r>
               <a:rPr lang="en-US" dirty="0"/>
-              <a:t>What are the easy cases for binary-search-loop?</a:t>
+              <a:t>What are the easy cases for </a:t>
+            </a:r>
+            <a:r>
+              <a:rPr lang="en-US" dirty="0" err="1"/>
+              <a:t>recursive_loop</a:t>
+            </a:r>
+            <a:r>
+              <a:rPr lang="en-US" dirty="0"/>
+              <a:t>?</a:t>
             </a:r>
           </a:p>
         </p:txBody>
@@ -7300,6 +7517,472 @@
               <a:t>16</a:t>
             </a:fld>
             <a:endParaRPr lang="en-US"/>
+          </a:p>
+        </p:txBody>
+      </p:sp>
+      <p:grpSp>
+        <p:nvGrpSpPr>
+          <p:cNvPr id="18" name="Group 17">
+            <a:extLst>
+              <a:ext uri="{FF2B5EF4-FFF2-40B4-BE49-F238E27FC236}">
+                <a16:creationId xmlns:a16="http://schemas.microsoft.com/office/drawing/2014/main" id="{E2978600-0C84-49FF-8ECC-8458DBC5EA7C}"/>
+              </a:ext>
+            </a:extLst>
+          </p:cNvPr>
+          <p:cNvGrpSpPr/>
+          <p:nvPr/>
+        </p:nvGrpSpPr>
+        <p:grpSpPr>
+          <a:xfrm>
+            <a:off x="1009650" y="3646385"/>
+            <a:ext cx="6515099" cy="2262819"/>
+            <a:chOff x="914399" y="2516832"/>
+            <a:chExt cx="6515099" cy="2262819"/>
+          </a:xfrm>
+        </p:grpSpPr>
+        <p:sp>
+          <p:nvSpPr>
+            <p:cNvPr id="5" name="Rectangle 4">
+              <a:extLst>
+                <a:ext uri="{FF2B5EF4-FFF2-40B4-BE49-F238E27FC236}">
+                  <a16:creationId xmlns:a16="http://schemas.microsoft.com/office/drawing/2014/main" id="{AD463A68-E697-405A-BE67-068927966766}"/>
+                </a:ext>
+              </a:extLst>
+            </p:cNvPr>
+            <p:cNvSpPr/>
+            <p:nvPr/>
+          </p:nvSpPr>
+          <p:spPr>
+            <a:xfrm>
+              <a:off x="914399" y="2516832"/>
+              <a:ext cx="6515099" cy="609600"/>
+            </a:xfrm>
+            <a:prstGeom prst="rect">
+              <a:avLst/>
+            </a:prstGeom>
+            <a:ln w="12700">
+              <a:solidFill>
+                <a:schemeClr val="tx1"/>
+              </a:solidFill>
+              <a:tailEnd type="stealth" w="lg" len="lg"/>
+            </a:ln>
+          </p:spPr>
+          <p:style>
+            <a:lnRef idx="1">
+              <a:schemeClr val="accent1"/>
+            </a:lnRef>
+            <a:fillRef idx="0">
+              <a:schemeClr val="accent1"/>
+            </a:fillRef>
+            <a:effectRef idx="0">
+              <a:schemeClr val="accent1"/>
+            </a:effectRef>
+            <a:fontRef idx="minor">
+              <a:schemeClr val="tx1"/>
+            </a:fontRef>
+          </p:style>
+          <p:txBody>
+            <a:bodyPr rtlCol="0" anchor="ctr"/>
+            <a:lstStyle/>
+            <a:p>
+              <a:pPr algn="ctr"/>
+              <a:endParaRPr lang="en-US"/>
+            </a:p>
+          </p:txBody>
+        </p:sp>
+        <p:sp>
+          <p:nvSpPr>
+            <p:cNvPr id="6" name="TextBox 5">
+              <a:extLst>
+                <a:ext uri="{FF2B5EF4-FFF2-40B4-BE49-F238E27FC236}">
+                  <a16:creationId xmlns:a16="http://schemas.microsoft.com/office/drawing/2014/main" id="{348C2A60-EC91-43D5-85D6-9934E0F6BA70}"/>
+                </a:ext>
+              </a:extLst>
+            </p:cNvPr>
+            <p:cNvSpPr txBox="1"/>
+            <p:nvPr/>
+          </p:nvSpPr>
+          <p:spPr>
+            <a:xfrm>
+              <a:off x="914400" y="2590800"/>
+              <a:ext cx="354584" cy="461665"/>
+            </a:xfrm>
+            <a:prstGeom prst="rect">
+              <a:avLst/>
+            </a:prstGeom>
+            <a:noFill/>
+          </p:spPr>
+          <p:txBody>
+            <a:bodyPr wrap="none" rtlCol="0">
+              <a:spAutoFit/>
+            </a:bodyPr>
+            <a:lstStyle/>
+            <a:p>
+              <a:r>
+                <a:rPr lang="en-US" sz="2400" b="1" dirty="0">
+                  <a:latin typeface="Consolas" pitchFamily="49" charset="0"/>
+                  <a:cs typeface="Consolas" pitchFamily="49" charset="0"/>
+                </a:rPr>
+                <a:t>0</a:t>
+              </a:r>
+            </a:p>
+          </p:txBody>
+        </p:sp>
+        <p:grpSp>
+          <p:nvGrpSpPr>
+            <p:cNvPr id="7" name="Group 6">
+              <a:extLst>
+                <a:ext uri="{FF2B5EF4-FFF2-40B4-BE49-F238E27FC236}">
+                  <a16:creationId xmlns:a16="http://schemas.microsoft.com/office/drawing/2014/main" id="{866CDC71-8CFE-4234-847A-720626223F64}"/>
+                </a:ext>
+              </a:extLst>
+            </p:cNvPr>
+            <p:cNvGrpSpPr/>
+            <p:nvPr/>
+          </p:nvGrpSpPr>
+          <p:grpSpPr>
+            <a:xfrm>
+              <a:off x="3276600" y="3154179"/>
+              <a:ext cx="524503" cy="1202492"/>
+              <a:chOff x="3048000" y="3678773"/>
+              <a:chExt cx="524503" cy="1202492"/>
+            </a:xfrm>
+          </p:grpSpPr>
+          <p:sp>
+            <p:nvSpPr>
+              <p:cNvPr id="8" name="TextBox 7">
+                <a:extLst>
+                  <a:ext uri="{FF2B5EF4-FFF2-40B4-BE49-F238E27FC236}">
+                    <a16:creationId xmlns:a16="http://schemas.microsoft.com/office/drawing/2014/main" id="{555EA9C0-1189-40FE-9C48-9846A4634881}"/>
+                  </a:ext>
+                </a:extLst>
+              </p:cNvPr>
+              <p:cNvSpPr txBox="1"/>
+              <p:nvPr/>
+            </p:nvSpPr>
+            <p:spPr>
+              <a:xfrm>
+                <a:off x="3048000" y="4419600"/>
+                <a:ext cx="524503" cy="461665"/>
+              </a:xfrm>
+              <a:prstGeom prst="rect">
+                <a:avLst/>
+              </a:prstGeom>
+              <a:noFill/>
+            </p:spPr>
+            <p:txBody>
+              <a:bodyPr wrap="none" rtlCol="0">
+                <a:spAutoFit/>
+              </a:bodyPr>
+              <a:lstStyle/>
+              <a:p>
+                <a:r>
+                  <a:rPr lang="en-US" sz="2400" b="1" dirty="0">
+                    <a:latin typeface="Consolas" pitchFamily="49" charset="0"/>
+                    <a:cs typeface="Consolas" pitchFamily="49" charset="0"/>
+                  </a:rPr>
+                  <a:t>lo</a:t>
+                </a:r>
+              </a:p>
+            </p:txBody>
+          </p:sp>
+          <p:cxnSp>
+            <p:nvCxnSpPr>
+              <p:cNvPr id="9" name="Straight Arrow Connector 8">
+                <a:extLst>
+                  <a:ext uri="{FF2B5EF4-FFF2-40B4-BE49-F238E27FC236}">
+                    <a16:creationId xmlns:a16="http://schemas.microsoft.com/office/drawing/2014/main" id="{10D033E0-E21F-46FF-9E18-B87B3BF7338B}"/>
+                  </a:ext>
+                </a:extLst>
+              </p:cNvPr>
+              <p:cNvCxnSpPr>
+                <a:cxnSpLocks/>
+                <a:stCxn id="8" idx="0"/>
+              </p:cNvCxnSpPr>
+              <p:nvPr/>
+            </p:nvCxnSpPr>
+            <p:spPr>
+              <a:xfrm flipV="1">
+                <a:off x="3310252" y="3678773"/>
+                <a:ext cx="2068" cy="740827"/>
+              </a:xfrm>
+              <a:prstGeom prst="straightConnector1">
+                <a:avLst/>
+              </a:prstGeom>
+              <a:ln w="15875">
+                <a:solidFill>
+                  <a:schemeClr val="tx1"/>
+                </a:solidFill>
+                <a:tailEnd type="triangle"/>
+              </a:ln>
+            </p:spPr>
+            <p:style>
+              <a:lnRef idx="1">
+                <a:schemeClr val="accent1"/>
+              </a:lnRef>
+              <a:fillRef idx="0">
+                <a:schemeClr val="accent1"/>
+              </a:fillRef>
+              <a:effectRef idx="0">
+                <a:schemeClr val="accent1"/>
+              </a:effectRef>
+              <a:fontRef idx="minor">
+                <a:schemeClr val="tx1"/>
+              </a:fontRef>
+            </p:style>
+          </p:cxnSp>
+        </p:grpSp>
+        <p:sp>
+          <p:nvSpPr>
+            <p:cNvPr id="11" name="TextBox 10">
+              <a:extLst>
+                <a:ext uri="{FF2B5EF4-FFF2-40B4-BE49-F238E27FC236}">
+                  <a16:creationId xmlns:a16="http://schemas.microsoft.com/office/drawing/2014/main" id="{BEC18EEB-23BB-4B55-83E0-1570BF2F758D}"/>
+                </a:ext>
+              </a:extLst>
+            </p:cNvPr>
+            <p:cNvSpPr txBox="1"/>
+            <p:nvPr/>
+          </p:nvSpPr>
+          <p:spPr>
+            <a:xfrm>
+              <a:off x="3276600" y="4317986"/>
+              <a:ext cx="524503" cy="461665"/>
+            </a:xfrm>
+            <a:prstGeom prst="rect">
+              <a:avLst/>
+            </a:prstGeom>
+            <a:noFill/>
+          </p:spPr>
+          <p:txBody>
+            <a:bodyPr wrap="none" rtlCol="0">
+              <a:spAutoFit/>
+            </a:bodyPr>
+            <a:lstStyle/>
+            <a:p>
+              <a:r>
+                <a:rPr lang="en-US" sz="2400" b="1" dirty="0">
+                  <a:latin typeface="Consolas" pitchFamily="49" charset="0"/>
+                  <a:cs typeface="Consolas" pitchFamily="49" charset="0"/>
+                </a:rPr>
+                <a:t>hi</a:t>
+              </a:r>
+            </a:p>
+          </p:txBody>
+        </p:sp>
+        <p:cxnSp>
+          <p:nvCxnSpPr>
+            <p:cNvPr id="13" name="Straight Connector 12">
+              <a:extLst>
+                <a:ext uri="{FF2B5EF4-FFF2-40B4-BE49-F238E27FC236}">
+                  <a16:creationId xmlns:a16="http://schemas.microsoft.com/office/drawing/2014/main" id="{8836D176-245B-4196-818A-E5224BB5CC8F}"/>
+                </a:ext>
+              </a:extLst>
+            </p:cNvPr>
+            <p:cNvCxnSpPr/>
+            <p:nvPr/>
+          </p:nvCxnSpPr>
+          <p:spPr>
+            <a:xfrm>
+              <a:off x="3390899" y="2516832"/>
+              <a:ext cx="0" cy="607368"/>
+            </a:xfrm>
+            <a:prstGeom prst="line">
+              <a:avLst/>
+            </a:prstGeom>
+            <a:ln w="12700"/>
+          </p:spPr>
+          <p:style>
+            <a:lnRef idx="1">
+              <a:schemeClr val="accent1"/>
+            </a:lnRef>
+            <a:fillRef idx="0">
+              <a:schemeClr val="accent1"/>
+            </a:fillRef>
+            <a:effectRef idx="0">
+              <a:schemeClr val="accent1"/>
+            </a:effectRef>
+            <a:fontRef idx="minor">
+              <a:schemeClr val="tx1"/>
+            </a:fontRef>
+          </p:style>
+        </p:cxnSp>
+        <p:sp>
+          <p:nvSpPr>
+            <p:cNvPr id="15" name="TextBox 14">
+              <a:extLst>
+                <a:ext uri="{FF2B5EF4-FFF2-40B4-BE49-F238E27FC236}">
+                  <a16:creationId xmlns:a16="http://schemas.microsoft.com/office/drawing/2014/main" id="{9AD29400-89FC-4C68-8081-CA005E42FD5E}"/>
+                </a:ext>
+              </a:extLst>
+            </p:cNvPr>
+            <p:cNvSpPr txBox="1"/>
+            <p:nvPr/>
+          </p:nvSpPr>
+          <p:spPr>
+            <a:xfrm>
+              <a:off x="1661766" y="2602983"/>
+              <a:ext cx="1195734" cy="461665"/>
+            </a:xfrm>
+            <a:prstGeom prst="rect">
+              <a:avLst/>
+            </a:prstGeom>
+            <a:noFill/>
+          </p:spPr>
+          <p:txBody>
+            <a:bodyPr wrap="square" rtlCol="0">
+              <a:spAutoFit/>
+            </a:bodyPr>
+            <a:lstStyle/>
+            <a:p>
+              <a:r>
+                <a:rPr lang="en-US" sz="2400" b="1" dirty="0">
+                  <a:latin typeface="Consolas" pitchFamily="49" charset="0"/>
+                  <a:cs typeface="Consolas" pitchFamily="49" charset="0"/>
+                </a:rPr>
+                <a:t>A[j]&lt;x</a:t>
+              </a:r>
+            </a:p>
+          </p:txBody>
+        </p:sp>
+        <p:sp>
+          <p:nvSpPr>
+            <p:cNvPr id="17" name="TextBox 16">
+              <a:extLst>
+                <a:ext uri="{FF2B5EF4-FFF2-40B4-BE49-F238E27FC236}">
+                  <a16:creationId xmlns:a16="http://schemas.microsoft.com/office/drawing/2014/main" id="{A1913B0B-E1CA-42F7-895C-52055F47E432}"/>
+                </a:ext>
+              </a:extLst>
+            </p:cNvPr>
+            <p:cNvSpPr txBox="1"/>
+            <p:nvPr/>
+          </p:nvSpPr>
+          <p:spPr>
+            <a:xfrm>
+              <a:off x="5512815" y="2638201"/>
+              <a:ext cx="1195734" cy="461665"/>
+            </a:xfrm>
+            <a:prstGeom prst="rect">
+              <a:avLst/>
+            </a:prstGeom>
+            <a:noFill/>
+          </p:spPr>
+          <p:txBody>
+            <a:bodyPr wrap="square" rtlCol="0">
+              <a:spAutoFit/>
+            </a:bodyPr>
+            <a:lstStyle/>
+            <a:p>
+              <a:r>
+                <a:rPr lang="en-US" sz="2400" b="1" dirty="0">
+                  <a:latin typeface="Consolas" pitchFamily="49" charset="0"/>
+                  <a:cs typeface="Consolas" pitchFamily="49" charset="0"/>
+                </a:rPr>
+                <a:t>A[j]&gt;x</a:t>
+              </a:r>
+            </a:p>
+          </p:txBody>
+        </p:sp>
+      </p:grpSp>
+      <p:sp>
+        <p:nvSpPr>
+          <p:cNvPr id="19" name="TextBox 18">
+            <a:extLst>
+              <a:ext uri="{FF2B5EF4-FFF2-40B4-BE49-F238E27FC236}">
+                <a16:creationId xmlns:a16="http://schemas.microsoft.com/office/drawing/2014/main" id="{2588194B-21AA-4DAB-8527-45BCFD50B765}"/>
+              </a:ext>
+            </a:extLst>
+          </p:cNvPr>
+          <p:cNvSpPr txBox="1"/>
+          <p:nvPr/>
+        </p:nvSpPr>
+        <p:spPr>
+          <a:xfrm>
+            <a:off x="4267200" y="4858044"/>
+            <a:ext cx="3311818" cy="1101604"/>
+          </a:xfrm>
+          <a:prstGeom prst="rect">
+            <a:avLst/>
+          </a:prstGeom>
+          <a:solidFill>
+            <a:schemeClr val="accent1">
+              <a:lumMod val="20000"/>
+              <a:lumOff val="80000"/>
+            </a:schemeClr>
+          </a:solidFill>
+          <a:ln>
+            <a:noFill/>
+          </a:ln>
+        </p:spPr>
+        <p:style>
+          <a:lnRef idx="2">
+            <a:schemeClr val="accent1"/>
+          </a:lnRef>
+          <a:fillRef idx="1">
+            <a:schemeClr val="lt1"/>
+          </a:fillRef>
+          <a:effectRef idx="0">
+            <a:schemeClr val="accent1"/>
+          </a:effectRef>
+          <a:fontRef idx="minor">
+            <a:schemeClr val="dk1"/>
+          </a:fontRef>
+        </p:style>
+        <p:txBody>
+          <a:bodyPr rot="0" spcFirstLastPara="0" vertOverflow="overflow" horzOverflow="overflow" vert="horz" wrap="square" lIns="91440" tIns="45720" rIns="91440" bIns="45720" numCol="1" spcCol="0" rtlCol="0" fromWordArt="0" anchor="ctr" anchorCtr="0" forceAA="0" compatLnSpc="1">
+            <a:prstTxWarp prst="textNoShape">
+              <a:avLst/>
+            </a:prstTxWarp>
+            <a:noAutofit/>
+          </a:bodyPr>
+          <a:lstStyle/>
+          <a:p>
+            <a:r>
+              <a:rPr lang="en-US" sz="2400" dirty="0"/>
+              <a:t>The “unknown” region is empty!</a:t>
+            </a:r>
+          </a:p>
+        </p:txBody>
+      </p:sp>
+      <p:sp>
+        <p:nvSpPr>
+          <p:cNvPr id="20" name="TextBox 19">
+            <a:extLst>
+              <a:ext uri="{FF2B5EF4-FFF2-40B4-BE49-F238E27FC236}">
+                <a16:creationId xmlns:a16="http://schemas.microsoft.com/office/drawing/2014/main" id="{D3051B06-63D7-4E09-AFF1-076F59700C59}"/>
+              </a:ext>
+            </a:extLst>
+          </p:cNvPr>
+          <p:cNvSpPr txBox="1"/>
+          <p:nvPr/>
+        </p:nvSpPr>
+        <p:spPr>
+          <a:xfrm>
+            <a:off x="7619999" y="3719236"/>
+            <a:ext cx="1600200" cy="461665"/>
+          </a:xfrm>
+          <a:prstGeom prst="rect">
+            <a:avLst/>
+          </a:prstGeom>
+          <a:noFill/>
+        </p:spPr>
+        <p:txBody>
+          <a:bodyPr wrap="square" rtlCol="0">
+            <a:spAutoFit/>
+          </a:bodyPr>
+          <a:lstStyle/>
+          <a:p>
+            <a:r>
+              <a:rPr lang="en-US" sz="2400" b="1" dirty="0" err="1">
+                <a:latin typeface="Consolas" pitchFamily="49" charset="0"/>
+                <a:cs typeface="Consolas" pitchFamily="49" charset="0"/>
+              </a:rPr>
+              <a:t>A.length</a:t>
+            </a:r>
+            <a:endParaRPr lang="en-US" sz="2400" b="1" dirty="0">
+              <a:latin typeface="Consolas" pitchFamily="49" charset="0"/>
+              <a:cs typeface="Consolas" pitchFamily="49" charset="0"/>
+            </a:endParaRPr>
           </a:p>
         </p:txBody>
       </p:sp>
@@ -7367,7 +8050,9 @@
         </p:nvSpPr>
         <p:spPr/>
         <p:txBody>
-          <a:bodyPr/>
+          <a:bodyPr>
+            <a:normAutofit lnSpcReduction="10000"/>
+          </a:bodyPr>
           <a:lstStyle/>
           <a:p>
             <a:r>
@@ -7400,7 +8085,23 @@
             </a:r>
             <a:r>
               <a:rPr lang="en-US" dirty="0"/>
-              <a:t>] .</a:t>
+              <a:t>] and compare </a:t>
+            </a:r>
+            <a:r>
+              <a:rPr lang="en-US" b="1" dirty="0"/>
+              <a:t>A[mid] </a:t>
+            </a:r>
+            <a:r>
+              <a:rPr lang="en-US" dirty="0"/>
+              <a:t>to </a:t>
+            </a:r>
+            <a:r>
+              <a:rPr lang="en-US" b="1" dirty="0"/>
+              <a:t>tgt</a:t>
+            </a:r>
+            <a:r>
+              <a:rPr lang="en-US" dirty="0"/>
+              <a:t>.</a:t>
             </a:r>
             <a:endParaRPr lang="en-US" b="1" dirty="0"/>
           </a:p>
@@ -7545,13 +8246,13 @@
         <p:spPr/>
         <p:txBody>
           <a:bodyPr>
-            <a:normAutofit fontScale="92500" lnSpcReduction="10000"/>
+            <a:normAutofit/>
           </a:bodyPr>
           <a:lstStyle/>
           <a:p>
             <a:r>
               <a:rPr lang="en-US" dirty="0"/>
-              <a:t>A(mid) = </a:t>
+              <a:t>Case 1: A(mid) = </a:t>
             </a:r>
             <a:r>
               <a:rPr lang="en-US" dirty="0" err="1"/>
@@ -7567,77 +8268,10 @@
             </a:r>
           </a:p>
           <a:p>
-            <a:r>
-              <a:rPr lang="en-US" dirty="0"/>
-              <a:t>A(mid) &lt; </a:t>
-            </a:r>
-            <a:r>
-              <a:rPr lang="en-US" dirty="0" err="1"/>
-              <a:t>tgt</a:t>
-            </a:r>
-            <a:endParaRPr lang="en-US" dirty="0"/>
-          </a:p>
-          <a:p>
             <a:pPr lvl="1"/>
             <a:r>
               <a:rPr lang="en-US" dirty="0"/>
-              <a:t>so we can rule out </a:t>
-            </a:r>
-            <a:r>
-              <a:rPr lang="en-US" b="1" dirty="0"/>
-              <a:t>mid</a:t>
-            </a:r>
-            <a:r>
-              <a:rPr lang="en-US" dirty="0"/>
-              <a:t>, and all values less than mid (because if j  &lt; mid, then A[j] ≤ A[mid] &lt; </a:t>
-            </a:r>
-            <a:r>
-              <a:rPr lang="en-US" dirty="0" err="1"/>
-              <a:t>tgt</a:t>
-            </a:r>
-            <a:r>
-              <a:rPr lang="en-US" dirty="0"/>
-              <a:t>).</a:t>
-            </a:r>
-          </a:p>
-          <a:p>
-            <a:pPr lvl="1"/>
-            <a:r>
-              <a:rPr lang="en-US" dirty="0"/>
-              <a:t>So the answer k, if it exists, is in [mid+1, hi-1]</a:t>
-            </a:r>
-          </a:p>
-          <a:p>
-            <a:r>
-              <a:rPr lang="en-US" dirty="0"/>
-              <a:t>A[mid] &gt; </a:t>
-            </a:r>
-            <a:r>
-              <a:rPr lang="en-US" dirty="0" err="1"/>
-              <a:t>tgt</a:t>
-            </a:r>
-            <a:endParaRPr lang="en-US" dirty="0"/>
-          </a:p>
-          <a:p>
-            <a:pPr lvl="1"/>
-            <a:r>
-              <a:rPr lang="en-US" dirty="0"/>
-              <a:t>so we can rule out mid and all values greater than mid, because if mid &lt; j, then </a:t>
-            </a:r>
-            <a:r>
-              <a:rPr lang="en-US" dirty="0" err="1"/>
-              <a:t>tgt</a:t>
-            </a:r>
-            <a:r>
-              <a:rPr lang="en-US" dirty="0"/>
-              <a:t> &lt; A[mid] &lt;= A[j].</a:t>
-            </a:r>
-          </a:p>
-          <a:p>
-            <a:pPr lvl="1"/>
-            <a:r>
-              <a:rPr lang="en-US" dirty="0"/>
-              <a:t>So the answer k, if it exists, is in [lo,mid-1]</a:t>
+              <a:t>Done!</a:t>
             </a:r>
           </a:p>
         </p:txBody>
@@ -7698,29 +8332,7 @@
       </p:grpSpPr>
       <p:sp>
         <p:nvSpPr>
-          <p:cNvPr id="2" name="Title 1"/>
-          <p:cNvSpPr>
-            <a:spLocks noGrp="1"/>
-          </p:cNvSpPr>
-          <p:nvPr>
-            <p:ph type="title"/>
-          </p:nvPr>
-        </p:nvSpPr>
-        <p:spPr/>
-        <p:txBody>
-          <a:bodyPr/>
-          <a:lstStyle/>
-          <a:p>
-            <a:r>
-              <a:rPr lang="en-US" dirty="0"/>
-              <a:t>As code:</a:t>
-            </a:r>
-          </a:p>
-        </p:txBody>
-      </p:sp>
-      <p:sp>
-        <p:nvSpPr>
-          <p:cNvPr id="4" name="Content Placeholder 3"/>
+          <p:cNvPr id="3" name="Content Placeholder 2"/>
           <p:cNvSpPr>
             <a:spLocks noGrp="1"/>
           </p:cNvSpPr>
@@ -7730,266 +8342,90 @@
         </p:nvSpPr>
         <p:spPr>
           <a:xfrm>
-            <a:off x="61472" y="1600200"/>
-            <a:ext cx="8998004" cy="4525963"/>
+            <a:off x="457200" y="1600200"/>
+            <a:ext cx="8229600" cy="4525963"/>
           </a:xfrm>
         </p:spPr>
         <p:txBody>
           <a:bodyPr>
-            <a:normAutofit fontScale="25000" lnSpcReduction="20000"/>
+            <a:normAutofit/>
           </a:bodyPr>
           <a:lstStyle/>
           <a:p>
             <a:r>
-              <a:rPr lang="en-US" sz="6400" dirty="0"/>
-              <a:t> static </a:t>
-            </a:r>
-            <a:r>
-              <a:rPr lang="en-US" sz="6400" dirty="0" err="1"/>
-              <a:t>int</a:t>
-            </a:r>
-            <a:r>
-              <a:rPr lang="en-US" sz="6400" dirty="0"/>
-              <a:t> </a:t>
-            </a:r>
-            <a:r>
-              <a:rPr lang="en-US" sz="6400" dirty="0" err="1"/>
-              <a:t>recursive_loop</a:t>
-            </a:r>
-            <a:r>
-              <a:rPr lang="en-US" sz="6400" dirty="0"/>
-              <a:t> (</a:t>
-            </a:r>
-            <a:r>
-              <a:rPr lang="en-US" sz="6400" dirty="0" err="1"/>
-              <a:t>int</a:t>
-            </a:r>
-            <a:r>
-              <a:rPr lang="en-US" sz="6400" dirty="0"/>
-              <a:t> lo, </a:t>
-            </a:r>
-            <a:r>
-              <a:rPr lang="en-US" sz="6400" dirty="0" err="1"/>
-              <a:t>int</a:t>
-            </a:r>
-            <a:r>
-              <a:rPr lang="en-US" sz="6400" dirty="0"/>
-              <a:t> hi, </a:t>
-            </a:r>
-            <a:r>
-              <a:rPr lang="en-US" sz="6400" dirty="0" err="1"/>
-              <a:t>int</a:t>
-            </a:r>
-            <a:r>
-              <a:rPr lang="en-US" sz="6400" dirty="0"/>
-              <a:t>[] A, </a:t>
-            </a:r>
-            <a:r>
-              <a:rPr lang="en-US" sz="6400" dirty="0" err="1"/>
-              <a:t>int</a:t>
-            </a:r>
-            <a:r>
-              <a:rPr lang="en-US" sz="6400" dirty="0"/>
-              <a:t> </a:t>
-            </a:r>
-            <a:r>
-              <a:rPr lang="en-US" sz="6400" dirty="0" err="1"/>
+              <a:rPr lang="en-US" dirty="0"/>
+              <a:t>Case 2: A(mid) &lt; </a:t>
+            </a:r>
+            <a:r>
+              <a:rPr lang="en-US" dirty="0" err="1"/>
               <a:t>tgt</a:t>
             </a:r>
-            <a:r>
-              <a:rPr lang="en-US" sz="6400" dirty="0"/>
-              <a:t>) {</a:t>
-            </a:r>
-          </a:p>
-          <a:p>
-            <a:r>
-              <a:rPr lang="en-US" sz="6400" dirty="0"/>
-              <a:t>        if (lo == hi) { // the search area is empty        </a:t>
-            </a:r>
-          </a:p>
-          <a:p>
-            <a:r>
-              <a:rPr lang="en-US" sz="6400" dirty="0"/>
-              <a:t>            return -1;</a:t>
-            </a:r>
-          </a:p>
-          <a:p>
-            <a:r>
-              <a:rPr lang="en-US" sz="6400" dirty="0"/>
-              <a:t>        }</a:t>
-            </a:r>
-          </a:p>
-          <a:p>
-            <a:r>
-              <a:rPr lang="en-US" sz="6400" dirty="0"/>
-              <a:t>        else { /* do nothing */}</a:t>
-            </a:r>
-          </a:p>
-          <a:p>
-            <a:r>
-              <a:rPr lang="en-US" sz="6400" dirty="0"/>
-              <a:t>        // choose an element in [</a:t>
-            </a:r>
-            <a:r>
-              <a:rPr lang="en-US" sz="6400" dirty="0" err="1"/>
-              <a:t>lo,hi</a:t>
-            </a:r>
-            <a:r>
-              <a:rPr lang="en-US" sz="6400" dirty="0"/>
-              <a:t>) . </a:t>
-            </a:r>
-          </a:p>
-          <a:p>
-            <a:r>
-              <a:rPr lang="en-US" sz="6400" dirty="0"/>
-              <a:t>        </a:t>
-            </a:r>
-            <a:r>
-              <a:rPr lang="en-US" sz="6400" dirty="0" err="1"/>
-              <a:t>int</a:t>
-            </a:r>
-            <a:r>
-              <a:rPr lang="en-US" sz="6400" dirty="0"/>
-              <a:t> mid = (lo + hi) / 2;</a:t>
-            </a:r>
-          </a:p>
-          <a:p>
-            <a:r>
-              <a:rPr lang="en-US" sz="6400" dirty="0"/>
-              <a:t>        if (A[mid] == </a:t>
-            </a:r>
-            <a:r>
-              <a:rPr lang="en-US" sz="6400" dirty="0" err="1"/>
+            <a:endParaRPr lang="en-US" dirty="0"/>
+          </a:p>
+          <a:p>
+            <a:pPr lvl="1"/>
+            <a:r>
+              <a:rPr lang="en-US" dirty="0"/>
+              <a:t>so we can rule out </a:t>
+            </a:r>
+            <a:r>
+              <a:rPr lang="en-US" b="1" dirty="0"/>
+              <a:t>mid</a:t>
+            </a:r>
+            <a:r>
+              <a:rPr lang="en-US" dirty="0"/>
+              <a:t>, and all values less than mid (because if j  &lt; mid, then A[j] ≤ A[mid] &lt; </a:t>
+            </a:r>
+            <a:r>
+              <a:rPr lang="en-US" dirty="0" err="1"/>
               <a:t>tgt</a:t>
             </a:r>
             <a:r>
-              <a:rPr lang="en-US" sz="6400" dirty="0"/>
-              <a:t>) { // we have found the target</a:t>
-            </a:r>
-          </a:p>
-          <a:p>
-            <a:r>
-              <a:rPr lang="en-US" sz="6400" dirty="0"/>
-              <a:t>            return mid;</a:t>
-            </a:r>
-          </a:p>
-          <a:p>
-            <a:r>
-              <a:rPr lang="en-US" sz="6400" dirty="0"/>
-              <a:t>        }</a:t>
-            </a:r>
-          </a:p>
-          <a:p>
-            <a:r>
-              <a:rPr lang="en-US" sz="6400" dirty="0"/>
-              <a:t>        else if (A[mid] &lt; </a:t>
-            </a:r>
-            <a:r>
-              <a:rPr lang="en-US" sz="6400" dirty="0" err="1"/>
-              <a:t>tgt</a:t>
-            </a:r>
-            <a:r>
-              <a:rPr lang="en-US" sz="6400" dirty="0"/>
-              <a:t>) {</a:t>
-            </a:r>
-          </a:p>
-          <a:p>
-            <a:r>
-              <a:rPr lang="en-US" sz="6400" dirty="0"/>
-              <a:t>            // the target can't be to the left of mid, so search right half</a:t>
-            </a:r>
-          </a:p>
-          <a:p>
-            <a:r>
-              <a:rPr lang="en-US" sz="6400" dirty="0"/>
-              <a:t>            return </a:t>
-            </a:r>
-            <a:r>
-              <a:rPr lang="en-US" sz="6400" dirty="0" err="1"/>
-              <a:t>recursive_loop</a:t>
-            </a:r>
-            <a:r>
-              <a:rPr lang="en-US" sz="6400" dirty="0"/>
-              <a:t> (mid+1, hi, A, </a:t>
-            </a:r>
-            <a:r>
-              <a:rPr lang="en-US" sz="6400" dirty="0" err="1"/>
-              <a:t>tgt</a:t>
-            </a:r>
-            <a:r>
-              <a:rPr lang="en-US" sz="6400" dirty="0"/>
-              <a:t>);</a:t>
-            </a:r>
-          </a:p>
-          <a:p>
-            <a:r>
-              <a:rPr lang="en-US" sz="6400" dirty="0"/>
-              <a:t>        }</a:t>
-            </a:r>
-          </a:p>
-          <a:p>
-            <a:r>
-              <a:rPr lang="en-US" sz="6400" dirty="0"/>
-              <a:t>        else {</a:t>
-            </a:r>
-          </a:p>
-          <a:p>
-            <a:r>
-              <a:rPr lang="en-US" sz="6400" dirty="0"/>
-              <a:t>            // otherwise the target can't be to the right of mid, so</a:t>
-            </a:r>
-          </a:p>
-          <a:p>
-            <a:r>
-              <a:rPr lang="en-US" sz="6400" dirty="0"/>
-              <a:t>            // search left half.</a:t>
-            </a:r>
-          </a:p>
-          <a:p>
-            <a:r>
-              <a:rPr lang="en-US" sz="6400" dirty="0"/>
-              <a:t>            return </a:t>
-            </a:r>
-            <a:r>
-              <a:rPr lang="en-US" sz="6400" dirty="0" err="1"/>
-              <a:t>recursive_loop</a:t>
-            </a:r>
-            <a:r>
-              <a:rPr lang="en-US" sz="6400" dirty="0"/>
-              <a:t> (lo, mid, A, </a:t>
-            </a:r>
-            <a:r>
-              <a:rPr lang="en-US" sz="6400" dirty="0" err="1"/>
-              <a:t>tgt</a:t>
-            </a:r>
-            <a:r>
-              <a:rPr lang="en-US" sz="6400" dirty="0"/>
-              <a:t>);</a:t>
-            </a:r>
-          </a:p>
-          <a:p>
-            <a:r>
-              <a:rPr lang="en-US" sz="6400" dirty="0"/>
-              <a:t>        }</a:t>
-            </a:r>
-          </a:p>
-          <a:p>
-            <a:r>
-              <a:rPr lang="en-US" sz="6400" dirty="0"/>
-              <a:t>    }                           </a:t>
-            </a:r>
-          </a:p>
-          <a:p>
-            <a:r>
-              <a:rPr lang="en-US" sz="6400" dirty="0"/>
-              <a:t>               </a:t>
-            </a:r>
-          </a:p>
-        </p:txBody>
-      </p:sp>
-      <p:sp>
-        <p:nvSpPr>
-          <p:cNvPr id="3" name="Slide Number Placeholder 2"/>
+              <a:rPr lang="en-US" dirty="0"/>
+              <a:t>).</a:t>
+            </a:r>
+          </a:p>
+          <a:p>
+            <a:pPr lvl="1"/>
+            <a:r>
+              <a:rPr lang="en-US" dirty="0"/>
+              <a:t>So the answer k, if it exists, is in [mid+1, hi-1]</a:t>
+            </a:r>
+          </a:p>
+          <a:p>
+            <a:pPr lvl="1"/>
+            <a:r>
+              <a:rPr lang="en-US" dirty="0"/>
+              <a:t>So set lo to mid+1, leave hi unchanged</a:t>
+            </a:r>
+          </a:p>
+        </p:txBody>
+      </p:sp>
+      <p:sp>
+        <p:nvSpPr>
+          <p:cNvPr id="2" name="Title 1"/>
+          <p:cNvSpPr>
+            <a:spLocks noGrp="1"/>
+          </p:cNvSpPr>
+          <p:nvPr>
+            <p:ph type="title"/>
+          </p:nvPr>
+        </p:nvSpPr>
+        <p:spPr/>
+        <p:txBody>
+          <a:bodyPr/>
+          <a:lstStyle/>
+          <a:p>
+            <a:r>
+              <a:rPr lang="en-US" dirty="0"/>
+              <a:t>What are the cases?</a:t>
+            </a:r>
+          </a:p>
+        </p:txBody>
+      </p:sp>
+      <p:sp>
+        <p:nvSpPr>
+          <p:cNvPr id="4" name="Slide Number Placeholder 3"/>
           <p:cNvSpPr>
             <a:spLocks noGrp="1"/>
           </p:cNvSpPr>
@@ -8011,10 +8447,974 @@
           </a:p>
         </p:txBody>
       </p:sp>
+      <p:grpSp>
+        <p:nvGrpSpPr>
+          <p:cNvPr id="33" name="Group 32">
+            <a:extLst>
+              <a:ext uri="{FF2B5EF4-FFF2-40B4-BE49-F238E27FC236}">
+                <a16:creationId xmlns:a16="http://schemas.microsoft.com/office/drawing/2014/main" id="{F46BED37-9062-410E-A101-5A170180BC8E}"/>
+              </a:ext>
+            </a:extLst>
+          </p:cNvPr>
+          <p:cNvGrpSpPr/>
+          <p:nvPr/>
+        </p:nvGrpSpPr>
+        <p:grpSpPr>
+          <a:xfrm>
+            <a:off x="945725" y="4383046"/>
+            <a:ext cx="6879553" cy="2406812"/>
+            <a:chOff x="945725" y="4383046"/>
+            <a:chExt cx="6879553" cy="2406812"/>
+          </a:xfrm>
+        </p:grpSpPr>
+        <p:cxnSp>
+          <p:nvCxnSpPr>
+            <p:cNvPr id="23" name="Straight Connector 22">
+              <a:extLst>
+                <a:ext uri="{FF2B5EF4-FFF2-40B4-BE49-F238E27FC236}">
+                  <a16:creationId xmlns:a16="http://schemas.microsoft.com/office/drawing/2014/main" id="{259F9E12-AD20-4DDF-AB48-684B2A793E63}"/>
+                </a:ext>
+              </a:extLst>
+            </p:cNvPr>
+            <p:cNvCxnSpPr/>
+            <p:nvPr/>
+          </p:nvCxnSpPr>
+          <p:spPr>
+            <a:xfrm>
+              <a:off x="4355193" y="4383046"/>
+              <a:ext cx="0" cy="607368"/>
+            </a:xfrm>
+            <a:prstGeom prst="line">
+              <a:avLst/>
+            </a:prstGeom>
+            <a:ln w="12700"/>
+          </p:spPr>
+          <p:style>
+            <a:lnRef idx="1">
+              <a:schemeClr val="accent1"/>
+            </a:lnRef>
+            <a:fillRef idx="0">
+              <a:schemeClr val="accent1"/>
+            </a:fillRef>
+            <a:effectRef idx="0">
+              <a:schemeClr val="accent1"/>
+            </a:effectRef>
+            <a:fontRef idx="minor">
+              <a:schemeClr val="tx1"/>
+            </a:fontRef>
+          </p:style>
+        </p:cxnSp>
+        <p:grpSp>
+          <p:nvGrpSpPr>
+            <p:cNvPr id="32" name="Group 31">
+              <a:extLst>
+                <a:ext uri="{FF2B5EF4-FFF2-40B4-BE49-F238E27FC236}">
+                  <a16:creationId xmlns:a16="http://schemas.microsoft.com/office/drawing/2014/main" id="{A8C109CB-260F-46B2-9EC2-AE904DA955CC}"/>
+                </a:ext>
+              </a:extLst>
+            </p:cNvPr>
+            <p:cNvGrpSpPr/>
+            <p:nvPr/>
+          </p:nvGrpSpPr>
+          <p:grpSpPr>
+            <a:xfrm>
+              <a:off x="945725" y="4383046"/>
+              <a:ext cx="6879553" cy="2406812"/>
+              <a:chOff x="965845" y="3871043"/>
+              <a:chExt cx="6879553" cy="2406812"/>
+            </a:xfrm>
+          </p:grpSpPr>
+          <p:grpSp>
+            <p:nvGrpSpPr>
+              <p:cNvPr id="5" name="Group 4">
+                <a:extLst>
+                  <a:ext uri="{FF2B5EF4-FFF2-40B4-BE49-F238E27FC236}">
+                    <a16:creationId xmlns:a16="http://schemas.microsoft.com/office/drawing/2014/main" id="{EB397585-0809-40CD-A8B4-18BF087CAD03}"/>
+                  </a:ext>
+                </a:extLst>
+              </p:cNvPr>
+              <p:cNvGrpSpPr/>
+              <p:nvPr/>
+            </p:nvGrpSpPr>
+            <p:grpSpPr>
+              <a:xfrm>
+                <a:off x="965845" y="3871043"/>
+                <a:ext cx="6515099" cy="1839839"/>
+                <a:chOff x="914399" y="2516832"/>
+                <a:chExt cx="6515099" cy="1839839"/>
+              </a:xfrm>
+            </p:grpSpPr>
+            <p:sp>
+              <p:nvSpPr>
+                <p:cNvPr id="6" name="Rectangle 5">
+                  <a:extLst>
+                    <a:ext uri="{FF2B5EF4-FFF2-40B4-BE49-F238E27FC236}">
+                      <a16:creationId xmlns:a16="http://schemas.microsoft.com/office/drawing/2014/main" id="{44E9C890-53EA-4C05-A173-D645D2422A7C}"/>
+                    </a:ext>
+                  </a:extLst>
+                </p:cNvPr>
+                <p:cNvSpPr/>
+                <p:nvPr/>
+              </p:nvSpPr>
+              <p:spPr>
+                <a:xfrm>
+                  <a:off x="914399" y="2516832"/>
+                  <a:ext cx="6515099" cy="609600"/>
+                </a:xfrm>
+                <a:prstGeom prst="rect">
+                  <a:avLst/>
+                </a:prstGeom>
+                <a:ln w="12700">
+                  <a:solidFill>
+                    <a:schemeClr val="tx1"/>
+                  </a:solidFill>
+                  <a:tailEnd type="stealth" w="lg" len="lg"/>
+                </a:ln>
+              </p:spPr>
+              <p:style>
+                <a:lnRef idx="1">
+                  <a:schemeClr val="accent1"/>
+                </a:lnRef>
+                <a:fillRef idx="0">
+                  <a:schemeClr val="accent1"/>
+                </a:fillRef>
+                <a:effectRef idx="0">
+                  <a:schemeClr val="accent1"/>
+                </a:effectRef>
+                <a:fontRef idx="minor">
+                  <a:schemeClr val="tx1"/>
+                </a:fontRef>
+              </p:style>
+              <p:txBody>
+                <a:bodyPr rtlCol="0" anchor="ctr"/>
+                <a:lstStyle/>
+                <a:p>
+                  <a:pPr algn="ctr"/>
+                  <a:endParaRPr lang="en-US"/>
+                </a:p>
+              </p:txBody>
+            </p:sp>
+            <p:sp>
+              <p:nvSpPr>
+                <p:cNvPr id="7" name="TextBox 6">
+                  <a:extLst>
+                    <a:ext uri="{FF2B5EF4-FFF2-40B4-BE49-F238E27FC236}">
+                      <a16:creationId xmlns:a16="http://schemas.microsoft.com/office/drawing/2014/main" id="{40999241-2B36-4339-A391-1B2EC25605D3}"/>
+                    </a:ext>
+                  </a:extLst>
+                </p:cNvPr>
+                <p:cNvSpPr txBox="1"/>
+                <p:nvPr/>
+              </p:nvSpPr>
+              <p:spPr>
+                <a:xfrm>
+                  <a:off x="914400" y="2590800"/>
+                  <a:ext cx="354584" cy="461665"/>
+                </a:xfrm>
+                <a:prstGeom prst="rect">
+                  <a:avLst/>
+                </a:prstGeom>
+                <a:noFill/>
+              </p:spPr>
+              <p:txBody>
+                <a:bodyPr wrap="none" rtlCol="0">
+                  <a:spAutoFit/>
+                </a:bodyPr>
+                <a:lstStyle/>
+                <a:p>
+                  <a:r>
+                    <a:rPr lang="en-US" sz="2400" b="1" dirty="0">
+                      <a:latin typeface="Consolas" pitchFamily="49" charset="0"/>
+                      <a:cs typeface="Consolas" pitchFamily="49" charset="0"/>
+                    </a:rPr>
+                    <a:t>0</a:t>
+                  </a:r>
+                </a:p>
+              </p:txBody>
+            </p:sp>
+            <p:grpSp>
+              <p:nvGrpSpPr>
+                <p:cNvPr id="8" name="Group 7">
+                  <a:extLst>
+                    <a:ext uri="{FF2B5EF4-FFF2-40B4-BE49-F238E27FC236}">
+                      <a16:creationId xmlns:a16="http://schemas.microsoft.com/office/drawing/2014/main" id="{AE5D6283-C50D-41A1-8CF1-14B4F63BE861}"/>
+                    </a:ext>
+                  </a:extLst>
+                </p:cNvPr>
+                <p:cNvGrpSpPr/>
+                <p:nvPr/>
+              </p:nvGrpSpPr>
+              <p:grpSpPr>
+                <a:xfrm>
+                  <a:off x="3276600" y="3154179"/>
+                  <a:ext cx="524503" cy="1202492"/>
+                  <a:chOff x="3048000" y="3678773"/>
+                  <a:chExt cx="524503" cy="1202492"/>
+                </a:xfrm>
+              </p:grpSpPr>
+              <p:sp>
+                <p:nvSpPr>
+                  <p:cNvPr id="17" name="TextBox 16">
+                    <a:extLst>
+                      <a:ext uri="{FF2B5EF4-FFF2-40B4-BE49-F238E27FC236}">
+                        <a16:creationId xmlns:a16="http://schemas.microsoft.com/office/drawing/2014/main" id="{EA122DC4-60A1-47B7-BC33-09DDCD0C11B6}"/>
+                      </a:ext>
+                    </a:extLst>
+                  </p:cNvPr>
+                  <p:cNvSpPr txBox="1"/>
+                  <p:nvPr/>
+                </p:nvSpPr>
+                <p:spPr>
+                  <a:xfrm>
+                    <a:off x="3048000" y="4419600"/>
+                    <a:ext cx="524503" cy="461665"/>
+                  </a:xfrm>
+                  <a:prstGeom prst="rect">
+                    <a:avLst/>
+                  </a:prstGeom>
+                  <a:noFill/>
+                </p:spPr>
+                <p:txBody>
+                  <a:bodyPr wrap="none" rtlCol="0">
+                    <a:spAutoFit/>
+                  </a:bodyPr>
+                  <a:lstStyle/>
+                  <a:p>
+                    <a:r>
+                      <a:rPr lang="en-US" sz="2400" b="1" dirty="0">
+                        <a:latin typeface="Consolas" pitchFamily="49" charset="0"/>
+                        <a:cs typeface="Consolas" pitchFamily="49" charset="0"/>
+                      </a:rPr>
+                      <a:t>lo</a:t>
+                    </a:r>
+                  </a:p>
+                </p:txBody>
+              </p:sp>
+              <p:cxnSp>
+                <p:nvCxnSpPr>
+                  <p:cNvPr id="18" name="Straight Arrow Connector 17">
+                    <a:extLst>
+                      <a:ext uri="{FF2B5EF4-FFF2-40B4-BE49-F238E27FC236}">
+                        <a16:creationId xmlns:a16="http://schemas.microsoft.com/office/drawing/2014/main" id="{E1646C62-C9D2-4609-AFD3-6306F8849A00}"/>
+                      </a:ext>
+                    </a:extLst>
+                  </p:cNvPr>
+                  <p:cNvCxnSpPr>
+                    <a:cxnSpLocks/>
+                    <a:stCxn id="17" idx="0"/>
+                  </p:cNvCxnSpPr>
+                  <p:nvPr/>
+                </p:nvCxnSpPr>
+                <p:spPr>
+                  <a:xfrm flipV="1">
+                    <a:off x="3310252" y="3678773"/>
+                    <a:ext cx="2068" cy="740827"/>
+                  </a:xfrm>
+                  <a:prstGeom prst="straightConnector1">
+                    <a:avLst/>
+                  </a:prstGeom>
+                  <a:ln w="15875">
+                    <a:solidFill>
+                      <a:schemeClr val="tx1"/>
+                    </a:solidFill>
+                    <a:tailEnd type="triangle"/>
+                  </a:ln>
+                </p:spPr>
+                <p:style>
+                  <a:lnRef idx="1">
+                    <a:schemeClr val="accent1"/>
+                  </a:lnRef>
+                  <a:fillRef idx="0">
+                    <a:schemeClr val="accent1"/>
+                  </a:fillRef>
+                  <a:effectRef idx="0">
+                    <a:schemeClr val="accent1"/>
+                  </a:effectRef>
+                  <a:fontRef idx="minor">
+                    <a:schemeClr val="tx1"/>
+                  </a:fontRef>
+                </p:style>
+              </p:cxnSp>
+            </p:grpSp>
+            <p:grpSp>
+              <p:nvGrpSpPr>
+                <p:cNvPr id="9" name="Group 8">
+                  <a:extLst>
+                    <a:ext uri="{FF2B5EF4-FFF2-40B4-BE49-F238E27FC236}">
+                      <a16:creationId xmlns:a16="http://schemas.microsoft.com/office/drawing/2014/main" id="{E56C8245-60E6-4990-BEDF-FC29009905C6}"/>
+                    </a:ext>
+                  </a:extLst>
+                </p:cNvPr>
+                <p:cNvGrpSpPr/>
+                <p:nvPr/>
+              </p:nvGrpSpPr>
+              <p:grpSpPr>
+                <a:xfrm>
+                  <a:off x="4648200" y="3124200"/>
+                  <a:ext cx="524503" cy="1230089"/>
+                  <a:chOff x="3048000" y="3651176"/>
+                  <a:chExt cx="524503" cy="1230089"/>
+                </a:xfrm>
+              </p:grpSpPr>
+              <p:sp>
+                <p:nvSpPr>
+                  <p:cNvPr id="15" name="TextBox 14">
+                    <a:extLst>
+                      <a:ext uri="{FF2B5EF4-FFF2-40B4-BE49-F238E27FC236}">
+                        <a16:creationId xmlns:a16="http://schemas.microsoft.com/office/drawing/2014/main" id="{FAA9C6A5-7F25-4BED-BF01-50AD1C4A23E4}"/>
+                      </a:ext>
+                    </a:extLst>
+                  </p:cNvPr>
+                  <p:cNvSpPr txBox="1"/>
+                  <p:nvPr/>
+                </p:nvSpPr>
+                <p:spPr>
+                  <a:xfrm>
+                    <a:off x="3048000" y="4419600"/>
+                    <a:ext cx="524503" cy="461665"/>
+                  </a:xfrm>
+                  <a:prstGeom prst="rect">
+                    <a:avLst/>
+                  </a:prstGeom>
+                  <a:noFill/>
+                </p:spPr>
+                <p:txBody>
+                  <a:bodyPr wrap="none" rtlCol="0">
+                    <a:spAutoFit/>
+                  </a:bodyPr>
+                  <a:lstStyle/>
+                  <a:p>
+                    <a:r>
+                      <a:rPr lang="en-US" sz="2400" b="1" dirty="0">
+                        <a:latin typeface="Consolas" pitchFamily="49" charset="0"/>
+                        <a:cs typeface="Consolas" pitchFamily="49" charset="0"/>
+                      </a:rPr>
+                      <a:t>hi</a:t>
+                    </a:r>
+                  </a:p>
+                </p:txBody>
+              </p:sp>
+              <p:cxnSp>
+                <p:nvCxnSpPr>
+                  <p:cNvPr id="16" name="Straight Arrow Connector 15">
+                    <a:extLst>
+                      <a:ext uri="{FF2B5EF4-FFF2-40B4-BE49-F238E27FC236}">
+                        <a16:creationId xmlns:a16="http://schemas.microsoft.com/office/drawing/2014/main" id="{BD7936D3-C5B6-4B0F-A1D6-316958F7324E}"/>
+                      </a:ext>
+                    </a:extLst>
+                  </p:cNvPr>
+                  <p:cNvCxnSpPr>
+                    <a:cxnSpLocks/>
+                    <a:stCxn id="15" idx="0"/>
+                  </p:cNvCxnSpPr>
+                  <p:nvPr/>
+                </p:nvCxnSpPr>
+                <p:spPr>
+                  <a:xfrm flipH="1" flipV="1">
+                    <a:off x="3310251" y="3651176"/>
+                    <a:ext cx="1" cy="768424"/>
+                  </a:xfrm>
+                  <a:prstGeom prst="straightConnector1">
+                    <a:avLst/>
+                  </a:prstGeom>
+                  <a:ln w="15875">
+                    <a:solidFill>
+                      <a:schemeClr val="tx1"/>
+                    </a:solidFill>
+                    <a:tailEnd type="triangle"/>
+                  </a:ln>
+                </p:spPr>
+                <p:style>
+                  <a:lnRef idx="1">
+                    <a:schemeClr val="accent1"/>
+                  </a:lnRef>
+                  <a:fillRef idx="0">
+                    <a:schemeClr val="accent1"/>
+                  </a:fillRef>
+                  <a:effectRef idx="0">
+                    <a:schemeClr val="accent1"/>
+                  </a:effectRef>
+                  <a:fontRef idx="minor">
+                    <a:schemeClr val="tx1"/>
+                  </a:fontRef>
+                </p:style>
+              </p:cxnSp>
+            </p:grpSp>
+            <p:cxnSp>
+              <p:nvCxnSpPr>
+                <p:cNvPr id="10" name="Straight Connector 9">
+                  <a:extLst>
+                    <a:ext uri="{FF2B5EF4-FFF2-40B4-BE49-F238E27FC236}">
+                      <a16:creationId xmlns:a16="http://schemas.microsoft.com/office/drawing/2014/main" id="{97C77319-2452-4355-86FC-F9D17D46D6E3}"/>
+                    </a:ext>
+                  </a:extLst>
+                </p:cNvPr>
+                <p:cNvCxnSpPr/>
+                <p:nvPr/>
+              </p:nvCxnSpPr>
+              <p:spPr>
+                <a:xfrm>
+                  <a:off x="3390899" y="2516832"/>
+                  <a:ext cx="0" cy="607368"/>
+                </a:xfrm>
+                <a:prstGeom prst="line">
+                  <a:avLst/>
+                </a:prstGeom>
+                <a:ln w="12700"/>
+              </p:spPr>
+              <p:style>
+                <a:lnRef idx="1">
+                  <a:schemeClr val="accent1"/>
+                </a:lnRef>
+                <a:fillRef idx="0">
+                  <a:schemeClr val="accent1"/>
+                </a:fillRef>
+                <a:effectRef idx="0">
+                  <a:schemeClr val="accent1"/>
+                </a:effectRef>
+                <a:fontRef idx="minor">
+                  <a:schemeClr val="tx1"/>
+                </a:fontRef>
+              </p:style>
+            </p:cxnSp>
+            <p:cxnSp>
+              <p:nvCxnSpPr>
+                <p:cNvPr id="11" name="Straight Connector 10">
+                  <a:extLst>
+                    <a:ext uri="{FF2B5EF4-FFF2-40B4-BE49-F238E27FC236}">
+                      <a16:creationId xmlns:a16="http://schemas.microsoft.com/office/drawing/2014/main" id="{685DC0BC-C46B-429F-8973-4C2BDB79D2C8}"/>
+                    </a:ext>
+                  </a:extLst>
+                </p:cNvPr>
+                <p:cNvCxnSpPr/>
+                <p:nvPr/>
+              </p:nvCxnSpPr>
+              <p:spPr>
+                <a:xfrm>
+                  <a:off x="4800600" y="2526358"/>
+                  <a:ext cx="0" cy="607368"/>
+                </a:xfrm>
+                <a:prstGeom prst="line">
+                  <a:avLst/>
+                </a:prstGeom>
+                <a:ln w="12700"/>
+              </p:spPr>
+              <p:style>
+                <a:lnRef idx="1">
+                  <a:schemeClr val="accent1"/>
+                </a:lnRef>
+                <a:fillRef idx="0">
+                  <a:schemeClr val="accent1"/>
+                </a:fillRef>
+                <a:effectRef idx="0">
+                  <a:schemeClr val="accent1"/>
+                </a:effectRef>
+                <a:fontRef idx="minor">
+                  <a:schemeClr val="tx1"/>
+                </a:fontRef>
+              </p:style>
+            </p:cxnSp>
+            <p:sp>
+              <p:nvSpPr>
+                <p:cNvPr id="12" name="TextBox 11">
+                  <a:extLst>
+                    <a:ext uri="{FF2B5EF4-FFF2-40B4-BE49-F238E27FC236}">
+                      <a16:creationId xmlns:a16="http://schemas.microsoft.com/office/drawing/2014/main" id="{7C74BF3D-8F47-49B9-B1C4-9946AEBC65D3}"/>
+                    </a:ext>
+                  </a:extLst>
+                </p:cNvPr>
+                <p:cNvSpPr txBox="1"/>
+                <p:nvPr/>
+              </p:nvSpPr>
+              <p:spPr>
+                <a:xfrm>
+                  <a:off x="1661766" y="2602983"/>
+                  <a:ext cx="1195734" cy="461665"/>
+                </a:xfrm>
+                <a:prstGeom prst="rect">
+                  <a:avLst/>
+                </a:prstGeom>
+                <a:noFill/>
+              </p:spPr>
+              <p:txBody>
+                <a:bodyPr wrap="square" rtlCol="0">
+                  <a:spAutoFit/>
+                </a:bodyPr>
+                <a:lstStyle/>
+                <a:p>
+                  <a:r>
+                    <a:rPr lang="en-US" sz="2400" b="1" dirty="0">
+                      <a:latin typeface="Consolas" pitchFamily="49" charset="0"/>
+                      <a:cs typeface="Consolas" pitchFamily="49" charset="0"/>
+                    </a:rPr>
+                    <a:t>A[j]&lt;x</a:t>
+                  </a:r>
+                </a:p>
+              </p:txBody>
+            </p:sp>
+            <p:sp>
+              <p:nvSpPr>
+                <p:cNvPr id="13" name="TextBox 12">
+                  <a:extLst>
+                    <a:ext uri="{FF2B5EF4-FFF2-40B4-BE49-F238E27FC236}">
+                      <a16:creationId xmlns:a16="http://schemas.microsoft.com/office/drawing/2014/main" id="{C1082821-9773-4FA6-B3BC-65FE49FA4D02}"/>
+                    </a:ext>
+                  </a:extLst>
+                </p:cNvPr>
+                <p:cNvSpPr txBox="1"/>
+                <p:nvPr/>
+              </p:nvSpPr>
+              <p:spPr>
+                <a:xfrm>
+                  <a:off x="3694103" y="2609986"/>
+                  <a:ext cx="1043302" cy="461665"/>
+                </a:xfrm>
+                <a:prstGeom prst="rect">
+                  <a:avLst/>
+                </a:prstGeom>
+                <a:noFill/>
+              </p:spPr>
+              <p:txBody>
+                <a:bodyPr wrap="square" rtlCol="0">
+                  <a:spAutoFit/>
+                </a:bodyPr>
+                <a:lstStyle/>
+                <a:p>
+                  <a:r>
+                    <a:rPr lang="en-US" sz="2400" b="1" dirty="0">
+                      <a:latin typeface="Consolas" pitchFamily="49" charset="0"/>
+                      <a:cs typeface="Consolas" pitchFamily="49" charset="0"/>
+                    </a:rPr>
+                    <a:t> &lt;x</a:t>
+                  </a:r>
+                </a:p>
+              </p:txBody>
+            </p:sp>
+            <p:sp>
+              <p:nvSpPr>
+                <p:cNvPr id="14" name="TextBox 13">
+                  <a:extLst>
+                    <a:ext uri="{FF2B5EF4-FFF2-40B4-BE49-F238E27FC236}">
+                      <a16:creationId xmlns:a16="http://schemas.microsoft.com/office/drawing/2014/main" id="{5538C8F2-6452-4E30-BF53-DA30350B8393}"/>
+                    </a:ext>
+                  </a:extLst>
+                </p:cNvPr>
+                <p:cNvSpPr txBox="1"/>
+                <p:nvPr/>
+              </p:nvSpPr>
+              <p:spPr>
+                <a:xfrm>
+                  <a:off x="5512815" y="2638201"/>
+                  <a:ext cx="1195734" cy="461665"/>
+                </a:xfrm>
+                <a:prstGeom prst="rect">
+                  <a:avLst/>
+                </a:prstGeom>
+                <a:noFill/>
+              </p:spPr>
+              <p:txBody>
+                <a:bodyPr wrap="square" rtlCol="0">
+                  <a:spAutoFit/>
+                </a:bodyPr>
+                <a:lstStyle/>
+                <a:p>
+                  <a:r>
+                    <a:rPr lang="en-US" sz="2400" b="1" dirty="0">
+                      <a:latin typeface="Consolas" pitchFamily="49" charset="0"/>
+                      <a:cs typeface="Consolas" pitchFamily="49" charset="0"/>
+                    </a:rPr>
+                    <a:t>A[j]&gt;x</a:t>
+                  </a:r>
+                </a:p>
+              </p:txBody>
+            </p:sp>
+          </p:grpSp>
+          <p:grpSp>
+            <p:nvGrpSpPr>
+              <p:cNvPr id="22" name="Group 21">
+                <a:extLst>
+                  <a:ext uri="{FF2B5EF4-FFF2-40B4-BE49-F238E27FC236}">
+                    <a16:creationId xmlns:a16="http://schemas.microsoft.com/office/drawing/2014/main" id="{CF8AFF11-80E6-4C6B-B299-9A864B2A24C0}"/>
+                  </a:ext>
+                </a:extLst>
+              </p:cNvPr>
+              <p:cNvGrpSpPr/>
+              <p:nvPr/>
+            </p:nvGrpSpPr>
+            <p:grpSpPr>
+              <a:xfrm>
+                <a:off x="3890200" y="4480075"/>
+                <a:ext cx="694421" cy="1293986"/>
+                <a:chOff x="3934005" y="5176586"/>
+                <a:chExt cx="694421" cy="1293986"/>
+              </a:xfrm>
+            </p:grpSpPr>
+            <p:sp>
+              <p:nvSpPr>
+                <p:cNvPr id="19" name="TextBox 18">
+                  <a:extLst>
+                    <a:ext uri="{FF2B5EF4-FFF2-40B4-BE49-F238E27FC236}">
+                      <a16:creationId xmlns:a16="http://schemas.microsoft.com/office/drawing/2014/main" id="{89E753EF-834C-4985-904D-2AF8A7537933}"/>
+                    </a:ext>
+                  </a:extLst>
+                </p:cNvPr>
+                <p:cNvSpPr txBox="1"/>
+                <p:nvPr/>
+              </p:nvSpPr>
+              <p:spPr>
+                <a:xfrm>
+                  <a:off x="3934005" y="6008907"/>
+                  <a:ext cx="694421" cy="461665"/>
+                </a:xfrm>
+                <a:prstGeom prst="rect">
+                  <a:avLst/>
+                </a:prstGeom>
+                <a:noFill/>
+              </p:spPr>
+              <p:txBody>
+                <a:bodyPr wrap="none" rtlCol="0">
+                  <a:spAutoFit/>
+                </a:bodyPr>
+                <a:lstStyle/>
+                <a:p>
+                  <a:r>
+                    <a:rPr lang="en-US" sz="2400" b="1" dirty="0">
+                      <a:latin typeface="Consolas" pitchFamily="49" charset="0"/>
+                      <a:cs typeface="Consolas" pitchFamily="49" charset="0"/>
+                    </a:rPr>
+                    <a:t>mid</a:t>
+                  </a:r>
+                </a:p>
+              </p:txBody>
+            </p:sp>
+            <p:cxnSp>
+              <p:nvCxnSpPr>
+                <p:cNvPr id="20" name="Straight Arrow Connector 19">
+                  <a:extLst>
+                    <a:ext uri="{FF2B5EF4-FFF2-40B4-BE49-F238E27FC236}">
+                      <a16:creationId xmlns:a16="http://schemas.microsoft.com/office/drawing/2014/main" id="{83E53557-EC3B-4255-8810-B083A9C71DE8}"/>
+                    </a:ext>
+                  </a:extLst>
+                </p:cNvPr>
+                <p:cNvCxnSpPr>
+                  <a:cxnSpLocks/>
+                </p:cNvCxnSpPr>
+                <p:nvPr/>
+              </p:nvCxnSpPr>
+              <p:spPr>
+                <a:xfrm flipV="1">
+                  <a:off x="4267200" y="5176586"/>
+                  <a:ext cx="0" cy="769934"/>
+                </a:xfrm>
+                <a:prstGeom prst="straightConnector1">
+                  <a:avLst/>
+                </a:prstGeom>
+                <a:ln w="15875">
+                  <a:solidFill>
+                    <a:schemeClr val="tx1"/>
+                  </a:solidFill>
+                  <a:tailEnd type="triangle"/>
+                </a:ln>
+              </p:spPr>
+              <p:style>
+                <a:lnRef idx="1">
+                  <a:schemeClr val="accent1"/>
+                </a:lnRef>
+                <a:fillRef idx="0">
+                  <a:schemeClr val="accent1"/>
+                </a:fillRef>
+                <a:effectRef idx="0">
+                  <a:schemeClr val="accent1"/>
+                </a:effectRef>
+                <a:fontRef idx="minor">
+                  <a:schemeClr val="tx1"/>
+                </a:fontRef>
+              </p:style>
+            </p:cxnSp>
+          </p:grpSp>
+          <p:cxnSp>
+            <p:nvCxnSpPr>
+              <p:cNvPr id="24" name="Straight Connector 23">
+                <a:extLst>
+                  <a:ext uri="{FF2B5EF4-FFF2-40B4-BE49-F238E27FC236}">
+                    <a16:creationId xmlns:a16="http://schemas.microsoft.com/office/drawing/2014/main" id="{89783355-BA2F-4D3E-988B-76A1D232A36C}"/>
+                  </a:ext>
+                </a:extLst>
+              </p:cNvPr>
+              <p:cNvCxnSpPr/>
+              <p:nvPr/>
+            </p:nvCxnSpPr>
+            <p:spPr>
+              <a:xfrm>
+                <a:off x="4014027" y="3891345"/>
+                <a:ext cx="0" cy="607368"/>
+              </a:xfrm>
+              <a:prstGeom prst="line">
+                <a:avLst/>
+              </a:prstGeom>
+              <a:ln w="12700"/>
+            </p:spPr>
+            <p:style>
+              <a:lnRef idx="1">
+                <a:schemeClr val="accent1"/>
+              </a:lnRef>
+              <a:fillRef idx="0">
+                <a:schemeClr val="accent1"/>
+              </a:fillRef>
+              <a:effectRef idx="0">
+                <a:schemeClr val="accent1"/>
+              </a:effectRef>
+              <a:fontRef idx="minor">
+                <a:schemeClr val="tx1"/>
+              </a:fontRef>
+            </p:style>
+          </p:cxnSp>
+          <p:sp>
+            <p:nvSpPr>
+              <p:cNvPr id="25" name="TextBox 24">
+                <a:extLst>
+                  <a:ext uri="{FF2B5EF4-FFF2-40B4-BE49-F238E27FC236}">
+                    <a16:creationId xmlns:a16="http://schemas.microsoft.com/office/drawing/2014/main" id="{8213695E-FF16-48F9-B00A-229BA97274FA}"/>
+                  </a:ext>
+                </a:extLst>
+              </p:cNvPr>
+              <p:cNvSpPr txBox="1"/>
+              <p:nvPr/>
+            </p:nvSpPr>
+            <p:spPr>
+              <a:xfrm>
+                <a:off x="1114185" y="5312396"/>
+                <a:ext cx="2074689" cy="813767"/>
+              </a:xfrm>
+              <a:prstGeom prst="rect">
+                <a:avLst/>
+              </a:prstGeom>
+              <a:solidFill>
+                <a:schemeClr val="accent1">
+                  <a:lumMod val="20000"/>
+                  <a:lumOff val="80000"/>
+                </a:schemeClr>
+              </a:solidFill>
+              <a:ln>
+                <a:noFill/>
+              </a:ln>
+            </p:spPr>
+            <p:style>
+              <a:lnRef idx="2">
+                <a:schemeClr val="accent1"/>
+              </a:lnRef>
+              <a:fillRef idx="1">
+                <a:schemeClr val="lt1"/>
+              </a:fillRef>
+              <a:effectRef idx="0">
+                <a:schemeClr val="accent1"/>
+              </a:effectRef>
+              <a:fontRef idx="minor">
+                <a:schemeClr val="dk1"/>
+              </a:fontRef>
+            </p:style>
+            <p:txBody>
+              <a:bodyPr rot="0" spcFirstLastPara="0" vertOverflow="overflow" horzOverflow="overflow" vert="horz" wrap="square" lIns="91440" tIns="45720" rIns="91440" bIns="45720" numCol="1" spcCol="0" rtlCol="0" fromWordArt="0" anchor="ctr" anchorCtr="0" forceAA="0" compatLnSpc="1">
+                <a:prstTxWarp prst="textNoShape">
+                  <a:avLst/>
+                </a:prstTxWarp>
+                <a:noAutofit/>
+              </a:bodyPr>
+              <a:lstStyle/>
+              <a:p>
+                <a:r>
+                  <a:rPr lang="en-US" sz="2400" dirty="0"/>
+                  <a:t>All these must also be &lt; x</a:t>
+                </a:r>
+              </a:p>
+            </p:txBody>
+          </p:sp>
+          <p:cxnSp>
+            <p:nvCxnSpPr>
+              <p:cNvPr id="27" name="Straight Arrow Connector 26">
+                <a:extLst>
+                  <a:ext uri="{FF2B5EF4-FFF2-40B4-BE49-F238E27FC236}">
+                    <a16:creationId xmlns:a16="http://schemas.microsoft.com/office/drawing/2014/main" id="{803454CE-D253-4DC8-8D11-90AB294FB561}"/>
+                  </a:ext>
+                </a:extLst>
+              </p:cNvPr>
+              <p:cNvCxnSpPr>
+                <a:stCxn id="25" idx="0"/>
+              </p:cNvCxnSpPr>
+              <p:nvPr/>
+            </p:nvCxnSpPr>
+            <p:spPr>
+              <a:xfrm flipV="1">
+                <a:off x="2151530" y="4264639"/>
+                <a:ext cx="1498386" cy="1047757"/>
+              </a:xfrm>
+              <a:prstGeom prst="straightConnector1">
+                <a:avLst/>
+              </a:prstGeom>
+              <a:ln>
+                <a:tailEnd type="triangle"/>
+              </a:ln>
+            </p:spPr>
+            <p:style>
+              <a:lnRef idx="1">
+                <a:schemeClr val="accent1"/>
+              </a:lnRef>
+              <a:fillRef idx="0">
+                <a:schemeClr val="accent1"/>
+              </a:fillRef>
+              <a:effectRef idx="0">
+                <a:schemeClr val="accent1"/>
+              </a:effectRef>
+              <a:fontRef idx="minor">
+                <a:schemeClr val="tx1"/>
+              </a:fontRef>
+            </p:style>
+          </p:cxnSp>
+          <p:sp>
+            <p:nvSpPr>
+              <p:cNvPr id="28" name="TextBox 27">
+                <a:extLst>
+                  <a:ext uri="{FF2B5EF4-FFF2-40B4-BE49-F238E27FC236}">
+                    <a16:creationId xmlns:a16="http://schemas.microsoft.com/office/drawing/2014/main" id="{95B1FFE5-465F-4C39-96CD-9BF7B7AD1A63}"/>
+                  </a:ext>
+                </a:extLst>
+              </p:cNvPr>
+              <p:cNvSpPr txBox="1"/>
+              <p:nvPr/>
+            </p:nvSpPr>
+            <p:spPr>
+              <a:xfrm>
+                <a:off x="4354342" y="3993183"/>
+                <a:ext cx="525228" cy="461665"/>
+              </a:xfrm>
+              <a:prstGeom prst="rect">
+                <a:avLst/>
+              </a:prstGeom>
+              <a:noFill/>
+            </p:spPr>
+            <p:txBody>
+              <a:bodyPr wrap="square" rtlCol="0">
+                <a:spAutoFit/>
+              </a:bodyPr>
+              <a:lstStyle/>
+              <a:p>
+                <a:r>
+                  <a:rPr lang="en-US" sz="2400" b="1" dirty="0">
+                    <a:latin typeface="Consolas" pitchFamily="49" charset="0"/>
+                    <a:cs typeface="Consolas" pitchFamily="49" charset="0"/>
+                  </a:rPr>
+                  <a:t>??</a:t>
+                </a:r>
+              </a:p>
+            </p:txBody>
+          </p:sp>
+          <p:sp>
+            <p:nvSpPr>
+              <p:cNvPr id="29" name="TextBox 28">
+                <a:extLst>
+                  <a:ext uri="{FF2B5EF4-FFF2-40B4-BE49-F238E27FC236}">
+                    <a16:creationId xmlns:a16="http://schemas.microsoft.com/office/drawing/2014/main" id="{4D5A9D3C-FE1C-4E5D-945E-97FAB95545B2}"/>
+                  </a:ext>
+                </a:extLst>
+              </p:cNvPr>
+              <p:cNvSpPr txBox="1"/>
+              <p:nvPr/>
+            </p:nvSpPr>
+            <p:spPr>
+              <a:xfrm>
+                <a:off x="5564261" y="5246835"/>
+                <a:ext cx="2281137" cy="1031020"/>
+              </a:xfrm>
+              <a:prstGeom prst="rect">
+                <a:avLst/>
+              </a:prstGeom>
+              <a:solidFill>
+                <a:schemeClr val="accent1">
+                  <a:lumMod val="20000"/>
+                  <a:lumOff val="80000"/>
+                </a:schemeClr>
+              </a:solidFill>
+              <a:ln>
+                <a:noFill/>
+              </a:ln>
+            </p:spPr>
+            <p:style>
+              <a:lnRef idx="2">
+                <a:schemeClr val="accent1"/>
+              </a:lnRef>
+              <a:fillRef idx="1">
+                <a:schemeClr val="lt1"/>
+              </a:fillRef>
+              <a:effectRef idx="0">
+                <a:schemeClr val="accent1"/>
+              </a:effectRef>
+              <a:fontRef idx="minor">
+                <a:schemeClr val="dk1"/>
+              </a:fontRef>
+            </p:style>
+            <p:txBody>
+              <a:bodyPr rot="0" spcFirstLastPara="0" vertOverflow="overflow" horzOverflow="overflow" vert="horz" wrap="square" lIns="91440" tIns="45720" rIns="91440" bIns="45720" numCol="1" spcCol="0" rtlCol="0" fromWordArt="0" anchor="ctr" anchorCtr="0" forceAA="0" compatLnSpc="1">
+                <a:prstTxWarp prst="textNoShape">
+                  <a:avLst/>
+                </a:prstTxWarp>
+                <a:noAutofit/>
+              </a:bodyPr>
+              <a:lstStyle/>
+              <a:p>
+                <a:r>
+                  <a:rPr lang="en-US" sz="2400" dirty="0"/>
+                  <a:t>The remaining unknown region</a:t>
+                </a:r>
+              </a:p>
+            </p:txBody>
+          </p:sp>
+          <p:cxnSp>
+            <p:nvCxnSpPr>
+              <p:cNvPr id="31" name="Straight Arrow Connector 30">
+                <a:extLst>
+                  <a:ext uri="{FF2B5EF4-FFF2-40B4-BE49-F238E27FC236}">
+                    <a16:creationId xmlns:a16="http://schemas.microsoft.com/office/drawing/2014/main" id="{C82E4E84-F4AA-463B-BC9C-F55F43C053B3}"/>
+                  </a:ext>
+                </a:extLst>
+              </p:cNvPr>
+              <p:cNvCxnSpPr>
+                <a:stCxn id="29" idx="0"/>
+              </p:cNvCxnSpPr>
+              <p:nvPr/>
+            </p:nvCxnSpPr>
+            <p:spPr>
+              <a:xfrm flipH="1" flipV="1">
+                <a:off x="4694471" y="4264639"/>
+                <a:ext cx="2010359" cy="982196"/>
+              </a:xfrm>
+              <a:prstGeom prst="straightConnector1">
+                <a:avLst/>
+              </a:prstGeom>
+              <a:ln>
+                <a:tailEnd type="triangle"/>
+              </a:ln>
+            </p:spPr>
+            <p:style>
+              <a:lnRef idx="1">
+                <a:schemeClr val="accent1"/>
+              </a:lnRef>
+              <a:fillRef idx="0">
+                <a:schemeClr val="accent1"/>
+              </a:fillRef>
+              <a:effectRef idx="0">
+                <a:schemeClr val="accent1"/>
+              </a:effectRef>
+              <a:fontRef idx="minor">
+                <a:schemeClr val="tx1"/>
+              </a:fontRef>
+            </p:style>
+          </p:cxnSp>
+        </p:grpSp>
+      </p:grpSp>
     </p:spTree>
     <p:extLst>
       <p:ext uri="{BB962C8B-B14F-4D97-AF65-F5344CB8AC3E}">
-        <p14:creationId xmlns:p14="http://schemas.microsoft.com/office/powerpoint/2010/main" val="4129760149"/>
+        <p14:creationId xmlns:p14="http://schemas.microsoft.com/office/powerpoint/2010/main" val="2817336640"/>
       </p:ext>
     </p:extLst>
   </p:cSld>
@@ -8172,7 +9572,7 @@
           <a:p>
             <a:r>
               <a:rPr lang="en-US" dirty="0"/>
-              <a:t>Watch this work</a:t>
+              <a:t>What are the cases?</a:t>
             </a:r>
           </a:p>
         </p:txBody>
@@ -8190,120 +9590,71 @@
         <p:spPr/>
         <p:txBody>
           <a:bodyPr>
-            <a:normAutofit fontScale="92500" lnSpcReduction="10000"/>
+            <a:normAutofit/>
           </a:bodyPr>
           <a:lstStyle/>
           <a:p>
-            <a:pPr>
-              <a:lnSpc>
-                <a:spcPct val="150000"/>
-              </a:lnSpc>
-            </a:pPr>
-            <a:r>
-              <a:rPr lang="en-US" dirty="0"/>
-              <a:t>(binary-search-loop 0 40 </a:t>
+            <a:r>
+              <a:rPr lang="en-US" dirty="0"/>
+              <a:t>Case 3: A[mid] &gt; </a:t>
             </a:r>
             <a:r>
               <a:rPr lang="en-US" dirty="0" err="1"/>
-              <a:t>sqr</a:t>
-            </a:r>
-            <a:r>
-              <a:rPr lang="en-US" dirty="0"/>
-              <a:t> 49)</a:t>
-            </a:r>
-          </a:p>
-          <a:p>
-            <a:pPr>
-              <a:lnSpc>
-                <a:spcPct val="150000"/>
-              </a:lnSpc>
-            </a:pPr>
-            <a:r>
-              <a:rPr lang="en-US" dirty="0"/>
-              <a:t>= (binary-search-loop 0 19 </a:t>
+              <a:t>tgt</a:t>
+            </a:r>
+            <a:endParaRPr lang="en-US" dirty="0"/>
+          </a:p>
+          <a:p>
+            <a:pPr lvl="1"/>
+            <a:r>
+              <a:rPr lang="en-US" dirty="0"/>
+              <a:t>so we can rule out mid and all values greater than mid, because if mid &lt; j, then </a:t>
             </a:r>
             <a:r>
               <a:rPr lang="en-US" dirty="0" err="1"/>
-              <a:t>sqr</a:t>
-            </a:r>
-            <a:r>
-              <a:rPr lang="en-US" dirty="0"/>
-              <a:t> 49) </a:t>
-            </a:r>
-          </a:p>
-          <a:p>
-            <a:pPr>
-              <a:lnSpc>
-                <a:spcPct val="150000"/>
-              </a:lnSpc>
-            </a:pPr>
-            <a:r>
-              <a:rPr lang="en-US" dirty="0"/>
-              <a:t>= (binary-search-loop 0 8 </a:t>
-            </a:r>
-            <a:r>
-              <a:rPr lang="en-US" dirty="0" err="1"/>
-              <a:t>sqr</a:t>
-            </a:r>
-            <a:r>
-              <a:rPr lang="en-US" dirty="0"/>
-              <a:t> 49)</a:t>
-            </a:r>
-          </a:p>
-          <a:p>
-            <a:pPr>
-              <a:lnSpc>
-                <a:spcPct val="150000"/>
-              </a:lnSpc>
-            </a:pPr>
-            <a:r>
-              <a:rPr lang="en-US" dirty="0"/>
-              <a:t>= (binary-search-loop 5 8 </a:t>
-            </a:r>
-            <a:r>
-              <a:rPr lang="en-US" dirty="0" err="1"/>
-              <a:t>sqr</a:t>
-            </a:r>
-            <a:r>
-              <a:rPr lang="en-US" dirty="0"/>
-              <a:t> 49)</a:t>
-            </a:r>
-          </a:p>
-          <a:p>
-            <a:pPr>
-              <a:lnSpc>
-                <a:spcPct val="150000"/>
-              </a:lnSpc>
-            </a:pPr>
-            <a:r>
-              <a:rPr lang="en-US" dirty="0"/>
-              <a:t>= (binary-search-loop 7 8 </a:t>
-            </a:r>
-            <a:r>
-              <a:rPr lang="en-US" dirty="0" err="1"/>
-              <a:t>sqr</a:t>
-            </a:r>
-            <a:r>
-              <a:rPr lang="en-US" dirty="0"/>
-              <a:t> 49)</a:t>
-            </a:r>
-          </a:p>
-          <a:p>
-            <a:pPr>
-              <a:lnSpc>
-                <a:spcPct val="150000"/>
-              </a:lnSpc>
-            </a:pPr>
-            <a:r>
-              <a:rPr lang="en-US" dirty="0"/>
-              <a:t>= 7</a:t>
-            </a:r>
-          </a:p>
-        </p:txBody>
-      </p:sp>
-      <p:sp>
-        <p:nvSpPr>
-          <p:cNvPr id="9" name="Slide Number Placeholder 8"/>
+              <a:t>tgt</a:t>
+            </a:r>
+            <a:r>
+              <a:rPr lang="en-US" dirty="0"/>
+              <a:t> &lt; A[mid] &lt;= A[j].</a:t>
+            </a:r>
+          </a:p>
+          <a:p>
+            <a:pPr lvl="1"/>
+            <a:r>
+              <a:rPr lang="en-US" dirty="0"/>
+              <a:t>So the answer k, if it exists, is in [lo,mid-1]</a:t>
+            </a:r>
+          </a:p>
+          <a:p>
+            <a:pPr lvl="1"/>
+            <a:r>
+              <a:rPr lang="en-US" dirty="0"/>
+              <a:t>So leave lo unchanged, and set </a:t>
+            </a:r>
+            <a:r>
+              <a:rPr lang="en-US" b="1" dirty="0"/>
+              <a:t>hi</a:t>
+            </a:r>
+            <a:r>
+              <a:rPr lang="en-US" dirty="0"/>
+              <a:t> to </a:t>
+            </a:r>
+            <a:r>
+              <a:rPr lang="en-US" b="1" dirty="0"/>
+              <a:t>mid </a:t>
+            </a:r>
+            <a:r>
+              <a:rPr lang="en-US" dirty="0"/>
+              <a:t>.</a:t>
+            </a:r>
+            <a:endParaRPr lang="en-US" b="1" dirty="0"/>
+          </a:p>
+        </p:txBody>
+      </p:sp>
+      <p:sp>
+        <p:nvSpPr>
+          <p:cNvPr id="4" name="Slide Number Placeholder 3"/>
           <p:cNvSpPr>
             <a:spLocks noGrp="1"/>
           </p:cNvSpPr>
@@ -8325,187 +9676,967 @@
           </a:p>
         </p:txBody>
       </p:sp>
-      <p:sp>
-        <p:nvSpPr>
-          <p:cNvPr id="4" name="TextBox 3"/>
+      <p:grpSp>
+        <p:nvGrpSpPr>
+          <p:cNvPr id="5" name="Group 4">
+            <a:extLst>
+              <a:ext uri="{FF2B5EF4-FFF2-40B4-BE49-F238E27FC236}">
+                <a16:creationId xmlns:a16="http://schemas.microsoft.com/office/drawing/2014/main" id="{60EC23C1-A0A5-4B86-A1BD-190E588997F6}"/>
+              </a:ext>
+            </a:extLst>
+          </p:cNvPr>
+          <p:cNvGrpSpPr/>
+          <p:nvPr/>
+        </p:nvGrpSpPr>
+        <p:grpSpPr>
+          <a:xfrm>
+            <a:off x="945725" y="4383046"/>
+            <a:ext cx="6879553" cy="2406812"/>
+            <a:chOff x="945725" y="4383046"/>
+            <a:chExt cx="6879553" cy="2406812"/>
+          </a:xfrm>
+        </p:grpSpPr>
+        <p:cxnSp>
+          <p:nvCxnSpPr>
+            <p:cNvPr id="6" name="Straight Connector 5">
+              <a:extLst>
+                <a:ext uri="{FF2B5EF4-FFF2-40B4-BE49-F238E27FC236}">
+                  <a16:creationId xmlns:a16="http://schemas.microsoft.com/office/drawing/2014/main" id="{C41E46CE-F093-47B4-999B-4602726FA577}"/>
+                </a:ext>
+              </a:extLst>
+            </p:cNvPr>
+            <p:cNvCxnSpPr/>
+            <p:nvPr/>
+          </p:nvCxnSpPr>
+          <p:spPr>
+            <a:xfrm>
+              <a:off x="4355193" y="4383046"/>
+              <a:ext cx="0" cy="607368"/>
+            </a:xfrm>
+            <a:prstGeom prst="line">
+              <a:avLst/>
+            </a:prstGeom>
+            <a:ln w="12700"/>
+          </p:spPr>
+          <p:style>
+            <a:lnRef idx="1">
+              <a:schemeClr val="accent1"/>
+            </a:lnRef>
+            <a:fillRef idx="0">
+              <a:schemeClr val="accent1"/>
+            </a:fillRef>
+            <a:effectRef idx="0">
+              <a:schemeClr val="accent1"/>
+            </a:effectRef>
+            <a:fontRef idx="minor">
+              <a:schemeClr val="tx1"/>
+            </a:fontRef>
+          </p:style>
+        </p:cxnSp>
+        <p:grpSp>
+          <p:nvGrpSpPr>
+            <p:cNvPr id="7" name="Group 6">
+              <a:extLst>
+                <a:ext uri="{FF2B5EF4-FFF2-40B4-BE49-F238E27FC236}">
+                  <a16:creationId xmlns:a16="http://schemas.microsoft.com/office/drawing/2014/main" id="{CA028FA9-8B21-45AD-A98A-7B91C078F477}"/>
+                </a:ext>
+              </a:extLst>
+            </p:cNvPr>
+            <p:cNvGrpSpPr/>
+            <p:nvPr/>
+          </p:nvGrpSpPr>
+          <p:grpSpPr>
+            <a:xfrm>
+              <a:off x="945725" y="4383046"/>
+              <a:ext cx="6879553" cy="2406812"/>
+              <a:chOff x="965845" y="3871043"/>
+              <a:chExt cx="6879553" cy="2406812"/>
+            </a:xfrm>
+          </p:grpSpPr>
+          <p:grpSp>
+            <p:nvGrpSpPr>
+              <p:cNvPr id="8" name="Group 7">
+                <a:extLst>
+                  <a:ext uri="{FF2B5EF4-FFF2-40B4-BE49-F238E27FC236}">
+                    <a16:creationId xmlns:a16="http://schemas.microsoft.com/office/drawing/2014/main" id="{17F3BFAB-3316-456F-805C-25066E327BF7}"/>
+                  </a:ext>
+                </a:extLst>
+              </p:cNvPr>
+              <p:cNvGrpSpPr/>
+              <p:nvPr/>
+            </p:nvGrpSpPr>
+            <p:grpSpPr>
+              <a:xfrm>
+                <a:off x="965845" y="3871043"/>
+                <a:ext cx="6515099" cy="1839839"/>
+                <a:chOff x="914399" y="2516832"/>
+                <a:chExt cx="6515099" cy="1839839"/>
+              </a:xfrm>
+            </p:grpSpPr>
+            <p:sp>
+              <p:nvSpPr>
+                <p:cNvPr id="18" name="Rectangle 17">
+                  <a:extLst>
+                    <a:ext uri="{FF2B5EF4-FFF2-40B4-BE49-F238E27FC236}">
+                      <a16:creationId xmlns:a16="http://schemas.microsoft.com/office/drawing/2014/main" id="{9CD6A28E-B18E-4634-9426-DFA7F8DC9964}"/>
+                    </a:ext>
+                  </a:extLst>
+                </p:cNvPr>
+                <p:cNvSpPr/>
+                <p:nvPr/>
+              </p:nvSpPr>
+              <p:spPr>
+                <a:xfrm>
+                  <a:off x="914399" y="2516832"/>
+                  <a:ext cx="6515099" cy="609600"/>
+                </a:xfrm>
+                <a:prstGeom prst="rect">
+                  <a:avLst/>
+                </a:prstGeom>
+                <a:ln w="12700">
+                  <a:solidFill>
+                    <a:schemeClr val="tx1"/>
+                  </a:solidFill>
+                  <a:tailEnd type="stealth" w="lg" len="lg"/>
+                </a:ln>
+              </p:spPr>
+              <p:style>
+                <a:lnRef idx="1">
+                  <a:schemeClr val="accent1"/>
+                </a:lnRef>
+                <a:fillRef idx="0">
+                  <a:schemeClr val="accent1"/>
+                </a:fillRef>
+                <a:effectRef idx="0">
+                  <a:schemeClr val="accent1"/>
+                </a:effectRef>
+                <a:fontRef idx="minor">
+                  <a:schemeClr val="tx1"/>
+                </a:fontRef>
+              </p:style>
+              <p:txBody>
+                <a:bodyPr rtlCol="0" anchor="ctr"/>
+                <a:lstStyle/>
+                <a:p>
+                  <a:pPr algn="ctr"/>
+                  <a:endParaRPr lang="en-US"/>
+                </a:p>
+              </p:txBody>
+            </p:sp>
+            <p:sp>
+              <p:nvSpPr>
+                <p:cNvPr id="19" name="TextBox 18">
+                  <a:extLst>
+                    <a:ext uri="{FF2B5EF4-FFF2-40B4-BE49-F238E27FC236}">
+                      <a16:creationId xmlns:a16="http://schemas.microsoft.com/office/drawing/2014/main" id="{3032F3B3-5F5C-4AB5-B8AE-4548C4848A8C}"/>
+                    </a:ext>
+                  </a:extLst>
+                </p:cNvPr>
+                <p:cNvSpPr txBox="1"/>
+                <p:nvPr/>
+              </p:nvSpPr>
+              <p:spPr>
+                <a:xfrm>
+                  <a:off x="914400" y="2590800"/>
+                  <a:ext cx="354584" cy="461665"/>
+                </a:xfrm>
+                <a:prstGeom prst="rect">
+                  <a:avLst/>
+                </a:prstGeom>
+                <a:noFill/>
+              </p:spPr>
+              <p:txBody>
+                <a:bodyPr wrap="none" rtlCol="0">
+                  <a:spAutoFit/>
+                </a:bodyPr>
+                <a:lstStyle/>
+                <a:p>
+                  <a:r>
+                    <a:rPr lang="en-US" sz="2400" b="1" dirty="0">
+                      <a:latin typeface="Consolas" pitchFamily="49" charset="0"/>
+                      <a:cs typeface="Consolas" pitchFamily="49" charset="0"/>
+                    </a:rPr>
+                    <a:t>0</a:t>
+                  </a:r>
+                </a:p>
+              </p:txBody>
+            </p:sp>
+            <p:grpSp>
+              <p:nvGrpSpPr>
+                <p:cNvPr id="20" name="Group 19">
+                  <a:extLst>
+                    <a:ext uri="{FF2B5EF4-FFF2-40B4-BE49-F238E27FC236}">
+                      <a16:creationId xmlns:a16="http://schemas.microsoft.com/office/drawing/2014/main" id="{576091D7-F9DB-4936-B359-059E60EC77C8}"/>
+                    </a:ext>
+                  </a:extLst>
+                </p:cNvPr>
+                <p:cNvGrpSpPr/>
+                <p:nvPr/>
+              </p:nvGrpSpPr>
+              <p:grpSpPr>
+                <a:xfrm>
+                  <a:off x="3276600" y="3154179"/>
+                  <a:ext cx="524503" cy="1202492"/>
+                  <a:chOff x="3048000" y="3678773"/>
+                  <a:chExt cx="524503" cy="1202492"/>
+                </a:xfrm>
+              </p:grpSpPr>
+              <p:sp>
+                <p:nvSpPr>
+                  <p:cNvPr id="29" name="TextBox 28">
+                    <a:extLst>
+                      <a:ext uri="{FF2B5EF4-FFF2-40B4-BE49-F238E27FC236}">
+                        <a16:creationId xmlns:a16="http://schemas.microsoft.com/office/drawing/2014/main" id="{9DAB211C-2F85-4C47-BB17-AEDEA927A6D3}"/>
+                      </a:ext>
+                    </a:extLst>
+                  </p:cNvPr>
+                  <p:cNvSpPr txBox="1"/>
+                  <p:nvPr/>
+                </p:nvSpPr>
+                <p:spPr>
+                  <a:xfrm>
+                    <a:off x="3048000" y="4419600"/>
+                    <a:ext cx="524503" cy="461665"/>
+                  </a:xfrm>
+                  <a:prstGeom prst="rect">
+                    <a:avLst/>
+                  </a:prstGeom>
+                  <a:noFill/>
+                </p:spPr>
+                <p:txBody>
+                  <a:bodyPr wrap="none" rtlCol="0">
+                    <a:spAutoFit/>
+                  </a:bodyPr>
+                  <a:lstStyle/>
+                  <a:p>
+                    <a:r>
+                      <a:rPr lang="en-US" sz="2400" b="1" dirty="0">
+                        <a:latin typeface="Consolas" pitchFamily="49" charset="0"/>
+                        <a:cs typeface="Consolas" pitchFamily="49" charset="0"/>
+                      </a:rPr>
+                      <a:t>lo</a:t>
+                    </a:r>
+                  </a:p>
+                </p:txBody>
+              </p:sp>
+              <p:cxnSp>
+                <p:nvCxnSpPr>
+                  <p:cNvPr id="30" name="Straight Arrow Connector 29">
+                    <a:extLst>
+                      <a:ext uri="{FF2B5EF4-FFF2-40B4-BE49-F238E27FC236}">
+                        <a16:creationId xmlns:a16="http://schemas.microsoft.com/office/drawing/2014/main" id="{5A47C0B2-5304-48E1-B1CC-23335AF536CD}"/>
+                      </a:ext>
+                    </a:extLst>
+                  </p:cNvPr>
+                  <p:cNvCxnSpPr>
+                    <a:cxnSpLocks/>
+                    <a:stCxn id="29" idx="0"/>
+                  </p:cNvCxnSpPr>
+                  <p:nvPr/>
+                </p:nvCxnSpPr>
+                <p:spPr>
+                  <a:xfrm flipV="1">
+                    <a:off x="3310252" y="3678773"/>
+                    <a:ext cx="2068" cy="740827"/>
+                  </a:xfrm>
+                  <a:prstGeom prst="straightConnector1">
+                    <a:avLst/>
+                  </a:prstGeom>
+                  <a:ln w="15875">
+                    <a:solidFill>
+                      <a:schemeClr val="tx1"/>
+                    </a:solidFill>
+                    <a:tailEnd type="triangle"/>
+                  </a:ln>
+                </p:spPr>
+                <p:style>
+                  <a:lnRef idx="1">
+                    <a:schemeClr val="accent1"/>
+                  </a:lnRef>
+                  <a:fillRef idx="0">
+                    <a:schemeClr val="accent1"/>
+                  </a:fillRef>
+                  <a:effectRef idx="0">
+                    <a:schemeClr val="accent1"/>
+                  </a:effectRef>
+                  <a:fontRef idx="minor">
+                    <a:schemeClr val="tx1"/>
+                  </a:fontRef>
+                </p:style>
+              </p:cxnSp>
+            </p:grpSp>
+            <p:grpSp>
+              <p:nvGrpSpPr>
+                <p:cNvPr id="21" name="Group 20">
+                  <a:extLst>
+                    <a:ext uri="{FF2B5EF4-FFF2-40B4-BE49-F238E27FC236}">
+                      <a16:creationId xmlns:a16="http://schemas.microsoft.com/office/drawing/2014/main" id="{BE75A403-AC27-414F-887B-935DF38AE683}"/>
+                    </a:ext>
+                  </a:extLst>
+                </p:cNvPr>
+                <p:cNvGrpSpPr/>
+                <p:nvPr/>
+              </p:nvGrpSpPr>
+              <p:grpSpPr>
+                <a:xfrm>
+                  <a:off x="4648200" y="3124200"/>
+                  <a:ext cx="524503" cy="1230089"/>
+                  <a:chOff x="3048000" y="3651176"/>
+                  <a:chExt cx="524503" cy="1230089"/>
+                </a:xfrm>
+              </p:grpSpPr>
+              <p:sp>
+                <p:nvSpPr>
+                  <p:cNvPr id="27" name="TextBox 26">
+                    <a:extLst>
+                      <a:ext uri="{FF2B5EF4-FFF2-40B4-BE49-F238E27FC236}">
+                        <a16:creationId xmlns:a16="http://schemas.microsoft.com/office/drawing/2014/main" id="{F1956659-B5C0-44DF-9D3C-8D4FD67C6264}"/>
+                      </a:ext>
+                    </a:extLst>
+                  </p:cNvPr>
+                  <p:cNvSpPr txBox="1"/>
+                  <p:nvPr/>
+                </p:nvSpPr>
+                <p:spPr>
+                  <a:xfrm>
+                    <a:off x="3048000" y="4419600"/>
+                    <a:ext cx="524503" cy="461665"/>
+                  </a:xfrm>
+                  <a:prstGeom prst="rect">
+                    <a:avLst/>
+                  </a:prstGeom>
+                  <a:noFill/>
+                </p:spPr>
+                <p:txBody>
+                  <a:bodyPr wrap="none" rtlCol="0">
+                    <a:spAutoFit/>
+                  </a:bodyPr>
+                  <a:lstStyle/>
+                  <a:p>
+                    <a:r>
+                      <a:rPr lang="en-US" sz="2400" b="1" dirty="0">
+                        <a:latin typeface="Consolas" pitchFamily="49" charset="0"/>
+                        <a:cs typeface="Consolas" pitchFamily="49" charset="0"/>
+                      </a:rPr>
+                      <a:t>hi</a:t>
+                    </a:r>
+                  </a:p>
+                </p:txBody>
+              </p:sp>
+              <p:cxnSp>
+                <p:nvCxnSpPr>
+                  <p:cNvPr id="28" name="Straight Arrow Connector 27">
+                    <a:extLst>
+                      <a:ext uri="{FF2B5EF4-FFF2-40B4-BE49-F238E27FC236}">
+                        <a16:creationId xmlns:a16="http://schemas.microsoft.com/office/drawing/2014/main" id="{44CA960F-00BD-415C-82F3-B6851DD5A530}"/>
+                      </a:ext>
+                    </a:extLst>
+                  </p:cNvPr>
+                  <p:cNvCxnSpPr>
+                    <a:cxnSpLocks/>
+                    <a:stCxn id="27" idx="0"/>
+                  </p:cNvCxnSpPr>
+                  <p:nvPr/>
+                </p:nvCxnSpPr>
+                <p:spPr>
+                  <a:xfrm flipH="1" flipV="1">
+                    <a:off x="3310251" y="3651176"/>
+                    <a:ext cx="1" cy="768424"/>
+                  </a:xfrm>
+                  <a:prstGeom prst="straightConnector1">
+                    <a:avLst/>
+                  </a:prstGeom>
+                  <a:ln w="15875">
+                    <a:solidFill>
+                      <a:schemeClr val="tx1"/>
+                    </a:solidFill>
+                    <a:tailEnd type="triangle"/>
+                  </a:ln>
+                </p:spPr>
+                <p:style>
+                  <a:lnRef idx="1">
+                    <a:schemeClr val="accent1"/>
+                  </a:lnRef>
+                  <a:fillRef idx="0">
+                    <a:schemeClr val="accent1"/>
+                  </a:fillRef>
+                  <a:effectRef idx="0">
+                    <a:schemeClr val="accent1"/>
+                  </a:effectRef>
+                  <a:fontRef idx="minor">
+                    <a:schemeClr val="tx1"/>
+                  </a:fontRef>
+                </p:style>
+              </p:cxnSp>
+            </p:grpSp>
+            <p:cxnSp>
+              <p:nvCxnSpPr>
+                <p:cNvPr id="22" name="Straight Connector 21">
+                  <a:extLst>
+                    <a:ext uri="{FF2B5EF4-FFF2-40B4-BE49-F238E27FC236}">
+                      <a16:creationId xmlns:a16="http://schemas.microsoft.com/office/drawing/2014/main" id="{26277011-C687-4A1F-9051-5803321AAF35}"/>
+                    </a:ext>
+                  </a:extLst>
+                </p:cNvPr>
+                <p:cNvCxnSpPr/>
+                <p:nvPr/>
+              </p:nvCxnSpPr>
+              <p:spPr>
+                <a:xfrm>
+                  <a:off x="3390899" y="2516832"/>
+                  <a:ext cx="0" cy="607368"/>
+                </a:xfrm>
+                <a:prstGeom prst="line">
+                  <a:avLst/>
+                </a:prstGeom>
+                <a:ln w="12700"/>
+              </p:spPr>
+              <p:style>
+                <a:lnRef idx="1">
+                  <a:schemeClr val="accent1"/>
+                </a:lnRef>
+                <a:fillRef idx="0">
+                  <a:schemeClr val="accent1"/>
+                </a:fillRef>
+                <a:effectRef idx="0">
+                  <a:schemeClr val="accent1"/>
+                </a:effectRef>
+                <a:fontRef idx="minor">
+                  <a:schemeClr val="tx1"/>
+                </a:fontRef>
+              </p:style>
+            </p:cxnSp>
+            <p:cxnSp>
+              <p:nvCxnSpPr>
+                <p:cNvPr id="23" name="Straight Connector 22">
+                  <a:extLst>
+                    <a:ext uri="{FF2B5EF4-FFF2-40B4-BE49-F238E27FC236}">
+                      <a16:creationId xmlns:a16="http://schemas.microsoft.com/office/drawing/2014/main" id="{1BF558B3-DDB1-474C-9D2E-3CE014E66FB8}"/>
+                    </a:ext>
+                  </a:extLst>
+                </p:cNvPr>
+                <p:cNvCxnSpPr/>
+                <p:nvPr/>
+              </p:nvCxnSpPr>
+              <p:spPr>
+                <a:xfrm>
+                  <a:off x="4800600" y="2526358"/>
+                  <a:ext cx="0" cy="607368"/>
+                </a:xfrm>
+                <a:prstGeom prst="line">
+                  <a:avLst/>
+                </a:prstGeom>
+                <a:ln w="12700"/>
+              </p:spPr>
+              <p:style>
+                <a:lnRef idx="1">
+                  <a:schemeClr val="accent1"/>
+                </a:lnRef>
+                <a:fillRef idx="0">
+                  <a:schemeClr val="accent1"/>
+                </a:fillRef>
+                <a:effectRef idx="0">
+                  <a:schemeClr val="accent1"/>
+                </a:effectRef>
+                <a:fontRef idx="minor">
+                  <a:schemeClr val="tx1"/>
+                </a:fontRef>
+              </p:style>
+            </p:cxnSp>
+            <p:sp>
+              <p:nvSpPr>
+                <p:cNvPr id="24" name="TextBox 23">
+                  <a:extLst>
+                    <a:ext uri="{FF2B5EF4-FFF2-40B4-BE49-F238E27FC236}">
+                      <a16:creationId xmlns:a16="http://schemas.microsoft.com/office/drawing/2014/main" id="{0A3C51D3-A02B-4B38-9C0E-63656A707087}"/>
+                    </a:ext>
+                  </a:extLst>
+                </p:cNvPr>
+                <p:cNvSpPr txBox="1"/>
+                <p:nvPr/>
+              </p:nvSpPr>
+              <p:spPr>
+                <a:xfrm>
+                  <a:off x="1661766" y="2602983"/>
+                  <a:ext cx="1195734" cy="461665"/>
+                </a:xfrm>
+                <a:prstGeom prst="rect">
+                  <a:avLst/>
+                </a:prstGeom>
+                <a:noFill/>
+              </p:spPr>
+              <p:txBody>
+                <a:bodyPr wrap="square" rtlCol="0">
+                  <a:spAutoFit/>
+                </a:bodyPr>
+                <a:lstStyle/>
+                <a:p>
+                  <a:r>
+                    <a:rPr lang="en-US" sz="2400" b="1" dirty="0">
+                      <a:latin typeface="Consolas" pitchFamily="49" charset="0"/>
+                      <a:cs typeface="Consolas" pitchFamily="49" charset="0"/>
+                    </a:rPr>
+                    <a:t>A[j]&lt;x</a:t>
+                  </a:r>
+                </a:p>
+              </p:txBody>
+            </p:sp>
+            <p:sp>
+              <p:nvSpPr>
+                <p:cNvPr id="25" name="TextBox 24">
+                  <a:extLst>
+                    <a:ext uri="{FF2B5EF4-FFF2-40B4-BE49-F238E27FC236}">
+                      <a16:creationId xmlns:a16="http://schemas.microsoft.com/office/drawing/2014/main" id="{C83F608F-48FF-4AD8-9007-96943D4DCC05}"/>
+                    </a:ext>
+                  </a:extLst>
+                </p:cNvPr>
+                <p:cNvSpPr txBox="1"/>
+                <p:nvPr/>
+              </p:nvSpPr>
+              <p:spPr>
+                <a:xfrm>
+                  <a:off x="3694103" y="2609986"/>
+                  <a:ext cx="1043302" cy="461665"/>
+                </a:xfrm>
+                <a:prstGeom prst="rect">
+                  <a:avLst/>
+                </a:prstGeom>
+                <a:noFill/>
+              </p:spPr>
+              <p:txBody>
+                <a:bodyPr wrap="square" rtlCol="0">
+                  <a:spAutoFit/>
+                </a:bodyPr>
+                <a:lstStyle/>
+                <a:p>
+                  <a:r>
+                    <a:rPr lang="en-US" sz="2400" b="1" dirty="0">
+                      <a:latin typeface="Consolas" pitchFamily="49" charset="0"/>
+                      <a:cs typeface="Consolas" pitchFamily="49" charset="0"/>
+                    </a:rPr>
+                    <a:t> &gt;x</a:t>
+                  </a:r>
+                </a:p>
+              </p:txBody>
+            </p:sp>
+            <p:sp>
+              <p:nvSpPr>
+                <p:cNvPr id="26" name="TextBox 25">
+                  <a:extLst>
+                    <a:ext uri="{FF2B5EF4-FFF2-40B4-BE49-F238E27FC236}">
+                      <a16:creationId xmlns:a16="http://schemas.microsoft.com/office/drawing/2014/main" id="{6C889B9D-37FD-47D6-822F-B2DB84E2D270}"/>
+                    </a:ext>
+                  </a:extLst>
+                </p:cNvPr>
+                <p:cNvSpPr txBox="1"/>
+                <p:nvPr/>
+              </p:nvSpPr>
+              <p:spPr>
+                <a:xfrm>
+                  <a:off x="5512815" y="2638201"/>
+                  <a:ext cx="1195734" cy="461665"/>
+                </a:xfrm>
+                <a:prstGeom prst="rect">
+                  <a:avLst/>
+                </a:prstGeom>
+                <a:noFill/>
+              </p:spPr>
+              <p:txBody>
+                <a:bodyPr wrap="square" rtlCol="0">
+                  <a:spAutoFit/>
+                </a:bodyPr>
+                <a:lstStyle/>
+                <a:p>
+                  <a:r>
+                    <a:rPr lang="en-US" sz="2400" b="1" dirty="0">
+                      <a:latin typeface="Consolas" pitchFamily="49" charset="0"/>
+                      <a:cs typeface="Consolas" pitchFamily="49" charset="0"/>
+                    </a:rPr>
+                    <a:t>A[j]&gt;x</a:t>
+                  </a:r>
+                </a:p>
+              </p:txBody>
+            </p:sp>
+          </p:grpSp>
+          <p:grpSp>
+            <p:nvGrpSpPr>
+              <p:cNvPr id="9" name="Group 8">
+                <a:extLst>
+                  <a:ext uri="{FF2B5EF4-FFF2-40B4-BE49-F238E27FC236}">
+                    <a16:creationId xmlns:a16="http://schemas.microsoft.com/office/drawing/2014/main" id="{EF139EA8-6C61-4EC1-BDA9-4C61A3FC118A}"/>
+                  </a:ext>
+                </a:extLst>
+              </p:cNvPr>
+              <p:cNvGrpSpPr/>
+              <p:nvPr/>
+            </p:nvGrpSpPr>
+            <p:grpSpPr>
+              <a:xfrm>
+                <a:off x="3890200" y="4480075"/>
+                <a:ext cx="694421" cy="1293986"/>
+                <a:chOff x="3934005" y="5176586"/>
+                <a:chExt cx="694421" cy="1293986"/>
+              </a:xfrm>
+            </p:grpSpPr>
+            <p:sp>
+              <p:nvSpPr>
+                <p:cNvPr id="16" name="TextBox 15">
+                  <a:extLst>
+                    <a:ext uri="{FF2B5EF4-FFF2-40B4-BE49-F238E27FC236}">
+                      <a16:creationId xmlns:a16="http://schemas.microsoft.com/office/drawing/2014/main" id="{9930DF76-6CFF-4A40-8824-1D83CDBEB5ED}"/>
+                    </a:ext>
+                  </a:extLst>
+                </p:cNvPr>
+                <p:cNvSpPr txBox="1"/>
+                <p:nvPr/>
+              </p:nvSpPr>
+              <p:spPr>
+                <a:xfrm>
+                  <a:off x="3934005" y="6008907"/>
+                  <a:ext cx="694421" cy="461665"/>
+                </a:xfrm>
+                <a:prstGeom prst="rect">
+                  <a:avLst/>
+                </a:prstGeom>
+                <a:noFill/>
+              </p:spPr>
+              <p:txBody>
+                <a:bodyPr wrap="none" rtlCol="0">
+                  <a:spAutoFit/>
+                </a:bodyPr>
+                <a:lstStyle/>
+                <a:p>
+                  <a:r>
+                    <a:rPr lang="en-US" sz="2400" b="1" dirty="0">
+                      <a:latin typeface="Consolas" pitchFamily="49" charset="0"/>
+                      <a:cs typeface="Consolas" pitchFamily="49" charset="0"/>
+                    </a:rPr>
+                    <a:t>mid</a:t>
+                  </a:r>
+                </a:p>
+              </p:txBody>
+            </p:sp>
+            <p:cxnSp>
+              <p:nvCxnSpPr>
+                <p:cNvPr id="17" name="Straight Arrow Connector 16">
+                  <a:extLst>
+                    <a:ext uri="{FF2B5EF4-FFF2-40B4-BE49-F238E27FC236}">
+                      <a16:creationId xmlns:a16="http://schemas.microsoft.com/office/drawing/2014/main" id="{E03555D3-5DE5-4FCC-8C5D-A1D3FA3D43E0}"/>
+                    </a:ext>
+                  </a:extLst>
+                </p:cNvPr>
+                <p:cNvCxnSpPr>
+                  <a:cxnSpLocks/>
+                </p:cNvCxnSpPr>
+                <p:nvPr/>
+              </p:nvCxnSpPr>
+              <p:spPr>
+                <a:xfrm flipV="1">
+                  <a:off x="4267200" y="5176586"/>
+                  <a:ext cx="0" cy="769934"/>
+                </a:xfrm>
+                <a:prstGeom prst="straightConnector1">
+                  <a:avLst/>
+                </a:prstGeom>
+                <a:ln w="15875">
+                  <a:solidFill>
+                    <a:schemeClr val="tx1"/>
+                  </a:solidFill>
+                  <a:tailEnd type="triangle"/>
+                </a:ln>
+              </p:spPr>
+              <p:style>
+                <a:lnRef idx="1">
+                  <a:schemeClr val="accent1"/>
+                </a:lnRef>
+                <a:fillRef idx="0">
+                  <a:schemeClr val="accent1"/>
+                </a:fillRef>
+                <a:effectRef idx="0">
+                  <a:schemeClr val="accent1"/>
+                </a:effectRef>
+                <a:fontRef idx="minor">
+                  <a:schemeClr val="tx1"/>
+                </a:fontRef>
+              </p:style>
+            </p:cxnSp>
+          </p:grpSp>
+          <p:cxnSp>
+            <p:nvCxnSpPr>
+              <p:cNvPr id="10" name="Straight Connector 9">
+                <a:extLst>
+                  <a:ext uri="{FF2B5EF4-FFF2-40B4-BE49-F238E27FC236}">
+                    <a16:creationId xmlns:a16="http://schemas.microsoft.com/office/drawing/2014/main" id="{3DDCA318-5DBC-4FE5-99C5-BF98FBE4723A}"/>
+                  </a:ext>
+                </a:extLst>
+              </p:cNvPr>
+              <p:cNvCxnSpPr/>
+              <p:nvPr/>
+            </p:nvCxnSpPr>
+            <p:spPr>
+              <a:xfrm>
+                <a:off x="4014027" y="3891345"/>
+                <a:ext cx="0" cy="607368"/>
+              </a:xfrm>
+              <a:prstGeom prst="line">
+                <a:avLst/>
+              </a:prstGeom>
+              <a:ln w="12700"/>
+            </p:spPr>
+            <p:style>
+              <a:lnRef idx="1">
+                <a:schemeClr val="accent1"/>
+              </a:lnRef>
+              <a:fillRef idx="0">
+                <a:schemeClr val="accent1"/>
+              </a:fillRef>
+              <a:effectRef idx="0">
+                <a:schemeClr val="accent1"/>
+              </a:effectRef>
+              <a:fontRef idx="minor">
+                <a:schemeClr val="tx1"/>
+              </a:fontRef>
+            </p:style>
+          </p:cxnSp>
+          <p:sp>
+            <p:nvSpPr>
+              <p:cNvPr id="11" name="TextBox 10">
+                <a:extLst>
+                  <a:ext uri="{FF2B5EF4-FFF2-40B4-BE49-F238E27FC236}">
+                    <a16:creationId xmlns:a16="http://schemas.microsoft.com/office/drawing/2014/main" id="{4D52E4F6-C3B5-4226-985B-8B125DABC638}"/>
+                  </a:ext>
+                </a:extLst>
+              </p:cNvPr>
+              <p:cNvSpPr txBox="1"/>
+              <p:nvPr/>
+            </p:nvSpPr>
+            <p:spPr>
+              <a:xfrm>
+                <a:off x="965845" y="5312396"/>
+                <a:ext cx="2223029" cy="813767"/>
+              </a:xfrm>
+              <a:prstGeom prst="rect">
+                <a:avLst/>
+              </a:prstGeom>
+              <a:solidFill>
+                <a:schemeClr val="accent1">
+                  <a:lumMod val="20000"/>
+                  <a:lumOff val="80000"/>
+                </a:schemeClr>
+              </a:solidFill>
+              <a:ln>
+                <a:noFill/>
+              </a:ln>
+            </p:spPr>
+            <p:style>
+              <a:lnRef idx="2">
+                <a:schemeClr val="accent1"/>
+              </a:lnRef>
+              <a:fillRef idx="1">
+                <a:schemeClr val="lt1"/>
+              </a:fillRef>
+              <a:effectRef idx="0">
+                <a:schemeClr val="accent1"/>
+              </a:effectRef>
+              <a:fontRef idx="minor">
+                <a:schemeClr val="dk1"/>
+              </a:fontRef>
+            </p:style>
+            <p:txBody>
+              <a:bodyPr rot="0" spcFirstLastPara="0" vertOverflow="overflow" horzOverflow="overflow" vert="horz" wrap="square" lIns="91440" tIns="45720" rIns="91440" bIns="45720" numCol="1" spcCol="0" rtlCol="0" fromWordArt="0" anchor="ctr" anchorCtr="0" forceAA="0" compatLnSpc="1">
+                <a:prstTxWarp prst="textNoShape">
+                  <a:avLst/>
+                </a:prstTxWarp>
+                <a:noAutofit/>
+              </a:bodyPr>
+              <a:lstStyle/>
+              <a:p>
+                <a:r>
+                  <a:rPr lang="en-US" sz="2400" dirty="0"/>
+                  <a:t>The remaining unknown region</a:t>
+                </a:r>
+              </a:p>
+            </p:txBody>
+          </p:sp>
+          <p:cxnSp>
+            <p:nvCxnSpPr>
+              <p:cNvPr id="12" name="Straight Arrow Connector 11">
+                <a:extLst>
+                  <a:ext uri="{FF2B5EF4-FFF2-40B4-BE49-F238E27FC236}">
+                    <a16:creationId xmlns:a16="http://schemas.microsoft.com/office/drawing/2014/main" id="{72919417-6D41-4263-BA20-F60CCC93E07B}"/>
+                  </a:ext>
+                </a:extLst>
+              </p:cNvPr>
+              <p:cNvCxnSpPr>
+                <a:cxnSpLocks/>
+                <a:stCxn id="11" idx="0"/>
+              </p:cNvCxnSpPr>
+              <p:nvPr/>
+            </p:nvCxnSpPr>
+            <p:spPr>
+              <a:xfrm flipV="1">
+                <a:off x="2077360" y="4264640"/>
+                <a:ext cx="1572556" cy="1047756"/>
+              </a:xfrm>
+              <a:prstGeom prst="straightConnector1">
+                <a:avLst/>
+              </a:prstGeom>
+              <a:ln>
+                <a:tailEnd type="triangle"/>
+              </a:ln>
+            </p:spPr>
+            <p:style>
+              <a:lnRef idx="1">
+                <a:schemeClr val="accent1"/>
+              </a:lnRef>
+              <a:fillRef idx="0">
+                <a:schemeClr val="accent1"/>
+              </a:fillRef>
+              <a:effectRef idx="0">
+                <a:schemeClr val="accent1"/>
+              </a:effectRef>
+              <a:fontRef idx="minor">
+                <a:schemeClr val="tx1"/>
+              </a:fontRef>
+            </p:style>
+          </p:cxnSp>
+          <p:sp>
+            <p:nvSpPr>
+              <p:cNvPr id="14" name="TextBox 13">
+                <a:extLst>
+                  <a:ext uri="{FF2B5EF4-FFF2-40B4-BE49-F238E27FC236}">
+                    <a16:creationId xmlns:a16="http://schemas.microsoft.com/office/drawing/2014/main" id="{1AC3BADB-EDEB-4F8B-A44F-B4538ED3AAA8}"/>
+                  </a:ext>
+                </a:extLst>
+              </p:cNvPr>
+              <p:cNvSpPr txBox="1"/>
+              <p:nvPr/>
+            </p:nvSpPr>
+            <p:spPr>
+              <a:xfrm>
+                <a:off x="5564261" y="5246835"/>
+                <a:ext cx="2281137" cy="1031020"/>
+              </a:xfrm>
+              <a:prstGeom prst="rect">
+                <a:avLst/>
+              </a:prstGeom>
+              <a:solidFill>
+                <a:schemeClr val="accent1">
+                  <a:lumMod val="20000"/>
+                  <a:lumOff val="80000"/>
+                </a:schemeClr>
+              </a:solidFill>
+              <a:ln>
+                <a:noFill/>
+              </a:ln>
+            </p:spPr>
+            <p:style>
+              <a:lnRef idx="2">
+                <a:schemeClr val="accent1"/>
+              </a:lnRef>
+              <a:fillRef idx="1">
+                <a:schemeClr val="lt1"/>
+              </a:fillRef>
+              <a:effectRef idx="0">
+                <a:schemeClr val="accent1"/>
+              </a:effectRef>
+              <a:fontRef idx="minor">
+                <a:schemeClr val="dk1"/>
+              </a:fontRef>
+            </p:style>
+            <p:txBody>
+              <a:bodyPr rot="0" spcFirstLastPara="0" vertOverflow="overflow" horzOverflow="overflow" vert="horz" wrap="square" lIns="91440" tIns="45720" rIns="91440" bIns="45720" numCol="1" spcCol="0" rtlCol="0" fromWordArt="0" anchor="ctr" anchorCtr="0" forceAA="0" compatLnSpc="1">
+                <a:prstTxWarp prst="textNoShape">
+                  <a:avLst/>
+                </a:prstTxWarp>
+                <a:noAutofit/>
+              </a:bodyPr>
+              <a:lstStyle/>
+              <a:p>
+                <a:r>
+                  <a:rPr lang="en-US" sz="2400" dirty="0"/>
+                  <a:t>All these must also be &gt; x</a:t>
+                </a:r>
+              </a:p>
+            </p:txBody>
+          </p:sp>
+          <p:cxnSp>
+            <p:nvCxnSpPr>
+              <p:cNvPr id="15" name="Straight Arrow Connector 14">
+                <a:extLst>
+                  <a:ext uri="{FF2B5EF4-FFF2-40B4-BE49-F238E27FC236}">
+                    <a16:creationId xmlns:a16="http://schemas.microsoft.com/office/drawing/2014/main" id="{568B6D57-BA7F-4F3B-8A5D-5227EB25DCEC}"/>
+                  </a:ext>
+                </a:extLst>
+              </p:cNvPr>
+              <p:cNvCxnSpPr>
+                <a:stCxn id="14" idx="0"/>
+              </p:cNvCxnSpPr>
+              <p:nvPr/>
+            </p:nvCxnSpPr>
+            <p:spPr>
+              <a:xfrm flipH="1" flipV="1">
+                <a:off x="4694471" y="4264639"/>
+                <a:ext cx="2010359" cy="982196"/>
+              </a:xfrm>
+              <a:prstGeom prst="straightConnector1">
+                <a:avLst/>
+              </a:prstGeom>
+              <a:ln>
+                <a:tailEnd type="triangle"/>
+              </a:ln>
+            </p:spPr>
+            <p:style>
+              <a:lnRef idx="1">
+                <a:schemeClr val="accent1"/>
+              </a:lnRef>
+              <a:fillRef idx="0">
+                <a:schemeClr val="accent1"/>
+              </a:fillRef>
+              <a:effectRef idx="0">
+                <a:schemeClr val="accent1"/>
+              </a:effectRef>
+              <a:fontRef idx="minor">
+                <a:schemeClr val="tx1"/>
+              </a:fontRef>
+            </p:style>
+          </p:cxnSp>
+        </p:grpSp>
+      </p:grpSp>
+      <p:sp>
+        <p:nvSpPr>
+          <p:cNvPr id="31" name="TextBox 30">
+            <a:extLst>
+              <a:ext uri="{FF2B5EF4-FFF2-40B4-BE49-F238E27FC236}">
+                <a16:creationId xmlns:a16="http://schemas.microsoft.com/office/drawing/2014/main" id="{C8634DF4-FB0B-4881-A9F8-316FEC9E2B0B}"/>
+              </a:ext>
+            </a:extLst>
+          </p:cNvPr>
           <p:cNvSpPr txBox="1"/>
           <p:nvPr/>
         </p:nvSpPr>
         <p:spPr>
           <a:xfrm>
-            <a:off x="7391400" y="2051566"/>
-            <a:ext cx="761747" cy="369332"/>
+            <a:off x="3454942" y="4495549"/>
+            <a:ext cx="525228" cy="461665"/>
           </a:xfrm>
           <a:prstGeom prst="rect">
             <a:avLst/>
           </a:prstGeom>
-          <a:solidFill>
-            <a:schemeClr val="accent1">
-              <a:lumMod val="20000"/>
-              <a:lumOff val="80000"/>
-            </a:schemeClr>
-          </a:solidFill>
-          <a:ln>
-            <a:noFill/>
-          </a:ln>
+          <a:noFill/>
         </p:spPr>
         <p:txBody>
-          <a:bodyPr wrap="none" rtlCol="0">
+          <a:bodyPr wrap="square" rtlCol="0">
             <a:spAutoFit/>
           </a:bodyPr>
           <a:lstStyle/>
           <a:p>
             <a:r>
-              <a:rPr lang="en-US" dirty="0"/>
-              <a:t>p = 20</a:t>
-            </a:r>
-          </a:p>
-        </p:txBody>
-      </p:sp>
-      <p:sp>
-        <p:nvSpPr>
-          <p:cNvPr id="5" name="TextBox 4"/>
-          <p:cNvSpPr txBox="1"/>
-          <p:nvPr/>
-        </p:nvSpPr>
-        <p:spPr>
-          <a:xfrm>
-            <a:off x="7455520" y="2971800"/>
-            <a:ext cx="697627" cy="369332"/>
-          </a:xfrm>
-          <a:prstGeom prst="rect">
-            <a:avLst/>
-          </a:prstGeom>
-          <a:solidFill>
-            <a:schemeClr val="accent1">
-              <a:lumMod val="20000"/>
-              <a:lumOff val="80000"/>
-            </a:schemeClr>
-          </a:solidFill>
-          <a:ln>
-            <a:noFill/>
-          </a:ln>
-        </p:spPr>
-        <p:txBody>
-          <a:bodyPr wrap="none" rtlCol="0">
-            <a:spAutoFit/>
-          </a:bodyPr>
-          <a:lstStyle/>
-          <a:p>
-            <a:r>
-              <a:rPr lang="en-US" dirty="0"/>
-              <a:t>p = 9 </a:t>
-            </a:r>
-          </a:p>
-        </p:txBody>
-      </p:sp>
-      <p:sp>
-        <p:nvSpPr>
-          <p:cNvPr id="6" name="TextBox 5"/>
-          <p:cNvSpPr txBox="1"/>
-          <p:nvPr/>
-        </p:nvSpPr>
-        <p:spPr>
-          <a:xfrm>
-            <a:off x="7455520" y="3733800"/>
-            <a:ext cx="697627" cy="369332"/>
-          </a:xfrm>
-          <a:prstGeom prst="rect">
-            <a:avLst/>
-          </a:prstGeom>
-          <a:solidFill>
-            <a:schemeClr val="accent1">
-              <a:lumMod val="20000"/>
-              <a:lumOff val="80000"/>
-            </a:schemeClr>
-          </a:solidFill>
-          <a:ln>
-            <a:noFill/>
-          </a:ln>
-        </p:spPr>
-        <p:txBody>
-          <a:bodyPr wrap="none" rtlCol="0">
-            <a:spAutoFit/>
-          </a:bodyPr>
-          <a:lstStyle/>
-          <a:p>
-            <a:r>
-              <a:rPr lang="en-US" dirty="0"/>
-              <a:t>p = 4 </a:t>
-            </a:r>
-          </a:p>
-        </p:txBody>
-      </p:sp>
-      <p:sp>
-        <p:nvSpPr>
-          <p:cNvPr id="7" name="TextBox 6"/>
-          <p:cNvSpPr txBox="1"/>
-          <p:nvPr/>
-        </p:nvSpPr>
-        <p:spPr>
-          <a:xfrm>
-            <a:off x="7423459" y="4495800"/>
-            <a:ext cx="697627" cy="369332"/>
-          </a:xfrm>
-          <a:prstGeom prst="rect">
-            <a:avLst/>
-          </a:prstGeom>
-          <a:solidFill>
-            <a:schemeClr val="accent1">
-              <a:lumMod val="20000"/>
-              <a:lumOff val="80000"/>
-            </a:schemeClr>
-          </a:solidFill>
-          <a:ln>
-            <a:noFill/>
-          </a:ln>
-        </p:spPr>
-        <p:txBody>
-          <a:bodyPr wrap="none" rtlCol="0">
-            <a:spAutoFit/>
-          </a:bodyPr>
-          <a:lstStyle/>
-          <a:p>
-            <a:r>
-              <a:rPr lang="en-US" dirty="0"/>
-              <a:t>p = 6 </a:t>
-            </a:r>
-          </a:p>
-        </p:txBody>
-      </p:sp>
-      <p:sp>
-        <p:nvSpPr>
-          <p:cNvPr id="8" name="TextBox 7"/>
-          <p:cNvSpPr txBox="1"/>
-          <p:nvPr/>
-        </p:nvSpPr>
-        <p:spPr>
-          <a:xfrm>
-            <a:off x="7423459" y="5257800"/>
-            <a:ext cx="697627" cy="369332"/>
-          </a:xfrm>
-          <a:prstGeom prst="rect">
-            <a:avLst/>
-          </a:prstGeom>
-          <a:solidFill>
-            <a:schemeClr val="accent1">
-              <a:lumMod val="20000"/>
-              <a:lumOff val="80000"/>
-            </a:schemeClr>
-          </a:solidFill>
-          <a:ln>
-            <a:noFill/>
-          </a:ln>
-        </p:spPr>
-        <p:txBody>
-          <a:bodyPr wrap="none" rtlCol="0">
-            <a:spAutoFit/>
-          </a:bodyPr>
-          <a:lstStyle/>
-          <a:p>
-            <a:r>
-              <a:rPr lang="en-US" dirty="0"/>
-              <a:t>p = 7 </a:t>
+              <a:rPr lang="en-US" sz="2400" b="1" dirty="0">
+                <a:latin typeface="Consolas" pitchFamily="49" charset="0"/>
+                <a:cs typeface="Consolas" pitchFamily="49" charset="0"/>
+              </a:rPr>
+              <a:t>??</a:t>
             </a:r>
           </a:p>
         </p:txBody>
@@ -8513,7 +10644,7 @@
     </p:spTree>
     <p:extLst>
       <p:ext uri="{BB962C8B-B14F-4D97-AF65-F5344CB8AC3E}">
-        <p14:creationId xmlns:p14="http://schemas.microsoft.com/office/powerpoint/2010/main" val="498782498"/>
+        <p14:creationId xmlns:p14="http://schemas.microsoft.com/office/powerpoint/2010/main" val="2920976499"/>
       </p:ext>
     </p:extLst>
   </p:cSld>
@@ -8557,14 +10688,14 @@
           <a:p>
             <a:r>
               <a:rPr lang="en-US" dirty="0"/>
-              <a:t>What's the halting measure?</a:t>
-            </a:r>
-          </a:p>
-        </p:txBody>
-      </p:sp>
-      <p:sp>
-        <p:nvSpPr>
-          <p:cNvPr id="5" name="Content Placeholder 4"/>
+              <a:t>As code:</a:t>
+            </a:r>
+          </a:p>
+        </p:txBody>
+      </p:sp>
+      <p:sp>
+        <p:nvSpPr>
+          <p:cNvPr id="4" name="Content Placeholder 3"/>
           <p:cNvSpPr>
             <a:spLocks noGrp="1"/>
           </p:cNvSpPr>
@@ -8572,56 +10703,261 @@
             <p:ph idx="1"/>
           </p:nvPr>
         </p:nvSpPr>
-        <p:spPr/>
+        <p:spPr>
+          <a:xfrm>
+            <a:off x="61472" y="1600200"/>
+            <a:ext cx="8998004" cy="4525963"/>
+          </a:xfrm>
+        </p:spPr>
         <p:txBody>
           <a:bodyPr>
-            <a:normAutofit fontScale="92500" lnSpcReduction="20000"/>
+            <a:normAutofit fontScale="25000" lnSpcReduction="20000"/>
           </a:bodyPr>
           <a:lstStyle/>
           <a:p>
             <a:r>
-              <a:rPr lang="en-US" dirty="0"/>
-              <a:t>Proposed halting measure: max(0,hi-lo)</a:t>
-            </a:r>
-          </a:p>
-          <a:p>
-            <a:pPr lvl="1"/>
-            <a:r>
-              <a:rPr lang="en-US" dirty="0"/>
-              <a:t>(the size of the search region)</a:t>
-            </a:r>
-          </a:p>
-          <a:p>
-            <a:r>
-              <a:rPr lang="en-US" dirty="0"/>
-              <a:t>Termination argument:</a:t>
-            </a:r>
-          </a:p>
-          <a:p>
-            <a:pPr lvl="1"/>
-            <a:r>
-              <a:rPr lang="en-US" dirty="0"/>
-              <a:t>max(0,hi-lo) is always a non-negative integer</a:t>
-            </a:r>
-          </a:p>
-          <a:p>
-            <a:pPr lvl="1"/>
-            <a:r>
-              <a:rPr lang="en-US" dirty="0"/>
-              <a:t>Must check to see that max(0,hi-lo) decreases on every recursive call.</a:t>
-            </a:r>
-          </a:p>
-          <a:p>
-            <a:pPr lvl="2"/>
-            <a:r>
-              <a:rPr lang="en-US" dirty="0"/>
-              <a:t>At every recursive call, the size of the search region decreases by at least 1 (because p is removed from the search region).</a:t>
-            </a:r>
-          </a:p>
-          <a:p>
-            <a:r>
-              <a:rPr lang="en-US" dirty="0"/>
-              <a:t>So max(0,hi-lo) is a halting measure for binary-search-loop.</a:t>
+              <a:rPr lang="en-US" sz="6400" dirty="0"/>
+              <a:t> static </a:t>
+            </a:r>
+            <a:r>
+              <a:rPr lang="en-US" sz="6400" dirty="0" err="1"/>
+              <a:t>int</a:t>
+            </a:r>
+            <a:r>
+              <a:rPr lang="en-US" sz="6400" dirty="0"/>
+              <a:t> </a:t>
+            </a:r>
+            <a:r>
+              <a:rPr lang="en-US" sz="6400" dirty="0" err="1"/>
+              <a:t>recursive_loop</a:t>
+            </a:r>
+            <a:r>
+              <a:rPr lang="en-US" sz="6400" dirty="0"/>
+              <a:t> (</a:t>
+            </a:r>
+            <a:r>
+              <a:rPr lang="en-US" sz="6400" dirty="0" err="1"/>
+              <a:t>int</a:t>
+            </a:r>
+            <a:r>
+              <a:rPr lang="en-US" sz="6400" dirty="0"/>
+              <a:t> lo, </a:t>
+            </a:r>
+            <a:r>
+              <a:rPr lang="en-US" sz="6400" dirty="0" err="1"/>
+              <a:t>int</a:t>
+            </a:r>
+            <a:r>
+              <a:rPr lang="en-US" sz="6400" dirty="0"/>
+              <a:t> hi, </a:t>
+            </a:r>
+            <a:r>
+              <a:rPr lang="en-US" sz="6400" dirty="0" err="1"/>
+              <a:t>int</a:t>
+            </a:r>
+            <a:r>
+              <a:rPr lang="en-US" sz="6400" dirty="0"/>
+              <a:t>[] A, </a:t>
+            </a:r>
+            <a:r>
+              <a:rPr lang="en-US" sz="6400" dirty="0" err="1"/>
+              <a:t>int</a:t>
+            </a:r>
+            <a:r>
+              <a:rPr lang="en-US" sz="6400" dirty="0"/>
+              <a:t> </a:t>
+            </a:r>
+            <a:r>
+              <a:rPr lang="en-US" sz="6400" dirty="0" err="1"/>
+              <a:t>tgt</a:t>
+            </a:r>
+            <a:r>
+              <a:rPr lang="en-US" sz="6400" dirty="0"/>
+              <a:t>) {</a:t>
+            </a:r>
+          </a:p>
+          <a:p>
+            <a:r>
+              <a:rPr lang="en-US" sz="6400" dirty="0"/>
+              <a:t>        if (lo == hi) { // the search area is empty        </a:t>
+            </a:r>
+          </a:p>
+          <a:p>
+            <a:r>
+              <a:rPr lang="en-US" sz="6400" dirty="0"/>
+              <a:t>            return -1;</a:t>
+            </a:r>
+          </a:p>
+          <a:p>
+            <a:r>
+              <a:rPr lang="en-US" sz="6400" dirty="0"/>
+              <a:t>        }</a:t>
+            </a:r>
+          </a:p>
+          <a:p>
+            <a:r>
+              <a:rPr lang="en-US" sz="6400" dirty="0"/>
+              <a:t>        else { /* do nothing */}</a:t>
+            </a:r>
+          </a:p>
+          <a:p>
+            <a:r>
+              <a:rPr lang="en-US" sz="6400" dirty="0"/>
+              <a:t>        // choose an element in [</a:t>
+            </a:r>
+            <a:r>
+              <a:rPr lang="en-US" sz="6400" dirty="0" err="1"/>
+              <a:t>lo,hi</a:t>
+            </a:r>
+            <a:r>
+              <a:rPr lang="en-US" sz="6400" dirty="0"/>
+              <a:t>) . </a:t>
+            </a:r>
+          </a:p>
+          <a:p>
+            <a:r>
+              <a:rPr lang="en-US" sz="6400" dirty="0"/>
+              <a:t>        </a:t>
+            </a:r>
+            <a:r>
+              <a:rPr lang="en-US" sz="6400" dirty="0" err="1"/>
+              <a:t>int</a:t>
+            </a:r>
+            <a:r>
+              <a:rPr lang="en-US" sz="6400" dirty="0"/>
+              <a:t> mid = (lo + hi) / 2;</a:t>
+            </a:r>
+          </a:p>
+          <a:p>
+            <a:r>
+              <a:rPr lang="en-US" sz="6400" dirty="0"/>
+              <a:t>        if (A[mid] == </a:t>
+            </a:r>
+            <a:r>
+              <a:rPr lang="en-US" sz="6400" dirty="0" err="1"/>
+              <a:t>tgt</a:t>
+            </a:r>
+            <a:r>
+              <a:rPr lang="en-US" sz="6400" dirty="0"/>
+              <a:t>) { // we have found the target</a:t>
+            </a:r>
+          </a:p>
+          <a:p>
+            <a:r>
+              <a:rPr lang="en-US" sz="6400" dirty="0"/>
+              <a:t>            return mid;</a:t>
+            </a:r>
+          </a:p>
+          <a:p>
+            <a:r>
+              <a:rPr lang="en-US" sz="6400" dirty="0"/>
+              <a:t>        }</a:t>
+            </a:r>
+          </a:p>
+          <a:p>
+            <a:r>
+              <a:rPr lang="en-US" sz="6400" dirty="0"/>
+              <a:t>        else if (A[mid] &lt; </a:t>
+            </a:r>
+            <a:r>
+              <a:rPr lang="en-US" sz="6400" dirty="0" err="1"/>
+              <a:t>tgt</a:t>
+            </a:r>
+            <a:r>
+              <a:rPr lang="en-US" sz="6400" dirty="0"/>
+              <a:t>) {</a:t>
+            </a:r>
+          </a:p>
+          <a:p>
+            <a:r>
+              <a:rPr lang="en-US" sz="6400" dirty="0"/>
+              <a:t>            // the target can't be to the left of mid, so search right half</a:t>
+            </a:r>
+          </a:p>
+          <a:p>
+            <a:r>
+              <a:rPr lang="en-US" sz="6400" dirty="0"/>
+              <a:t>            return </a:t>
+            </a:r>
+            <a:r>
+              <a:rPr lang="en-US" sz="6400" dirty="0" err="1"/>
+              <a:t>recursive_loop</a:t>
+            </a:r>
+            <a:r>
+              <a:rPr lang="en-US" sz="6400" dirty="0"/>
+              <a:t> (mid+1, hi, A, </a:t>
+            </a:r>
+            <a:r>
+              <a:rPr lang="en-US" sz="6400" dirty="0" err="1"/>
+              <a:t>tgt</a:t>
+            </a:r>
+            <a:r>
+              <a:rPr lang="en-US" sz="6400" dirty="0"/>
+              <a:t>);</a:t>
+            </a:r>
+          </a:p>
+          <a:p>
+            <a:r>
+              <a:rPr lang="en-US" sz="6400" dirty="0"/>
+              <a:t>        }</a:t>
+            </a:r>
+          </a:p>
+          <a:p>
+            <a:r>
+              <a:rPr lang="en-US" sz="6400" dirty="0"/>
+              <a:t>        else {</a:t>
+            </a:r>
+          </a:p>
+          <a:p>
+            <a:r>
+              <a:rPr lang="en-US" sz="6400" dirty="0"/>
+              <a:t>            // otherwise the target can't be to the right of mid, so</a:t>
+            </a:r>
+          </a:p>
+          <a:p>
+            <a:r>
+              <a:rPr lang="en-US" sz="6400" dirty="0"/>
+              <a:t>            // search left half.</a:t>
+            </a:r>
+          </a:p>
+          <a:p>
+            <a:r>
+              <a:rPr lang="en-US" sz="6400" dirty="0"/>
+              <a:t>            return </a:t>
+            </a:r>
+            <a:r>
+              <a:rPr lang="en-US" sz="6400" dirty="0" err="1"/>
+              <a:t>recursive_loop</a:t>
+            </a:r>
+            <a:r>
+              <a:rPr lang="en-US" sz="6400" dirty="0"/>
+              <a:t> (lo, mid, A, </a:t>
+            </a:r>
+            <a:r>
+              <a:rPr lang="en-US" sz="6400" dirty="0" err="1"/>
+              <a:t>tgt</a:t>
+            </a:r>
+            <a:r>
+              <a:rPr lang="en-US" sz="6400" dirty="0"/>
+              <a:t>);</a:t>
+            </a:r>
+          </a:p>
+          <a:p>
+            <a:r>
+              <a:rPr lang="en-US" sz="6400" dirty="0"/>
+              <a:t>        }</a:t>
+            </a:r>
+          </a:p>
+          <a:p>
+            <a:r>
+              <a:rPr lang="en-US" sz="6400" dirty="0"/>
+              <a:t>    }                           </a:t>
+            </a:r>
+          </a:p>
+          <a:p>
+            <a:r>
+              <a:rPr lang="en-US" sz="6400" dirty="0"/>
+              <a:t>               </a:t>
             </a:r>
           </a:p>
         </p:txBody>
@@ -8650,101 +10986,10 @@
           </a:p>
         </p:txBody>
       </p:sp>
-      <p:sp>
-        <p:nvSpPr>
-          <p:cNvPr id="4" name="Rectangle 3"/>
-          <p:cNvSpPr/>
-          <p:nvPr/>
-        </p:nvSpPr>
-        <p:spPr>
-          <a:xfrm>
-            <a:off x="4648200" y="5562600"/>
-            <a:ext cx="3124200" cy="685800"/>
-          </a:xfrm>
-          <a:prstGeom prst="rect">
-            <a:avLst/>
-          </a:prstGeom>
-          <a:solidFill>
-            <a:schemeClr val="accent1">
-              <a:lumMod val="20000"/>
-              <a:lumOff val="80000"/>
-            </a:schemeClr>
-          </a:solidFill>
-          <a:ln>
-            <a:noFill/>
-          </a:ln>
-        </p:spPr>
-        <p:style>
-          <a:lnRef idx="2">
-            <a:schemeClr val="accent1"/>
-          </a:lnRef>
-          <a:fillRef idx="1">
-            <a:schemeClr val="lt1"/>
-          </a:fillRef>
-          <a:effectRef idx="0">
-            <a:schemeClr val="accent1"/>
-          </a:effectRef>
-          <a:fontRef idx="minor">
-            <a:schemeClr val="dk1"/>
-          </a:fontRef>
-        </p:style>
-        <p:txBody>
-          <a:bodyPr rot="0" spcFirstLastPara="0" vertOverflow="overflow" horzOverflow="overflow" vert="horz" wrap="square" lIns="91440" tIns="45720" rIns="91440" bIns="45720" numCol="1" spcCol="0" rtlCol="0" fromWordArt="0" anchor="t" anchorCtr="0" forceAA="0" compatLnSpc="1">
-            <a:prstTxWarp prst="textNoShape">
-              <a:avLst/>
-            </a:prstTxWarp>
-            <a:noAutofit/>
-          </a:bodyPr>
-          <a:lstStyle/>
-          <a:p>
-            <a:r>
-              <a:rPr lang="en-US" dirty="0">
-                <a:solidFill>
-                  <a:schemeClr val="tx1"/>
-                </a:solidFill>
-              </a:rPr>
-              <a:t>This is actually subtle– see the next slide for details.</a:t>
-            </a:r>
-          </a:p>
-        </p:txBody>
-      </p:sp>
-      <p:cxnSp>
-        <p:nvCxnSpPr>
-          <p:cNvPr id="7" name="Straight Arrow Connector 6"/>
-          <p:cNvCxnSpPr/>
-          <p:nvPr/>
-        </p:nvCxnSpPr>
-        <p:spPr>
-          <a:xfrm flipH="1" flipV="1">
-            <a:off x="3429000" y="4724400"/>
-            <a:ext cx="1219200" cy="838200"/>
-          </a:xfrm>
-          <a:prstGeom prst="straightConnector1">
-            <a:avLst/>
-          </a:prstGeom>
-          <a:ln>
-            <a:tailEnd type="triangle"/>
-          </a:ln>
-        </p:spPr>
-        <p:style>
-          <a:lnRef idx="1">
-            <a:schemeClr val="accent1"/>
-          </a:lnRef>
-          <a:fillRef idx="0">
-            <a:schemeClr val="accent1"/>
-          </a:fillRef>
-          <a:effectRef idx="0">
-            <a:schemeClr val="accent1"/>
-          </a:effectRef>
-          <a:fontRef idx="minor">
-            <a:schemeClr val="tx1"/>
-          </a:fontRef>
-        </p:style>
-      </p:cxnSp>
     </p:spTree>
     <p:extLst>
       <p:ext uri="{BB962C8B-B14F-4D97-AF65-F5344CB8AC3E}">
-        <p14:creationId xmlns:p14="http://schemas.microsoft.com/office/powerpoint/2010/main" val="3641683565"/>
+        <p14:creationId xmlns:p14="http://schemas.microsoft.com/office/powerpoint/2010/main" val="4129760149"/>
       </p:ext>
     </p:extLst>
   </p:cSld>
@@ -8773,7 +11018,13 @@
       </p:grpSpPr>
       <p:sp>
         <p:nvSpPr>
-          <p:cNvPr id="2" name="Title 1"/>
+          <p:cNvPr id="5" name="Title 4">
+            <a:extLst>
+              <a:ext uri="{FF2B5EF4-FFF2-40B4-BE49-F238E27FC236}">
+                <a16:creationId xmlns:a16="http://schemas.microsoft.com/office/drawing/2014/main" id="{81C98E5E-488B-48DA-9812-6FB31C1D7DAC}"/>
+              </a:ext>
+            </a:extLst>
+          </p:cNvPr>
           <p:cNvSpPr>
             <a:spLocks noGrp="1"/>
           </p:cNvSpPr>
@@ -8783,21 +11034,25 @@
         </p:nvSpPr>
         <p:spPr/>
         <p:txBody>
-          <a:bodyPr>
-            <a:normAutofit fontScale="90000"/>
-          </a:bodyPr>
-          <a:lstStyle/>
-          <a:p>
-            <a:r>
-              <a:rPr lang="en-US" dirty="0"/>
-              <a:t>Checking that the halting measure decreases</a:t>
-            </a:r>
-          </a:p>
-        </p:txBody>
-      </p:sp>
-      <p:sp>
-        <p:nvSpPr>
-          <p:cNvPr id="3" name="Content Placeholder 2"/>
+          <a:bodyPr/>
+          <a:lstStyle/>
+          <a:p>
+            <a:r>
+              <a:rPr lang="en-US" dirty="0"/>
+              <a:t>Let’s watch this work</a:t>
+            </a:r>
+          </a:p>
+        </p:txBody>
+      </p:sp>
+      <p:sp>
+        <p:nvSpPr>
+          <p:cNvPr id="6" name="Content Placeholder 5">
+            <a:extLst>
+              <a:ext uri="{FF2B5EF4-FFF2-40B4-BE49-F238E27FC236}">
+                <a16:creationId xmlns:a16="http://schemas.microsoft.com/office/drawing/2014/main" id="{F650ED01-3ECE-44AF-83E7-29785F5BC26C}"/>
+              </a:ext>
+            </a:extLst>
+          </p:cNvPr>
           <p:cNvSpPr>
             <a:spLocks noGrp="1"/>
           </p:cNvSpPr>
@@ -8807,164 +11062,47 @@
         </p:nvSpPr>
         <p:spPr/>
         <p:txBody>
-          <a:bodyPr>
-            <a:normAutofit fontScale="55000" lnSpcReduction="20000"/>
-          </a:bodyPr>
-          <a:lstStyle/>
-          <a:p>
-            <a:r>
-              <a:rPr lang="en-US" dirty="0"/>
-              <a:t>Let’s try the first case:</a:t>
-            </a:r>
-          </a:p>
-          <a:p>
-            <a:pPr lvl="1"/>
-            <a:r>
-              <a:rPr lang="en-US" dirty="0"/>
-              <a:t>We have</a:t>
-            </a:r>
-          </a:p>
-          <a:p>
-            <a:pPr lvl="2"/>
-            <a:r>
-              <a:rPr lang="en-US" dirty="0"/>
-              <a:t>lo &lt; </a:t>
-            </a:r>
-            <a:r>
-              <a:rPr lang="en-US"/>
-              <a:t>hi               </a:t>
-            </a:r>
-            <a:r>
-              <a:rPr lang="en-US" dirty="0"/>
-              <a:t>[that’s how we got to the cond clause]</a:t>
-            </a:r>
-          </a:p>
-          <a:p>
-            <a:pPr lvl="2"/>
-            <a:r>
-              <a:rPr lang="en-US" dirty="0"/>
-              <a:t>lo ≤ p ≤ hi         [that’s how we chose p]</a:t>
-            </a:r>
-          </a:p>
-          <a:p>
-            <a:pPr lvl="2"/>
-            <a:r>
-              <a:rPr lang="en-US" dirty="0"/>
-              <a:t>f(p) &lt; </a:t>
+          <a:bodyPr/>
+          <a:lstStyle/>
+          <a:p>
+            <a:r>
+              <a:rPr lang="en-US" dirty="0"/>
+              <a:t>Imagine A is an array with A[</a:t>
             </a:r>
             <a:r>
               <a:rPr lang="en-US" dirty="0" err="1"/>
-              <a:t>tgt</a:t>
-            </a:r>
-            <a:r>
-              <a:rPr lang="en-US" dirty="0"/>
-              <a:t>           [that’s the case we are considering.]</a:t>
-            </a:r>
-          </a:p>
-          <a:p>
-            <a:pPr lvl="1"/>
-            <a:r>
-              <a:rPr lang="en-US" dirty="0"/>
-              <a:t>So hi-lo &gt; 0, so max(0,hi-lo) = hi-lo.</a:t>
-            </a:r>
-          </a:p>
-          <a:p>
-            <a:pPr lvl="1"/>
-            <a:r>
-              <a:rPr lang="en-US" dirty="0"/>
-              <a:t>In this case we set lo1 (the new value of lo) to be p+1, and hi1, the new value of hi, to be equal to hi.</a:t>
-            </a:r>
-          </a:p>
-          <a:p>
-            <a:pPr lvl="1"/>
-            <a:r>
-              <a:rPr lang="en-US" dirty="0"/>
-              <a:t>Now we can calculate:</a:t>
-            </a:r>
-          </a:p>
-          <a:p>
-            <a:pPr marL="914400" lvl="2" indent="0">
-              <a:buNone/>
-            </a:pPr>
-            <a:r>
-              <a:rPr lang="en-US" dirty="0"/>
-              <a:t>hi1-lo1 </a:t>
-            </a:r>
-          </a:p>
-          <a:p>
-            <a:pPr marL="914400" lvl="2" indent="0">
-              <a:buNone/>
-            </a:pPr>
-            <a:r>
-              <a:rPr lang="en-US" dirty="0"/>
-              <a:t>= hi-(p+1)      [substituting values of hi1 and  lo1]</a:t>
-            </a:r>
-          </a:p>
-          <a:p>
-            <a:pPr marL="914400" lvl="2" indent="0">
-              <a:buNone/>
-            </a:pPr>
-            <a:r>
-              <a:rPr lang="en-US" dirty="0"/>
-              <a:t>&lt; hi – p          [since p &lt; p+1]</a:t>
-            </a:r>
-          </a:p>
-          <a:p>
-            <a:pPr marL="914400" lvl="2" indent="0">
-              <a:buNone/>
-            </a:pPr>
-            <a:r>
-              <a:rPr lang="en-US" dirty="0"/>
-              <a:t>≤ hi – lo       [since lo ≤ p]</a:t>
-            </a:r>
-          </a:p>
-          <a:p>
-            <a:pPr lvl="1"/>
-            <a:r>
-              <a:rPr lang="en-US" dirty="0"/>
-              <a:t>So (h1-lo1) &lt; (hi-lo).</a:t>
-            </a:r>
-          </a:p>
-          <a:p>
-            <a:pPr lvl="1"/>
-            <a:r>
-              <a:rPr lang="en-US" dirty="0"/>
-              <a:t>If hi1-lo1 ≥ 0, then max(0,hi1-lo1) = hi1-lo1 &lt; (hi-lo) = max(0,hi-lo) </a:t>
-            </a:r>
-          </a:p>
-          <a:p>
-            <a:pPr lvl="1"/>
-            <a:r>
-              <a:rPr lang="en-US" dirty="0"/>
-              <a:t>If hi1-lo1 &lt; 0, then max(0,hi1-lo1) = 0 &lt; hi-lo = max(0, hi-lo)</a:t>
-            </a:r>
-          </a:p>
-          <a:p>
-            <a:pPr lvl="1"/>
-            <a:r>
-              <a:rPr lang="en-US" dirty="0"/>
-              <a:t>So either way, we have max(0,hi1-lo1) &lt; max(0, hi-lo), and the halting measure has decreased.</a:t>
-            </a:r>
-          </a:p>
-          <a:p>
-            <a:r>
-              <a:rPr lang="en-US" dirty="0"/>
-              <a:t>The other case is similar, of course.</a:t>
-            </a:r>
-          </a:p>
-          <a:p>
-            <a:pPr lvl="1"/>
-            <a:endParaRPr lang="en-US" dirty="0"/>
-          </a:p>
-          <a:p>
-            <a:pPr lvl="1"/>
-            <a:endParaRPr lang="en-US" dirty="0"/>
-          </a:p>
-        </p:txBody>
-      </p:sp>
-      <p:sp>
-        <p:nvSpPr>
-          <p:cNvPr id="4" name="Slide Number Placeholder 3"/>
+              <a:t>i</a:t>
+            </a:r>
+            <a:r>
+              <a:rPr lang="en-US" dirty="0"/>
+              <a:t>] = i^2 for </a:t>
+            </a:r>
+            <a:r>
+              <a:rPr lang="en-US" dirty="0" err="1"/>
+              <a:t>i</a:t>
+            </a:r>
+            <a:r>
+              <a:rPr lang="en-US" dirty="0"/>
+              <a:t> in [0,40).</a:t>
+            </a:r>
+          </a:p>
+          <a:p>
+            <a:r>
+              <a:rPr lang="en-US" dirty="0"/>
+              <a:t>Let’s find an element of A that contains 49. </a:t>
+            </a:r>
+          </a:p>
+        </p:txBody>
+      </p:sp>
+      <p:sp>
+        <p:nvSpPr>
+          <p:cNvPr id="4" name="Slide Number Placeholder 3">
+            <a:extLst>
+              <a:ext uri="{FF2B5EF4-FFF2-40B4-BE49-F238E27FC236}">
+                <a16:creationId xmlns:a16="http://schemas.microsoft.com/office/drawing/2014/main" id="{25401DD5-AFC7-4FF7-8342-DE30F65CB0AB}"/>
+              </a:ext>
+            </a:extLst>
+          </p:cNvPr>
           <p:cNvSpPr>
             <a:spLocks noGrp="1"/>
           </p:cNvSpPr>
@@ -8985,68 +11123,10 @@
           </a:p>
         </p:txBody>
       </p:sp>
-      <p:sp>
-        <p:nvSpPr>
-          <p:cNvPr id="5" name="Rectangle 4"/>
-          <p:cNvSpPr/>
-          <p:nvPr/>
-        </p:nvSpPr>
-        <p:spPr>
-          <a:xfrm>
-            <a:off x="4587240" y="5334000"/>
-            <a:ext cx="3352800" cy="1235075"/>
-          </a:xfrm>
-          <a:prstGeom prst="rect">
-            <a:avLst/>
-          </a:prstGeom>
-          <a:solidFill>
-            <a:schemeClr val="accent1">
-              <a:lumMod val="20000"/>
-              <a:lumOff val="80000"/>
-            </a:schemeClr>
-          </a:solidFill>
-          <a:ln>
-            <a:noFill/>
-          </a:ln>
-        </p:spPr>
-        <p:style>
-          <a:lnRef idx="2">
-            <a:schemeClr val="accent1"/>
-          </a:lnRef>
-          <a:fillRef idx="1">
-            <a:schemeClr val="lt1"/>
-          </a:fillRef>
-          <a:effectRef idx="0">
-            <a:schemeClr val="accent1"/>
-          </a:effectRef>
-          <a:fontRef idx="minor">
-            <a:schemeClr val="dk1"/>
-          </a:fontRef>
-        </p:style>
-        <p:txBody>
-          <a:bodyPr rot="0" spcFirstLastPara="0" vertOverflow="overflow" horzOverflow="overflow" vert="horz" wrap="square" lIns="91440" tIns="45720" rIns="91440" bIns="45720" numCol="1" spcCol="0" rtlCol="0" fromWordArt="0" anchor="ctr" anchorCtr="0" forceAA="0" compatLnSpc="1">
-            <a:prstTxWarp prst="textNoShape">
-              <a:avLst/>
-            </a:prstTxWarp>
-            <a:noAutofit/>
-          </a:bodyPr>
-          <a:lstStyle/>
-          <a:p>
-            <a:r>
-              <a:rPr lang="en-US" sz="1400" dirty="0">
-                <a:solidFill>
-                  <a:schemeClr val="tx1"/>
-                </a:solidFill>
-              </a:rPr>
-              <a:t>Yes, making this argument bullet-proof is tricky.  But this merely reflects the fact it’s easy to write sloppy binary search code that will sometimes fail to terminate. So either way you have to be careful.</a:t>
-            </a:r>
-          </a:p>
-        </p:txBody>
-      </p:sp>
     </p:spTree>
     <p:extLst>
       <p:ext uri="{BB962C8B-B14F-4D97-AF65-F5344CB8AC3E}">
-        <p14:creationId xmlns:p14="http://schemas.microsoft.com/office/powerpoint/2010/main" val="3087112873"/>
+        <p14:creationId xmlns:p14="http://schemas.microsoft.com/office/powerpoint/2010/main" val="2590455869"/>
       </p:ext>
     </p:extLst>
   </p:cSld>
@@ -9083,18 +11163,14 @@
             <p:ph type="title"/>
           </p:nvPr>
         </p:nvSpPr>
-        <p:spPr>
-          <a:solidFill>
-            <a:schemeClr val="bg1"/>
-          </a:solidFill>
-        </p:spPr>
+        <p:spPr/>
         <p:txBody>
           <a:bodyPr/>
           <a:lstStyle/>
           <a:p>
             <a:r>
               <a:rPr lang="en-US" dirty="0"/>
-              <a:t>Summary</a:t>
+              <a:t>Watch this work</a:t>
             </a:r>
           </a:p>
         </p:txBody>
@@ -9109,56 +11185,123 @@
             <p:ph idx="1"/>
           </p:nvPr>
         </p:nvSpPr>
-        <p:spPr>
-          <a:xfrm>
-            <a:off x="457200" y="1676400"/>
-            <a:ext cx="8229600" cy="4525963"/>
-          </a:xfrm>
-        </p:spPr>
+        <p:spPr/>
         <p:txBody>
           <a:bodyPr>
-            <a:normAutofit/>
+            <a:normAutofit fontScale="92500" lnSpcReduction="10000"/>
           </a:bodyPr>
           <a:lstStyle/>
           <a:p>
-            <a:r>
-              <a:rPr lang="en-US" dirty="0"/>
-              <a:t>You should now be able to:</a:t>
-            </a:r>
-          </a:p>
-          <a:p>
-            <a:pPr lvl="1"/>
-            <a:r>
-              <a:rPr lang="en-US" dirty="0"/>
-              <a:t>explain what binary search is and when it is appropriate</a:t>
-            </a:r>
-          </a:p>
-          <a:p>
-            <a:pPr lvl="1"/>
-            <a:r>
-              <a:rPr lang="en-US" dirty="0"/>
-              <a:t>explain how the standard binary search works, and how it fits into the framework of general recursion, invariants, and halting functions</a:t>
-            </a:r>
-          </a:p>
-          <a:p>
-            <a:pPr lvl="1"/>
-            <a:r>
-              <a:rPr lang="en-US" dirty="0"/>
-              <a:t>give the halting measure and explain the termination argument for binary search</a:t>
-            </a:r>
-          </a:p>
-          <a:p>
-            <a:pPr lvl="1"/>
-            <a:r>
-              <a:rPr lang="en-US" dirty="0"/>
-              <a:t>write variations on a binary search function</a:t>
-            </a:r>
-          </a:p>
-        </p:txBody>
-      </p:sp>
-      <p:sp>
-        <p:nvSpPr>
-          <p:cNvPr id="4" name="Slide Number Placeholder 3"/>
+            <a:pPr>
+              <a:lnSpc>
+                <a:spcPct val="150000"/>
+              </a:lnSpc>
+            </a:pPr>
+            <a:r>
+              <a:rPr lang="en-US" dirty="0"/>
+              <a:t>(</a:t>
+            </a:r>
+            <a:r>
+              <a:rPr lang="en-US" dirty="0" err="1"/>
+              <a:t>recursive_loop</a:t>
+            </a:r>
+            <a:r>
+              <a:rPr lang="en-US" dirty="0"/>
+              <a:t> 0 40 A 49)</a:t>
+            </a:r>
+          </a:p>
+          <a:p>
+            <a:pPr>
+              <a:lnSpc>
+                <a:spcPct val="150000"/>
+              </a:lnSpc>
+            </a:pPr>
+            <a:r>
+              <a:rPr lang="en-US" dirty="0"/>
+              <a:t>= (</a:t>
+            </a:r>
+            <a:r>
+              <a:rPr lang="en-US" dirty="0" err="1"/>
+              <a:t>recursive_loop</a:t>
+            </a:r>
+            <a:r>
+              <a:rPr lang="en-US" dirty="0"/>
+              <a:t> 0 20 A 49) </a:t>
+            </a:r>
+          </a:p>
+          <a:p>
+            <a:pPr>
+              <a:lnSpc>
+                <a:spcPct val="150000"/>
+              </a:lnSpc>
+            </a:pPr>
+            <a:r>
+              <a:rPr lang="en-US" dirty="0"/>
+              <a:t>= (</a:t>
+            </a:r>
+            <a:r>
+              <a:rPr lang="en-US" dirty="0" err="1"/>
+              <a:t>recursive_loop</a:t>
+            </a:r>
+            <a:r>
+              <a:rPr lang="en-US" dirty="0"/>
+              <a:t> 0 10 A 49)</a:t>
+            </a:r>
+          </a:p>
+          <a:p>
+            <a:pPr>
+              <a:lnSpc>
+                <a:spcPct val="150000"/>
+              </a:lnSpc>
+            </a:pPr>
+            <a:r>
+              <a:rPr lang="en-US" dirty="0"/>
+              <a:t>= (</a:t>
+            </a:r>
+            <a:r>
+              <a:rPr lang="en-US" dirty="0" err="1"/>
+              <a:t>recursive_loop</a:t>
+            </a:r>
+            <a:r>
+              <a:rPr lang="en-US" dirty="0"/>
+              <a:t> 6 10 A 49)</a:t>
+            </a:r>
+          </a:p>
+          <a:p>
+            <a:pPr>
+              <a:lnSpc>
+                <a:spcPct val="150000"/>
+              </a:lnSpc>
+            </a:pPr>
+            <a:r>
+              <a:rPr lang="en-US" dirty="0"/>
+              <a:t>= (</a:t>
+            </a:r>
+            <a:r>
+              <a:rPr lang="en-US" dirty="0" err="1"/>
+              <a:t>recursive_loop</a:t>
+            </a:r>
+            <a:r>
+              <a:rPr lang="en-US" dirty="0"/>
+              <a:t> 6 8 A 49)</a:t>
+            </a:r>
+          </a:p>
+          <a:p>
+            <a:pPr>
+              <a:lnSpc>
+                <a:spcPct val="150000"/>
+              </a:lnSpc>
+            </a:pPr>
+            <a:r>
+              <a:rPr lang="en-US" dirty="0"/>
+              <a:t>= 7</a:t>
+            </a:r>
+          </a:p>
+        </p:txBody>
+      </p:sp>
+      <p:sp>
+        <p:nvSpPr>
+          <p:cNvPr id="9" name="Slide Number Placeholder 8"/>
           <p:cNvSpPr>
             <a:spLocks noGrp="1"/>
           </p:cNvSpPr>
@@ -9180,10 +11323,195 @@
           </a:p>
         </p:txBody>
       </p:sp>
+      <p:sp>
+        <p:nvSpPr>
+          <p:cNvPr id="4" name="TextBox 3"/>
+          <p:cNvSpPr txBox="1"/>
+          <p:nvPr/>
+        </p:nvSpPr>
+        <p:spPr>
+          <a:xfrm>
+            <a:off x="6277215" y="2051566"/>
+            <a:ext cx="998991" cy="369332"/>
+          </a:xfrm>
+          <a:prstGeom prst="rect">
+            <a:avLst/>
+          </a:prstGeom>
+          <a:solidFill>
+            <a:schemeClr val="accent1">
+              <a:lumMod val="20000"/>
+              <a:lumOff val="80000"/>
+            </a:schemeClr>
+          </a:solidFill>
+          <a:ln>
+            <a:noFill/>
+          </a:ln>
+        </p:spPr>
+        <p:txBody>
+          <a:bodyPr wrap="none" rtlCol="0">
+            <a:spAutoFit/>
+          </a:bodyPr>
+          <a:lstStyle/>
+          <a:p>
+            <a:r>
+              <a:rPr lang="en-US" dirty="0"/>
+              <a:t>mid = 20</a:t>
+            </a:r>
+          </a:p>
+        </p:txBody>
+      </p:sp>
+      <p:sp>
+        <p:nvSpPr>
+          <p:cNvPr id="5" name="TextBox 4"/>
+          <p:cNvSpPr txBox="1"/>
+          <p:nvPr/>
+        </p:nvSpPr>
+        <p:spPr>
+          <a:xfrm>
+            <a:off x="6341335" y="2971800"/>
+            <a:ext cx="1051891" cy="369332"/>
+          </a:xfrm>
+          <a:prstGeom prst="rect">
+            <a:avLst/>
+          </a:prstGeom>
+          <a:solidFill>
+            <a:schemeClr val="accent1">
+              <a:lumMod val="20000"/>
+              <a:lumOff val="80000"/>
+            </a:schemeClr>
+          </a:solidFill>
+          <a:ln>
+            <a:noFill/>
+          </a:ln>
+        </p:spPr>
+        <p:txBody>
+          <a:bodyPr wrap="none" rtlCol="0">
+            <a:spAutoFit/>
+          </a:bodyPr>
+          <a:lstStyle/>
+          <a:p>
+            <a:r>
+              <a:rPr lang="en-US" dirty="0"/>
+              <a:t>mid = 10 </a:t>
+            </a:r>
+          </a:p>
+        </p:txBody>
+      </p:sp>
+      <p:sp>
+        <p:nvSpPr>
+          <p:cNvPr id="6" name="TextBox 5"/>
+          <p:cNvSpPr txBox="1"/>
+          <p:nvPr/>
+        </p:nvSpPr>
+        <p:spPr>
+          <a:xfrm>
+            <a:off x="6341335" y="3733800"/>
+            <a:ext cx="934871" cy="369332"/>
+          </a:xfrm>
+          <a:prstGeom prst="rect">
+            <a:avLst/>
+          </a:prstGeom>
+          <a:solidFill>
+            <a:schemeClr val="accent1">
+              <a:lumMod val="20000"/>
+              <a:lumOff val="80000"/>
+            </a:schemeClr>
+          </a:solidFill>
+          <a:ln>
+            <a:noFill/>
+          </a:ln>
+        </p:spPr>
+        <p:txBody>
+          <a:bodyPr wrap="none" rtlCol="0">
+            <a:spAutoFit/>
+          </a:bodyPr>
+          <a:lstStyle/>
+          <a:p>
+            <a:r>
+              <a:rPr lang="en-US" dirty="0"/>
+              <a:t>mid = 5 </a:t>
+            </a:r>
+          </a:p>
+        </p:txBody>
+      </p:sp>
+      <p:sp>
+        <p:nvSpPr>
+          <p:cNvPr id="7" name="TextBox 6"/>
+          <p:cNvSpPr txBox="1"/>
+          <p:nvPr/>
+        </p:nvSpPr>
+        <p:spPr>
+          <a:xfrm>
+            <a:off x="6309274" y="4495800"/>
+            <a:ext cx="881973" cy="369332"/>
+          </a:xfrm>
+          <a:prstGeom prst="rect">
+            <a:avLst/>
+          </a:prstGeom>
+          <a:solidFill>
+            <a:schemeClr val="accent1">
+              <a:lumMod val="20000"/>
+              <a:lumOff val="80000"/>
+            </a:schemeClr>
+          </a:solidFill>
+          <a:ln>
+            <a:noFill/>
+          </a:ln>
+        </p:spPr>
+        <p:txBody>
+          <a:bodyPr wrap="none" rtlCol="0">
+            <a:spAutoFit/>
+          </a:bodyPr>
+          <a:lstStyle/>
+          <a:p>
+            <a:r>
+              <a:rPr lang="en-US" dirty="0"/>
+              <a:t>mid = 8</a:t>
+            </a:r>
+          </a:p>
+        </p:txBody>
+      </p:sp>
+      <p:sp>
+        <p:nvSpPr>
+          <p:cNvPr id="8" name="TextBox 7"/>
+          <p:cNvSpPr txBox="1"/>
+          <p:nvPr/>
+        </p:nvSpPr>
+        <p:spPr>
+          <a:xfrm>
+            <a:off x="6309274" y="5257800"/>
+            <a:ext cx="934871" cy="369332"/>
+          </a:xfrm>
+          <a:prstGeom prst="rect">
+            <a:avLst/>
+          </a:prstGeom>
+          <a:solidFill>
+            <a:schemeClr val="accent1">
+              <a:lumMod val="20000"/>
+              <a:lumOff val="80000"/>
+            </a:schemeClr>
+          </a:solidFill>
+          <a:ln>
+            <a:noFill/>
+          </a:ln>
+        </p:spPr>
+        <p:txBody>
+          <a:bodyPr wrap="none" rtlCol="0">
+            <a:spAutoFit/>
+          </a:bodyPr>
+          <a:lstStyle/>
+          <a:p>
+            <a:r>
+              <a:rPr lang="en-US" dirty="0"/>
+              <a:t>mid = 7 </a:t>
+            </a:r>
+          </a:p>
+        </p:txBody>
+      </p:sp>
     </p:spTree>
     <p:extLst>
       <p:ext uri="{BB962C8B-B14F-4D97-AF65-F5344CB8AC3E}">
-        <p14:creationId xmlns:p14="http://schemas.microsoft.com/office/powerpoint/2010/main" val="1174789038"/>
+        <p14:creationId xmlns:p14="http://schemas.microsoft.com/office/powerpoint/2010/main" val="498782498"/>
       </p:ext>
     </p:extLst>
   </p:cSld>
@@ -9227,14 +11555,14 @@
           <a:p>
             <a:r>
               <a:rPr lang="en-US" dirty="0"/>
-              <a:t>Next Steps</a:t>
-            </a:r>
-          </a:p>
-        </p:txBody>
-      </p:sp>
-      <p:sp>
-        <p:nvSpPr>
-          <p:cNvPr id="3" name="Content Placeholder 2"/>
+              <a:t>What's the halting measure?</a:t>
+            </a:r>
+          </a:p>
+        </p:txBody>
+      </p:sp>
+      <p:sp>
+        <p:nvSpPr>
+          <p:cNvPr id="5" name="Content Placeholder 4"/>
           <p:cNvSpPr>
             <a:spLocks noGrp="1"/>
           </p:cNvSpPr>
@@ -9244,45 +11572,66 @@
         </p:nvSpPr>
         <p:spPr/>
         <p:txBody>
-          <a:bodyPr/>
-          <a:lstStyle/>
-          <a:p>
-            <a:r>
-              <a:rPr lang="en-US" dirty="0"/>
-              <a:t>Study the </a:t>
-            </a:r>
-            <a:r>
-              <a:rPr lang="en-US"/>
-              <a:t>file 08-4-binary-search.rkt </a:t>
-            </a:r>
-            <a:r>
-              <a:rPr lang="en-US" dirty="0"/>
-              <a:t>in the Examples folder</a:t>
-            </a:r>
-          </a:p>
-          <a:p>
-            <a:r>
-              <a:rPr lang="en-US" dirty="0"/>
-              <a:t>If you have questions about this lesson, ask them on the Discussion Board</a:t>
-            </a:r>
-          </a:p>
-          <a:p>
-            <a:r>
-              <a:rPr lang="en-US" dirty="0"/>
-              <a:t>Do Guided Practice 8.3</a:t>
-            </a:r>
-          </a:p>
-          <a:p>
-            <a:r>
-              <a:rPr lang="en-US" dirty="0"/>
-              <a:t>Go on to the next lesson</a:t>
-            </a:r>
-          </a:p>
-        </p:txBody>
-      </p:sp>
-      <p:sp>
-        <p:nvSpPr>
-          <p:cNvPr id="4" name="Slide Number Placeholder 3"/>
+          <a:bodyPr>
+            <a:normAutofit fontScale="92500" lnSpcReduction="20000"/>
+          </a:bodyPr>
+          <a:lstStyle/>
+          <a:p>
+            <a:r>
+              <a:rPr lang="en-US" dirty="0"/>
+              <a:t>Proposed halting measure: hi-lo</a:t>
+            </a:r>
+          </a:p>
+          <a:p>
+            <a:pPr lvl="1"/>
+            <a:r>
+              <a:rPr lang="en-US" dirty="0"/>
+              <a:t>(the size of the search region)</a:t>
+            </a:r>
+          </a:p>
+          <a:p>
+            <a:r>
+              <a:rPr lang="en-US" dirty="0"/>
+              <a:t>Justification:</a:t>
+            </a:r>
+          </a:p>
+          <a:p>
+            <a:pPr lvl="1"/>
+            <a:r>
+              <a:rPr lang="en-US" dirty="0"/>
+              <a:t>Since the invariant says that lo &lt;= hi, we are guaranteed that hi-lo is a non-negative integer</a:t>
+            </a:r>
+          </a:p>
+          <a:p>
+            <a:pPr lvl="1"/>
+            <a:r>
+              <a:rPr lang="en-US" dirty="0"/>
+              <a:t>Must check to see that hi-lo decreases on every recursive call.</a:t>
+            </a:r>
+          </a:p>
+          <a:p>
+            <a:pPr lvl="1"/>
+            <a:r>
+              <a:rPr lang="en-US" dirty="0"/>
+              <a:t>At the first recursive call, lo increases (since lo &lt;= mid &lt; mid+1) and hi stays the same.</a:t>
+            </a:r>
+          </a:p>
+          <a:p>
+            <a:pPr lvl="1"/>
+            <a:r>
+              <a:rPr lang="en-US" dirty="0"/>
+              <a:t>At the second recursive call, lo stays the same but hi decreases (mid will always be less than hi because integer quotient rounds down).</a:t>
+            </a:r>
+          </a:p>
+          <a:p>
+            <a:pPr lvl="2"/>
+            <a:endParaRPr lang="en-US" dirty="0"/>
+          </a:p>
+        </p:txBody>
+      </p:sp>
+      <p:sp>
+        <p:nvSpPr>
+          <p:cNvPr id="3" name="Slide Number Placeholder 2"/>
           <p:cNvSpPr>
             <a:spLocks noGrp="1"/>
           </p:cNvSpPr>
@@ -9299,6 +11648,1144 @@
               <a:rPr lang="en-US" smtClean="0"/>
               <a:pPr/>
               <a:t>24</a:t>
+            </a:fld>
+            <a:endParaRPr lang="en-US"/>
+          </a:p>
+        </p:txBody>
+      </p:sp>
+    </p:spTree>
+    <p:extLst>
+      <p:ext uri="{BB962C8B-B14F-4D97-AF65-F5344CB8AC3E}">
+        <p14:creationId xmlns:p14="http://schemas.microsoft.com/office/powerpoint/2010/main" val="3641683565"/>
+      </p:ext>
+    </p:extLst>
+  </p:cSld>
+  <p:clrMapOvr>
+    <a:masterClrMapping/>
+  </p:clrMapOvr>
+</p:sld>
+</file>
+
+<file path=ppt/slides/slide25.xml><?xml version="1.0" encoding="utf-8"?>
+<p:sld xmlns:a="http://schemas.openxmlformats.org/drawingml/2006/main" xmlns:r="http://schemas.openxmlformats.org/officeDocument/2006/relationships" xmlns:p="http://schemas.openxmlformats.org/presentationml/2006/main">
+  <p:cSld>
+    <p:spTree>
+      <p:nvGrpSpPr>
+        <p:cNvPr id="1" name=""/>
+        <p:cNvGrpSpPr/>
+        <p:nvPr/>
+      </p:nvGrpSpPr>
+      <p:grpSpPr>
+        <a:xfrm>
+          <a:off x="0" y="0"/>
+          <a:ext cx="0" cy="0"/>
+          <a:chOff x="0" y="0"/>
+          <a:chExt cx="0" cy="0"/>
+        </a:xfrm>
+      </p:grpSpPr>
+      <p:sp>
+        <p:nvSpPr>
+          <p:cNvPr id="2" name="Title 1">
+            <a:extLst>
+              <a:ext uri="{FF2B5EF4-FFF2-40B4-BE49-F238E27FC236}">
+                <a16:creationId xmlns:a16="http://schemas.microsoft.com/office/drawing/2014/main" id="{051EB357-323A-4C18-B9B7-78A59BD8266A}"/>
+              </a:ext>
+            </a:extLst>
+          </p:cNvPr>
+          <p:cNvSpPr>
+            <a:spLocks noGrp="1"/>
+          </p:cNvSpPr>
+          <p:nvPr>
+            <p:ph type="title"/>
+          </p:nvPr>
+        </p:nvSpPr>
+        <p:spPr/>
+        <p:txBody>
+          <a:bodyPr/>
+          <a:lstStyle/>
+          <a:p>
+            <a:r>
+              <a:rPr lang="en-US" dirty="0"/>
+              <a:t>Doing it with a loop</a:t>
+            </a:r>
+          </a:p>
+        </p:txBody>
+      </p:sp>
+      <p:sp>
+        <p:nvSpPr>
+          <p:cNvPr id="3" name="Content Placeholder 2">
+            <a:extLst>
+              <a:ext uri="{FF2B5EF4-FFF2-40B4-BE49-F238E27FC236}">
+                <a16:creationId xmlns:a16="http://schemas.microsoft.com/office/drawing/2014/main" id="{FD85E58C-EB12-4BD5-BD63-352A15FAC4BF}"/>
+              </a:ext>
+            </a:extLst>
+          </p:cNvPr>
+          <p:cNvSpPr>
+            <a:spLocks noGrp="1"/>
+          </p:cNvSpPr>
+          <p:nvPr>
+            <p:ph idx="1"/>
+          </p:nvPr>
+        </p:nvSpPr>
+        <p:spPr/>
+        <p:txBody>
+          <a:bodyPr>
+            <a:normAutofit fontScale="92500" lnSpcReduction="10000"/>
+          </a:bodyPr>
+          <a:lstStyle/>
+          <a:p>
+            <a:r>
+              <a:rPr lang="en-US" dirty="0"/>
+              <a:t>The calculation we showed above looks like the trace of a loop!</a:t>
+            </a:r>
+          </a:p>
+          <a:p>
+            <a:endParaRPr lang="en-US" dirty="0"/>
+          </a:p>
+          <a:p>
+            <a:endParaRPr lang="en-US" dirty="0"/>
+          </a:p>
+          <a:p>
+            <a:endParaRPr lang="en-US" dirty="0"/>
+          </a:p>
+          <a:p>
+            <a:endParaRPr lang="en-US" dirty="0"/>
+          </a:p>
+          <a:p>
+            <a:endParaRPr lang="en-US" dirty="0"/>
+          </a:p>
+          <a:p>
+            <a:endParaRPr lang="en-US" dirty="0"/>
+          </a:p>
+          <a:p>
+            <a:r>
+              <a:rPr lang="en-US" dirty="0"/>
+              <a:t>So let’s write a loop that does the same thing.</a:t>
+            </a:r>
+          </a:p>
+          <a:p>
+            <a:pPr marL="457200" lvl="1" indent="0">
+              <a:buNone/>
+            </a:pPr>
+            <a:endParaRPr lang="en-US" dirty="0"/>
+          </a:p>
+        </p:txBody>
+      </p:sp>
+      <p:sp>
+        <p:nvSpPr>
+          <p:cNvPr id="4" name="Slide Number Placeholder 3">
+            <a:extLst>
+              <a:ext uri="{FF2B5EF4-FFF2-40B4-BE49-F238E27FC236}">
+                <a16:creationId xmlns:a16="http://schemas.microsoft.com/office/drawing/2014/main" id="{77A604CB-5A83-46A9-9851-641A30CB559F}"/>
+              </a:ext>
+            </a:extLst>
+          </p:cNvPr>
+          <p:cNvSpPr>
+            <a:spLocks noGrp="1"/>
+          </p:cNvSpPr>
+          <p:nvPr>
+            <p:ph type="sldNum" sz="quarter" idx="12"/>
+          </p:nvPr>
+        </p:nvSpPr>
+        <p:spPr/>
+        <p:txBody>
+          <a:bodyPr/>
+          <a:lstStyle/>
+          <a:p>
+            <a:fld id="{2AF3B5EA-18B6-4040-9F78-6052AF49C681}" type="slidenum">
+              <a:rPr lang="en-US" smtClean="0"/>
+              <a:t>25</a:t>
+            </a:fld>
+            <a:endParaRPr lang="en-US"/>
+          </a:p>
+        </p:txBody>
+      </p:sp>
+      <p:sp>
+        <p:nvSpPr>
+          <p:cNvPr id="5" name="Content Placeholder 2">
+            <a:extLst>
+              <a:ext uri="{FF2B5EF4-FFF2-40B4-BE49-F238E27FC236}">
+                <a16:creationId xmlns:a16="http://schemas.microsoft.com/office/drawing/2014/main" id="{AD9E9242-375B-4E1E-8AA6-E717F57D9DCC}"/>
+              </a:ext>
+            </a:extLst>
+          </p:cNvPr>
+          <p:cNvSpPr txBox="1">
+            <a:spLocks/>
+          </p:cNvSpPr>
+          <p:nvPr/>
+        </p:nvSpPr>
+        <p:spPr>
+          <a:xfrm>
+            <a:off x="2767533" y="2623124"/>
+            <a:ext cx="3272118" cy="2849563"/>
+          </a:xfrm>
+          <a:prstGeom prst="rect">
+            <a:avLst/>
+          </a:prstGeom>
+          <a:solidFill>
+            <a:schemeClr val="accent5">
+              <a:lumMod val="20000"/>
+              <a:lumOff val="80000"/>
+            </a:schemeClr>
+          </a:solidFill>
+          <a:ln>
+            <a:solidFill>
+              <a:schemeClr val="accent1"/>
+            </a:solidFill>
+          </a:ln>
+        </p:spPr>
+        <p:txBody>
+          <a:bodyPr vert="horz" lIns="91440" tIns="45720" rIns="91440" bIns="45720" rtlCol="0">
+            <a:normAutofit fontScale="62500" lnSpcReduction="20000"/>
+          </a:bodyPr>
+          <a:lstStyle>
+            <a:lvl1pPr marL="342900" indent="-342900" algn="l" defTabSz="914400" rtl="0" eaLnBrk="1" latinLnBrk="0" hangingPunct="1">
+              <a:spcBef>
+                <a:spcPct val="20000"/>
+              </a:spcBef>
+              <a:buFont typeface="Arial" pitchFamily="34" charset="0"/>
+              <a:buChar char="•"/>
+              <a:defRPr sz="3200" kern="1200">
+                <a:solidFill>
+                  <a:schemeClr val="tx1"/>
+                </a:solidFill>
+                <a:latin typeface="+mn-lt"/>
+                <a:ea typeface="+mn-ea"/>
+                <a:cs typeface="+mn-cs"/>
+              </a:defRPr>
+            </a:lvl1pPr>
+            <a:lvl2pPr marL="742950" indent="-285750" algn="l" defTabSz="914400" rtl="0" eaLnBrk="1" latinLnBrk="0" hangingPunct="1">
+              <a:spcBef>
+                <a:spcPct val="20000"/>
+              </a:spcBef>
+              <a:buFont typeface="Arial" pitchFamily="34" charset="0"/>
+              <a:buChar char="–"/>
+              <a:defRPr sz="2800" kern="1200">
+                <a:solidFill>
+                  <a:schemeClr val="tx1"/>
+                </a:solidFill>
+                <a:latin typeface="+mn-lt"/>
+                <a:ea typeface="+mn-ea"/>
+                <a:cs typeface="+mn-cs"/>
+              </a:defRPr>
+            </a:lvl2pPr>
+            <a:lvl3pPr marL="1143000" indent="-228600" algn="l" defTabSz="914400" rtl="0" eaLnBrk="1" latinLnBrk="0" hangingPunct="1">
+              <a:spcBef>
+                <a:spcPct val="20000"/>
+              </a:spcBef>
+              <a:buFont typeface="Arial" pitchFamily="34" charset="0"/>
+              <a:buChar char="•"/>
+              <a:defRPr sz="2400" kern="1200">
+                <a:solidFill>
+                  <a:schemeClr val="tx1"/>
+                </a:solidFill>
+                <a:latin typeface="+mn-lt"/>
+                <a:ea typeface="+mn-ea"/>
+                <a:cs typeface="+mn-cs"/>
+              </a:defRPr>
+            </a:lvl3pPr>
+            <a:lvl4pPr marL="1600200" indent="-228600" algn="l" defTabSz="914400" rtl="0" eaLnBrk="1" latinLnBrk="0" hangingPunct="1">
+              <a:spcBef>
+                <a:spcPct val="20000"/>
+              </a:spcBef>
+              <a:buFont typeface="Arial" pitchFamily="34" charset="0"/>
+              <a:buChar char="–"/>
+              <a:defRPr sz="2000" kern="1200">
+                <a:solidFill>
+                  <a:schemeClr val="tx1"/>
+                </a:solidFill>
+                <a:latin typeface="+mn-lt"/>
+                <a:ea typeface="+mn-ea"/>
+                <a:cs typeface="+mn-cs"/>
+              </a:defRPr>
+            </a:lvl4pPr>
+            <a:lvl5pPr marL="2057400" indent="-228600" algn="l" defTabSz="914400" rtl="0" eaLnBrk="1" latinLnBrk="0" hangingPunct="1">
+              <a:spcBef>
+                <a:spcPct val="20000"/>
+              </a:spcBef>
+              <a:buFont typeface="Arial" pitchFamily="34" charset="0"/>
+              <a:buChar char="»"/>
+              <a:defRPr sz="2000" kern="1200">
+                <a:solidFill>
+                  <a:schemeClr val="tx1"/>
+                </a:solidFill>
+                <a:latin typeface="+mn-lt"/>
+                <a:ea typeface="+mn-ea"/>
+                <a:cs typeface="+mn-cs"/>
+              </a:defRPr>
+            </a:lvl5pPr>
+            <a:lvl6pPr marL="2514600" indent="-228600" algn="l" defTabSz="914400" rtl="0" eaLnBrk="1" latinLnBrk="0" hangingPunct="1">
+              <a:spcBef>
+                <a:spcPct val="20000"/>
+              </a:spcBef>
+              <a:buFont typeface="Arial" pitchFamily="34" charset="0"/>
+              <a:buChar char="•"/>
+              <a:defRPr sz="2000" kern="1200">
+                <a:solidFill>
+                  <a:schemeClr val="tx1"/>
+                </a:solidFill>
+                <a:latin typeface="+mn-lt"/>
+                <a:ea typeface="+mn-ea"/>
+                <a:cs typeface="+mn-cs"/>
+              </a:defRPr>
+            </a:lvl6pPr>
+            <a:lvl7pPr marL="2971800" indent="-228600" algn="l" defTabSz="914400" rtl="0" eaLnBrk="1" latinLnBrk="0" hangingPunct="1">
+              <a:spcBef>
+                <a:spcPct val="20000"/>
+              </a:spcBef>
+              <a:buFont typeface="Arial" pitchFamily="34" charset="0"/>
+              <a:buChar char="•"/>
+              <a:defRPr sz="2000" kern="1200">
+                <a:solidFill>
+                  <a:schemeClr val="tx1"/>
+                </a:solidFill>
+                <a:latin typeface="+mn-lt"/>
+                <a:ea typeface="+mn-ea"/>
+                <a:cs typeface="+mn-cs"/>
+              </a:defRPr>
+            </a:lvl7pPr>
+            <a:lvl8pPr marL="3429000" indent="-228600" algn="l" defTabSz="914400" rtl="0" eaLnBrk="1" latinLnBrk="0" hangingPunct="1">
+              <a:spcBef>
+                <a:spcPct val="20000"/>
+              </a:spcBef>
+              <a:buFont typeface="Arial" pitchFamily="34" charset="0"/>
+              <a:buChar char="•"/>
+              <a:defRPr sz="2000" kern="1200">
+                <a:solidFill>
+                  <a:schemeClr val="tx1"/>
+                </a:solidFill>
+                <a:latin typeface="+mn-lt"/>
+                <a:ea typeface="+mn-ea"/>
+                <a:cs typeface="+mn-cs"/>
+              </a:defRPr>
+            </a:lvl8pPr>
+            <a:lvl9pPr marL="3886200" indent="-228600" algn="l" defTabSz="914400" rtl="0" eaLnBrk="1" latinLnBrk="0" hangingPunct="1">
+              <a:spcBef>
+                <a:spcPct val="20000"/>
+              </a:spcBef>
+              <a:buFont typeface="Arial" pitchFamily="34" charset="0"/>
+              <a:buChar char="•"/>
+              <a:defRPr sz="2000" kern="1200">
+                <a:solidFill>
+                  <a:schemeClr val="tx1"/>
+                </a:solidFill>
+                <a:latin typeface="+mn-lt"/>
+                <a:ea typeface="+mn-ea"/>
+                <a:cs typeface="+mn-cs"/>
+              </a:defRPr>
+            </a:lvl9pPr>
+          </a:lstStyle>
+          <a:p>
+            <a:pPr marL="0" indent="0">
+              <a:lnSpc>
+                <a:spcPct val="150000"/>
+              </a:lnSpc>
+              <a:buNone/>
+            </a:pPr>
+            <a:r>
+              <a:rPr lang="en-US" dirty="0"/>
+              <a:t>   (</a:t>
+            </a:r>
+            <a:r>
+              <a:rPr lang="en-US" dirty="0" err="1"/>
+              <a:t>recursive_loop</a:t>
+            </a:r>
+            <a:r>
+              <a:rPr lang="en-US" dirty="0"/>
+              <a:t> 0 40 A 49)</a:t>
+            </a:r>
+          </a:p>
+          <a:p>
+            <a:pPr marL="0" indent="0">
+              <a:lnSpc>
+                <a:spcPct val="150000"/>
+              </a:lnSpc>
+              <a:buNone/>
+            </a:pPr>
+            <a:r>
+              <a:rPr lang="en-US" dirty="0"/>
+              <a:t>= (</a:t>
+            </a:r>
+            <a:r>
+              <a:rPr lang="en-US" dirty="0" err="1"/>
+              <a:t>recursive_loop</a:t>
+            </a:r>
+            <a:r>
+              <a:rPr lang="en-US" dirty="0"/>
+              <a:t> 0 20 A 49) </a:t>
+            </a:r>
+          </a:p>
+          <a:p>
+            <a:pPr marL="0" indent="0">
+              <a:lnSpc>
+                <a:spcPct val="150000"/>
+              </a:lnSpc>
+              <a:buNone/>
+            </a:pPr>
+            <a:r>
+              <a:rPr lang="en-US" dirty="0"/>
+              <a:t>= (</a:t>
+            </a:r>
+            <a:r>
+              <a:rPr lang="en-US" dirty="0" err="1"/>
+              <a:t>recursive_loop</a:t>
+            </a:r>
+            <a:r>
+              <a:rPr lang="en-US" dirty="0"/>
+              <a:t> 0 10 A 49)</a:t>
+            </a:r>
+          </a:p>
+          <a:p>
+            <a:pPr marL="0" indent="0">
+              <a:lnSpc>
+                <a:spcPct val="150000"/>
+              </a:lnSpc>
+              <a:buNone/>
+            </a:pPr>
+            <a:r>
+              <a:rPr lang="en-US" dirty="0"/>
+              <a:t>= (</a:t>
+            </a:r>
+            <a:r>
+              <a:rPr lang="en-US" dirty="0" err="1"/>
+              <a:t>recursive_loop</a:t>
+            </a:r>
+            <a:r>
+              <a:rPr lang="en-US" dirty="0"/>
+              <a:t> 6 10 A 49)</a:t>
+            </a:r>
+          </a:p>
+          <a:p>
+            <a:pPr marL="0" indent="0">
+              <a:lnSpc>
+                <a:spcPct val="150000"/>
+              </a:lnSpc>
+              <a:buNone/>
+            </a:pPr>
+            <a:r>
+              <a:rPr lang="en-US" dirty="0"/>
+              <a:t>= (</a:t>
+            </a:r>
+            <a:r>
+              <a:rPr lang="en-US" dirty="0" err="1"/>
+              <a:t>recursive_loop</a:t>
+            </a:r>
+            <a:r>
+              <a:rPr lang="en-US" dirty="0"/>
+              <a:t> 6   8 A 49)</a:t>
+            </a:r>
+          </a:p>
+          <a:p>
+            <a:pPr marL="0" indent="0">
+              <a:lnSpc>
+                <a:spcPct val="150000"/>
+              </a:lnSpc>
+              <a:buNone/>
+            </a:pPr>
+            <a:r>
+              <a:rPr lang="en-US" dirty="0"/>
+              <a:t>= 7</a:t>
+            </a:r>
+          </a:p>
+        </p:txBody>
+      </p:sp>
+    </p:spTree>
+    <p:extLst>
+      <p:ext uri="{BB962C8B-B14F-4D97-AF65-F5344CB8AC3E}">
+        <p14:creationId xmlns:p14="http://schemas.microsoft.com/office/powerpoint/2010/main" val="4292631960"/>
+      </p:ext>
+    </p:extLst>
+  </p:cSld>
+  <p:clrMapOvr>
+    <a:masterClrMapping/>
+  </p:clrMapOvr>
+</p:sld>
+</file>
+
+<file path=ppt/slides/slide26.xml><?xml version="1.0" encoding="utf-8"?>
+<p:sld xmlns:a="http://schemas.openxmlformats.org/drawingml/2006/main" xmlns:r="http://schemas.openxmlformats.org/officeDocument/2006/relationships" xmlns:p="http://schemas.openxmlformats.org/presentationml/2006/main">
+  <p:cSld>
+    <p:spTree>
+      <p:nvGrpSpPr>
+        <p:cNvPr id="1" name=""/>
+        <p:cNvGrpSpPr/>
+        <p:nvPr/>
+      </p:nvGrpSpPr>
+      <p:grpSpPr>
+        <a:xfrm>
+          <a:off x="0" y="0"/>
+          <a:ext cx="0" cy="0"/>
+          <a:chOff x="0" y="0"/>
+          <a:chExt cx="0" cy="0"/>
+        </a:xfrm>
+      </p:grpSpPr>
+      <p:sp>
+        <p:nvSpPr>
+          <p:cNvPr id="2" name="Title 1">
+            <a:extLst>
+              <a:ext uri="{FF2B5EF4-FFF2-40B4-BE49-F238E27FC236}">
+                <a16:creationId xmlns:a16="http://schemas.microsoft.com/office/drawing/2014/main" id="{E133A901-4692-4AD1-AD33-2A55378F81DD}"/>
+              </a:ext>
+            </a:extLst>
+          </p:cNvPr>
+          <p:cNvSpPr>
+            <a:spLocks noGrp="1"/>
+          </p:cNvSpPr>
+          <p:nvPr>
+            <p:ph type="title"/>
+          </p:nvPr>
+        </p:nvSpPr>
+        <p:spPr/>
+        <p:txBody>
+          <a:bodyPr>
+            <a:normAutofit fontScale="90000"/>
+          </a:bodyPr>
+          <a:lstStyle/>
+          <a:p>
+            <a:r>
+              <a:rPr lang="en-US" dirty="0"/>
+              <a:t>We want the loop trace to look like this</a:t>
+            </a:r>
+          </a:p>
+        </p:txBody>
+      </p:sp>
+      <p:sp>
+        <p:nvSpPr>
+          <p:cNvPr id="5" name="Content Placeholder 4">
+            <a:extLst>
+              <a:ext uri="{FF2B5EF4-FFF2-40B4-BE49-F238E27FC236}">
+                <a16:creationId xmlns:a16="http://schemas.microsoft.com/office/drawing/2014/main" id="{2D996933-3031-4FBA-B7E9-81FEA49FB18D}"/>
+              </a:ext>
+            </a:extLst>
+          </p:cNvPr>
+          <p:cNvSpPr>
+            <a:spLocks noGrp="1"/>
+          </p:cNvSpPr>
+          <p:nvPr>
+            <p:ph idx="1"/>
+          </p:nvPr>
+        </p:nvSpPr>
+        <p:spPr/>
+        <p:txBody>
+          <a:bodyPr>
+            <a:normAutofit fontScale="92500" lnSpcReduction="10000"/>
+          </a:bodyPr>
+          <a:lstStyle/>
+          <a:p>
+            <a:pPr>
+              <a:lnSpc>
+                <a:spcPct val="150000"/>
+              </a:lnSpc>
+            </a:pPr>
+            <a:r>
+              <a:rPr lang="en-US" dirty="0"/>
+              <a:t>looptop: lo=0 hi=40 </a:t>
+            </a:r>
+            <a:r>
+              <a:rPr lang="en-US" dirty="0" err="1"/>
+              <a:t>tgt</a:t>
+            </a:r>
+            <a:r>
+              <a:rPr lang="en-US" dirty="0"/>
+              <a:t>=49</a:t>
+            </a:r>
+          </a:p>
+          <a:p>
+            <a:pPr>
+              <a:lnSpc>
+                <a:spcPct val="150000"/>
+              </a:lnSpc>
+            </a:pPr>
+            <a:r>
+              <a:rPr lang="en-US" dirty="0"/>
+              <a:t>looptop: lo=0 hi=20 </a:t>
+            </a:r>
+            <a:r>
+              <a:rPr lang="en-US" dirty="0" err="1"/>
+              <a:t>tgt</a:t>
+            </a:r>
+            <a:r>
+              <a:rPr lang="en-US" dirty="0"/>
+              <a:t>=49 </a:t>
+            </a:r>
+          </a:p>
+          <a:p>
+            <a:pPr>
+              <a:lnSpc>
+                <a:spcPct val="150000"/>
+              </a:lnSpc>
+            </a:pPr>
+            <a:r>
+              <a:rPr lang="en-US" dirty="0"/>
+              <a:t>looptop: lo=0 hi=10  </a:t>
+            </a:r>
+            <a:r>
+              <a:rPr lang="en-US" dirty="0" err="1"/>
+              <a:t>tgt</a:t>
+            </a:r>
+            <a:r>
+              <a:rPr lang="en-US" dirty="0"/>
+              <a:t>=49</a:t>
+            </a:r>
+          </a:p>
+          <a:p>
+            <a:pPr>
+              <a:lnSpc>
+                <a:spcPct val="150000"/>
+              </a:lnSpc>
+            </a:pPr>
+            <a:r>
+              <a:rPr lang="en-US" dirty="0"/>
+              <a:t>looptop: lo=6 hi=10  </a:t>
+            </a:r>
+            <a:r>
+              <a:rPr lang="en-US" dirty="0" err="1"/>
+              <a:t>tgt</a:t>
+            </a:r>
+            <a:r>
+              <a:rPr lang="en-US" dirty="0"/>
+              <a:t>=49</a:t>
+            </a:r>
+          </a:p>
+          <a:p>
+            <a:pPr>
+              <a:lnSpc>
+                <a:spcPct val="150000"/>
+              </a:lnSpc>
+            </a:pPr>
+            <a:r>
+              <a:rPr lang="en-US" dirty="0"/>
+              <a:t>looptop: lo=6 hi=8  </a:t>
+            </a:r>
+            <a:r>
+              <a:rPr lang="en-US" dirty="0" err="1"/>
+              <a:t>tgt</a:t>
+            </a:r>
+            <a:r>
+              <a:rPr lang="en-US" dirty="0"/>
+              <a:t>=49</a:t>
+            </a:r>
+          </a:p>
+          <a:p>
+            <a:pPr>
+              <a:lnSpc>
+                <a:spcPct val="150000"/>
+              </a:lnSpc>
+            </a:pPr>
+            <a:r>
+              <a:rPr lang="en-US" dirty="0" err="1"/>
+              <a:t>loopexit</a:t>
+            </a:r>
+            <a:r>
+              <a:rPr lang="en-US" dirty="0"/>
+              <a:t>: return 7</a:t>
+            </a:r>
+          </a:p>
+          <a:p>
+            <a:endParaRPr lang="en-US" dirty="0"/>
+          </a:p>
+        </p:txBody>
+      </p:sp>
+      <p:sp>
+        <p:nvSpPr>
+          <p:cNvPr id="4" name="Slide Number Placeholder 3">
+            <a:extLst>
+              <a:ext uri="{FF2B5EF4-FFF2-40B4-BE49-F238E27FC236}">
+                <a16:creationId xmlns:a16="http://schemas.microsoft.com/office/drawing/2014/main" id="{33FBFC9C-7364-4AE6-8A6E-C0158F798033}"/>
+              </a:ext>
+            </a:extLst>
+          </p:cNvPr>
+          <p:cNvSpPr>
+            <a:spLocks noGrp="1"/>
+          </p:cNvSpPr>
+          <p:nvPr>
+            <p:ph type="sldNum" sz="quarter" idx="12"/>
+          </p:nvPr>
+        </p:nvSpPr>
+        <p:spPr/>
+        <p:txBody>
+          <a:bodyPr/>
+          <a:lstStyle/>
+          <a:p>
+            <a:fld id="{2AF3B5EA-18B6-4040-9F78-6052AF49C681}" type="slidenum">
+              <a:rPr lang="en-US" smtClean="0"/>
+              <a:t>26</a:t>
+            </a:fld>
+            <a:endParaRPr lang="en-US"/>
+          </a:p>
+        </p:txBody>
+      </p:sp>
+      <p:sp>
+        <p:nvSpPr>
+          <p:cNvPr id="6" name="TextBox 5">
+            <a:extLst>
+              <a:ext uri="{FF2B5EF4-FFF2-40B4-BE49-F238E27FC236}">
+                <a16:creationId xmlns:a16="http://schemas.microsoft.com/office/drawing/2014/main" id="{A33895FA-29DC-4CB1-9096-8FAFF79714C8}"/>
+              </a:ext>
+            </a:extLst>
+          </p:cNvPr>
+          <p:cNvSpPr txBox="1"/>
+          <p:nvPr/>
+        </p:nvSpPr>
+        <p:spPr>
+          <a:xfrm>
+            <a:off x="6053704" y="2082302"/>
+            <a:ext cx="998991" cy="369332"/>
+          </a:xfrm>
+          <a:prstGeom prst="rect">
+            <a:avLst/>
+          </a:prstGeom>
+          <a:solidFill>
+            <a:schemeClr val="accent1">
+              <a:lumMod val="20000"/>
+              <a:lumOff val="80000"/>
+            </a:schemeClr>
+          </a:solidFill>
+          <a:ln>
+            <a:noFill/>
+          </a:ln>
+        </p:spPr>
+        <p:txBody>
+          <a:bodyPr wrap="none" rtlCol="0">
+            <a:spAutoFit/>
+          </a:bodyPr>
+          <a:lstStyle/>
+          <a:p>
+            <a:r>
+              <a:rPr lang="en-US" dirty="0"/>
+              <a:t>mid = 20</a:t>
+            </a:r>
+          </a:p>
+        </p:txBody>
+      </p:sp>
+      <p:sp>
+        <p:nvSpPr>
+          <p:cNvPr id="7" name="TextBox 6">
+            <a:extLst>
+              <a:ext uri="{FF2B5EF4-FFF2-40B4-BE49-F238E27FC236}">
+                <a16:creationId xmlns:a16="http://schemas.microsoft.com/office/drawing/2014/main" id="{5681C594-55AC-4F2B-98E5-EEAEFAC2C7F8}"/>
+              </a:ext>
+            </a:extLst>
+          </p:cNvPr>
+          <p:cNvSpPr txBox="1"/>
+          <p:nvPr/>
+        </p:nvSpPr>
+        <p:spPr>
+          <a:xfrm>
+            <a:off x="6117824" y="3002536"/>
+            <a:ext cx="1051891" cy="369332"/>
+          </a:xfrm>
+          <a:prstGeom prst="rect">
+            <a:avLst/>
+          </a:prstGeom>
+          <a:solidFill>
+            <a:schemeClr val="accent1">
+              <a:lumMod val="20000"/>
+              <a:lumOff val="80000"/>
+            </a:schemeClr>
+          </a:solidFill>
+          <a:ln>
+            <a:noFill/>
+          </a:ln>
+        </p:spPr>
+        <p:txBody>
+          <a:bodyPr wrap="none" rtlCol="0">
+            <a:spAutoFit/>
+          </a:bodyPr>
+          <a:lstStyle/>
+          <a:p>
+            <a:r>
+              <a:rPr lang="en-US" dirty="0"/>
+              <a:t>mid = 10 </a:t>
+            </a:r>
+          </a:p>
+        </p:txBody>
+      </p:sp>
+      <p:sp>
+        <p:nvSpPr>
+          <p:cNvPr id="8" name="TextBox 7">
+            <a:extLst>
+              <a:ext uri="{FF2B5EF4-FFF2-40B4-BE49-F238E27FC236}">
+                <a16:creationId xmlns:a16="http://schemas.microsoft.com/office/drawing/2014/main" id="{708705E0-D54B-4BB9-A163-E446F2EF8B40}"/>
+              </a:ext>
+            </a:extLst>
+          </p:cNvPr>
+          <p:cNvSpPr txBox="1"/>
+          <p:nvPr/>
+        </p:nvSpPr>
+        <p:spPr>
+          <a:xfrm>
+            <a:off x="6117824" y="3764536"/>
+            <a:ext cx="934871" cy="369332"/>
+          </a:xfrm>
+          <a:prstGeom prst="rect">
+            <a:avLst/>
+          </a:prstGeom>
+          <a:solidFill>
+            <a:schemeClr val="accent1">
+              <a:lumMod val="20000"/>
+              <a:lumOff val="80000"/>
+            </a:schemeClr>
+          </a:solidFill>
+          <a:ln>
+            <a:noFill/>
+          </a:ln>
+        </p:spPr>
+        <p:txBody>
+          <a:bodyPr wrap="none" rtlCol="0">
+            <a:spAutoFit/>
+          </a:bodyPr>
+          <a:lstStyle/>
+          <a:p>
+            <a:r>
+              <a:rPr lang="en-US" dirty="0"/>
+              <a:t>mid = 5 </a:t>
+            </a:r>
+          </a:p>
+        </p:txBody>
+      </p:sp>
+      <p:sp>
+        <p:nvSpPr>
+          <p:cNvPr id="9" name="TextBox 8">
+            <a:extLst>
+              <a:ext uri="{FF2B5EF4-FFF2-40B4-BE49-F238E27FC236}">
+                <a16:creationId xmlns:a16="http://schemas.microsoft.com/office/drawing/2014/main" id="{B0F7B714-5E13-4DFA-99C1-C86631D5946E}"/>
+              </a:ext>
+            </a:extLst>
+          </p:cNvPr>
+          <p:cNvSpPr txBox="1"/>
+          <p:nvPr/>
+        </p:nvSpPr>
+        <p:spPr>
+          <a:xfrm>
+            <a:off x="6085763" y="4526536"/>
+            <a:ext cx="934871" cy="369332"/>
+          </a:xfrm>
+          <a:prstGeom prst="rect">
+            <a:avLst/>
+          </a:prstGeom>
+          <a:solidFill>
+            <a:schemeClr val="accent1">
+              <a:lumMod val="20000"/>
+              <a:lumOff val="80000"/>
+            </a:schemeClr>
+          </a:solidFill>
+          <a:ln>
+            <a:noFill/>
+          </a:ln>
+        </p:spPr>
+        <p:txBody>
+          <a:bodyPr wrap="none" rtlCol="0">
+            <a:spAutoFit/>
+          </a:bodyPr>
+          <a:lstStyle/>
+          <a:p>
+            <a:r>
+              <a:rPr lang="en-US" dirty="0"/>
+              <a:t>mid = 8 </a:t>
+            </a:r>
+          </a:p>
+        </p:txBody>
+      </p:sp>
+      <p:sp>
+        <p:nvSpPr>
+          <p:cNvPr id="10" name="TextBox 9">
+            <a:extLst>
+              <a:ext uri="{FF2B5EF4-FFF2-40B4-BE49-F238E27FC236}">
+                <a16:creationId xmlns:a16="http://schemas.microsoft.com/office/drawing/2014/main" id="{5B7ED980-D5C4-4D49-BAA2-D16D546590C7}"/>
+              </a:ext>
+            </a:extLst>
+          </p:cNvPr>
+          <p:cNvSpPr txBox="1"/>
+          <p:nvPr/>
+        </p:nvSpPr>
+        <p:spPr>
+          <a:xfrm>
+            <a:off x="6085763" y="5288536"/>
+            <a:ext cx="934871" cy="369332"/>
+          </a:xfrm>
+          <a:prstGeom prst="rect">
+            <a:avLst/>
+          </a:prstGeom>
+          <a:solidFill>
+            <a:schemeClr val="accent1">
+              <a:lumMod val="20000"/>
+              <a:lumOff val="80000"/>
+            </a:schemeClr>
+          </a:solidFill>
+          <a:ln>
+            <a:noFill/>
+          </a:ln>
+        </p:spPr>
+        <p:txBody>
+          <a:bodyPr wrap="none" rtlCol="0">
+            <a:spAutoFit/>
+          </a:bodyPr>
+          <a:lstStyle/>
+          <a:p>
+            <a:r>
+              <a:rPr lang="en-US" dirty="0"/>
+              <a:t>mid = 7 </a:t>
+            </a:r>
+          </a:p>
+        </p:txBody>
+      </p:sp>
+    </p:spTree>
+    <p:extLst>
+      <p:ext uri="{BB962C8B-B14F-4D97-AF65-F5344CB8AC3E}">
+        <p14:creationId xmlns:p14="http://schemas.microsoft.com/office/powerpoint/2010/main" val="55550802"/>
+      </p:ext>
+    </p:extLst>
+  </p:cSld>
+  <p:clrMapOvr>
+    <a:masterClrMapping/>
+  </p:clrMapOvr>
+</p:sld>
+</file>
+
+<file path=ppt/slides/slide27.xml><?xml version="1.0" encoding="utf-8"?>
+<p:sld xmlns:a="http://schemas.openxmlformats.org/drawingml/2006/main" xmlns:r="http://schemas.openxmlformats.org/officeDocument/2006/relationships" xmlns:p="http://schemas.openxmlformats.org/presentationml/2006/main">
+  <p:cSld>
+    <p:spTree>
+      <p:nvGrpSpPr>
+        <p:cNvPr id="1" name=""/>
+        <p:cNvGrpSpPr/>
+        <p:nvPr/>
+      </p:nvGrpSpPr>
+      <p:grpSpPr>
+        <a:xfrm>
+          <a:off x="0" y="0"/>
+          <a:ext cx="0" cy="0"/>
+          <a:chOff x="0" y="0"/>
+          <a:chExt cx="0" cy="0"/>
+        </a:xfrm>
+      </p:grpSpPr>
+      <p:sp>
+        <p:nvSpPr>
+          <p:cNvPr id="2" name="Title 1"/>
+          <p:cNvSpPr>
+            <a:spLocks noGrp="1"/>
+          </p:cNvSpPr>
+          <p:nvPr>
+            <p:ph type="title"/>
+          </p:nvPr>
+        </p:nvSpPr>
+        <p:spPr>
+          <a:solidFill>
+            <a:schemeClr val="bg1"/>
+          </a:solidFill>
+        </p:spPr>
+        <p:txBody>
+          <a:bodyPr/>
+          <a:lstStyle/>
+          <a:p>
+            <a:r>
+              <a:rPr lang="en-US" dirty="0"/>
+              <a:t>Summary</a:t>
+            </a:r>
+          </a:p>
+        </p:txBody>
+      </p:sp>
+      <p:sp>
+        <p:nvSpPr>
+          <p:cNvPr id="3" name="Content Placeholder 2"/>
+          <p:cNvSpPr>
+            <a:spLocks noGrp="1"/>
+          </p:cNvSpPr>
+          <p:nvPr>
+            <p:ph idx="1"/>
+          </p:nvPr>
+        </p:nvSpPr>
+        <p:spPr>
+          <a:xfrm>
+            <a:off x="457200" y="1676400"/>
+            <a:ext cx="8229600" cy="4525963"/>
+          </a:xfrm>
+        </p:spPr>
+        <p:txBody>
+          <a:bodyPr>
+            <a:normAutofit/>
+          </a:bodyPr>
+          <a:lstStyle/>
+          <a:p>
+            <a:r>
+              <a:rPr lang="en-US" dirty="0"/>
+              <a:t>You should now be able to:</a:t>
+            </a:r>
+          </a:p>
+          <a:p>
+            <a:pPr lvl="1"/>
+            <a:r>
+              <a:rPr lang="en-US" dirty="0"/>
+              <a:t>explain what binary search is and when it is appropriate</a:t>
+            </a:r>
+          </a:p>
+          <a:p>
+            <a:pPr lvl="1"/>
+            <a:r>
+              <a:rPr lang="en-US" dirty="0"/>
+              <a:t>explain how the standard binary search works, and how it fits into the framework of general recursion, invariants, and halting functions</a:t>
+            </a:r>
+          </a:p>
+          <a:p>
+            <a:pPr lvl="1"/>
+            <a:r>
+              <a:rPr lang="en-US" dirty="0"/>
+              <a:t>give the halting measure and explain the termination argument for binary search</a:t>
+            </a:r>
+          </a:p>
+          <a:p>
+            <a:pPr lvl="1"/>
+            <a:r>
+              <a:rPr lang="en-US" dirty="0"/>
+              <a:t>write variations on a binary search function</a:t>
+            </a:r>
+          </a:p>
+        </p:txBody>
+      </p:sp>
+      <p:sp>
+        <p:nvSpPr>
+          <p:cNvPr id="4" name="Slide Number Placeholder 3"/>
+          <p:cNvSpPr>
+            <a:spLocks noGrp="1"/>
+          </p:cNvSpPr>
+          <p:nvPr>
+            <p:ph type="sldNum" sz="quarter" idx="12"/>
+          </p:nvPr>
+        </p:nvSpPr>
+        <p:spPr/>
+        <p:txBody>
+          <a:bodyPr/>
+          <a:lstStyle/>
+          <a:p>
+            <a:fld id="{9F4492BD-6A9C-48FC-AC76-0B4FE11194A1}" type="slidenum">
+              <a:rPr lang="en-US" smtClean="0"/>
+              <a:pPr/>
+              <a:t>27</a:t>
+            </a:fld>
+            <a:endParaRPr lang="en-US"/>
+          </a:p>
+        </p:txBody>
+      </p:sp>
+    </p:spTree>
+    <p:extLst>
+      <p:ext uri="{BB962C8B-B14F-4D97-AF65-F5344CB8AC3E}">
+        <p14:creationId xmlns:p14="http://schemas.microsoft.com/office/powerpoint/2010/main" val="1174789038"/>
+      </p:ext>
+    </p:extLst>
+  </p:cSld>
+  <p:clrMapOvr>
+    <a:masterClrMapping/>
+  </p:clrMapOvr>
+</p:sld>
+</file>
+
+<file path=ppt/slides/slide28.xml><?xml version="1.0" encoding="utf-8"?>
+<p:sld xmlns:a="http://schemas.openxmlformats.org/drawingml/2006/main" xmlns:r="http://schemas.openxmlformats.org/officeDocument/2006/relationships" xmlns:p="http://schemas.openxmlformats.org/presentationml/2006/main">
+  <p:cSld>
+    <p:spTree>
+      <p:nvGrpSpPr>
+        <p:cNvPr id="1" name=""/>
+        <p:cNvGrpSpPr/>
+        <p:nvPr/>
+      </p:nvGrpSpPr>
+      <p:grpSpPr>
+        <a:xfrm>
+          <a:off x="0" y="0"/>
+          <a:ext cx="0" cy="0"/>
+          <a:chOff x="0" y="0"/>
+          <a:chExt cx="0" cy="0"/>
+        </a:xfrm>
+      </p:grpSpPr>
+      <p:sp>
+        <p:nvSpPr>
+          <p:cNvPr id="2" name="Title 1"/>
+          <p:cNvSpPr>
+            <a:spLocks noGrp="1"/>
+          </p:cNvSpPr>
+          <p:nvPr>
+            <p:ph type="title"/>
+          </p:nvPr>
+        </p:nvSpPr>
+        <p:spPr/>
+        <p:txBody>
+          <a:bodyPr/>
+          <a:lstStyle/>
+          <a:p>
+            <a:r>
+              <a:rPr lang="en-US" dirty="0"/>
+              <a:t>Next Steps</a:t>
+            </a:r>
+          </a:p>
+        </p:txBody>
+      </p:sp>
+      <p:sp>
+        <p:nvSpPr>
+          <p:cNvPr id="3" name="Content Placeholder 2"/>
+          <p:cNvSpPr>
+            <a:spLocks noGrp="1"/>
+          </p:cNvSpPr>
+          <p:nvPr>
+            <p:ph idx="1"/>
+          </p:nvPr>
+        </p:nvSpPr>
+        <p:spPr/>
+        <p:txBody>
+          <a:bodyPr/>
+          <a:lstStyle/>
+          <a:p>
+            <a:r>
+              <a:rPr lang="en-US" dirty="0"/>
+              <a:t>Study the </a:t>
+            </a:r>
+            <a:r>
+              <a:rPr lang="en-US"/>
+              <a:t>file 08-4-binary-search.rkt </a:t>
+            </a:r>
+            <a:r>
+              <a:rPr lang="en-US" dirty="0"/>
+              <a:t>in the Examples folder</a:t>
+            </a:r>
+          </a:p>
+          <a:p>
+            <a:r>
+              <a:rPr lang="en-US" dirty="0"/>
+              <a:t>If you have questions about this lesson, ask them on the Discussion Board</a:t>
+            </a:r>
+          </a:p>
+          <a:p>
+            <a:r>
+              <a:rPr lang="en-US" dirty="0"/>
+              <a:t>Do Guided Practice 8.3</a:t>
+            </a:r>
+          </a:p>
+          <a:p>
+            <a:r>
+              <a:rPr lang="en-US" dirty="0"/>
+              <a:t>Go on to the next lesson</a:t>
+            </a:r>
+          </a:p>
+        </p:txBody>
+      </p:sp>
+      <p:sp>
+        <p:nvSpPr>
+          <p:cNvPr id="4" name="Slide Number Placeholder 3"/>
+          <p:cNvSpPr>
+            <a:spLocks noGrp="1"/>
+          </p:cNvSpPr>
+          <p:nvPr>
+            <p:ph type="sldNum" sz="quarter" idx="12"/>
+          </p:nvPr>
+        </p:nvSpPr>
+        <p:spPr/>
+        <p:txBody>
+          <a:bodyPr/>
+          <a:lstStyle/>
+          <a:p>
+            <a:fld id="{9F4492BD-6A9C-48FC-AC76-0B4FE11194A1}" type="slidenum">
+              <a:rPr lang="en-US" smtClean="0"/>
+              <a:pPr/>
+              <a:t>28</a:t>
             </a:fld>
             <a:endParaRPr lang="en-US"/>
           </a:p>
@@ -12282,7 +15769,7 @@
       </a:bodyPr>
       <a:lstStyle>
         <a:defPPr>
-          <a:defRPr dirty="0"/>
+          <a:defRPr sz="2400" dirty="0" smtClean="0"/>
         </a:defPPr>
       </a:lstStyle>
       <a:style>

--- a/Slides/Lesson 8.2 Binary Search.pptx
+++ b/Slides/Lesson 8.2 Binary Search.pptx
@@ -5,7 +5,7 @@
     <p:sldMasterId id="2147483660" r:id="rId1"/>
   </p:sldMasterIdLst>
   <p:notesMasterIdLst>
-    <p:notesMasterId r:id="rId30"/>
+    <p:notesMasterId r:id="rId31"/>
   </p:notesMasterIdLst>
   <p:sldIdLst>
     <p:sldId id="358" r:id="rId2"/>
@@ -16,31 +16,32 @@
     <p:sldId id="362" r:id="rId7"/>
     <p:sldId id="376" r:id="rId8"/>
     <p:sldId id="378" r:id="rId9"/>
-    <p:sldId id="377" r:id="rId10"/>
-    <p:sldId id="363" r:id="rId11"/>
-    <p:sldId id="364" r:id="rId12"/>
-    <p:sldId id="380" r:id="rId13"/>
-    <p:sldId id="379" r:id="rId14"/>
-    <p:sldId id="365" r:id="rId15"/>
-    <p:sldId id="381" r:id="rId16"/>
-    <p:sldId id="366" r:id="rId17"/>
-    <p:sldId id="367" r:id="rId18"/>
-    <p:sldId id="368" r:id="rId19"/>
-    <p:sldId id="382" r:id="rId20"/>
-    <p:sldId id="383" r:id="rId21"/>
-    <p:sldId id="369" r:id="rId22"/>
-    <p:sldId id="384" r:id="rId23"/>
-    <p:sldId id="370" r:id="rId24"/>
-    <p:sldId id="371" r:id="rId25"/>
-    <p:sldId id="385" r:id="rId26"/>
-    <p:sldId id="386" r:id="rId27"/>
-    <p:sldId id="372" r:id="rId28"/>
-    <p:sldId id="373" r:id="rId29"/>
+    <p:sldId id="363" r:id="rId10"/>
+    <p:sldId id="364" r:id="rId11"/>
+    <p:sldId id="380" r:id="rId12"/>
+    <p:sldId id="379" r:id="rId13"/>
+    <p:sldId id="365" r:id="rId14"/>
+    <p:sldId id="381" r:id="rId15"/>
+    <p:sldId id="366" r:id="rId16"/>
+    <p:sldId id="367" r:id="rId17"/>
+    <p:sldId id="368" r:id="rId18"/>
+    <p:sldId id="382" r:id="rId19"/>
+    <p:sldId id="383" r:id="rId20"/>
+    <p:sldId id="369" r:id="rId21"/>
+    <p:sldId id="384" r:id="rId22"/>
+    <p:sldId id="370" r:id="rId23"/>
+    <p:sldId id="371" r:id="rId24"/>
+    <p:sldId id="385" r:id="rId25"/>
+    <p:sldId id="386" r:id="rId26"/>
+    <p:sldId id="387" r:id="rId27"/>
+    <p:sldId id="388" r:id="rId28"/>
+    <p:sldId id="372" r:id="rId29"/>
+    <p:sldId id="373" r:id="rId30"/>
   </p:sldIdLst>
   <p:sldSz cx="9144000" cy="6858000" type="screen4x3"/>
   <p:notesSz cx="6858000" cy="9144000"/>
   <p:custDataLst>
-    <p:tags r:id="rId31"/>
+    <p:tags r:id="rId32"/>
   </p:custDataLst>
   <p:defaultTextStyle>
     <a:defPPr>
@@ -257,7 +258,7 @@
             <a:fld id="{CF8F25F6-E1EF-4065-8525-42EDEBD9BD22}" type="datetimeFigureOut">
               <a:rPr lang="en-US" smtClean="0"/>
               <a:pPr/>
-              <a:t>10/19/2017</a:t>
+              <a:t>10/20/2017</a:t>
             </a:fld>
             <a:endParaRPr lang="en-US"/>
           </a:p>
@@ -680,7 +681,7 @@
             <a:fld id="{00E1DFD8-B619-4FFF-B366-BDCC98D08110}" type="slidenum">
               <a:rPr lang="en-US" smtClean="0"/>
               <a:pPr/>
-              <a:t>13</a:t>
+              <a:t>12</a:t>
             </a:fld>
             <a:endParaRPr lang="en-US"/>
           </a:p>
@@ -765,7 +766,7 @@
             <a:fld id="{00E1DFD8-B619-4FFF-B366-BDCC98D08110}" type="slidenum">
               <a:rPr lang="en-US" smtClean="0"/>
               <a:pPr/>
-              <a:t>15</a:t>
+              <a:t>14</a:t>
             </a:fld>
             <a:endParaRPr lang="en-US"/>
           </a:p>
@@ -963,7 +964,7 @@
           <a:p>
             <a:fld id="{2F1F79F5-7BEC-496A-AFC7-876E38F64D71}" type="datetime1">
               <a:rPr lang="en-US" smtClean="0"/>
-              <a:t>10/19/2017</a:t>
+              <a:t>10/20/2017</a:t>
             </a:fld>
             <a:endParaRPr lang="en-US"/>
           </a:p>
@@ -1058,7 +1059,7 @@
           <a:p>
             <a:fld id="{0A05703A-7669-4FEA-9056-25299B4D29D4}" type="datetime1">
               <a:rPr lang="en-US" smtClean="0"/>
-              <a:t>10/19/2017</a:t>
+              <a:t>10/20/2017</a:t>
             </a:fld>
             <a:endParaRPr lang="en-US"/>
           </a:p>
@@ -1333,7 +1334,7 @@
           <a:p>
             <a:fld id="{6E5077B5-BB57-49DB-88CA-226A139E5C01}" type="datetime1">
               <a:rPr lang="en-US" smtClean="0"/>
-              <a:t>10/19/2017</a:t>
+              <a:t>10/20/2017</a:t>
             </a:fld>
             <a:endParaRPr lang="en-US"/>
           </a:p>
@@ -1585,7 +1586,7 @@
           <a:p>
             <a:fld id="{C48D9447-CBD6-49A1-89FD-8512A8CF8999}" type="datetime1">
               <a:rPr lang="en-US" smtClean="0"/>
-              <a:t>10/19/2017</a:t>
+              <a:t>10/20/2017</a:t>
             </a:fld>
             <a:endParaRPr lang="en-US"/>
           </a:p>
@@ -1753,7 +1754,7 @@
           <a:p>
             <a:fld id="{A3639A2A-823D-48B7-9ACE-7FAF42870BA9}" type="datetime1">
               <a:rPr lang="en-US" smtClean="0"/>
-              <a:t>10/19/2017</a:t>
+              <a:t>10/20/2017</a:t>
             </a:fld>
             <a:endParaRPr lang="en-US"/>
           </a:p>
@@ -1931,7 +1932,7 @@
           <a:p>
             <a:fld id="{ED1B6996-82E9-463C-972C-7B56056E426C}" type="datetime1">
               <a:rPr lang="en-US" smtClean="0"/>
-              <a:t>10/19/2017</a:t>
+              <a:t>10/20/2017</a:t>
             </a:fld>
             <a:endParaRPr lang="en-US"/>
           </a:p>
@@ -2105,7 +2106,7 @@
           <a:p>
             <a:fld id="{E22ED4DA-448D-4BB1-B935-CC112220207B}" type="datetime1">
               <a:rPr lang="en-US" smtClean="0"/>
-              <a:t>10/19/2017</a:t>
+              <a:t>10/20/2017</a:t>
             </a:fld>
             <a:endParaRPr lang="en-US"/>
           </a:p>
@@ -2278,7 +2279,7 @@
           <a:p>
             <a:fld id="{E22ED4DA-448D-4BB1-B935-CC112220207B}" type="datetime1">
               <a:rPr lang="en-US" smtClean="0"/>
-              <a:t>10/19/2017</a:t>
+              <a:t>10/20/2017</a:t>
             </a:fld>
             <a:endParaRPr lang="en-US"/>
           </a:p>
@@ -2538,7 +2539,7 @@
           <a:p>
             <a:fld id="{FF5D65A6-AB94-4435-B0B7-3743215FA46C}" type="datetime1">
               <a:rPr lang="en-US" smtClean="0"/>
-              <a:t>10/19/2017</a:t>
+              <a:t>10/20/2017</a:t>
             </a:fld>
             <a:endParaRPr lang="en-US"/>
           </a:p>
@@ -2714,7 +2715,7 @@
           <a:p>
             <a:fld id="{FF5D65A6-AB94-4435-B0B7-3743215FA46C}" type="datetime1">
               <a:rPr lang="en-US" smtClean="0"/>
-              <a:t>10/19/2017</a:t>
+              <a:t>10/20/2017</a:t>
             </a:fld>
             <a:endParaRPr lang="en-US"/>
           </a:p>
@@ -3008,7 +3009,7 @@
           <a:p>
             <a:fld id="{7C193DC4-6EF0-48C9-B29C-616106A645E1}" type="datetime1">
               <a:rPr lang="en-US" smtClean="0"/>
-              <a:t>10/19/2017</a:t>
+              <a:t>10/20/2017</a:t>
             </a:fld>
             <a:endParaRPr lang="en-US"/>
           </a:p>
@@ -3293,7 +3294,7 @@
           <a:p>
             <a:fld id="{5D1846AD-9252-4647-9435-4C2AC365653A}" type="datetime1">
               <a:rPr lang="en-US" smtClean="0"/>
-              <a:t>10/19/2017</a:t>
+              <a:t>10/20/2017</a:t>
             </a:fld>
             <a:endParaRPr lang="en-US"/>
           </a:p>
@@ -3712,7 +3713,7 @@
           <a:p>
             <a:fld id="{CE56DC10-3561-4063-A6AF-C1CC7A41040A}" type="datetime1">
               <a:rPr lang="en-US" smtClean="0"/>
-              <a:t>10/19/2017</a:t>
+              <a:t>10/20/2017</a:t>
             </a:fld>
             <a:endParaRPr lang="en-US"/>
           </a:p>
@@ -3829,7 +3830,7 @@
           <a:p>
             <a:fld id="{2F7B77F5-1464-4F6B-92A8-64FC8A508293}" type="datetime1">
               <a:rPr lang="en-US" smtClean="0"/>
-              <a:t>10/19/2017</a:t>
+              <a:t>10/20/2017</a:t>
             </a:fld>
             <a:endParaRPr lang="en-US"/>
           </a:p>
@@ -4052,7 +4053,7 @@
           <a:p>
             <a:fld id="{02B3F677-983B-48DB-ADFD-63FE6CBC7FB2}" type="datetime1">
               <a:rPr lang="en-US" smtClean="0"/>
-              <a:t>10/19/2017</a:t>
+              <a:t>10/20/2017</a:t>
             </a:fld>
             <a:endParaRPr lang="en-US"/>
           </a:p>
@@ -4725,118 +4726,6 @@
         </p:nvSpPr>
         <p:spPr/>
         <p:txBody>
-          <a:bodyPr/>
-          <a:lstStyle/>
-          <a:p>
-            <a:r>
-              <a:rPr lang="en-US" dirty="0"/>
-              <a:t>Let's do the obvious generalization</a:t>
-            </a:r>
-          </a:p>
-        </p:txBody>
-      </p:sp>
-      <p:sp>
-        <p:nvSpPr>
-          <p:cNvPr id="3" name="Content Placeholder 2"/>
-          <p:cNvSpPr>
-            <a:spLocks noGrp="1"/>
-          </p:cNvSpPr>
-          <p:nvPr>
-            <p:ph idx="1"/>
-          </p:nvPr>
-        </p:nvSpPr>
-        <p:spPr/>
-        <p:txBody>
-          <a:bodyPr/>
-          <a:lstStyle/>
-          <a:p>
-            <a:r>
-              <a:rPr lang="en-US" dirty="0"/>
-              <a:t>Instead of searching from 0 to A.length-1, we can search an arbitrary range in the array.</a:t>
-            </a:r>
-          </a:p>
-          <a:p>
-            <a:r>
-              <a:rPr lang="en-US" dirty="0"/>
-              <a:t>We don’t want to lose any solutions, so we need to make sure that if </a:t>
-            </a:r>
-            <a:r>
-              <a:rPr lang="en-US" dirty="0" err="1"/>
-              <a:t>tgt</a:t>
-            </a:r>
-            <a:r>
-              <a:rPr lang="en-US" dirty="0"/>
-              <a:t> exists anywhere in the array, it exists in [lo,hi-1].</a:t>
-            </a:r>
-          </a:p>
-        </p:txBody>
-      </p:sp>
-      <p:sp>
-        <p:nvSpPr>
-          <p:cNvPr id="4" name="Slide Number Placeholder 3"/>
-          <p:cNvSpPr>
-            <a:spLocks noGrp="1"/>
-          </p:cNvSpPr>
-          <p:nvPr>
-            <p:ph type="sldNum" sz="quarter" idx="12"/>
-          </p:nvPr>
-        </p:nvSpPr>
-        <p:spPr/>
-        <p:txBody>
-          <a:bodyPr/>
-          <a:lstStyle/>
-          <a:p>
-            <a:fld id="{9F4492BD-6A9C-48FC-AC76-0B4FE11194A1}" type="slidenum">
-              <a:rPr lang="en-US" smtClean="0"/>
-              <a:pPr/>
-              <a:t>10</a:t>
-            </a:fld>
-            <a:endParaRPr lang="en-US"/>
-          </a:p>
-        </p:txBody>
-      </p:sp>
-    </p:spTree>
-    <p:extLst>
-      <p:ext uri="{BB962C8B-B14F-4D97-AF65-F5344CB8AC3E}">
-        <p14:creationId xmlns:p14="http://schemas.microsoft.com/office/powerpoint/2010/main" val="4186944835"/>
-      </p:ext>
-    </p:extLst>
-  </p:cSld>
-  <p:clrMapOvr>
-    <a:masterClrMapping/>
-  </p:clrMapOvr>
-</p:sld>
-</file>
-
-<file path=ppt/slides/slide11.xml><?xml version="1.0" encoding="utf-8"?>
-<p:sld xmlns:a="http://schemas.openxmlformats.org/drawingml/2006/main" xmlns:r="http://schemas.openxmlformats.org/officeDocument/2006/relationships" xmlns:p="http://schemas.openxmlformats.org/presentationml/2006/main">
-  <p:cSld>
-    <p:spTree>
-      <p:nvGrpSpPr>
-        <p:cNvPr id="1" name=""/>
-        <p:cNvGrpSpPr/>
-        <p:nvPr/>
-      </p:nvGrpSpPr>
-      <p:grpSpPr>
-        <a:xfrm>
-          <a:off x="0" y="0"/>
-          <a:ext cx="0" cy="0"/>
-          <a:chOff x="0" y="0"/>
-          <a:chExt cx="0" cy="0"/>
-        </a:xfrm>
-      </p:grpSpPr>
-      <p:sp>
-        <p:nvSpPr>
-          <p:cNvPr id="2" name="Title 1"/>
-          <p:cNvSpPr>
-            <a:spLocks noGrp="1"/>
-          </p:cNvSpPr>
-          <p:nvPr>
-            <p:ph type="title"/>
-          </p:nvPr>
-        </p:nvSpPr>
-        <p:spPr/>
-        <p:txBody>
           <a:bodyPr>
             <a:normAutofit fontScale="90000"/>
           </a:bodyPr>
@@ -5094,7 +4983,7 @@
             <a:fld id="{9F4492BD-6A9C-48FC-AC76-0B4FE11194A1}" type="slidenum">
               <a:rPr lang="en-US" smtClean="0"/>
               <a:pPr/>
-              <a:t>11</a:t>
+              <a:t>10</a:t>
             </a:fld>
             <a:endParaRPr lang="en-US"/>
           </a:p>
@@ -5330,6 +5219,183 @@
 </p:sld>
 </file>
 
+<file path=ppt/slides/slide11.xml><?xml version="1.0" encoding="utf-8"?>
+<p:sld xmlns:a="http://schemas.openxmlformats.org/drawingml/2006/main" xmlns:r="http://schemas.openxmlformats.org/officeDocument/2006/relationships" xmlns:p="http://schemas.openxmlformats.org/presentationml/2006/main">
+  <p:cSld>
+    <p:spTree>
+      <p:nvGrpSpPr>
+        <p:cNvPr id="1" name=""/>
+        <p:cNvGrpSpPr/>
+        <p:nvPr/>
+      </p:nvGrpSpPr>
+      <p:grpSpPr>
+        <a:xfrm>
+          <a:off x="0" y="0"/>
+          <a:ext cx="0" cy="0"/>
+          <a:chOff x="0" y="0"/>
+          <a:chExt cx="0" cy="0"/>
+        </a:xfrm>
+      </p:grpSpPr>
+      <p:sp>
+        <p:nvSpPr>
+          <p:cNvPr id="2" name="Title 1">
+            <a:extLst>
+              <a:ext uri="{FF2B5EF4-FFF2-40B4-BE49-F238E27FC236}">
+                <a16:creationId xmlns:a16="http://schemas.microsoft.com/office/drawing/2014/main" id="{E776E903-47A8-46E9-AE36-E87514613311}"/>
+              </a:ext>
+            </a:extLst>
+          </p:cNvPr>
+          <p:cNvSpPr>
+            <a:spLocks noGrp="1"/>
+          </p:cNvSpPr>
+          <p:nvPr>
+            <p:ph type="title"/>
+          </p:nvPr>
+        </p:nvSpPr>
+        <p:spPr/>
+        <p:txBody>
+          <a:bodyPr>
+            <a:normAutofit fontScale="90000"/>
+          </a:bodyPr>
+          <a:lstStyle/>
+          <a:p>
+            <a:r>
+              <a:rPr lang="en-US" dirty="0"/>
+              <a:t>This invariant divides the array into three regions:</a:t>
+            </a:r>
+          </a:p>
+        </p:txBody>
+      </p:sp>
+      <p:sp>
+        <p:nvSpPr>
+          <p:cNvPr id="5" name="Content Placeholder 4">
+            <a:extLst>
+              <a:ext uri="{FF2B5EF4-FFF2-40B4-BE49-F238E27FC236}">
+                <a16:creationId xmlns:a16="http://schemas.microsoft.com/office/drawing/2014/main" id="{8088C1D4-8450-4F33-948A-E19F01730AD4}"/>
+              </a:ext>
+            </a:extLst>
+          </p:cNvPr>
+          <p:cNvSpPr>
+            <a:spLocks noGrp="1"/>
+          </p:cNvSpPr>
+          <p:nvPr>
+            <p:ph idx="1"/>
+          </p:nvPr>
+        </p:nvSpPr>
+        <p:spPr>
+          <a:xfrm>
+            <a:off x="457200" y="1600200"/>
+            <a:ext cx="8610600" cy="4525963"/>
+          </a:xfrm>
+        </p:spPr>
+        <p:txBody>
+          <a:bodyPr/>
+          <a:lstStyle/>
+          <a:p>
+            <a:r>
+              <a:rPr lang="en-US" dirty="0"/>
+              <a:t>0  &lt;= j &lt; lo                  where A[j] &lt; </a:t>
+            </a:r>
+            <a:r>
+              <a:rPr lang="en-US" dirty="0" err="1"/>
+              <a:t>tgt</a:t>
+            </a:r>
+            <a:endParaRPr lang="en-US" dirty="0"/>
+          </a:p>
+          <a:p>
+            <a:r>
+              <a:rPr lang="en-US" dirty="0"/>
+              <a:t>lo &lt;= j &lt; hi                  where we don’t know </a:t>
+            </a:r>
+          </a:p>
+          <a:p>
+            <a:pPr marL="0" indent="0">
+              <a:buNone/>
+            </a:pPr>
+            <a:r>
+              <a:rPr lang="en-US" dirty="0"/>
+              <a:t>                                        anything</a:t>
+            </a:r>
+          </a:p>
+          <a:p>
+            <a:r>
+              <a:rPr lang="en-US" dirty="0"/>
+              <a:t>hi &lt;= j &lt; </a:t>
+            </a:r>
+            <a:r>
+              <a:rPr lang="en-US" dirty="0" err="1"/>
+              <a:t>A.length</a:t>
+            </a:r>
+            <a:r>
+              <a:rPr lang="en-US" dirty="0">
+                <a:solidFill>
+                  <a:schemeClr val="accent3"/>
+                </a:solidFill>
+              </a:rPr>
+              <a:t>      </a:t>
+            </a:r>
+            <a:r>
+              <a:rPr lang="en-US" dirty="0"/>
+              <a:t>where A[j] &gt; </a:t>
+            </a:r>
+            <a:r>
+              <a:rPr lang="en-US" dirty="0" err="1"/>
+              <a:t>tgt</a:t>
+            </a:r>
+            <a:r>
+              <a:rPr lang="en-US" dirty="0">
+                <a:solidFill>
+                  <a:schemeClr val="accent3"/>
+                </a:solidFill>
+              </a:rPr>
+              <a:t>  </a:t>
+            </a:r>
+            <a:endParaRPr lang="en-US" dirty="0"/>
+          </a:p>
+        </p:txBody>
+      </p:sp>
+      <p:sp>
+        <p:nvSpPr>
+          <p:cNvPr id="4" name="Slide Number Placeholder 3">
+            <a:extLst>
+              <a:ext uri="{FF2B5EF4-FFF2-40B4-BE49-F238E27FC236}">
+                <a16:creationId xmlns:a16="http://schemas.microsoft.com/office/drawing/2014/main" id="{29AA09B7-4AD2-4D52-8739-E12D0BB70F5E}"/>
+              </a:ext>
+            </a:extLst>
+          </p:cNvPr>
+          <p:cNvSpPr>
+            <a:spLocks noGrp="1"/>
+          </p:cNvSpPr>
+          <p:nvPr>
+            <p:ph type="sldNum" sz="quarter" idx="12"/>
+          </p:nvPr>
+        </p:nvSpPr>
+        <p:spPr/>
+        <p:txBody>
+          <a:bodyPr/>
+          <a:lstStyle/>
+          <a:p>
+            <a:fld id="{2AF3B5EA-18B6-4040-9F78-6052AF49C681}" type="slidenum">
+              <a:rPr lang="en-US" smtClean="0"/>
+              <a:t>11</a:t>
+            </a:fld>
+            <a:endParaRPr lang="en-US"/>
+          </a:p>
+        </p:txBody>
+      </p:sp>
+    </p:spTree>
+    <p:extLst>
+      <p:ext uri="{BB962C8B-B14F-4D97-AF65-F5344CB8AC3E}">
+        <p14:creationId xmlns:p14="http://schemas.microsoft.com/office/powerpoint/2010/main" val="2906230852"/>
+      </p:ext>
+    </p:extLst>
+  </p:cSld>
+  <p:clrMapOvr>
+    <a:masterClrMapping/>
+  </p:clrMapOvr>
+</p:sld>
+</file>
+
 <file path=ppt/slides/slide12.xml><?xml version="1.0" encoding="utf-8"?>
 <p:sld xmlns:a="http://schemas.openxmlformats.org/drawingml/2006/main" xmlns:r="http://schemas.openxmlformats.org/officeDocument/2006/relationships" xmlns:p="http://schemas.openxmlformats.org/presentationml/2006/main">
   <p:cSld>
@@ -5349,13 +5415,7 @@
       </p:grpSpPr>
       <p:sp>
         <p:nvSpPr>
-          <p:cNvPr id="2" name="Title 1">
-            <a:extLst>
-              <a:ext uri="{FF2B5EF4-FFF2-40B4-BE49-F238E27FC236}">
-                <a16:creationId xmlns:a16="http://schemas.microsoft.com/office/drawing/2014/main" id="{E776E903-47A8-46E9-AE36-E87514613311}"/>
-              </a:ext>
-            </a:extLst>
-          </p:cNvPr>
+          <p:cNvPr id="2" name="Title 1"/>
           <p:cNvSpPr>
             <a:spLocks noGrp="1"/>
           </p:cNvSpPr>
@@ -5366,251 +5426,38 @@
         <p:spPr/>
         <p:txBody>
           <a:bodyPr>
-            <a:normAutofit fontScale="90000"/>
+            <a:normAutofit/>
           </a:bodyPr>
           <a:lstStyle/>
           <a:p>
             <a:r>
               <a:rPr lang="en-US" dirty="0"/>
-              <a:t>This invariant divides the array into three regions:</a:t>
-            </a:r>
-          </a:p>
-        </p:txBody>
-      </p:sp>
-      <p:sp>
-        <p:nvSpPr>
-          <p:cNvPr id="5" name="Content Placeholder 4">
-            <a:extLst>
-              <a:ext uri="{FF2B5EF4-FFF2-40B4-BE49-F238E27FC236}">
-                <a16:creationId xmlns:a16="http://schemas.microsoft.com/office/drawing/2014/main" id="{8088C1D4-8450-4F33-948A-E19F01730AD4}"/>
-              </a:ext>
-            </a:extLst>
-          </p:cNvPr>
-          <p:cNvSpPr>
-            <a:spLocks noGrp="1"/>
-          </p:cNvSpPr>
-          <p:nvPr>
-            <p:ph idx="1"/>
-          </p:nvPr>
-        </p:nvSpPr>
-        <p:spPr>
-          <a:xfrm>
-            <a:off x="457200" y="1600200"/>
-            <a:ext cx="8610600" cy="4525963"/>
-          </a:xfrm>
-        </p:spPr>
+              <a:t>A picture of our invariant</a:t>
+            </a:r>
+          </a:p>
+        </p:txBody>
+      </p:sp>
+      <p:sp>
+        <p:nvSpPr>
+          <p:cNvPr id="3" name="Slide Number Placeholder 2"/>
+          <p:cNvSpPr>
+            <a:spLocks noGrp="1"/>
+          </p:cNvSpPr>
+          <p:nvPr>
+            <p:ph type="sldNum" sz="quarter" idx="12"/>
+          </p:nvPr>
+        </p:nvSpPr>
+        <p:spPr/>
         <p:txBody>
           <a:bodyPr/>
           <a:lstStyle/>
           <a:p>
-            <a:r>
-              <a:rPr lang="en-US" dirty="0"/>
-              <a:t>0  &lt;= j &lt; lo                  where A[j] &lt; </a:t>
-            </a:r>
-            <a:r>
-              <a:rPr lang="en-US" dirty="0" err="1"/>
-              <a:t>tgt</a:t>
-            </a:r>
-            <a:endParaRPr lang="en-US" dirty="0"/>
-          </a:p>
-          <a:p>
-            <a:r>
-              <a:rPr lang="en-US" dirty="0"/>
-              <a:t>lo &lt;= j &lt; hi                  where we don’t know </a:t>
-            </a:r>
-          </a:p>
-          <a:p>
-            <a:pPr marL="0" indent="0">
-              <a:buNone/>
-            </a:pPr>
-            <a:r>
-              <a:rPr lang="en-US" dirty="0"/>
-              <a:t>                                        anything</a:t>
-            </a:r>
-          </a:p>
-          <a:p>
-            <a:r>
-              <a:rPr lang="en-US" dirty="0"/>
-              <a:t>hi &lt;= j &lt; </a:t>
-            </a:r>
-            <a:r>
-              <a:rPr lang="en-US" dirty="0" err="1"/>
-              <a:t>A.length</a:t>
-            </a:r>
-            <a:r>
-              <a:rPr lang="en-US" dirty="0">
-                <a:solidFill>
-                  <a:schemeClr val="accent3"/>
-                </a:solidFill>
-              </a:rPr>
-              <a:t>      </a:t>
-            </a:r>
-            <a:r>
-              <a:rPr lang="en-US" dirty="0"/>
-              <a:t>where A[j] &gt; </a:t>
-            </a:r>
-            <a:r>
-              <a:rPr lang="en-US" dirty="0" err="1"/>
-              <a:t>tgt</a:t>
-            </a:r>
-            <a:r>
-              <a:rPr lang="en-US" dirty="0">
-                <a:solidFill>
-                  <a:schemeClr val="accent3"/>
-                </a:solidFill>
-              </a:rPr>
-              <a:t>  </a:t>
-            </a:r>
-            <a:endParaRPr lang="en-US" dirty="0"/>
-          </a:p>
-        </p:txBody>
-      </p:sp>
-      <p:sp>
-        <p:nvSpPr>
-          <p:cNvPr id="4" name="Slide Number Placeholder 3">
-            <a:extLst>
-              <a:ext uri="{FF2B5EF4-FFF2-40B4-BE49-F238E27FC236}">
-                <a16:creationId xmlns:a16="http://schemas.microsoft.com/office/drawing/2014/main" id="{29AA09B7-4AD2-4D52-8739-E12D0BB70F5E}"/>
-              </a:ext>
-            </a:extLst>
-          </p:cNvPr>
-          <p:cNvSpPr>
-            <a:spLocks noGrp="1"/>
-          </p:cNvSpPr>
-          <p:nvPr>
-            <p:ph type="sldNum" sz="quarter" idx="12"/>
-          </p:nvPr>
-        </p:nvSpPr>
-        <p:spPr/>
-        <p:txBody>
-          <a:bodyPr/>
-          <a:lstStyle/>
-          <a:p>
-            <a:fld id="{2AF3B5EA-18B6-4040-9F78-6052AF49C681}" type="slidenum">
+            <a:fld id="{9F4492BD-6A9C-48FC-AC76-0B4FE11194A1}" type="slidenum">
               <a:rPr lang="en-US" smtClean="0"/>
+              <a:pPr/>
               <a:t>12</a:t>
             </a:fld>
             <a:endParaRPr lang="en-US"/>
-          </a:p>
-        </p:txBody>
-      </p:sp>
-    </p:spTree>
-    <p:extLst>
-      <p:ext uri="{BB962C8B-B14F-4D97-AF65-F5344CB8AC3E}">
-        <p14:creationId xmlns:p14="http://schemas.microsoft.com/office/powerpoint/2010/main" val="2906230852"/>
-      </p:ext>
-    </p:extLst>
-  </p:cSld>
-  <p:clrMapOvr>
-    <a:masterClrMapping/>
-  </p:clrMapOvr>
-</p:sld>
-</file>
-
-<file path=ppt/slides/slide13.xml><?xml version="1.0" encoding="utf-8"?>
-<p:sld xmlns:a="http://schemas.openxmlformats.org/drawingml/2006/main" xmlns:r="http://schemas.openxmlformats.org/officeDocument/2006/relationships" xmlns:p="http://schemas.openxmlformats.org/presentationml/2006/main">
-  <p:cSld>
-    <p:spTree>
-      <p:nvGrpSpPr>
-        <p:cNvPr id="1" name=""/>
-        <p:cNvGrpSpPr/>
-        <p:nvPr/>
-      </p:nvGrpSpPr>
-      <p:grpSpPr>
-        <a:xfrm>
-          <a:off x="0" y="0"/>
-          <a:ext cx="0" cy="0"/>
-          <a:chOff x="0" y="0"/>
-          <a:chExt cx="0" cy="0"/>
-        </a:xfrm>
-      </p:grpSpPr>
-      <p:sp>
-        <p:nvSpPr>
-          <p:cNvPr id="2" name="Title 1"/>
-          <p:cNvSpPr>
-            <a:spLocks noGrp="1"/>
-          </p:cNvSpPr>
-          <p:nvPr>
-            <p:ph type="title"/>
-          </p:nvPr>
-        </p:nvSpPr>
-        <p:spPr/>
-        <p:txBody>
-          <a:bodyPr>
-            <a:normAutofit/>
-          </a:bodyPr>
-          <a:lstStyle/>
-          <a:p>
-            <a:r>
-              <a:rPr lang="en-US" dirty="0"/>
-              <a:t>A picture of our invariant</a:t>
-            </a:r>
-          </a:p>
-        </p:txBody>
-      </p:sp>
-      <p:sp>
-        <p:nvSpPr>
-          <p:cNvPr id="3" name="Slide Number Placeholder 2"/>
-          <p:cNvSpPr>
-            <a:spLocks noGrp="1"/>
-          </p:cNvSpPr>
-          <p:nvPr>
-            <p:ph type="sldNum" sz="quarter" idx="12"/>
-          </p:nvPr>
-        </p:nvSpPr>
-        <p:spPr/>
-        <p:txBody>
-          <a:bodyPr/>
-          <a:lstStyle/>
-          <a:p>
-            <a:fld id="{9F4492BD-6A9C-48FC-AC76-0B4FE11194A1}" type="slidenum">
-              <a:rPr lang="en-US" smtClean="0"/>
-              <a:pPr/>
-              <a:t>13</a:t>
-            </a:fld>
-            <a:endParaRPr lang="en-US"/>
-          </a:p>
-        </p:txBody>
-      </p:sp>
-      <p:sp>
-        <p:nvSpPr>
-          <p:cNvPr id="16" name="TextBox 15">
-            <a:extLst>
-              <a:ext uri="{FF2B5EF4-FFF2-40B4-BE49-F238E27FC236}">
-                <a16:creationId xmlns:a16="http://schemas.microsoft.com/office/drawing/2014/main" id="{8C3DF9E2-BD31-49D0-8523-649DBF1945D8}"/>
-              </a:ext>
-            </a:extLst>
-          </p:cNvPr>
-          <p:cNvSpPr txBox="1"/>
-          <p:nvPr/>
-        </p:nvSpPr>
-        <p:spPr>
-          <a:xfrm>
-            <a:off x="7429499" y="2588567"/>
-            <a:ext cx="1600200" cy="461665"/>
-          </a:xfrm>
-          <a:prstGeom prst="rect">
-            <a:avLst/>
-          </a:prstGeom>
-          <a:noFill/>
-        </p:spPr>
-        <p:txBody>
-          <a:bodyPr wrap="square" rtlCol="0">
-            <a:spAutoFit/>
-          </a:bodyPr>
-          <a:lstStyle/>
-          <a:p>
-            <a:r>
-              <a:rPr lang="en-US" sz="2400" b="1" dirty="0" err="1">
-                <a:latin typeface="Consolas" pitchFamily="49" charset="0"/>
-                <a:cs typeface="Consolas" pitchFamily="49" charset="0"/>
-              </a:rPr>
-              <a:t>A.length</a:t>
-            </a:r>
-            <a:endParaRPr lang="en-US" sz="2400" b="1" dirty="0">
-              <a:latin typeface="Consolas" pitchFamily="49" charset="0"/>
-              <a:cs typeface="Consolas" pitchFamily="49" charset="0"/>
-            </a:endParaRPr>
           </a:p>
         </p:txBody>
       </p:sp>
@@ -5675,38 +5522,6 @@
             <a:p>
               <a:pPr algn="ctr"/>
               <a:endParaRPr lang="en-US"/>
-            </a:p>
-          </p:txBody>
-        </p:sp>
-        <p:sp>
-          <p:nvSpPr>
-            <p:cNvPr id="6" name="TextBox 5"/>
-            <p:cNvSpPr txBox="1"/>
-            <p:nvPr/>
-          </p:nvSpPr>
-          <p:spPr>
-            <a:xfrm>
-              <a:off x="914400" y="2590800"/>
-              <a:ext cx="354584" cy="461665"/>
-            </a:xfrm>
-            <a:prstGeom prst="rect">
-              <a:avLst/>
-            </a:prstGeom>
-            <a:noFill/>
-          </p:spPr>
-          <p:txBody>
-            <a:bodyPr wrap="none" rtlCol="0">
-              <a:spAutoFit/>
-            </a:bodyPr>
-            <a:lstStyle/>
-            <a:p>
-              <a:r>
-                <a:rPr lang="en-US" sz="2400" b="1" dirty="0">
-                  <a:latin typeface="Consolas" pitchFamily="49" charset="0"/>
-                  <a:cs typeface="Consolas" pitchFamily="49" charset="0"/>
-                </a:rPr>
-                <a:t>0</a:t>
-              </a:r>
             </a:p>
           </p:txBody>
         </p:sp>
@@ -6419,10 +6234,658 @@
           </a:p>
         </p:txBody>
       </p:sp>
+      <p:grpSp>
+        <p:nvGrpSpPr>
+          <p:cNvPr id="23" name="Group 22">
+            <a:extLst>
+              <a:ext uri="{FF2B5EF4-FFF2-40B4-BE49-F238E27FC236}">
+                <a16:creationId xmlns:a16="http://schemas.microsoft.com/office/drawing/2014/main" id="{7146D9DB-E4C5-40D3-8E59-65A82FEB732B}"/>
+              </a:ext>
+            </a:extLst>
+          </p:cNvPr>
+          <p:cNvGrpSpPr/>
+          <p:nvPr/>
+        </p:nvGrpSpPr>
+        <p:grpSpPr>
+          <a:xfrm>
+            <a:off x="829473" y="3174842"/>
+            <a:ext cx="354584" cy="1220563"/>
+            <a:chOff x="3048000" y="3660702"/>
+            <a:chExt cx="354584" cy="1220563"/>
+          </a:xfrm>
+        </p:grpSpPr>
+        <p:sp>
+          <p:nvSpPr>
+            <p:cNvPr id="24" name="TextBox 23">
+              <a:extLst>
+                <a:ext uri="{FF2B5EF4-FFF2-40B4-BE49-F238E27FC236}">
+                  <a16:creationId xmlns:a16="http://schemas.microsoft.com/office/drawing/2014/main" id="{4F14ACED-135B-4F35-984C-89300483212C}"/>
+                </a:ext>
+              </a:extLst>
+            </p:cNvPr>
+            <p:cNvSpPr txBox="1"/>
+            <p:nvPr/>
+          </p:nvSpPr>
+          <p:spPr>
+            <a:xfrm>
+              <a:off x="3048000" y="4419600"/>
+              <a:ext cx="354584" cy="461665"/>
+            </a:xfrm>
+            <a:prstGeom prst="rect">
+              <a:avLst/>
+            </a:prstGeom>
+            <a:noFill/>
+          </p:spPr>
+          <p:txBody>
+            <a:bodyPr wrap="none" rtlCol="0">
+              <a:spAutoFit/>
+            </a:bodyPr>
+            <a:lstStyle/>
+            <a:p>
+              <a:r>
+                <a:rPr lang="en-US" sz="2400" b="1" dirty="0">
+                  <a:latin typeface="Consolas" pitchFamily="49" charset="0"/>
+                  <a:cs typeface="Consolas" pitchFamily="49" charset="0"/>
+                </a:rPr>
+                <a:t>0</a:t>
+              </a:r>
+            </a:p>
+          </p:txBody>
+        </p:sp>
+        <p:cxnSp>
+          <p:nvCxnSpPr>
+            <p:cNvPr id="28" name="Straight Arrow Connector 27">
+              <a:extLst>
+                <a:ext uri="{FF2B5EF4-FFF2-40B4-BE49-F238E27FC236}">
+                  <a16:creationId xmlns:a16="http://schemas.microsoft.com/office/drawing/2014/main" id="{D9543FAD-2061-41EA-BDA6-3A07864F0FDF}"/>
+                </a:ext>
+              </a:extLst>
+            </p:cNvPr>
+            <p:cNvCxnSpPr>
+              <a:cxnSpLocks/>
+              <a:stCxn id="24" idx="0"/>
+            </p:cNvCxnSpPr>
+            <p:nvPr/>
+          </p:nvCxnSpPr>
+          <p:spPr>
+            <a:xfrm flipH="1" flipV="1">
+              <a:off x="3220888" y="3660702"/>
+              <a:ext cx="4404" cy="758898"/>
+            </a:xfrm>
+            <a:prstGeom prst="straightConnector1">
+              <a:avLst/>
+            </a:prstGeom>
+            <a:ln w="15875">
+              <a:solidFill>
+                <a:schemeClr val="tx1"/>
+              </a:solidFill>
+              <a:tailEnd type="triangle"/>
+            </a:ln>
+          </p:spPr>
+          <p:style>
+            <a:lnRef idx="1">
+              <a:schemeClr val="accent1"/>
+            </a:lnRef>
+            <a:fillRef idx="0">
+              <a:schemeClr val="accent1"/>
+            </a:fillRef>
+            <a:effectRef idx="0">
+              <a:schemeClr val="accent1"/>
+            </a:effectRef>
+            <a:fontRef idx="minor">
+              <a:schemeClr val="tx1"/>
+            </a:fontRef>
+          </p:style>
+        </p:cxnSp>
+      </p:grpSp>
+      <p:grpSp>
+        <p:nvGrpSpPr>
+          <p:cNvPr id="32" name="Group 31">
+            <a:extLst>
+              <a:ext uri="{FF2B5EF4-FFF2-40B4-BE49-F238E27FC236}">
+                <a16:creationId xmlns:a16="http://schemas.microsoft.com/office/drawing/2014/main" id="{DE594EBE-8614-4B78-9A11-C917DE638A7E}"/>
+              </a:ext>
+            </a:extLst>
+          </p:cNvPr>
+          <p:cNvGrpSpPr/>
+          <p:nvPr/>
+        </p:nvGrpSpPr>
+        <p:grpSpPr>
+          <a:xfrm>
+            <a:off x="6553200" y="3174842"/>
+            <a:ext cx="2090737" cy="1220563"/>
+            <a:chOff x="2188551" y="3660702"/>
+            <a:chExt cx="2090737" cy="1220563"/>
+          </a:xfrm>
+        </p:grpSpPr>
+        <p:sp>
+          <p:nvSpPr>
+            <p:cNvPr id="33" name="TextBox 32">
+              <a:extLst>
+                <a:ext uri="{FF2B5EF4-FFF2-40B4-BE49-F238E27FC236}">
+                  <a16:creationId xmlns:a16="http://schemas.microsoft.com/office/drawing/2014/main" id="{179AC9DD-5ED5-4891-BC07-2F3432B30ABA}"/>
+                </a:ext>
+              </a:extLst>
+            </p:cNvPr>
+            <p:cNvSpPr txBox="1"/>
+            <p:nvPr/>
+          </p:nvSpPr>
+          <p:spPr>
+            <a:xfrm>
+              <a:off x="2188551" y="4419600"/>
+              <a:ext cx="2090737" cy="461665"/>
+            </a:xfrm>
+            <a:prstGeom prst="rect">
+              <a:avLst/>
+            </a:prstGeom>
+            <a:noFill/>
+          </p:spPr>
+          <p:txBody>
+            <a:bodyPr wrap="square" rtlCol="0">
+              <a:spAutoFit/>
+            </a:bodyPr>
+            <a:lstStyle/>
+            <a:p>
+              <a:pPr algn="ctr"/>
+              <a:r>
+                <a:rPr lang="en-US" sz="2400" b="1" dirty="0" err="1">
+                  <a:latin typeface="Consolas" pitchFamily="49" charset="0"/>
+                  <a:cs typeface="Consolas" pitchFamily="49" charset="0"/>
+                </a:rPr>
+                <a:t>A.length</a:t>
+              </a:r>
+              <a:endParaRPr lang="en-US" sz="2400" b="1" dirty="0">
+                <a:latin typeface="Consolas" pitchFamily="49" charset="0"/>
+                <a:cs typeface="Consolas" pitchFamily="49" charset="0"/>
+              </a:endParaRPr>
+            </a:p>
+          </p:txBody>
+        </p:sp>
+        <p:cxnSp>
+          <p:nvCxnSpPr>
+            <p:cNvPr id="35" name="Straight Arrow Connector 34">
+              <a:extLst>
+                <a:ext uri="{FF2B5EF4-FFF2-40B4-BE49-F238E27FC236}">
+                  <a16:creationId xmlns:a16="http://schemas.microsoft.com/office/drawing/2014/main" id="{C577E1D7-D7E1-48CF-BF4C-3E7964B3495D}"/>
+                </a:ext>
+              </a:extLst>
+            </p:cNvPr>
+            <p:cNvCxnSpPr>
+              <a:cxnSpLocks/>
+              <a:stCxn id="33" idx="0"/>
+            </p:cNvCxnSpPr>
+            <p:nvPr/>
+          </p:nvCxnSpPr>
+          <p:spPr>
+            <a:xfrm flipH="1" flipV="1">
+              <a:off x="3220888" y="3660702"/>
+              <a:ext cx="13032" cy="758898"/>
+            </a:xfrm>
+            <a:prstGeom prst="straightConnector1">
+              <a:avLst/>
+            </a:prstGeom>
+            <a:ln w="15875">
+              <a:solidFill>
+                <a:schemeClr val="tx1"/>
+              </a:solidFill>
+              <a:tailEnd type="triangle"/>
+            </a:ln>
+          </p:spPr>
+          <p:style>
+            <a:lnRef idx="1">
+              <a:schemeClr val="accent1"/>
+            </a:lnRef>
+            <a:fillRef idx="0">
+              <a:schemeClr val="accent1"/>
+            </a:fillRef>
+            <a:effectRef idx="0">
+              <a:schemeClr val="accent1"/>
+            </a:effectRef>
+            <a:fontRef idx="minor">
+              <a:schemeClr val="tx1"/>
+            </a:fontRef>
+          </p:style>
+        </p:cxnSp>
+      </p:grpSp>
     </p:spTree>
     <p:extLst>
       <p:ext uri="{BB962C8B-B14F-4D97-AF65-F5344CB8AC3E}">
         <p14:creationId xmlns:p14="http://schemas.microsoft.com/office/powerpoint/2010/main" val="3148397987"/>
+      </p:ext>
+    </p:extLst>
+  </p:cSld>
+  <p:clrMapOvr>
+    <a:masterClrMapping/>
+  </p:clrMapOvr>
+</p:sld>
+</file>
+
+<file path=ppt/slides/slide13.xml><?xml version="1.0" encoding="utf-8"?>
+<p:sld xmlns:a="http://schemas.openxmlformats.org/drawingml/2006/main" xmlns:r="http://schemas.openxmlformats.org/officeDocument/2006/relationships" xmlns:p="http://schemas.openxmlformats.org/presentationml/2006/main">
+  <p:cSld>
+    <p:spTree>
+      <p:nvGrpSpPr>
+        <p:cNvPr id="1" name=""/>
+        <p:cNvGrpSpPr/>
+        <p:nvPr/>
+      </p:nvGrpSpPr>
+      <p:grpSpPr>
+        <a:xfrm>
+          <a:off x="0" y="0"/>
+          <a:ext cx="0" cy="0"/>
+          <a:chOff x="0" y="0"/>
+          <a:chExt cx="0" cy="0"/>
+        </a:xfrm>
+      </p:grpSpPr>
+      <p:sp>
+        <p:nvSpPr>
+          <p:cNvPr id="2" name="Title 1"/>
+          <p:cNvSpPr>
+            <a:spLocks noGrp="1"/>
+          </p:cNvSpPr>
+          <p:nvPr>
+            <p:ph type="title"/>
+          </p:nvPr>
+        </p:nvSpPr>
+        <p:spPr/>
+        <p:txBody>
+          <a:bodyPr>
+            <a:normAutofit fontScale="90000"/>
+          </a:bodyPr>
+          <a:lstStyle/>
+          <a:p>
+            <a:r>
+              <a:rPr lang="en-US" dirty="0"/>
+              <a:t>Now we can write the main method</a:t>
+            </a:r>
+          </a:p>
+        </p:txBody>
+      </p:sp>
+      <p:sp>
+        <p:nvSpPr>
+          <p:cNvPr id="3" name="Content Placeholder 2"/>
+          <p:cNvSpPr>
+            <a:spLocks noGrp="1"/>
+          </p:cNvSpPr>
+          <p:nvPr>
+            <p:ph idx="1"/>
+          </p:nvPr>
+        </p:nvSpPr>
+        <p:spPr/>
+        <p:txBody>
+          <a:bodyPr>
+            <a:noAutofit/>
+          </a:bodyPr>
+          <a:lstStyle/>
+          <a:p>
+            <a:pPr>
+              <a:spcBef>
+                <a:spcPts val="0"/>
+              </a:spcBef>
+            </a:pPr>
+            <a:r>
+              <a:rPr lang="en-US" sz="2000" dirty="0"/>
+              <a:t>static </a:t>
+            </a:r>
+            <a:r>
+              <a:rPr lang="en-US" sz="2000" dirty="0" err="1"/>
+              <a:t>int</a:t>
+            </a:r>
+            <a:r>
+              <a:rPr lang="en-US" sz="2000" dirty="0"/>
+              <a:t> </a:t>
+            </a:r>
+            <a:r>
+              <a:rPr lang="en-US" sz="2000" dirty="0" err="1"/>
+              <a:t>binsearch_recursive</a:t>
+            </a:r>
+            <a:r>
+              <a:rPr lang="en-US" sz="2000" dirty="0"/>
+              <a:t> (</a:t>
+            </a:r>
+            <a:r>
+              <a:rPr lang="en-US" sz="2000" dirty="0" err="1"/>
+              <a:t>int</a:t>
+            </a:r>
+            <a:r>
+              <a:rPr lang="en-US" sz="2000" dirty="0"/>
+              <a:t>[]A, </a:t>
+            </a:r>
+            <a:r>
+              <a:rPr lang="en-US" sz="2000" dirty="0" err="1"/>
+              <a:t>int</a:t>
+            </a:r>
+            <a:r>
+              <a:rPr lang="en-US" sz="2000" dirty="0"/>
+              <a:t> </a:t>
+            </a:r>
+            <a:r>
+              <a:rPr lang="en-US" sz="2000" dirty="0" err="1"/>
+              <a:t>tgt</a:t>
+            </a:r>
+            <a:r>
+              <a:rPr lang="en-US" sz="2000" dirty="0"/>
+              <a:t>) {</a:t>
+            </a:r>
+          </a:p>
+          <a:p>
+            <a:pPr>
+              <a:spcBef>
+                <a:spcPts val="0"/>
+              </a:spcBef>
+            </a:pPr>
+            <a:endParaRPr lang="en-US" sz="2000" dirty="0"/>
+          </a:p>
+          <a:p>
+            <a:pPr>
+              <a:spcBef>
+                <a:spcPts val="0"/>
+              </a:spcBef>
+            </a:pPr>
+            <a:r>
+              <a:rPr lang="en-US" sz="2000" dirty="0"/>
+              <a:t>   // GIVEN: two integers </a:t>
+            </a:r>
+            <a:r>
+              <a:rPr lang="en-US" sz="2000" dirty="0">
+                <a:solidFill>
+                  <a:schemeClr val="accent3"/>
+                </a:solidFill>
+              </a:rPr>
+              <a:t>lo</a:t>
+            </a:r>
+            <a:r>
+              <a:rPr lang="en-US" sz="2000" dirty="0"/>
+              <a:t> and </a:t>
+            </a:r>
+            <a:r>
+              <a:rPr lang="en-US" sz="2000" dirty="0">
+                <a:solidFill>
+                  <a:schemeClr val="accent3"/>
+                </a:solidFill>
+              </a:rPr>
+              <a:t>hi</a:t>
+            </a:r>
+            <a:r>
+              <a:rPr lang="en-US" sz="2000" dirty="0"/>
+              <a:t>, a non-decreasing</a:t>
+            </a:r>
+          </a:p>
+          <a:p>
+            <a:pPr>
+              <a:spcBef>
+                <a:spcPts val="0"/>
+              </a:spcBef>
+            </a:pPr>
+            <a:r>
+              <a:rPr lang="en-US" sz="2000" dirty="0"/>
+              <a:t>   // array of </a:t>
+            </a:r>
+            <a:r>
+              <a:rPr lang="en-US" sz="2000" dirty="0" err="1"/>
+              <a:t>ints</a:t>
+            </a:r>
+            <a:r>
+              <a:rPr lang="en-US" sz="2000" dirty="0"/>
+              <a:t> A, and a target </a:t>
+            </a:r>
+            <a:r>
+              <a:rPr lang="en-US" sz="2000" dirty="0" err="1"/>
+              <a:t>tgt</a:t>
+            </a:r>
+            <a:endParaRPr lang="en-US" sz="2000" dirty="0"/>
+          </a:p>
+          <a:p>
+            <a:pPr>
+              <a:spcBef>
+                <a:spcPts val="0"/>
+              </a:spcBef>
+            </a:pPr>
+            <a:r>
+              <a:rPr lang="en-US" sz="2000" dirty="0"/>
+              <a:t>   // WHERE: 0 &lt;= lo &lt;= hi &lt;= </a:t>
+            </a:r>
+            <a:r>
+              <a:rPr lang="en-US" sz="2000" dirty="0" err="1"/>
+              <a:t>A.length</a:t>
+            </a:r>
+            <a:endParaRPr lang="en-US" sz="2000" dirty="0"/>
+          </a:p>
+          <a:p>
+            <a:pPr>
+              <a:spcBef>
+                <a:spcPts val="0"/>
+              </a:spcBef>
+            </a:pPr>
+            <a:r>
+              <a:rPr lang="en-US" sz="2000" dirty="0"/>
+              <a:t>   // AND   (</a:t>
+            </a:r>
+            <a:r>
+              <a:rPr lang="en-US" sz="2000" dirty="0" err="1"/>
+              <a:t>forall</a:t>
+            </a:r>
+            <a:r>
+              <a:rPr lang="en-US" sz="2000" dirty="0"/>
+              <a:t> j)(0  &lt;= j &lt; </a:t>
+            </a:r>
+            <a:r>
+              <a:rPr lang="en-US" sz="2000" dirty="0">
+                <a:solidFill>
+                  <a:schemeClr val="accent3"/>
+                </a:solidFill>
+              </a:rPr>
+              <a:t>lo</a:t>
+            </a:r>
+            <a:r>
+              <a:rPr lang="en-US" sz="2000" dirty="0"/>
+              <a:t> ==&gt; A[j] &lt; </a:t>
+            </a:r>
+            <a:r>
+              <a:rPr lang="en-US" sz="2000" dirty="0" err="1"/>
+              <a:t>tgt</a:t>
+            </a:r>
+            <a:r>
+              <a:rPr lang="en-US" sz="2000" dirty="0"/>
+              <a:t>)</a:t>
+            </a:r>
+          </a:p>
+          <a:p>
+            <a:pPr>
+              <a:spcBef>
+                <a:spcPts val="0"/>
+              </a:spcBef>
+            </a:pPr>
+            <a:r>
+              <a:rPr lang="en-US" sz="2000" dirty="0"/>
+              <a:t>   // AND   (</a:t>
+            </a:r>
+            <a:r>
+              <a:rPr lang="en-US" sz="2000" dirty="0" err="1"/>
+              <a:t>forall</a:t>
+            </a:r>
+            <a:r>
+              <a:rPr lang="en-US" sz="2000" dirty="0"/>
+              <a:t> j)(</a:t>
+            </a:r>
+            <a:r>
+              <a:rPr lang="en-US" sz="2000" dirty="0">
+                <a:solidFill>
+                  <a:schemeClr val="accent3"/>
+                </a:solidFill>
+              </a:rPr>
+              <a:t>hi</a:t>
+            </a:r>
+            <a:r>
+              <a:rPr lang="en-US" sz="2000" dirty="0"/>
+              <a:t> &lt;= j &lt; </a:t>
+            </a:r>
+            <a:r>
+              <a:rPr lang="en-US" sz="2000" dirty="0" err="1"/>
+              <a:t>A.length</a:t>
+            </a:r>
+            <a:r>
+              <a:rPr lang="en-US" sz="2000" dirty="0"/>
+              <a:t> ==&gt; A[j] &gt; </a:t>
+            </a:r>
+            <a:r>
+              <a:rPr lang="en-US" sz="2000" dirty="0" err="1"/>
+              <a:t>tgt</a:t>
+            </a:r>
+            <a:r>
+              <a:rPr lang="en-US" sz="2000" dirty="0"/>
+              <a:t>)</a:t>
+            </a:r>
+          </a:p>
+          <a:p>
+            <a:pPr>
+              <a:spcBef>
+                <a:spcPts val="0"/>
+              </a:spcBef>
+            </a:pPr>
+            <a:r>
+              <a:rPr lang="en-US" sz="2000" dirty="0"/>
+              <a:t>        </a:t>
+            </a:r>
+          </a:p>
+          <a:p>
+            <a:pPr>
+              <a:spcBef>
+                <a:spcPts val="0"/>
+              </a:spcBef>
+            </a:pPr>
+            <a:r>
+              <a:rPr lang="en-US" sz="2000" dirty="0"/>
+              <a:t>   // RETURNS: a number k such that </a:t>
+            </a:r>
+            <a:r>
+              <a:rPr lang="en-US" sz="2000" dirty="0">
+                <a:solidFill>
+                  <a:schemeClr val="accent3"/>
+                </a:solidFill>
+              </a:rPr>
+              <a:t>lo</a:t>
+            </a:r>
+            <a:r>
+              <a:rPr lang="en-US" sz="2000" dirty="0"/>
+              <a:t> &lt;= k &lt; </a:t>
+            </a:r>
+            <a:r>
+              <a:rPr lang="en-US" sz="2000" dirty="0">
+                <a:solidFill>
+                  <a:schemeClr val="accent3"/>
+                </a:solidFill>
+              </a:rPr>
+              <a:t>hi</a:t>
+            </a:r>
+            <a:r>
+              <a:rPr lang="en-US" sz="2000" dirty="0"/>
+              <a:t> and f(k)</a:t>
+            </a:r>
+          </a:p>
+          <a:p>
+            <a:pPr>
+              <a:spcBef>
+                <a:spcPts val="0"/>
+              </a:spcBef>
+            </a:pPr>
+            <a:r>
+              <a:rPr lang="en-US" sz="2000" dirty="0"/>
+              <a:t>   // = </a:t>
+            </a:r>
+            <a:r>
+              <a:rPr lang="en-US" sz="2000" dirty="0" err="1"/>
+              <a:t>tgt</a:t>
+            </a:r>
+            <a:r>
+              <a:rPr lang="en-US" sz="2000" dirty="0"/>
+              <a:t> if there is such a k, otherwise -1.</a:t>
+            </a:r>
+          </a:p>
+          <a:p>
+            <a:pPr>
+              <a:spcBef>
+                <a:spcPts val="0"/>
+              </a:spcBef>
+            </a:pPr>
+            <a:endParaRPr lang="en-US" sz="2000" dirty="0"/>
+          </a:p>
+          <a:p>
+            <a:pPr>
+              <a:spcBef>
+                <a:spcPts val="0"/>
+              </a:spcBef>
+            </a:pPr>
+            <a:r>
+              <a:rPr lang="en-US" sz="2000" dirty="0"/>
+              <a:t>   return </a:t>
+            </a:r>
+            <a:r>
+              <a:rPr lang="en-US" sz="2000" dirty="0" err="1"/>
+              <a:t>recursive_loop</a:t>
+            </a:r>
+            <a:r>
+              <a:rPr lang="en-US" sz="2000" dirty="0"/>
+              <a:t> (0, </a:t>
+            </a:r>
+            <a:r>
+              <a:rPr lang="en-US" sz="2000" dirty="0" err="1"/>
+              <a:t>A.length</a:t>
+            </a:r>
+            <a:r>
+              <a:rPr lang="en-US" sz="2000" dirty="0"/>
+              <a:t>, A, </a:t>
+            </a:r>
+            <a:r>
+              <a:rPr lang="en-US" sz="2000" dirty="0" err="1"/>
+              <a:t>tgt</a:t>
+            </a:r>
+            <a:r>
+              <a:rPr lang="en-US" sz="2000" dirty="0"/>
+              <a:t>);</a:t>
+            </a:r>
+          </a:p>
+          <a:p>
+            <a:pPr>
+              <a:spcBef>
+                <a:spcPts val="0"/>
+              </a:spcBef>
+            </a:pPr>
+            <a:r>
+              <a:rPr lang="en-US" sz="2000" dirty="0"/>
+              <a:t>}</a:t>
+            </a:r>
+          </a:p>
+        </p:txBody>
+      </p:sp>
+      <p:sp>
+        <p:nvSpPr>
+          <p:cNvPr id="4" name="Slide Number Placeholder 3"/>
+          <p:cNvSpPr>
+            <a:spLocks noGrp="1"/>
+          </p:cNvSpPr>
+          <p:nvPr>
+            <p:ph type="sldNum" sz="quarter" idx="12"/>
+          </p:nvPr>
+        </p:nvSpPr>
+        <p:spPr/>
+        <p:txBody>
+          <a:bodyPr/>
+          <a:lstStyle/>
+          <a:p>
+            <a:fld id="{9F4492BD-6A9C-48FC-AC76-0B4FE11194A1}" type="slidenum">
+              <a:rPr lang="en-US" smtClean="0"/>
+              <a:pPr/>
+              <a:t>13</a:t>
+            </a:fld>
+            <a:endParaRPr lang="en-US"/>
+          </a:p>
+        </p:txBody>
+      </p:sp>
+    </p:spTree>
+    <p:extLst>
+      <p:ext uri="{BB962C8B-B14F-4D97-AF65-F5344CB8AC3E}">
+        <p14:creationId xmlns:p14="http://schemas.microsoft.com/office/powerpoint/2010/main" val="766434309"/>
       </p:ext>
     </p:extLst>
   </p:cSld>
@@ -6468,371 +6931,26 @@
           <a:p>
             <a:r>
               <a:rPr lang="en-US" dirty="0"/>
-              <a:t>Now we can write the main method</a:t>
-            </a:r>
-          </a:p>
-        </p:txBody>
-      </p:sp>
-      <p:sp>
-        <p:nvSpPr>
-          <p:cNvPr id="3" name="Content Placeholder 2"/>
-          <p:cNvSpPr>
-            <a:spLocks noGrp="1"/>
-          </p:cNvSpPr>
-          <p:nvPr>
-            <p:ph idx="1"/>
-          </p:nvPr>
-        </p:nvSpPr>
-        <p:spPr/>
-        <p:txBody>
-          <a:bodyPr>
-            <a:noAutofit/>
-          </a:bodyPr>
-          <a:lstStyle/>
-          <a:p>
-            <a:pPr>
-              <a:spcBef>
-                <a:spcPts val="0"/>
-              </a:spcBef>
-            </a:pPr>
-            <a:r>
-              <a:rPr lang="en-US" sz="2000" dirty="0"/>
-              <a:t>static </a:t>
-            </a:r>
-            <a:r>
-              <a:rPr lang="en-US" sz="2000" dirty="0" err="1"/>
-              <a:t>int</a:t>
-            </a:r>
-            <a:r>
-              <a:rPr lang="en-US" sz="2000" dirty="0"/>
+              <a:t>The invariant when </a:t>
+            </a:r>
+            <a:r>
+              <a:rPr lang="en-US" b="1" dirty="0" err="1"/>
+              <a:t>recursive_loop</a:t>
+            </a:r>
+            <a:r>
+              <a:rPr lang="en-US" b="1" dirty="0"/>
               <a:t> </a:t>
             </a:r>
             <a:r>
-              <a:rPr lang="en-US" sz="2000" dirty="0" err="1"/>
-              <a:t>binsearch_recursive</a:t>
-            </a:r>
-            <a:r>
-              <a:rPr lang="en-US" sz="2000" dirty="0"/>
-              <a:t> (</a:t>
-            </a:r>
-            <a:r>
-              <a:rPr lang="en-US" sz="2000" dirty="0" err="1"/>
-              <a:t>int</a:t>
-            </a:r>
-            <a:r>
-              <a:rPr lang="en-US" sz="2000" dirty="0"/>
-              <a:t>[]A, </a:t>
-            </a:r>
-            <a:r>
-              <a:rPr lang="en-US" sz="2000" dirty="0" err="1"/>
-              <a:t>int</a:t>
-            </a:r>
-            <a:r>
-              <a:rPr lang="en-US" sz="2000" dirty="0"/>
-              <a:t> </a:t>
-            </a:r>
-            <a:r>
-              <a:rPr lang="en-US" sz="2000" dirty="0" err="1"/>
-              <a:t>tgt</a:t>
-            </a:r>
-            <a:r>
-              <a:rPr lang="en-US" sz="2000" dirty="0"/>
-              <a:t>) {</a:t>
-            </a:r>
-          </a:p>
-          <a:p>
-            <a:pPr>
-              <a:spcBef>
-                <a:spcPts val="0"/>
-              </a:spcBef>
-            </a:pPr>
-            <a:endParaRPr lang="en-US" sz="2000" dirty="0"/>
-          </a:p>
-          <a:p>
-            <a:pPr>
-              <a:spcBef>
-                <a:spcPts val="0"/>
-              </a:spcBef>
-            </a:pPr>
-            <a:r>
-              <a:rPr lang="en-US" sz="2000" dirty="0"/>
-              <a:t>   // GIVEN: two integers </a:t>
-            </a:r>
-            <a:r>
-              <a:rPr lang="en-US" sz="2000" dirty="0">
-                <a:solidFill>
-                  <a:schemeClr val="accent3"/>
-                </a:solidFill>
-              </a:rPr>
-              <a:t>lo</a:t>
-            </a:r>
-            <a:r>
-              <a:rPr lang="en-US" sz="2000" dirty="0"/>
-              <a:t> and </a:t>
-            </a:r>
-            <a:r>
-              <a:rPr lang="en-US" sz="2000" dirty="0">
-                <a:solidFill>
-                  <a:schemeClr val="accent3"/>
-                </a:solidFill>
-              </a:rPr>
-              <a:t>hi</a:t>
-            </a:r>
-            <a:r>
-              <a:rPr lang="en-US" sz="2000" dirty="0"/>
-              <a:t>, a non-decreasing</a:t>
-            </a:r>
-          </a:p>
-          <a:p>
-            <a:pPr>
-              <a:spcBef>
-                <a:spcPts val="0"/>
-              </a:spcBef>
-            </a:pPr>
-            <a:r>
-              <a:rPr lang="en-US" sz="2000" dirty="0"/>
-              <a:t>   // array of </a:t>
-            </a:r>
-            <a:r>
-              <a:rPr lang="en-US" sz="2000" dirty="0" err="1"/>
-              <a:t>ints</a:t>
-            </a:r>
-            <a:r>
-              <a:rPr lang="en-US" sz="2000" dirty="0"/>
-              <a:t> A, and a target </a:t>
-            </a:r>
-            <a:r>
-              <a:rPr lang="en-US" sz="2000" dirty="0" err="1"/>
-              <a:t>tgt</a:t>
-            </a:r>
-            <a:endParaRPr lang="en-US" sz="2000" dirty="0"/>
-          </a:p>
-          <a:p>
-            <a:pPr>
-              <a:spcBef>
-                <a:spcPts val="0"/>
-              </a:spcBef>
-            </a:pPr>
-            <a:r>
-              <a:rPr lang="en-US" sz="2000" dirty="0"/>
-              <a:t>   // WHERE: 0 &lt;= lo &lt;= hi &lt;= </a:t>
-            </a:r>
-            <a:r>
-              <a:rPr lang="en-US" sz="2000" dirty="0" err="1"/>
-              <a:t>A.length</a:t>
-            </a:r>
-            <a:endParaRPr lang="en-US" sz="2000" dirty="0"/>
-          </a:p>
-          <a:p>
-            <a:pPr>
-              <a:spcBef>
-                <a:spcPts val="0"/>
-              </a:spcBef>
-            </a:pPr>
-            <a:r>
-              <a:rPr lang="en-US" sz="2000" dirty="0"/>
-              <a:t>   // AND   (</a:t>
-            </a:r>
-            <a:r>
-              <a:rPr lang="en-US" sz="2000" dirty="0" err="1"/>
-              <a:t>forall</a:t>
-            </a:r>
-            <a:r>
-              <a:rPr lang="en-US" sz="2000" dirty="0"/>
-              <a:t> j)(0  &lt;= j &lt; </a:t>
-            </a:r>
-            <a:r>
-              <a:rPr lang="en-US" sz="2000" dirty="0">
-                <a:solidFill>
-                  <a:schemeClr val="accent3"/>
-                </a:solidFill>
-              </a:rPr>
-              <a:t>lo</a:t>
-            </a:r>
-            <a:r>
-              <a:rPr lang="en-US" sz="2000" dirty="0"/>
-              <a:t> ==&gt; A[j] &lt; </a:t>
-            </a:r>
-            <a:r>
-              <a:rPr lang="en-US" sz="2000" dirty="0" err="1"/>
-              <a:t>tgt</a:t>
-            </a:r>
-            <a:r>
-              <a:rPr lang="en-US" sz="2000" dirty="0"/>
-              <a:t>)</a:t>
-            </a:r>
-          </a:p>
-          <a:p>
-            <a:pPr>
-              <a:spcBef>
-                <a:spcPts val="0"/>
-              </a:spcBef>
-            </a:pPr>
-            <a:r>
-              <a:rPr lang="en-US" sz="2000" dirty="0"/>
-              <a:t>   // AND   (</a:t>
-            </a:r>
-            <a:r>
-              <a:rPr lang="en-US" sz="2000" dirty="0" err="1"/>
-              <a:t>forall</a:t>
-            </a:r>
-            <a:r>
-              <a:rPr lang="en-US" sz="2000" dirty="0"/>
-              <a:t> j)(</a:t>
-            </a:r>
-            <a:r>
-              <a:rPr lang="en-US" sz="2000" dirty="0">
-                <a:solidFill>
-                  <a:schemeClr val="accent3"/>
-                </a:solidFill>
-              </a:rPr>
-              <a:t>hi</a:t>
-            </a:r>
-            <a:r>
-              <a:rPr lang="en-US" sz="2000" dirty="0"/>
-              <a:t> &lt;= j &lt; </a:t>
-            </a:r>
-            <a:r>
-              <a:rPr lang="en-US" sz="2000" dirty="0" err="1"/>
-              <a:t>A.length</a:t>
-            </a:r>
-            <a:r>
-              <a:rPr lang="en-US" sz="2000" dirty="0"/>
-              <a:t> ==&gt; A[j] &gt; </a:t>
-            </a:r>
-            <a:r>
-              <a:rPr lang="en-US" sz="2000" dirty="0" err="1"/>
-              <a:t>tgt</a:t>
-            </a:r>
-            <a:r>
-              <a:rPr lang="en-US" sz="2000" dirty="0"/>
-              <a:t>)</a:t>
-            </a:r>
-          </a:p>
-          <a:p>
-            <a:pPr>
-              <a:spcBef>
-                <a:spcPts val="0"/>
-              </a:spcBef>
-            </a:pPr>
-            <a:r>
-              <a:rPr lang="en-US" sz="2000" dirty="0"/>
-              <a:t>        </a:t>
-            </a:r>
-          </a:p>
-          <a:p>
-            <a:pPr>
-              <a:spcBef>
-                <a:spcPts val="0"/>
-              </a:spcBef>
-            </a:pPr>
-            <a:r>
-              <a:rPr lang="en-US" sz="2000" dirty="0"/>
-              <a:t>   // RETURNS: a number k such that </a:t>
-            </a:r>
-            <a:r>
-              <a:rPr lang="en-US" sz="2000" dirty="0">
-                <a:solidFill>
-                  <a:schemeClr val="accent3"/>
-                </a:solidFill>
-              </a:rPr>
-              <a:t>lo</a:t>
-            </a:r>
-            <a:r>
-              <a:rPr lang="en-US" sz="2000" dirty="0"/>
-              <a:t> &lt;= k &lt; </a:t>
-            </a:r>
-            <a:r>
-              <a:rPr lang="en-US" sz="2000" dirty="0">
-                <a:solidFill>
-                  <a:schemeClr val="accent3"/>
-                </a:solidFill>
-              </a:rPr>
-              <a:t>hi</a:t>
-            </a:r>
-            <a:r>
-              <a:rPr lang="en-US" sz="2000" dirty="0"/>
-              <a:t> and f(k)</a:t>
-            </a:r>
-          </a:p>
-          <a:p>
-            <a:pPr>
-              <a:spcBef>
-                <a:spcPts val="0"/>
-              </a:spcBef>
-            </a:pPr>
-            <a:r>
-              <a:rPr lang="en-US" sz="2000" dirty="0"/>
-              <a:t>   // = </a:t>
-            </a:r>
-            <a:r>
-              <a:rPr lang="en-US" sz="2000" dirty="0" err="1"/>
-              <a:t>tgt</a:t>
-            </a:r>
-            <a:r>
-              <a:rPr lang="en-US" sz="2000" dirty="0"/>
-              <a:t> if there is such a k, otherwise -1.</a:t>
-            </a:r>
-          </a:p>
-          <a:p>
-            <a:pPr>
-              <a:spcBef>
-                <a:spcPts val="0"/>
-              </a:spcBef>
-            </a:pPr>
-            <a:endParaRPr lang="en-US" sz="2000" dirty="0"/>
-          </a:p>
-          <a:p>
-            <a:pPr>
-              <a:spcBef>
-                <a:spcPts val="0"/>
-              </a:spcBef>
-            </a:pPr>
-            <a:r>
-              <a:rPr lang="en-US" sz="2000" dirty="0"/>
-              <a:t>   return </a:t>
-            </a:r>
-            <a:r>
-              <a:rPr lang="en-US" sz="2000" dirty="0" err="1"/>
-              <a:t>recursive_loop</a:t>
-            </a:r>
-            <a:r>
-              <a:rPr lang="en-US" sz="2000" dirty="0"/>
-              <a:t> (0, </a:t>
-            </a:r>
-            <a:r>
-              <a:rPr lang="en-US" sz="2000" dirty="0" err="1"/>
-              <a:t>A.length</a:t>
-            </a:r>
-            <a:r>
-              <a:rPr lang="en-US" sz="2000" dirty="0"/>
-              <a:t>, A, </a:t>
-            </a:r>
-            <a:r>
-              <a:rPr lang="en-US" sz="2000" dirty="0" err="1"/>
-              <a:t>tgt</a:t>
-            </a:r>
-            <a:r>
-              <a:rPr lang="en-US" sz="2000" dirty="0"/>
-              <a:t>);</a:t>
-            </a:r>
-          </a:p>
-          <a:p>
-            <a:pPr>
-              <a:spcBef>
-                <a:spcPts val="0"/>
-              </a:spcBef>
-            </a:pPr>
-            <a:r>
-              <a:rPr lang="en-US" sz="2000" dirty="0"/>
-              <a:t>}</a:t>
-            </a:r>
-          </a:p>
-        </p:txBody>
-      </p:sp>
-      <p:sp>
-        <p:nvSpPr>
-          <p:cNvPr id="4" name="Slide Number Placeholder 3"/>
+              <a:rPr lang="en-US" dirty="0"/>
+              <a:t>is called</a:t>
+            </a:r>
+          </a:p>
+        </p:txBody>
+      </p:sp>
+      <p:sp>
+        <p:nvSpPr>
+          <p:cNvPr id="3" name="Slide Number Placeholder 2"/>
           <p:cNvSpPr>
             <a:spLocks noGrp="1"/>
           </p:cNvSpPr>
@@ -6849,96 +6967,6 @@
               <a:rPr lang="en-US" smtClean="0"/>
               <a:pPr/>
               <a:t>14</a:t>
-            </a:fld>
-            <a:endParaRPr lang="en-US"/>
-          </a:p>
-        </p:txBody>
-      </p:sp>
-    </p:spTree>
-    <p:extLst>
-      <p:ext uri="{BB962C8B-B14F-4D97-AF65-F5344CB8AC3E}">
-        <p14:creationId xmlns:p14="http://schemas.microsoft.com/office/powerpoint/2010/main" val="766434309"/>
-      </p:ext>
-    </p:extLst>
-  </p:cSld>
-  <p:clrMapOvr>
-    <a:masterClrMapping/>
-  </p:clrMapOvr>
-</p:sld>
-</file>
-
-<file path=ppt/slides/slide15.xml><?xml version="1.0" encoding="utf-8"?>
-<p:sld xmlns:a="http://schemas.openxmlformats.org/drawingml/2006/main" xmlns:r="http://schemas.openxmlformats.org/officeDocument/2006/relationships" xmlns:p="http://schemas.openxmlformats.org/presentationml/2006/main">
-  <p:cSld>
-    <p:spTree>
-      <p:nvGrpSpPr>
-        <p:cNvPr id="1" name=""/>
-        <p:cNvGrpSpPr/>
-        <p:nvPr/>
-      </p:nvGrpSpPr>
-      <p:grpSpPr>
-        <a:xfrm>
-          <a:off x="0" y="0"/>
-          <a:ext cx="0" cy="0"/>
-          <a:chOff x="0" y="0"/>
-          <a:chExt cx="0" cy="0"/>
-        </a:xfrm>
-      </p:grpSpPr>
-      <p:sp>
-        <p:nvSpPr>
-          <p:cNvPr id="2" name="Title 1"/>
-          <p:cNvSpPr>
-            <a:spLocks noGrp="1"/>
-          </p:cNvSpPr>
-          <p:nvPr>
-            <p:ph type="title"/>
-          </p:nvPr>
-        </p:nvSpPr>
-        <p:spPr/>
-        <p:txBody>
-          <a:bodyPr>
-            <a:normAutofit fontScale="90000"/>
-          </a:bodyPr>
-          <a:lstStyle/>
-          <a:p>
-            <a:r>
-              <a:rPr lang="en-US" dirty="0"/>
-              <a:t>The invariant when </a:t>
-            </a:r>
-            <a:r>
-              <a:rPr lang="en-US" b="1" dirty="0" err="1"/>
-              <a:t>recursive_loop</a:t>
-            </a:r>
-            <a:r>
-              <a:rPr lang="en-US" b="1" dirty="0"/>
-              <a:t> </a:t>
-            </a:r>
-            <a:r>
-              <a:rPr lang="en-US" dirty="0"/>
-              <a:t>is called</a:t>
-            </a:r>
-          </a:p>
-        </p:txBody>
-      </p:sp>
-      <p:sp>
-        <p:nvSpPr>
-          <p:cNvPr id="3" name="Slide Number Placeholder 2"/>
-          <p:cNvSpPr>
-            <a:spLocks noGrp="1"/>
-          </p:cNvSpPr>
-          <p:nvPr>
-            <p:ph type="sldNum" sz="quarter" idx="12"/>
-          </p:nvPr>
-        </p:nvSpPr>
-        <p:spPr/>
-        <p:txBody>
-          <a:bodyPr/>
-          <a:lstStyle/>
-          <a:p>
-            <a:fld id="{9F4492BD-6A9C-48FC-AC76-0B4FE11194A1}" type="slidenum">
-              <a:rPr lang="en-US" smtClean="0"/>
-              <a:pPr/>
-              <a:t>15</a:t>
             </a:fld>
             <a:endParaRPr lang="en-US"/>
           </a:p>
@@ -6985,80 +7013,6 @@
           <a:p>
             <a:pPr algn="ctr"/>
             <a:endParaRPr lang="en-US"/>
-          </a:p>
-        </p:txBody>
-      </p:sp>
-      <p:sp>
-        <p:nvSpPr>
-          <p:cNvPr id="6" name="TextBox 5"/>
-          <p:cNvSpPr txBox="1"/>
-          <p:nvPr/>
-        </p:nvSpPr>
-        <p:spPr>
-          <a:xfrm>
-            <a:off x="914400" y="2590800"/>
-            <a:ext cx="354584" cy="461665"/>
-          </a:xfrm>
-          <a:prstGeom prst="rect">
-            <a:avLst/>
-          </a:prstGeom>
-          <a:noFill/>
-        </p:spPr>
-        <p:txBody>
-          <a:bodyPr wrap="none" rtlCol="0">
-            <a:spAutoFit/>
-          </a:bodyPr>
-          <a:lstStyle/>
-          <a:p>
-            <a:r>
-              <a:rPr lang="en-US" sz="2400" b="1" dirty="0">
-                <a:latin typeface="Consolas" pitchFamily="49" charset="0"/>
-                <a:cs typeface="Consolas" pitchFamily="49" charset="0"/>
-              </a:rPr>
-              <a:t>0</a:t>
-            </a:r>
-          </a:p>
-        </p:txBody>
-      </p:sp>
-      <p:sp>
-        <p:nvSpPr>
-          <p:cNvPr id="16" name="TextBox 15">
-            <a:extLst>
-              <a:ext uri="{FF2B5EF4-FFF2-40B4-BE49-F238E27FC236}">
-                <a16:creationId xmlns:a16="http://schemas.microsoft.com/office/drawing/2014/main" id="{8C3DF9E2-BD31-49D0-8523-649DBF1945D8}"/>
-              </a:ext>
-            </a:extLst>
-          </p:cNvPr>
-          <p:cNvSpPr txBox="1"/>
-          <p:nvPr/>
-        </p:nvSpPr>
-        <p:spPr>
-          <a:xfrm>
-            <a:off x="7429499" y="2588567"/>
-            <a:ext cx="1600200" cy="461665"/>
-          </a:xfrm>
-          <a:prstGeom prst="rect">
-            <a:avLst/>
-          </a:prstGeom>
-          <a:noFill/>
-        </p:spPr>
-        <p:txBody>
-          <a:bodyPr wrap="square" rtlCol="0">
-            <a:spAutoFit/>
-          </a:bodyPr>
-          <a:lstStyle/>
-          <a:p>
-            <a:r>
-              <a:rPr lang="en-US" sz="2400" b="1" dirty="0" err="1">
-                <a:latin typeface="Consolas" pitchFamily="49" charset="0"/>
-                <a:cs typeface="Consolas" pitchFamily="49" charset="0"/>
-              </a:rPr>
-              <a:t>A.length</a:t>
-            </a:r>
-            <a:endParaRPr lang="en-US" sz="2400" b="1" dirty="0">
-              <a:latin typeface="Consolas" pitchFamily="49" charset="0"/>
-              <a:cs typeface="Consolas" pitchFamily="49" charset="0"/>
-            </a:endParaRPr>
           </a:p>
         </p:txBody>
       </p:sp>
@@ -7392,7 +7346,7 @@
 </p:sld>
 </file>
 
-<file path=ppt/slides/slide16.xml><?xml version="1.0" encoding="utf-8"?>
+<file path=ppt/slides/slide15.xml><?xml version="1.0" encoding="utf-8"?>
 <p:sld xmlns:a="http://schemas.openxmlformats.org/drawingml/2006/main" xmlns:r="http://schemas.openxmlformats.org/officeDocument/2006/relationships" xmlns:p="http://schemas.openxmlformats.org/presentationml/2006/main">
   <p:cSld>
     <p:spTree>
@@ -7514,7 +7468,7 @@
             <a:fld id="{9F4492BD-6A9C-48FC-AC76-0B4FE11194A1}" type="slidenum">
               <a:rPr lang="en-US" smtClean="0"/>
               <a:pPr/>
-              <a:t>16</a:t>
+              <a:t>15</a:t>
             </a:fld>
             <a:endParaRPr lang="en-US"/>
           </a:p>
@@ -7587,44 +7541,6 @@
             <a:p>
               <a:pPr algn="ctr"/>
               <a:endParaRPr lang="en-US"/>
-            </a:p>
-          </p:txBody>
-        </p:sp>
-        <p:sp>
-          <p:nvSpPr>
-            <p:cNvPr id="6" name="TextBox 5">
-              <a:extLst>
-                <a:ext uri="{FF2B5EF4-FFF2-40B4-BE49-F238E27FC236}">
-                  <a16:creationId xmlns:a16="http://schemas.microsoft.com/office/drawing/2014/main" id="{348C2A60-EC91-43D5-85D6-9934E0F6BA70}"/>
-                </a:ext>
-              </a:extLst>
-            </p:cNvPr>
-            <p:cNvSpPr txBox="1"/>
-            <p:nvPr/>
-          </p:nvSpPr>
-          <p:spPr>
-            <a:xfrm>
-              <a:off x="914400" y="2590800"/>
-              <a:ext cx="354584" cy="461665"/>
-            </a:xfrm>
-            <a:prstGeom prst="rect">
-              <a:avLst/>
-            </a:prstGeom>
-            <a:noFill/>
-          </p:spPr>
-          <p:txBody>
-            <a:bodyPr wrap="none" rtlCol="0">
-              <a:spAutoFit/>
-            </a:bodyPr>
-            <a:lstStyle/>
-            <a:p>
-              <a:r>
-                <a:rPr lang="en-US" sz="2400" b="1" dirty="0">
-                  <a:latin typeface="Consolas" pitchFamily="49" charset="0"/>
-                  <a:cs typeface="Consolas" pitchFamily="49" charset="0"/>
-                </a:rPr>
-                <a:t>0</a:t>
-              </a:r>
             </a:p>
           </p:txBody>
         </p:sp>
@@ -7898,8 +7814,8 @@
         </p:nvSpPr>
         <p:spPr>
           <a:xfrm>
-            <a:off x="4267200" y="4858044"/>
-            <a:ext cx="3311818" cy="1101604"/>
+            <a:off x="4375935" y="4640272"/>
+            <a:ext cx="2241920" cy="1101604"/>
           </a:xfrm>
           <a:prstGeom prst="rect">
             <a:avLst/>
@@ -7944,52 +7860,418 @@
           </a:p>
         </p:txBody>
       </p:sp>
-      <p:sp>
-        <p:nvSpPr>
-          <p:cNvPr id="20" name="TextBox 19">
+      <p:grpSp>
+        <p:nvGrpSpPr>
+          <p:cNvPr id="21" name="Group 20">
             <a:extLst>
               <a:ext uri="{FF2B5EF4-FFF2-40B4-BE49-F238E27FC236}">
-                <a16:creationId xmlns:a16="http://schemas.microsoft.com/office/drawing/2014/main" id="{D3051B06-63D7-4E09-AFF1-076F59700C59}"/>
+                <a16:creationId xmlns:a16="http://schemas.microsoft.com/office/drawing/2014/main" id="{F17BA50D-5289-4523-8BB5-10D0D30DA7D5}"/>
               </a:ext>
             </a:extLst>
           </p:cNvPr>
-          <p:cNvSpPr txBox="1"/>
+          <p:cNvGrpSpPr/>
           <p:nvPr/>
-        </p:nvSpPr>
-        <p:spPr>
+        </p:nvGrpSpPr>
+        <p:grpSpPr>
           <a:xfrm>
-            <a:off x="7619999" y="3719236"/>
-            <a:ext cx="1600200" cy="461665"/>
+            <a:off x="1009651" y="4283732"/>
+            <a:ext cx="354584" cy="1220563"/>
+            <a:chOff x="3048000" y="3660702"/>
+            <a:chExt cx="354584" cy="1220563"/>
           </a:xfrm>
-          <a:prstGeom prst="rect">
-            <a:avLst/>
-          </a:prstGeom>
-          <a:noFill/>
-        </p:spPr>
-        <p:txBody>
-          <a:bodyPr wrap="square" rtlCol="0">
-            <a:spAutoFit/>
-          </a:bodyPr>
-          <a:lstStyle/>
-          <a:p>
-            <a:r>
-              <a:rPr lang="en-US" sz="2400" b="1" dirty="0" err="1">
+        </p:grpSpPr>
+        <p:sp>
+          <p:nvSpPr>
+            <p:cNvPr id="22" name="TextBox 21">
+              <a:extLst>
+                <a:ext uri="{FF2B5EF4-FFF2-40B4-BE49-F238E27FC236}">
+                  <a16:creationId xmlns:a16="http://schemas.microsoft.com/office/drawing/2014/main" id="{9DC56167-3B34-4D4B-806B-0F2DF1EC452E}"/>
+                </a:ext>
+              </a:extLst>
+            </p:cNvPr>
+            <p:cNvSpPr txBox="1"/>
+            <p:nvPr/>
+          </p:nvSpPr>
+          <p:spPr>
+            <a:xfrm>
+              <a:off x="3048000" y="4419600"/>
+              <a:ext cx="354584" cy="461665"/>
+            </a:xfrm>
+            <a:prstGeom prst="rect">
+              <a:avLst/>
+            </a:prstGeom>
+            <a:noFill/>
+          </p:spPr>
+          <p:txBody>
+            <a:bodyPr wrap="none" rtlCol="0">
+              <a:spAutoFit/>
+            </a:bodyPr>
+            <a:lstStyle/>
+            <a:p>
+              <a:r>
+                <a:rPr lang="en-US" sz="2400" b="1" dirty="0">
+                  <a:latin typeface="Consolas" pitchFamily="49" charset="0"/>
+                  <a:cs typeface="Consolas" pitchFamily="49" charset="0"/>
+                </a:rPr>
+                <a:t>0</a:t>
+              </a:r>
+            </a:p>
+          </p:txBody>
+        </p:sp>
+        <p:cxnSp>
+          <p:nvCxnSpPr>
+            <p:cNvPr id="23" name="Straight Arrow Connector 22">
+              <a:extLst>
+                <a:ext uri="{FF2B5EF4-FFF2-40B4-BE49-F238E27FC236}">
+                  <a16:creationId xmlns:a16="http://schemas.microsoft.com/office/drawing/2014/main" id="{C05C0FB3-4479-4856-AD4B-F3F4501CE00D}"/>
+                </a:ext>
+              </a:extLst>
+            </p:cNvPr>
+            <p:cNvCxnSpPr>
+              <a:cxnSpLocks/>
+              <a:stCxn id="22" idx="0"/>
+            </p:cNvCxnSpPr>
+            <p:nvPr/>
+          </p:nvCxnSpPr>
+          <p:spPr>
+            <a:xfrm flipH="1" flipV="1">
+              <a:off x="3220888" y="3660702"/>
+              <a:ext cx="4404" cy="758898"/>
+            </a:xfrm>
+            <a:prstGeom prst="straightConnector1">
+              <a:avLst/>
+            </a:prstGeom>
+            <a:ln w="15875">
+              <a:solidFill>
+                <a:schemeClr val="tx1"/>
+              </a:solidFill>
+              <a:tailEnd type="triangle"/>
+            </a:ln>
+          </p:spPr>
+          <p:style>
+            <a:lnRef idx="1">
+              <a:schemeClr val="accent1"/>
+            </a:lnRef>
+            <a:fillRef idx="0">
+              <a:schemeClr val="accent1"/>
+            </a:fillRef>
+            <a:effectRef idx="0">
+              <a:schemeClr val="accent1"/>
+            </a:effectRef>
+            <a:fontRef idx="minor">
+              <a:schemeClr val="tx1"/>
+            </a:fontRef>
+          </p:style>
+        </p:cxnSp>
+      </p:grpSp>
+      <p:grpSp>
+        <p:nvGrpSpPr>
+          <p:cNvPr id="24" name="Group 23">
+            <a:extLst>
+              <a:ext uri="{FF2B5EF4-FFF2-40B4-BE49-F238E27FC236}">
+                <a16:creationId xmlns:a16="http://schemas.microsoft.com/office/drawing/2014/main" id="{114B7E1A-166F-43C4-A30E-E9A17548A3E3}"/>
+              </a:ext>
+            </a:extLst>
+          </p:cNvPr>
+          <p:cNvGrpSpPr/>
+          <p:nvPr/>
+        </p:nvGrpSpPr>
+        <p:grpSpPr>
+          <a:xfrm>
+            <a:off x="6660985" y="4283732"/>
+            <a:ext cx="2090737" cy="1220563"/>
+            <a:chOff x="2188551" y="3660702"/>
+            <a:chExt cx="2090737" cy="1220563"/>
+          </a:xfrm>
+        </p:grpSpPr>
+        <p:sp>
+          <p:nvSpPr>
+            <p:cNvPr id="25" name="TextBox 24">
+              <a:extLst>
+                <a:ext uri="{FF2B5EF4-FFF2-40B4-BE49-F238E27FC236}">
+                  <a16:creationId xmlns:a16="http://schemas.microsoft.com/office/drawing/2014/main" id="{FA141B6A-2830-4B74-81D1-BD32005D63BC}"/>
+                </a:ext>
+              </a:extLst>
+            </p:cNvPr>
+            <p:cNvSpPr txBox="1"/>
+            <p:nvPr/>
+          </p:nvSpPr>
+          <p:spPr>
+            <a:xfrm>
+              <a:off x="2188551" y="4419600"/>
+              <a:ext cx="2090737" cy="461665"/>
+            </a:xfrm>
+            <a:prstGeom prst="rect">
+              <a:avLst/>
+            </a:prstGeom>
+            <a:noFill/>
+          </p:spPr>
+          <p:txBody>
+            <a:bodyPr wrap="square" rtlCol="0">
+              <a:spAutoFit/>
+            </a:bodyPr>
+            <a:lstStyle/>
+            <a:p>
+              <a:pPr algn="ctr"/>
+              <a:r>
+                <a:rPr lang="en-US" sz="2400" b="1" dirty="0" err="1">
+                  <a:latin typeface="Consolas" pitchFamily="49" charset="0"/>
+                  <a:cs typeface="Consolas" pitchFamily="49" charset="0"/>
+                </a:rPr>
+                <a:t>A.length</a:t>
+              </a:r>
+              <a:endParaRPr lang="en-US" sz="2400" b="1" dirty="0">
                 <a:latin typeface="Consolas" pitchFamily="49" charset="0"/>
                 <a:cs typeface="Consolas" pitchFamily="49" charset="0"/>
-              </a:rPr>
-              <a:t>A.length</a:t>
-            </a:r>
-            <a:endParaRPr lang="en-US" sz="2400" b="1" dirty="0">
-              <a:latin typeface="Consolas" pitchFamily="49" charset="0"/>
-              <a:cs typeface="Consolas" pitchFamily="49" charset="0"/>
-            </a:endParaRPr>
-          </a:p>
-        </p:txBody>
-      </p:sp>
+              </a:endParaRPr>
+            </a:p>
+          </p:txBody>
+        </p:sp>
+        <p:cxnSp>
+          <p:nvCxnSpPr>
+            <p:cNvPr id="26" name="Straight Arrow Connector 25">
+              <a:extLst>
+                <a:ext uri="{FF2B5EF4-FFF2-40B4-BE49-F238E27FC236}">
+                  <a16:creationId xmlns:a16="http://schemas.microsoft.com/office/drawing/2014/main" id="{7C0FAF37-8E17-4023-881F-138AC9F7B482}"/>
+                </a:ext>
+              </a:extLst>
+            </p:cNvPr>
+            <p:cNvCxnSpPr>
+              <a:cxnSpLocks/>
+              <a:stCxn id="25" idx="0"/>
+            </p:cNvCxnSpPr>
+            <p:nvPr/>
+          </p:nvCxnSpPr>
+          <p:spPr>
+            <a:xfrm flipH="1" flipV="1">
+              <a:off x="3220888" y="3660702"/>
+              <a:ext cx="13032" cy="758898"/>
+            </a:xfrm>
+            <a:prstGeom prst="straightConnector1">
+              <a:avLst/>
+            </a:prstGeom>
+            <a:ln w="15875">
+              <a:solidFill>
+                <a:schemeClr val="tx1"/>
+              </a:solidFill>
+              <a:tailEnd type="triangle"/>
+            </a:ln>
+          </p:spPr>
+          <p:style>
+            <a:lnRef idx="1">
+              <a:schemeClr val="accent1"/>
+            </a:lnRef>
+            <a:fillRef idx="0">
+              <a:schemeClr val="accent1"/>
+            </a:fillRef>
+            <a:effectRef idx="0">
+              <a:schemeClr val="accent1"/>
+            </a:effectRef>
+            <a:fontRef idx="minor">
+              <a:schemeClr val="tx1"/>
+            </a:fontRef>
+          </p:style>
+        </p:cxnSp>
+      </p:grpSp>
     </p:spTree>
     <p:extLst>
       <p:ext uri="{BB962C8B-B14F-4D97-AF65-F5344CB8AC3E}">
         <p14:creationId xmlns:p14="http://schemas.microsoft.com/office/powerpoint/2010/main" val="1954973266"/>
+      </p:ext>
+    </p:extLst>
+  </p:cSld>
+  <p:clrMapOvr>
+    <a:masterClrMapping/>
+  </p:clrMapOvr>
+</p:sld>
+</file>
+
+<file path=ppt/slides/slide16.xml><?xml version="1.0" encoding="utf-8"?>
+<p:sld xmlns:a="http://schemas.openxmlformats.org/drawingml/2006/main" xmlns:r="http://schemas.openxmlformats.org/officeDocument/2006/relationships" xmlns:p="http://schemas.openxmlformats.org/presentationml/2006/main">
+  <p:cSld>
+    <p:spTree>
+      <p:nvGrpSpPr>
+        <p:cNvPr id="1" name=""/>
+        <p:cNvGrpSpPr/>
+        <p:nvPr/>
+      </p:nvGrpSpPr>
+      <p:grpSpPr>
+        <a:xfrm>
+          <a:off x="0" y="0"/>
+          <a:ext cx="0" cy="0"/>
+          <a:chOff x="0" y="0"/>
+          <a:chExt cx="0" cy="0"/>
+        </a:xfrm>
+      </p:grpSpPr>
+      <p:sp>
+        <p:nvSpPr>
+          <p:cNvPr id="2" name="Title 1"/>
+          <p:cNvSpPr>
+            <a:spLocks noGrp="1"/>
+          </p:cNvSpPr>
+          <p:nvPr>
+            <p:ph type="title"/>
+          </p:nvPr>
+        </p:nvSpPr>
+        <p:spPr/>
+        <p:txBody>
+          <a:bodyPr/>
+          <a:lstStyle/>
+          <a:p>
+            <a:r>
+              <a:rPr lang="en-US" dirty="0"/>
+              <a:t>What if the search range is larger?</a:t>
+            </a:r>
+          </a:p>
+        </p:txBody>
+      </p:sp>
+      <p:sp>
+        <p:nvSpPr>
+          <p:cNvPr id="3" name="Content Placeholder 2"/>
+          <p:cNvSpPr>
+            <a:spLocks noGrp="1"/>
+          </p:cNvSpPr>
+          <p:nvPr>
+            <p:ph idx="1"/>
+          </p:nvPr>
+        </p:nvSpPr>
+        <p:spPr/>
+        <p:txBody>
+          <a:bodyPr>
+            <a:normAutofit lnSpcReduction="10000"/>
+          </a:bodyPr>
+          <a:lstStyle/>
+          <a:p>
+            <a:r>
+              <a:rPr lang="en-US" dirty="0"/>
+              <a:t>Insight of binary search: divide it in half.</a:t>
+            </a:r>
+          </a:p>
+          <a:p>
+            <a:r>
+              <a:rPr lang="en-US" dirty="0"/>
+              <a:t>At this point we know that lo &lt; hi.</a:t>
+            </a:r>
+          </a:p>
+          <a:p>
+            <a:r>
+              <a:rPr lang="en-US" dirty="0"/>
+              <a:t>Choose a midpoint </a:t>
+            </a:r>
+            <a:r>
+              <a:rPr lang="en-US" b="1" dirty="0"/>
+              <a:t>mid</a:t>
+            </a:r>
+            <a:r>
+              <a:rPr lang="en-US" dirty="0"/>
+              <a:t> in [</a:t>
+            </a:r>
+            <a:r>
+              <a:rPr lang="en-US" b="1" dirty="0"/>
+              <a:t>lo,hi-1</a:t>
+            </a:r>
+            <a:r>
+              <a:rPr lang="en-US" dirty="0"/>
+              <a:t>] and compare </a:t>
+            </a:r>
+            <a:r>
+              <a:rPr lang="en-US" b="1" dirty="0"/>
+              <a:t>A[mid] </a:t>
+            </a:r>
+            <a:r>
+              <a:rPr lang="en-US" dirty="0"/>
+              <a:t>to </a:t>
+            </a:r>
+            <a:r>
+              <a:rPr lang="en-US" b="1" dirty="0"/>
+              <a:t>tgt</a:t>
+            </a:r>
+            <a:r>
+              <a:rPr lang="en-US" dirty="0"/>
+              <a:t>.</a:t>
+            </a:r>
+            <a:endParaRPr lang="en-US" b="1" dirty="0"/>
+          </a:p>
+          <a:p>
+            <a:pPr lvl="1"/>
+            <a:r>
+              <a:rPr lang="en-US" b="1" dirty="0"/>
+              <a:t>mid</a:t>
+            </a:r>
+            <a:r>
+              <a:rPr lang="en-US" dirty="0"/>
+              <a:t> doesn't have to be close to the center– any value in [</a:t>
+            </a:r>
+            <a:r>
+              <a:rPr lang="en-US" b="1" dirty="0"/>
+              <a:t>lo,hi-1</a:t>
+            </a:r>
+            <a:r>
+              <a:rPr lang="en-US" dirty="0"/>
+              <a:t>] will lead to a correct program</a:t>
+            </a:r>
+          </a:p>
+          <a:p>
+            <a:pPr lvl="1"/>
+            <a:r>
+              <a:rPr lang="en-US" dirty="0"/>
+              <a:t>but choosing </a:t>
+            </a:r>
+            <a:r>
+              <a:rPr lang="en-US" b="1" dirty="0"/>
+              <a:t>mid</a:t>
+            </a:r>
+            <a:r>
+              <a:rPr lang="en-US" dirty="0"/>
+              <a:t> to be near the center means that the search space is divided in half every time, so you'll only need about log₂(</a:t>
+            </a:r>
+            <a:r>
+              <a:rPr lang="en-US" b="1" dirty="0"/>
+              <a:t>hi</a:t>
+            </a:r>
+            <a:r>
+              <a:rPr lang="en-US" dirty="0"/>
+              <a:t>-</a:t>
+            </a:r>
+            <a:r>
+              <a:rPr lang="en-US" b="1" dirty="0"/>
+              <a:t>lo</a:t>
+            </a:r>
+            <a:r>
+              <a:rPr lang="en-US" dirty="0"/>
+              <a:t>) steps.</a:t>
+            </a:r>
+          </a:p>
+        </p:txBody>
+      </p:sp>
+      <p:sp>
+        <p:nvSpPr>
+          <p:cNvPr id="4" name="Slide Number Placeholder 3"/>
+          <p:cNvSpPr>
+            <a:spLocks noGrp="1"/>
+          </p:cNvSpPr>
+          <p:nvPr>
+            <p:ph type="sldNum" sz="quarter" idx="12"/>
+          </p:nvPr>
+        </p:nvSpPr>
+        <p:spPr/>
+        <p:txBody>
+          <a:bodyPr/>
+          <a:lstStyle/>
+          <a:p>
+            <a:fld id="{9F4492BD-6A9C-48FC-AC76-0B4FE11194A1}" type="slidenum">
+              <a:rPr lang="en-US" smtClean="0"/>
+              <a:pPr/>
+              <a:t>16</a:t>
+            </a:fld>
+            <a:endParaRPr lang="en-US"/>
+          </a:p>
+        </p:txBody>
+      </p:sp>
+    </p:spTree>
+    <p:extLst>
+      <p:ext uri="{BB962C8B-B14F-4D97-AF65-F5344CB8AC3E}">
+        <p14:creationId xmlns:p14="http://schemas.microsoft.com/office/powerpoint/2010/main" val="315775351"/>
       </p:ext>
     </p:extLst>
   </p:cSld>
@@ -8033,7 +8315,7 @@
           <a:p>
             <a:r>
               <a:rPr lang="en-US" dirty="0"/>
-              <a:t>What if the search range is larger?</a:t>
+              <a:t>What are the cases?</a:t>
             </a:r>
           </a:p>
         </p:txBody>
@@ -8051,108 +8333,32 @@
         <p:spPr/>
         <p:txBody>
           <a:bodyPr>
-            <a:normAutofit lnSpcReduction="10000"/>
+            <a:normAutofit/>
           </a:bodyPr>
           <a:lstStyle/>
           <a:p>
             <a:r>
               <a:rPr lang="en-US" dirty="0"/>
-              <a:t>Insight of binary search: divide it in half.</a:t>
-            </a:r>
-          </a:p>
-          <a:p>
-            <a:r>
-              <a:rPr lang="en-US" dirty="0"/>
-              <a:t>At this point we know that lo &lt; hi.</a:t>
-            </a:r>
-          </a:p>
-          <a:p>
-            <a:r>
-              <a:rPr lang="en-US" dirty="0"/>
-              <a:t>Choose a midpoint </a:t>
-            </a:r>
-            <a:r>
-              <a:rPr lang="en-US" b="1" dirty="0"/>
-              <a:t>mid</a:t>
-            </a:r>
-            <a:r>
-              <a:rPr lang="en-US" dirty="0"/>
-              <a:t> in [</a:t>
-            </a:r>
-            <a:r>
-              <a:rPr lang="en-US" b="1" dirty="0"/>
-              <a:t>lo,hi-1</a:t>
-            </a:r>
-            <a:r>
-              <a:rPr lang="en-US" dirty="0"/>
-              <a:t>] and compare </a:t>
-            </a:r>
-            <a:r>
-              <a:rPr lang="en-US" b="1" dirty="0"/>
-              <a:t>A[mid] </a:t>
-            </a:r>
-            <a:r>
-              <a:rPr lang="en-US" dirty="0"/>
-              <a:t>to </a:t>
-            </a:r>
-            <a:r>
-              <a:rPr lang="en-US" b="1" dirty="0"/>
+              <a:t>Case 1: A(mid) = </a:t>
+            </a:r>
+            <a:r>
+              <a:rPr lang="en-US" dirty="0" err="1"/>
               <a:t>tgt</a:t>
             </a:r>
-            <a:r>
-              <a:rPr lang="en-US" dirty="0"/>
-              <a:t>.</a:t>
-            </a:r>
-            <a:endParaRPr lang="en-US" b="1" dirty="0"/>
+            <a:endParaRPr lang="en-US" dirty="0"/>
           </a:p>
           <a:p>
             <a:pPr lvl="1"/>
             <a:r>
-              <a:rPr lang="en-US" b="1" dirty="0"/>
-              <a:t>mid</a:t>
-            </a:r>
-            <a:r>
-              <a:rPr lang="en-US" dirty="0"/>
-              <a:t> doesn't have to be close to the center– any value in [</a:t>
-            </a:r>
-            <a:r>
-              <a:rPr lang="en-US" b="1" dirty="0"/>
-              <a:t>lo,hi-1</a:t>
-            </a:r>
-            <a:r>
-              <a:rPr lang="en-US" dirty="0"/>
-              <a:t>] will lead to a correct program</a:t>
+              <a:rPr lang="en-US" dirty="0"/>
+              <a:t>then mid is our desired k.</a:t>
             </a:r>
           </a:p>
           <a:p>
             <a:pPr lvl="1"/>
             <a:r>
               <a:rPr lang="en-US" dirty="0"/>
-              <a:t>but choosing </a:t>
-            </a:r>
-            <a:r>
-              <a:rPr lang="en-US" b="1" dirty="0"/>
-              <a:t>mid</a:t>
-            </a:r>
-            <a:r>
-              <a:rPr lang="en-US" dirty="0"/>
-              <a:t> to be near the center means that the search space is divided in half every time, so you'll only need about log₂(</a:t>
-            </a:r>
-            <a:r>
-              <a:rPr lang="en-US" b="1" dirty="0"/>
-              <a:t>hi</a:t>
-            </a:r>
-            <a:r>
-              <a:rPr lang="en-US" dirty="0"/>
-              <a:t>-</a:t>
-            </a:r>
-            <a:r>
-              <a:rPr lang="en-US" b="1" dirty="0"/>
-              <a:t>lo</a:t>
-            </a:r>
-            <a:r>
-              <a:rPr lang="en-US" dirty="0"/>
-              <a:t>) steps.</a:t>
+              <a:t>Done!</a:t>
             </a:r>
           </a:p>
         </p:txBody>
@@ -8184,7 +8390,7 @@
     </p:spTree>
     <p:extLst>
       <p:ext uri="{BB962C8B-B14F-4D97-AF65-F5344CB8AC3E}">
-        <p14:creationId xmlns:p14="http://schemas.microsoft.com/office/powerpoint/2010/main" val="315775351"/>
+        <p14:creationId xmlns:p14="http://schemas.microsoft.com/office/powerpoint/2010/main" val="1769099270"/>
       </p:ext>
     </p:extLst>
   </p:cSld>
@@ -8213,125 +8419,6 @@
       </p:grpSpPr>
       <p:sp>
         <p:nvSpPr>
-          <p:cNvPr id="2" name="Title 1"/>
-          <p:cNvSpPr>
-            <a:spLocks noGrp="1"/>
-          </p:cNvSpPr>
-          <p:nvPr>
-            <p:ph type="title"/>
-          </p:nvPr>
-        </p:nvSpPr>
-        <p:spPr/>
-        <p:txBody>
-          <a:bodyPr/>
-          <a:lstStyle/>
-          <a:p>
-            <a:r>
-              <a:rPr lang="en-US" dirty="0"/>
-              <a:t>What are the cases?</a:t>
-            </a:r>
-          </a:p>
-        </p:txBody>
-      </p:sp>
-      <p:sp>
-        <p:nvSpPr>
-          <p:cNvPr id="3" name="Content Placeholder 2"/>
-          <p:cNvSpPr>
-            <a:spLocks noGrp="1"/>
-          </p:cNvSpPr>
-          <p:nvPr>
-            <p:ph idx="1"/>
-          </p:nvPr>
-        </p:nvSpPr>
-        <p:spPr/>
-        <p:txBody>
-          <a:bodyPr>
-            <a:normAutofit/>
-          </a:bodyPr>
-          <a:lstStyle/>
-          <a:p>
-            <a:r>
-              <a:rPr lang="en-US" dirty="0"/>
-              <a:t>Case 1: A(mid) = </a:t>
-            </a:r>
-            <a:r>
-              <a:rPr lang="en-US" dirty="0" err="1"/>
-              <a:t>tgt</a:t>
-            </a:r>
-            <a:endParaRPr lang="en-US" dirty="0"/>
-          </a:p>
-          <a:p>
-            <a:pPr lvl="1"/>
-            <a:r>
-              <a:rPr lang="en-US" dirty="0"/>
-              <a:t>then mid is our desired k.</a:t>
-            </a:r>
-          </a:p>
-          <a:p>
-            <a:pPr lvl="1"/>
-            <a:r>
-              <a:rPr lang="en-US" dirty="0"/>
-              <a:t>Done!</a:t>
-            </a:r>
-          </a:p>
-        </p:txBody>
-      </p:sp>
-      <p:sp>
-        <p:nvSpPr>
-          <p:cNvPr id="4" name="Slide Number Placeholder 3"/>
-          <p:cNvSpPr>
-            <a:spLocks noGrp="1"/>
-          </p:cNvSpPr>
-          <p:nvPr>
-            <p:ph type="sldNum" sz="quarter" idx="12"/>
-          </p:nvPr>
-        </p:nvSpPr>
-        <p:spPr/>
-        <p:txBody>
-          <a:bodyPr/>
-          <a:lstStyle/>
-          <a:p>
-            <a:fld id="{9F4492BD-6A9C-48FC-AC76-0B4FE11194A1}" type="slidenum">
-              <a:rPr lang="en-US" smtClean="0"/>
-              <a:pPr/>
-              <a:t>18</a:t>
-            </a:fld>
-            <a:endParaRPr lang="en-US"/>
-          </a:p>
-        </p:txBody>
-      </p:sp>
-    </p:spTree>
-    <p:extLst>
-      <p:ext uri="{BB962C8B-B14F-4D97-AF65-F5344CB8AC3E}">
-        <p14:creationId xmlns:p14="http://schemas.microsoft.com/office/powerpoint/2010/main" val="1769099270"/>
-      </p:ext>
-    </p:extLst>
-  </p:cSld>
-  <p:clrMapOvr>
-    <a:masterClrMapping/>
-  </p:clrMapOvr>
-</p:sld>
-</file>
-
-<file path=ppt/slides/slide19.xml><?xml version="1.0" encoding="utf-8"?>
-<p:sld xmlns:a="http://schemas.openxmlformats.org/drawingml/2006/main" xmlns:r="http://schemas.openxmlformats.org/officeDocument/2006/relationships" xmlns:p="http://schemas.openxmlformats.org/presentationml/2006/main">
-  <p:cSld>
-    <p:spTree>
-      <p:nvGrpSpPr>
-        <p:cNvPr id="1" name=""/>
-        <p:cNvGrpSpPr/>
-        <p:nvPr/>
-      </p:nvGrpSpPr>
-      <p:grpSpPr>
-        <a:xfrm>
-          <a:off x="0" y="0"/>
-          <a:ext cx="0" cy="0"/>
-          <a:chOff x="0" y="0"/>
-          <a:chExt cx="0" cy="0"/>
-        </a:xfrm>
-      </p:grpSpPr>
-      <p:sp>
-        <p:nvSpPr>
           <p:cNvPr id="3" name="Content Placeholder 2"/>
           <p:cNvSpPr>
             <a:spLocks noGrp="1"/>
@@ -8441,7 +8528,7 @@
             <a:fld id="{9F4492BD-6A9C-48FC-AC76-0B4FE11194A1}" type="slidenum">
               <a:rPr lang="en-US" smtClean="0"/>
               <a:pPr/>
-              <a:t>19</a:t>
+              <a:t>18</a:t>
             </a:fld>
             <a:endParaRPr lang="en-US"/>
           </a:p>
@@ -8462,9 +8549,9 @@
         <p:grpSpPr>
           <a:xfrm>
             <a:off x="945725" y="4383046"/>
-            <a:ext cx="6879553" cy="2406812"/>
+            <a:ext cx="6515099" cy="2243154"/>
             <a:chOff x="945725" y="4383046"/>
-            <a:chExt cx="6879553" cy="2406812"/>
+            <a:chExt cx="6515099" cy="2243154"/>
           </a:xfrm>
         </p:grpSpPr>
         <p:cxnSp>
@@ -8519,9 +8606,9 @@
           <p:grpSpPr>
             <a:xfrm>
               <a:off x="945725" y="4383046"/>
-              <a:ext cx="6879553" cy="2406812"/>
+              <a:ext cx="6515099" cy="2243154"/>
               <a:chOff x="965845" y="3871043"/>
-              <a:chExt cx="6879553" cy="2406812"/>
+              <a:chExt cx="6515099" cy="2243154"/>
             </a:xfrm>
           </p:grpSpPr>
           <p:grpSp>
@@ -9183,7 +9270,7 @@
             </p:nvSpPr>
             <p:spPr>
               <a:xfrm>
-                <a:off x="1114185" y="5312396"/>
+                <a:off x="1261303" y="5300430"/>
                 <a:ext cx="2074689" cy="813767"/>
               </a:xfrm>
               <a:prstGeom prst="rect">
@@ -9239,14 +9326,16 @@
                 </a:extLst>
               </p:cNvPr>
               <p:cNvCxnSpPr>
+                <a:cxnSpLocks/>
                 <a:stCxn id="25" idx="0"/>
+                <a:endCxn id="13" idx="1"/>
               </p:cNvCxnSpPr>
               <p:nvPr/>
             </p:nvCxnSpPr>
             <p:spPr>
               <a:xfrm flipV="1">
-                <a:off x="2151530" y="4264639"/>
-                <a:ext cx="1498386" cy="1047757"/>
+                <a:off x="2298648" y="4195030"/>
+                <a:ext cx="1446901" cy="1105400"/>
               </a:xfrm>
               <a:prstGeom prst="straightConnector1">
                 <a:avLst/>
@@ -9322,8 +9411,8 @@
             </p:nvSpPr>
             <p:spPr>
               <a:xfrm>
-                <a:off x="5564261" y="5246835"/>
-                <a:ext cx="2281137" cy="1031020"/>
+                <a:off x="5244024" y="4650350"/>
+                <a:ext cx="1644966" cy="1463847"/>
               </a:xfrm>
               <a:prstGeom prst="rect">
                 <a:avLst/>
@@ -9378,14 +9467,15 @@
                 </a:extLst>
               </p:cNvPr>
               <p:cNvCxnSpPr>
+                <a:cxnSpLocks/>
                 <a:stCxn id="29" idx="0"/>
               </p:cNvCxnSpPr>
               <p:nvPr/>
             </p:nvCxnSpPr>
             <p:spPr>
               <a:xfrm flipH="1" flipV="1">
-                <a:off x="4694471" y="4264639"/>
-                <a:ext cx="2010359" cy="982196"/>
+                <a:off x="4644508" y="4195030"/>
+                <a:ext cx="1421999" cy="455320"/>
               </a:xfrm>
               <a:prstGeom prst="straightConnector1">
                 <a:avLst/>
@@ -9411,6 +9501,219 @@
           </p:cxnSp>
         </p:grpSp>
       </p:grpSp>
+      <p:grpSp>
+        <p:nvGrpSpPr>
+          <p:cNvPr id="34" name="Group 33">
+            <a:extLst>
+              <a:ext uri="{FF2B5EF4-FFF2-40B4-BE49-F238E27FC236}">
+                <a16:creationId xmlns:a16="http://schemas.microsoft.com/office/drawing/2014/main" id="{6A7D284F-5E7E-487F-8C90-E95FADC7617C}"/>
+              </a:ext>
+            </a:extLst>
+          </p:cNvPr>
+          <p:cNvGrpSpPr/>
+          <p:nvPr/>
+        </p:nvGrpSpPr>
+        <p:grpSpPr>
+          <a:xfrm>
+            <a:off x="954893" y="5065501"/>
+            <a:ext cx="354584" cy="1220563"/>
+            <a:chOff x="3048000" y="3660702"/>
+            <a:chExt cx="354584" cy="1220563"/>
+          </a:xfrm>
+        </p:grpSpPr>
+        <p:sp>
+          <p:nvSpPr>
+            <p:cNvPr id="35" name="TextBox 34">
+              <a:extLst>
+                <a:ext uri="{FF2B5EF4-FFF2-40B4-BE49-F238E27FC236}">
+                  <a16:creationId xmlns:a16="http://schemas.microsoft.com/office/drawing/2014/main" id="{6BFC17F7-3906-443A-9357-CDD7EBBD259B}"/>
+                </a:ext>
+              </a:extLst>
+            </p:cNvPr>
+            <p:cNvSpPr txBox="1"/>
+            <p:nvPr/>
+          </p:nvSpPr>
+          <p:spPr>
+            <a:xfrm>
+              <a:off x="3048000" y="4419600"/>
+              <a:ext cx="354584" cy="461665"/>
+            </a:xfrm>
+            <a:prstGeom prst="rect">
+              <a:avLst/>
+            </a:prstGeom>
+            <a:noFill/>
+          </p:spPr>
+          <p:txBody>
+            <a:bodyPr wrap="none" rtlCol="0">
+              <a:spAutoFit/>
+            </a:bodyPr>
+            <a:lstStyle/>
+            <a:p>
+              <a:r>
+                <a:rPr lang="en-US" sz="2400" b="1" dirty="0">
+                  <a:latin typeface="Consolas" pitchFamily="49" charset="0"/>
+                  <a:cs typeface="Consolas" pitchFamily="49" charset="0"/>
+                </a:rPr>
+                <a:t>0</a:t>
+              </a:r>
+            </a:p>
+          </p:txBody>
+        </p:sp>
+        <p:cxnSp>
+          <p:nvCxnSpPr>
+            <p:cNvPr id="36" name="Straight Arrow Connector 35">
+              <a:extLst>
+                <a:ext uri="{FF2B5EF4-FFF2-40B4-BE49-F238E27FC236}">
+                  <a16:creationId xmlns:a16="http://schemas.microsoft.com/office/drawing/2014/main" id="{C9302CB2-474D-4DC0-B4F1-1FEC475EF458}"/>
+                </a:ext>
+              </a:extLst>
+            </p:cNvPr>
+            <p:cNvCxnSpPr>
+              <a:cxnSpLocks/>
+              <a:stCxn id="35" idx="0"/>
+            </p:cNvCxnSpPr>
+            <p:nvPr/>
+          </p:nvCxnSpPr>
+          <p:spPr>
+            <a:xfrm flipH="1" flipV="1">
+              <a:off x="3220888" y="3660702"/>
+              <a:ext cx="4404" cy="758898"/>
+            </a:xfrm>
+            <a:prstGeom prst="straightConnector1">
+              <a:avLst/>
+            </a:prstGeom>
+            <a:ln w="15875">
+              <a:solidFill>
+                <a:schemeClr val="tx1"/>
+              </a:solidFill>
+              <a:tailEnd type="triangle"/>
+            </a:ln>
+          </p:spPr>
+          <p:style>
+            <a:lnRef idx="1">
+              <a:schemeClr val="accent1"/>
+            </a:lnRef>
+            <a:fillRef idx="0">
+              <a:schemeClr val="accent1"/>
+            </a:fillRef>
+            <a:effectRef idx="0">
+              <a:schemeClr val="accent1"/>
+            </a:effectRef>
+            <a:fontRef idx="minor">
+              <a:schemeClr val="tx1"/>
+            </a:fontRef>
+          </p:style>
+        </p:cxnSp>
+      </p:grpSp>
+      <p:grpSp>
+        <p:nvGrpSpPr>
+          <p:cNvPr id="37" name="Group 36">
+            <a:extLst>
+              <a:ext uri="{FF2B5EF4-FFF2-40B4-BE49-F238E27FC236}">
+                <a16:creationId xmlns:a16="http://schemas.microsoft.com/office/drawing/2014/main" id="{FD01A65F-D5D5-4E4C-8155-882539A74732}"/>
+              </a:ext>
+            </a:extLst>
+          </p:cNvPr>
+          <p:cNvGrpSpPr/>
+          <p:nvPr/>
+        </p:nvGrpSpPr>
+        <p:grpSpPr>
+          <a:xfrm>
+            <a:off x="6575034" y="4966080"/>
+            <a:ext cx="2090737" cy="1220563"/>
+            <a:chOff x="2188551" y="3660702"/>
+            <a:chExt cx="2090737" cy="1220563"/>
+          </a:xfrm>
+        </p:grpSpPr>
+        <p:sp>
+          <p:nvSpPr>
+            <p:cNvPr id="38" name="TextBox 37">
+              <a:extLst>
+                <a:ext uri="{FF2B5EF4-FFF2-40B4-BE49-F238E27FC236}">
+                  <a16:creationId xmlns:a16="http://schemas.microsoft.com/office/drawing/2014/main" id="{2679790F-96FE-4502-AE7F-0B975DC02479}"/>
+                </a:ext>
+              </a:extLst>
+            </p:cNvPr>
+            <p:cNvSpPr txBox="1"/>
+            <p:nvPr/>
+          </p:nvSpPr>
+          <p:spPr>
+            <a:xfrm>
+              <a:off x="2188551" y="4419600"/>
+              <a:ext cx="2090737" cy="461665"/>
+            </a:xfrm>
+            <a:prstGeom prst="rect">
+              <a:avLst/>
+            </a:prstGeom>
+            <a:noFill/>
+          </p:spPr>
+          <p:txBody>
+            <a:bodyPr wrap="square" rtlCol="0">
+              <a:spAutoFit/>
+            </a:bodyPr>
+            <a:lstStyle/>
+            <a:p>
+              <a:pPr algn="ctr"/>
+              <a:r>
+                <a:rPr lang="en-US" sz="2400" b="1" dirty="0" err="1">
+                  <a:latin typeface="Consolas" pitchFamily="49" charset="0"/>
+                  <a:cs typeface="Consolas" pitchFamily="49" charset="0"/>
+                </a:rPr>
+                <a:t>A.length</a:t>
+              </a:r>
+              <a:endParaRPr lang="en-US" sz="2400" b="1" dirty="0">
+                <a:latin typeface="Consolas" pitchFamily="49" charset="0"/>
+                <a:cs typeface="Consolas" pitchFamily="49" charset="0"/>
+              </a:endParaRPr>
+            </a:p>
+          </p:txBody>
+        </p:sp>
+        <p:cxnSp>
+          <p:nvCxnSpPr>
+            <p:cNvPr id="39" name="Straight Arrow Connector 38">
+              <a:extLst>
+                <a:ext uri="{FF2B5EF4-FFF2-40B4-BE49-F238E27FC236}">
+                  <a16:creationId xmlns:a16="http://schemas.microsoft.com/office/drawing/2014/main" id="{6568BCBC-BA1F-4354-B8E7-F83A842910F2}"/>
+                </a:ext>
+              </a:extLst>
+            </p:cNvPr>
+            <p:cNvCxnSpPr>
+              <a:cxnSpLocks/>
+              <a:stCxn id="38" idx="0"/>
+            </p:cNvCxnSpPr>
+            <p:nvPr/>
+          </p:nvCxnSpPr>
+          <p:spPr>
+            <a:xfrm flipH="1" flipV="1">
+              <a:off x="3220888" y="3660702"/>
+              <a:ext cx="13032" cy="758898"/>
+            </a:xfrm>
+            <a:prstGeom prst="straightConnector1">
+              <a:avLst/>
+            </a:prstGeom>
+            <a:ln w="15875">
+              <a:solidFill>
+                <a:schemeClr val="tx1"/>
+              </a:solidFill>
+              <a:tailEnd type="triangle"/>
+            </a:ln>
+          </p:spPr>
+          <p:style>
+            <a:lnRef idx="1">
+              <a:schemeClr val="accent1"/>
+            </a:lnRef>
+            <a:fillRef idx="0">
+              <a:schemeClr val="accent1"/>
+            </a:fillRef>
+            <a:effectRef idx="0">
+              <a:schemeClr val="accent1"/>
+            </a:effectRef>
+            <a:fontRef idx="minor">
+              <a:schemeClr val="tx1"/>
+            </a:fontRef>
+          </p:style>
+        </p:cxnSp>
+      </p:grpSp>
     </p:spTree>
     <p:extLst>
       <p:ext uri="{BB962C8B-B14F-4D97-AF65-F5344CB8AC3E}">
@@ -9424,7 +9727,7 @@
 </p:sld>
 </file>
 
-<file path=ppt/slides/slide2.xml><?xml version="1.0" encoding="utf-8"?>
+<file path=ppt/slides/slide19.xml><?xml version="1.0" encoding="utf-8"?>
 <p:sld xmlns:a="http://schemas.openxmlformats.org/drawingml/2006/main" xmlns:r="http://schemas.openxmlformats.org/officeDocument/2006/relationships" xmlns:p="http://schemas.openxmlformats.org/presentationml/2006/main">
   <p:cSld>
     <p:spTree>
@@ -9443,7 +9746,7 @@
       </p:grpSpPr>
       <p:sp>
         <p:nvSpPr>
-          <p:cNvPr id="4" name="Title 3"/>
+          <p:cNvPr id="2" name="Title 1"/>
           <p:cNvSpPr>
             <a:spLocks noGrp="1"/>
           </p:cNvSpPr>
@@ -9451,16 +9754,14 @@
             <p:ph type="title"/>
           </p:nvPr>
         </p:nvSpPr>
-        <p:spPr>
-          <a:noFill/>
-        </p:spPr>
+        <p:spPr/>
         <p:txBody>
           <a:bodyPr/>
           <a:lstStyle/>
           <a:p>
             <a:r>
               <a:rPr lang="en-US" dirty="0"/>
-              <a:t>Introduction</a:t>
+              <a:t>What are the cases?</a:t>
             </a:r>
           </a:p>
         </p:txBody>
@@ -9484,26 +9785,65 @@
           <a:p>
             <a:r>
               <a:rPr lang="en-US" dirty="0"/>
-              <a:t>Binary search is a classic example that illustrates general recursion</a:t>
-            </a:r>
-          </a:p>
-          <a:p>
-            <a:r>
-              <a:rPr lang="en-US" dirty="0"/>
-              <a:t>We will look at a function for binary search</a:t>
-            </a:r>
-          </a:p>
-          <a:p>
-            <a:pPr marL="0" indent="0">
-              <a:buNone/>
-            </a:pPr>
+              <a:t>Case 3: A[mid] &gt; </a:t>
+            </a:r>
+            <a:r>
+              <a:rPr lang="en-US" dirty="0" err="1"/>
+              <a:t>tgt</a:t>
+            </a:r>
             <a:endParaRPr lang="en-US" dirty="0"/>
           </a:p>
-        </p:txBody>
-      </p:sp>
-      <p:sp>
-        <p:nvSpPr>
-          <p:cNvPr id="2" name="Slide Number Placeholder 1"/>
+          <a:p>
+            <a:pPr lvl="1"/>
+            <a:r>
+              <a:rPr lang="en-US" dirty="0"/>
+              <a:t>so we can rule out mid and all values greater than mid, because if mid &lt; j, then </a:t>
+            </a:r>
+            <a:r>
+              <a:rPr lang="en-US" dirty="0" err="1"/>
+              <a:t>tgt</a:t>
+            </a:r>
+            <a:r>
+              <a:rPr lang="en-US" dirty="0"/>
+              <a:t> &lt; A[mid] &lt;= A[j].</a:t>
+            </a:r>
+          </a:p>
+          <a:p>
+            <a:pPr lvl="1"/>
+            <a:r>
+              <a:rPr lang="en-US" dirty="0"/>
+              <a:t>So the answer k, if it exists, is in [lo,mid-1]</a:t>
+            </a:r>
+          </a:p>
+          <a:p>
+            <a:pPr lvl="1"/>
+            <a:r>
+              <a:rPr lang="en-US" dirty="0"/>
+              <a:t>So leave lo unchanged, and set </a:t>
+            </a:r>
+            <a:r>
+              <a:rPr lang="en-US" b="1" dirty="0"/>
+              <a:t>hi</a:t>
+            </a:r>
+            <a:r>
+              <a:rPr lang="en-US" dirty="0"/>
+              <a:t> to </a:t>
+            </a:r>
+            <a:r>
+              <a:rPr lang="en-US" b="1" dirty="0"/>
+              <a:t>mid </a:t>
+            </a:r>
+            <a:r>
+              <a:rPr lang="en-US" dirty="0"/>
+              <a:t>.</a:t>
+            </a:r>
+            <a:endParaRPr lang="en-US" b="1" dirty="0"/>
+          </a:p>
+        </p:txBody>
+      </p:sp>
+      <p:sp>
+        <p:nvSpPr>
+          <p:cNvPr id="4" name="Slide Number Placeholder 3"/>
           <p:cNvSpPr>
             <a:spLocks noGrp="1"/>
           </p:cNvSpPr>
@@ -9519,158 +9859,7 @@
             <a:fld id="{9F4492BD-6A9C-48FC-AC76-0B4FE11194A1}" type="slidenum">
               <a:rPr lang="en-US" smtClean="0"/>
               <a:pPr/>
-              <a:t>2</a:t>
-            </a:fld>
-            <a:endParaRPr lang="en-US"/>
-          </a:p>
-        </p:txBody>
-      </p:sp>
-    </p:spTree>
-    <p:extLst>
-      <p:ext uri="{BB962C8B-B14F-4D97-AF65-F5344CB8AC3E}">
-        <p14:creationId xmlns:p14="http://schemas.microsoft.com/office/powerpoint/2010/main" val="3102963154"/>
-      </p:ext>
-    </p:extLst>
-  </p:cSld>
-  <p:clrMapOvr>
-    <a:masterClrMapping/>
-  </p:clrMapOvr>
-</p:sld>
-</file>
-
-<file path=ppt/slides/slide20.xml><?xml version="1.0" encoding="utf-8"?>
-<p:sld xmlns:a="http://schemas.openxmlformats.org/drawingml/2006/main" xmlns:r="http://schemas.openxmlformats.org/officeDocument/2006/relationships" xmlns:p="http://schemas.openxmlformats.org/presentationml/2006/main">
-  <p:cSld>
-    <p:spTree>
-      <p:nvGrpSpPr>
-        <p:cNvPr id="1" name=""/>
-        <p:cNvGrpSpPr/>
-        <p:nvPr/>
-      </p:nvGrpSpPr>
-      <p:grpSpPr>
-        <a:xfrm>
-          <a:off x="0" y="0"/>
-          <a:ext cx="0" cy="0"/>
-          <a:chOff x="0" y="0"/>
-          <a:chExt cx="0" cy="0"/>
-        </a:xfrm>
-      </p:grpSpPr>
-      <p:sp>
-        <p:nvSpPr>
-          <p:cNvPr id="2" name="Title 1"/>
-          <p:cNvSpPr>
-            <a:spLocks noGrp="1"/>
-          </p:cNvSpPr>
-          <p:nvPr>
-            <p:ph type="title"/>
-          </p:nvPr>
-        </p:nvSpPr>
-        <p:spPr/>
-        <p:txBody>
-          <a:bodyPr/>
-          <a:lstStyle/>
-          <a:p>
-            <a:r>
-              <a:rPr lang="en-US" dirty="0"/>
-              <a:t>What are the cases?</a:t>
-            </a:r>
-          </a:p>
-        </p:txBody>
-      </p:sp>
-      <p:sp>
-        <p:nvSpPr>
-          <p:cNvPr id="3" name="Content Placeholder 2"/>
-          <p:cNvSpPr>
-            <a:spLocks noGrp="1"/>
-          </p:cNvSpPr>
-          <p:nvPr>
-            <p:ph idx="1"/>
-          </p:nvPr>
-        </p:nvSpPr>
-        <p:spPr/>
-        <p:txBody>
-          <a:bodyPr>
-            <a:normAutofit/>
-          </a:bodyPr>
-          <a:lstStyle/>
-          <a:p>
-            <a:r>
-              <a:rPr lang="en-US" dirty="0"/>
-              <a:t>Case 3: A[mid] &gt; </a:t>
-            </a:r>
-            <a:r>
-              <a:rPr lang="en-US" dirty="0" err="1"/>
-              <a:t>tgt</a:t>
-            </a:r>
-            <a:endParaRPr lang="en-US" dirty="0"/>
-          </a:p>
-          <a:p>
-            <a:pPr lvl="1"/>
-            <a:r>
-              <a:rPr lang="en-US" dirty="0"/>
-              <a:t>so we can rule out mid and all values greater than mid, because if mid &lt; j, then </a:t>
-            </a:r>
-            <a:r>
-              <a:rPr lang="en-US" dirty="0" err="1"/>
-              <a:t>tgt</a:t>
-            </a:r>
-            <a:r>
-              <a:rPr lang="en-US" dirty="0"/>
-              <a:t> &lt; A[mid] &lt;= A[j].</a:t>
-            </a:r>
-          </a:p>
-          <a:p>
-            <a:pPr lvl="1"/>
-            <a:r>
-              <a:rPr lang="en-US" dirty="0"/>
-              <a:t>So the answer k, if it exists, is in [lo,mid-1]</a:t>
-            </a:r>
-          </a:p>
-          <a:p>
-            <a:pPr lvl="1"/>
-            <a:r>
-              <a:rPr lang="en-US" dirty="0"/>
-              <a:t>So leave lo unchanged, and set </a:t>
-            </a:r>
-            <a:r>
-              <a:rPr lang="en-US" b="1" dirty="0"/>
-              <a:t>hi</a:t>
-            </a:r>
-            <a:r>
-              <a:rPr lang="en-US" dirty="0"/>
-              <a:t> to </a:t>
-            </a:r>
-            <a:r>
-              <a:rPr lang="en-US" b="1" dirty="0"/>
-              <a:t>mid </a:t>
-            </a:r>
-            <a:r>
-              <a:rPr lang="en-US" dirty="0"/>
-              <a:t>.</a:t>
-            </a:r>
-            <a:endParaRPr lang="en-US" b="1" dirty="0"/>
-          </a:p>
-        </p:txBody>
-      </p:sp>
-      <p:sp>
-        <p:nvSpPr>
-          <p:cNvPr id="4" name="Slide Number Placeholder 3"/>
-          <p:cNvSpPr>
-            <a:spLocks noGrp="1"/>
-          </p:cNvSpPr>
-          <p:nvPr>
-            <p:ph type="sldNum" sz="quarter" idx="12"/>
-          </p:nvPr>
-        </p:nvSpPr>
-        <p:spPr/>
-        <p:txBody>
-          <a:bodyPr/>
-          <a:lstStyle/>
-          <a:p>
-            <a:fld id="{9F4492BD-6A9C-48FC-AC76-0B4FE11194A1}" type="slidenum">
-              <a:rPr lang="en-US" smtClean="0"/>
-              <a:pPr/>
-              <a:t>20</a:t>
+              <a:t>19</a:t>
             </a:fld>
             <a:endParaRPr lang="en-US"/>
           </a:p>
@@ -9691,9 +9880,9 @@
         <p:grpSpPr>
           <a:xfrm>
             <a:off x="945725" y="4383046"/>
-            <a:ext cx="6879553" cy="2406812"/>
+            <a:ext cx="6515099" cy="2406812"/>
             <a:chOff x="945725" y="4383046"/>
-            <a:chExt cx="6879553" cy="2406812"/>
+            <a:chExt cx="6515099" cy="2406812"/>
           </a:xfrm>
         </p:grpSpPr>
         <p:cxnSp>
@@ -9748,9 +9937,9 @@
           <p:grpSpPr>
             <a:xfrm>
               <a:off x="945725" y="4383046"/>
-              <a:ext cx="6879553" cy="2406812"/>
+              <a:ext cx="6515099" cy="2406812"/>
               <a:chOff x="965845" y="3871043"/>
-              <a:chExt cx="6879553" cy="2406812"/>
+              <a:chExt cx="6515099" cy="2406812"/>
             </a:xfrm>
           </p:grpSpPr>
           <p:grpSp>
@@ -10412,7 +10601,7 @@
             </p:nvSpPr>
             <p:spPr>
               <a:xfrm>
-                <a:off x="965845" y="5312396"/>
+                <a:off x="1259097" y="5389838"/>
                 <a:ext cx="2223029" cy="813767"/>
               </a:xfrm>
               <a:prstGeom prst="rect">
@@ -10475,8 +10664,8 @@
             </p:nvCxnSpPr>
             <p:spPr>
               <a:xfrm flipV="1">
-                <a:off x="2077360" y="4264640"/>
-                <a:ext cx="1572556" cy="1047756"/>
+                <a:off x="2370612" y="4264639"/>
+                <a:ext cx="1365309" cy="1125199"/>
               </a:xfrm>
               <a:prstGeom prst="straightConnector1">
                 <a:avLst/>
@@ -10514,8 +10703,8 @@
             </p:nvSpPr>
             <p:spPr>
               <a:xfrm>
-                <a:off x="5564261" y="5246835"/>
-                <a:ext cx="2281137" cy="1031020"/>
+                <a:off x="5293054" y="5246835"/>
+                <a:ext cx="1519069" cy="1031020"/>
               </a:xfrm>
               <a:prstGeom prst="rect">
                 <a:avLst/>
@@ -10570,14 +10759,15 @@
                 </a:extLst>
               </p:cNvPr>
               <p:cNvCxnSpPr>
+                <a:cxnSpLocks/>
                 <a:stCxn id="14" idx="0"/>
               </p:cNvCxnSpPr>
               <p:nvPr/>
             </p:nvCxnSpPr>
             <p:spPr>
               <a:xfrm flipH="1" flipV="1">
-                <a:off x="4694471" y="4264639"/>
-                <a:ext cx="2010359" cy="982196"/>
+                <a:off x="4594242" y="4193347"/>
+                <a:ext cx="1458347" cy="1053488"/>
               </a:xfrm>
               <a:prstGeom prst="straightConnector1">
                 <a:avLst/>
@@ -10641,10 +10831,682 @@
           </a:p>
         </p:txBody>
       </p:sp>
+      <p:grpSp>
+        <p:nvGrpSpPr>
+          <p:cNvPr id="32" name="Group 31">
+            <a:extLst>
+              <a:ext uri="{FF2B5EF4-FFF2-40B4-BE49-F238E27FC236}">
+                <a16:creationId xmlns:a16="http://schemas.microsoft.com/office/drawing/2014/main" id="{68622372-6ECD-4C7A-BA31-209FE95223C8}"/>
+              </a:ext>
+            </a:extLst>
+          </p:cNvPr>
+          <p:cNvGrpSpPr/>
+          <p:nvPr/>
+        </p:nvGrpSpPr>
+        <p:grpSpPr>
+          <a:xfrm>
+            <a:off x="945725" y="5020693"/>
+            <a:ext cx="354584" cy="1220563"/>
+            <a:chOff x="3048000" y="3660702"/>
+            <a:chExt cx="354584" cy="1220563"/>
+          </a:xfrm>
+        </p:grpSpPr>
+        <p:sp>
+          <p:nvSpPr>
+            <p:cNvPr id="33" name="TextBox 32">
+              <a:extLst>
+                <a:ext uri="{FF2B5EF4-FFF2-40B4-BE49-F238E27FC236}">
+                  <a16:creationId xmlns:a16="http://schemas.microsoft.com/office/drawing/2014/main" id="{E0AA46CB-FC00-4CF0-9050-E398D8D17143}"/>
+                </a:ext>
+              </a:extLst>
+            </p:cNvPr>
+            <p:cNvSpPr txBox="1"/>
+            <p:nvPr/>
+          </p:nvSpPr>
+          <p:spPr>
+            <a:xfrm>
+              <a:off x="3048000" y="4419600"/>
+              <a:ext cx="354584" cy="461665"/>
+            </a:xfrm>
+            <a:prstGeom prst="rect">
+              <a:avLst/>
+            </a:prstGeom>
+            <a:noFill/>
+          </p:spPr>
+          <p:txBody>
+            <a:bodyPr wrap="none" rtlCol="0">
+              <a:spAutoFit/>
+            </a:bodyPr>
+            <a:lstStyle/>
+            <a:p>
+              <a:r>
+                <a:rPr lang="en-US" sz="2400" b="1" dirty="0">
+                  <a:latin typeface="Consolas" pitchFamily="49" charset="0"/>
+                  <a:cs typeface="Consolas" pitchFamily="49" charset="0"/>
+                </a:rPr>
+                <a:t>0</a:t>
+              </a:r>
+            </a:p>
+          </p:txBody>
+        </p:sp>
+        <p:cxnSp>
+          <p:nvCxnSpPr>
+            <p:cNvPr id="34" name="Straight Arrow Connector 33">
+              <a:extLst>
+                <a:ext uri="{FF2B5EF4-FFF2-40B4-BE49-F238E27FC236}">
+                  <a16:creationId xmlns:a16="http://schemas.microsoft.com/office/drawing/2014/main" id="{49F91718-C234-4EB1-A8C7-181669EAED3B}"/>
+                </a:ext>
+              </a:extLst>
+            </p:cNvPr>
+            <p:cNvCxnSpPr>
+              <a:cxnSpLocks/>
+              <a:stCxn id="33" idx="0"/>
+            </p:cNvCxnSpPr>
+            <p:nvPr/>
+          </p:nvCxnSpPr>
+          <p:spPr>
+            <a:xfrm flipH="1" flipV="1">
+              <a:off x="3220888" y="3660702"/>
+              <a:ext cx="4404" cy="758898"/>
+            </a:xfrm>
+            <a:prstGeom prst="straightConnector1">
+              <a:avLst/>
+            </a:prstGeom>
+            <a:ln w="15875">
+              <a:solidFill>
+                <a:schemeClr val="tx1"/>
+              </a:solidFill>
+              <a:tailEnd type="triangle"/>
+            </a:ln>
+          </p:spPr>
+          <p:style>
+            <a:lnRef idx="1">
+              <a:schemeClr val="accent1"/>
+            </a:lnRef>
+            <a:fillRef idx="0">
+              <a:schemeClr val="accent1"/>
+            </a:fillRef>
+            <a:effectRef idx="0">
+              <a:schemeClr val="accent1"/>
+            </a:effectRef>
+            <a:fontRef idx="minor">
+              <a:schemeClr val="tx1"/>
+            </a:fontRef>
+          </p:style>
+        </p:cxnSp>
+      </p:grpSp>
+      <p:grpSp>
+        <p:nvGrpSpPr>
+          <p:cNvPr id="35" name="Group 34">
+            <a:extLst>
+              <a:ext uri="{FF2B5EF4-FFF2-40B4-BE49-F238E27FC236}">
+                <a16:creationId xmlns:a16="http://schemas.microsoft.com/office/drawing/2014/main" id="{8D50F4B1-4022-4D90-AED1-327E2E307414}"/>
+              </a:ext>
+            </a:extLst>
+          </p:cNvPr>
+          <p:cNvGrpSpPr/>
+          <p:nvPr/>
+        </p:nvGrpSpPr>
+        <p:grpSpPr>
+          <a:xfrm>
+            <a:off x="6553200" y="5020693"/>
+            <a:ext cx="2090737" cy="1220563"/>
+            <a:chOff x="2188551" y="3660702"/>
+            <a:chExt cx="2090737" cy="1220563"/>
+          </a:xfrm>
+        </p:grpSpPr>
+        <p:sp>
+          <p:nvSpPr>
+            <p:cNvPr id="36" name="TextBox 35">
+              <a:extLst>
+                <a:ext uri="{FF2B5EF4-FFF2-40B4-BE49-F238E27FC236}">
+                  <a16:creationId xmlns:a16="http://schemas.microsoft.com/office/drawing/2014/main" id="{6DBCDEC2-0DA1-4DB3-A635-32348DC074D6}"/>
+                </a:ext>
+              </a:extLst>
+            </p:cNvPr>
+            <p:cNvSpPr txBox="1"/>
+            <p:nvPr/>
+          </p:nvSpPr>
+          <p:spPr>
+            <a:xfrm>
+              <a:off x="2188551" y="4419600"/>
+              <a:ext cx="2090737" cy="461665"/>
+            </a:xfrm>
+            <a:prstGeom prst="rect">
+              <a:avLst/>
+            </a:prstGeom>
+            <a:noFill/>
+          </p:spPr>
+          <p:txBody>
+            <a:bodyPr wrap="square" rtlCol="0">
+              <a:spAutoFit/>
+            </a:bodyPr>
+            <a:lstStyle/>
+            <a:p>
+              <a:pPr algn="ctr"/>
+              <a:r>
+                <a:rPr lang="en-US" sz="2400" b="1" dirty="0" err="1">
+                  <a:latin typeface="Consolas" pitchFamily="49" charset="0"/>
+                  <a:cs typeface="Consolas" pitchFamily="49" charset="0"/>
+                </a:rPr>
+                <a:t>A.length</a:t>
+              </a:r>
+              <a:endParaRPr lang="en-US" sz="2400" b="1" dirty="0">
+                <a:latin typeface="Consolas" pitchFamily="49" charset="0"/>
+                <a:cs typeface="Consolas" pitchFamily="49" charset="0"/>
+              </a:endParaRPr>
+            </a:p>
+          </p:txBody>
+        </p:sp>
+        <p:cxnSp>
+          <p:nvCxnSpPr>
+            <p:cNvPr id="37" name="Straight Arrow Connector 36">
+              <a:extLst>
+                <a:ext uri="{FF2B5EF4-FFF2-40B4-BE49-F238E27FC236}">
+                  <a16:creationId xmlns:a16="http://schemas.microsoft.com/office/drawing/2014/main" id="{030EB375-182C-4927-92F6-8D73B8AAE2C8}"/>
+                </a:ext>
+              </a:extLst>
+            </p:cNvPr>
+            <p:cNvCxnSpPr>
+              <a:cxnSpLocks/>
+              <a:stCxn id="36" idx="0"/>
+            </p:cNvCxnSpPr>
+            <p:nvPr/>
+          </p:nvCxnSpPr>
+          <p:spPr>
+            <a:xfrm flipH="1" flipV="1">
+              <a:off x="3220888" y="3660702"/>
+              <a:ext cx="13032" cy="758898"/>
+            </a:xfrm>
+            <a:prstGeom prst="straightConnector1">
+              <a:avLst/>
+            </a:prstGeom>
+            <a:ln w="15875">
+              <a:solidFill>
+                <a:schemeClr val="tx1"/>
+              </a:solidFill>
+              <a:tailEnd type="triangle"/>
+            </a:ln>
+          </p:spPr>
+          <p:style>
+            <a:lnRef idx="1">
+              <a:schemeClr val="accent1"/>
+            </a:lnRef>
+            <a:fillRef idx="0">
+              <a:schemeClr val="accent1"/>
+            </a:fillRef>
+            <a:effectRef idx="0">
+              <a:schemeClr val="accent1"/>
+            </a:effectRef>
+            <a:fontRef idx="minor">
+              <a:schemeClr val="tx1"/>
+            </a:fontRef>
+          </p:style>
+        </p:cxnSp>
+      </p:grpSp>
     </p:spTree>
     <p:extLst>
       <p:ext uri="{BB962C8B-B14F-4D97-AF65-F5344CB8AC3E}">
         <p14:creationId xmlns:p14="http://schemas.microsoft.com/office/powerpoint/2010/main" val="2920976499"/>
+      </p:ext>
+    </p:extLst>
+  </p:cSld>
+  <p:clrMapOvr>
+    <a:masterClrMapping/>
+  </p:clrMapOvr>
+</p:sld>
+</file>
+
+<file path=ppt/slides/slide2.xml><?xml version="1.0" encoding="utf-8"?>
+<p:sld xmlns:a="http://schemas.openxmlformats.org/drawingml/2006/main" xmlns:r="http://schemas.openxmlformats.org/officeDocument/2006/relationships" xmlns:p="http://schemas.openxmlformats.org/presentationml/2006/main">
+  <p:cSld>
+    <p:spTree>
+      <p:nvGrpSpPr>
+        <p:cNvPr id="1" name=""/>
+        <p:cNvGrpSpPr/>
+        <p:nvPr/>
+      </p:nvGrpSpPr>
+      <p:grpSpPr>
+        <a:xfrm>
+          <a:off x="0" y="0"/>
+          <a:ext cx="0" cy="0"/>
+          <a:chOff x="0" y="0"/>
+          <a:chExt cx="0" cy="0"/>
+        </a:xfrm>
+      </p:grpSpPr>
+      <p:sp>
+        <p:nvSpPr>
+          <p:cNvPr id="4" name="Title 3"/>
+          <p:cNvSpPr>
+            <a:spLocks noGrp="1"/>
+          </p:cNvSpPr>
+          <p:nvPr>
+            <p:ph type="title"/>
+          </p:nvPr>
+        </p:nvSpPr>
+        <p:spPr>
+          <a:noFill/>
+        </p:spPr>
+        <p:txBody>
+          <a:bodyPr/>
+          <a:lstStyle/>
+          <a:p>
+            <a:r>
+              <a:rPr lang="en-US" dirty="0"/>
+              <a:t>Introduction</a:t>
+            </a:r>
+          </a:p>
+        </p:txBody>
+      </p:sp>
+      <p:sp>
+        <p:nvSpPr>
+          <p:cNvPr id="3" name="Content Placeholder 2"/>
+          <p:cNvSpPr>
+            <a:spLocks noGrp="1"/>
+          </p:cNvSpPr>
+          <p:nvPr>
+            <p:ph idx="1"/>
+          </p:nvPr>
+        </p:nvSpPr>
+        <p:spPr/>
+        <p:txBody>
+          <a:bodyPr>
+            <a:normAutofit/>
+          </a:bodyPr>
+          <a:lstStyle/>
+          <a:p>
+            <a:r>
+              <a:rPr lang="en-US" dirty="0"/>
+              <a:t>Binary search is a classic example that illustrates general recursion</a:t>
+            </a:r>
+          </a:p>
+          <a:p>
+            <a:r>
+              <a:rPr lang="en-US" dirty="0"/>
+              <a:t>We will look at a function for binary search</a:t>
+            </a:r>
+          </a:p>
+          <a:p>
+            <a:pPr marL="0" indent="0">
+              <a:buNone/>
+            </a:pPr>
+            <a:endParaRPr lang="en-US" dirty="0"/>
+          </a:p>
+        </p:txBody>
+      </p:sp>
+      <p:sp>
+        <p:nvSpPr>
+          <p:cNvPr id="2" name="Slide Number Placeholder 1"/>
+          <p:cNvSpPr>
+            <a:spLocks noGrp="1"/>
+          </p:cNvSpPr>
+          <p:nvPr>
+            <p:ph type="sldNum" sz="quarter" idx="12"/>
+          </p:nvPr>
+        </p:nvSpPr>
+        <p:spPr/>
+        <p:txBody>
+          <a:bodyPr/>
+          <a:lstStyle/>
+          <a:p>
+            <a:fld id="{9F4492BD-6A9C-48FC-AC76-0B4FE11194A1}" type="slidenum">
+              <a:rPr lang="en-US" smtClean="0"/>
+              <a:pPr/>
+              <a:t>2</a:t>
+            </a:fld>
+            <a:endParaRPr lang="en-US"/>
+          </a:p>
+        </p:txBody>
+      </p:sp>
+    </p:spTree>
+    <p:extLst>
+      <p:ext uri="{BB962C8B-B14F-4D97-AF65-F5344CB8AC3E}">
+        <p14:creationId xmlns:p14="http://schemas.microsoft.com/office/powerpoint/2010/main" val="3102963154"/>
+      </p:ext>
+    </p:extLst>
+  </p:cSld>
+  <p:clrMapOvr>
+    <a:masterClrMapping/>
+  </p:clrMapOvr>
+</p:sld>
+</file>
+
+<file path=ppt/slides/slide20.xml><?xml version="1.0" encoding="utf-8"?>
+<p:sld xmlns:a="http://schemas.openxmlformats.org/drawingml/2006/main" xmlns:r="http://schemas.openxmlformats.org/officeDocument/2006/relationships" xmlns:p="http://schemas.openxmlformats.org/presentationml/2006/main">
+  <p:cSld>
+    <p:spTree>
+      <p:nvGrpSpPr>
+        <p:cNvPr id="1" name=""/>
+        <p:cNvGrpSpPr/>
+        <p:nvPr/>
+      </p:nvGrpSpPr>
+      <p:grpSpPr>
+        <a:xfrm>
+          <a:off x="0" y="0"/>
+          <a:ext cx="0" cy="0"/>
+          <a:chOff x="0" y="0"/>
+          <a:chExt cx="0" cy="0"/>
+        </a:xfrm>
+      </p:grpSpPr>
+      <p:sp>
+        <p:nvSpPr>
+          <p:cNvPr id="2" name="Title 1"/>
+          <p:cNvSpPr>
+            <a:spLocks noGrp="1"/>
+          </p:cNvSpPr>
+          <p:nvPr>
+            <p:ph type="title"/>
+          </p:nvPr>
+        </p:nvSpPr>
+        <p:spPr/>
+        <p:txBody>
+          <a:bodyPr/>
+          <a:lstStyle/>
+          <a:p>
+            <a:r>
+              <a:rPr lang="en-US" dirty="0"/>
+              <a:t>As code:</a:t>
+            </a:r>
+          </a:p>
+        </p:txBody>
+      </p:sp>
+      <p:sp>
+        <p:nvSpPr>
+          <p:cNvPr id="4" name="Content Placeholder 3"/>
+          <p:cNvSpPr>
+            <a:spLocks noGrp="1"/>
+          </p:cNvSpPr>
+          <p:nvPr>
+            <p:ph idx="1"/>
+          </p:nvPr>
+        </p:nvSpPr>
+        <p:spPr>
+          <a:xfrm>
+            <a:off x="61472" y="1600200"/>
+            <a:ext cx="8998004" cy="4525963"/>
+          </a:xfrm>
+        </p:spPr>
+        <p:txBody>
+          <a:bodyPr>
+            <a:normAutofit fontScale="25000" lnSpcReduction="20000"/>
+          </a:bodyPr>
+          <a:lstStyle/>
+          <a:p>
+            <a:r>
+              <a:rPr lang="en-US" sz="6400" dirty="0"/>
+              <a:t> static </a:t>
+            </a:r>
+            <a:r>
+              <a:rPr lang="en-US" sz="6400" dirty="0" err="1"/>
+              <a:t>int</a:t>
+            </a:r>
+            <a:r>
+              <a:rPr lang="en-US" sz="6400" dirty="0"/>
+              <a:t> </a:t>
+            </a:r>
+            <a:r>
+              <a:rPr lang="en-US" sz="6400" dirty="0" err="1"/>
+              <a:t>recursive_loop</a:t>
+            </a:r>
+            <a:r>
+              <a:rPr lang="en-US" sz="6400" dirty="0"/>
+              <a:t> (</a:t>
+            </a:r>
+            <a:r>
+              <a:rPr lang="en-US" sz="6400" dirty="0" err="1"/>
+              <a:t>int</a:t>
+            </a:r>
+            <a:r>
+              <a:rPr lang="en-US" sz="6400" dirty="0"/>
+              <a:t> lo, </a:t>
+            </a:r>
+            <a:r>
+              <a:rPr lang="en-US" sz="6400" dirty="0" err="1"/>
+              <a:t>int</a:t>
+            </a:r>
+            <a:r>
+              <a:rPr lang="en-US" sz="6400" dirty="0"/>
+              <a:t> hi, </a:t>
+            </a:r>
+            <a:r>
+              <a:rPr lang="en-US" sz="6400" dirty="0" err="1"/>
+              <a:t>int</a:t>
+            </a:r>
+            <a:r>
+              <a:rPr lang="en-US" sz="6400" dirty="0"/>
+              <a:t>[] A, </a:t>
+            </a:r>
+            <a:r>
+              <a:rPr lang="en-US" sz="6400" dirty="0" err="1"/>
+              <a:t>int</a:t>
+            </a:r>
+            <a:r>
+              <a:rPr lang="en-US" sz="6400" dirty="0"/>
+              <a:t> </a:t>
+            </a:r>
+            <a:r>
+              <a:rPr lang="en-US" sz="6400" dirty="0" err="1"/>
+              <a:t>tgt</a:t>
+            </a:r>
+            <a:r>
+              <a:rPr lang="en-US" sz="6400" dirty="0"/>
+              <a:t>) {</a:t>
+            </a:r>
+          </a:p>
+          <a:p>
+            <a:r>
+              <a:rPr lang="en-US" sz="6400" dirty="0"/>
+              <a:t>        if (lo == hi) { // the search area is empty        </a:t>
+            </a:r>
+          </a:p>
+          <a:p>
+            <a:r>
+              <a:rPr lang="en-US" sz="6400" dirty="0"/>
+              <a:t>            return -1;</a:t>
+            </a:r>
+          </a:p>
+          <a:p>
+            <a:r>
+              <a:rPr lang="en-US" sz="6400" dirty="0"/>
+              <a:t>        }</a:t>
+            </a:r>
+          </a:p>
+          <a:p>
+            <a:r>
+              <a:rPr lang="en-US" sz="6400" dirty="0"/>
+              <a:t>        else { /* do nothing */}</a:t>
+            </a:r>
+          </a:p>
+          <a:p>
+            <a:r>
+              <a:rPr lang="en-US" sz="6400" dirty="0"/>
+              <a:t>        // choose an element in [</a:t>
+            </a:r>
+            <a:r>
+              <a:rPr lang="en-US" sz="6400" dirty="0" err="1"/>
+              <a:t>lo,hi</a:t>
+            </a:r>
+            <a:r>
+              <a:rPr lang="en-US" sz="6400" dirty="0"/>
+              <a:t>) . </a:t>
+            </a:r>
+          </a:p>
+          <a:p>
+            <a:r>
+              <a:rPr lang="en-US" sz="6400" dirty="0"/>
+              <a:t>        </a:t>
+            </a:r>
+            <a:r>
+              <a:rPr lang="en-US" sz="6400" dirty="0" err="1"/>
+              <a:t>int</a:t>
+            </a:r>
+            <a:r>
+              <a:rPr lang="en-US" sz="6400" dirty="0"/>
+              <a:t> mid = (lo + hi) / 2;</a:t>
+            </a:r>
+          </a:p>
+          <a:p>
+            <a:r>
+              <a:rPr lang="en-US" sz="6400" dirty="0"/>
+              <a:t>        if (A[mid] == </a:t>
+            </a:r>
+            <a:r>
+              <a:rPr lang="en-US" sz="6400" dirty="0" err="1"/>
+              <a:t>tgt</a:t>
+            </a:r>
+            <a:r>
+              <a:rPr lang="en-US" sz="6400" dirty="0"/>
+              <a:t>) { // we have found the target</a:t>
+            </a:r>
+          </a:p>
+          <a:p>
+            <a:r>
+              <a:rPr lang="en-US" sz="6400" dirty="0"/>
+              <a:t>            return mid;</a:t>
+            </a:r>
+          </a:p>
+          <a:p>
+            <a:r>
+              <a:rPr lang="en-US" sz="6400" dirty="0"/>
+              <a:t>        }</a:t>
+            </a:r>
+          </a:p>
+          <a:p>
+            <a:r>
+              <a:rPr lang="en-US" sz="6400" dirty="0"/>
+              <a:t>        else if (A[mid] &lt; </a:t>
+            </a:r>
+            <a:r>
+              <a:rPr lang="en-US" sz="6400" dirty="0" err="1"/>
+              <a:t>tgt</a:t>
+            </a:r>
+            <a:r>
+              <a:rPr lang="en-US" sz="6400" dirty="0"/>
+              <a:t>) {</a:t>
+            </a:r>
+          </a:p>
+          <a:p>
+            <a:r>
+              <a:rPr lang="en-US" sz="6400" dirty="0"/>
+              <a:t>            // the target can't be to the left of mid, so search right half</a:t>
+            </a:r>
+          </a:p>
+          <a:p>
+            <a:r>
+              <a:rPr lang="en-US" sz="6400" dirty="0"/>
+              <a:t>            return </a:t>
+            </a:r>
+            <a:r>
+              <a:rPr lang="en-US" sz="6400" dirty="0" err="1"/>
+              <a:t>recursive_loop</a:t>
+            </a:r>
+            <a:r>
+              <a:rPr lang="en-US" sz="6400" dirty="0"/>
+              <a:t> (mid+1, hi, A, </a:t>
+            </a:r>
+            <a:r>
+              <a:rPr lang="en-US" sz="6400" dirty="0" err="1"/>
+              <a:t>tgt</a:t>
+            </a:r>
+            <a:r>
+              <a:rPr lang="en-US" sz="6400" dirty="0"/>
+              <a:t>);</a:t>
+            </a:r>
+          </a:p>
+          <a:p>
+            <a:r>
+              <a:rPr lang="en-US" sz="6400" dirty="0"/>
+              <a:t>        }</a:t>
+            </a:r>
+          </a:p>
+          <a:p>
+            <a:r>
+              <a:rPr lang="en-US" sz="6400" dirty="0"/>
+              <a:t>        else {</a:t>
+            </a:r>
+          </a:p>
+          <a:p>
+            <a:r>
+              <a:rPr lang="en-US" sz="6400" dirty="0"/>
+              <a:t>            // otherwise the target can't be to the right of mid, so</a:t>
+            </a:r>
+          </a:p>
+          <a:p>
+            <a:r>
+              <a:rPr lang="en-US" sz="6400" dirty="0"/>
+              <a:t>            // search left half.</a:t>
+            </a:r>
+          </a:p>
+          <a:p>
+            <a:r>
+              <a:rPr lang="en-US" sz="6400" dirty="0"/>
+              <a:t>            return </a:t>
+            </a:r>
+            <a:r>
+              <a:rPr lang="en-US" sz="6400" dirty="0" err="1"/>
+              <a:t>recursive_loop</a:t>
+            </a:r>
+            <a:r>
+              <a:rPr lang="en-US" sz="6400" dirty="0"/>
+              <a:t> (lo, mid, A, </a:t>
+            </a:r>
+            <a:r>
+              <a:rPr lang="en-US" sz="6400" dirty="0" err="1"/>
+              <a:t>tgt</a:t>
+            </a:r>
+            <a:r>
+              <a:rPr lang="en-US" sz="6400" dirty="0"/>
+              <a:t>);</a:t>
+            </a:r>
+          </a:p>
+          <a:p>
+            <a:r>
+              <a:rPr lang="en-US" sz="6400" dirty="0"/>
+              <a:t>        }</a:t>
+            </a:r>
+          </a:p>
+          <a:p>
+            <a:r>
+              <a:rPr lang="en-US" sz="6400" dirty="0"/>
+              <a:t>    }                           </a:t>
+            </a:r>
+          </a:p>
+          <a:p>
+            <a:r>
+              <a:rPr lang="en-US" sz="6400" dirty="0"/>
+              <a:t>               </a:t>
+            </a:r>
+          </a:p>
+        </p:txBody>
+      </p:sp>
+      <p:sp>
+        <p:nvSpPr>
+          <p:cNvPr id="3" name="Slide Number Placeholder 2"/>
+          <p:cNvSpPr>
+            <a:spLocks noGrp="1"/>
+          </p:cNvSpPr>
+          <p:nvPr>
+            <p:ph type="sldNum" sz="quarter" idx="12"/>
+          </p:nvPr>
+        </p:nvSpPr>
+        <p:spPr/>
+        <p:txBody>
+          <a:bodyPr/>
+          <a:lstStyle/>
+          <a:p>
+            <a:fld id="{9F4492BD-6A9C-48FC-AC76-0B4FE11194A1}" type="slidenum">
+              <a:rPr lang="en-US" smtClean="0"/>
+              <a:pPr/>
+              <a:t>20</a:t>
+            </a:fld>
+            <a:endParaRPr lang="en-US"/>
+          </a:p>
+        </p:txBody>
+      </p:sp>
+    </p:spTree>
+    <p:extLst>
+      <p:ext uri="{BB962C8B-B14F-4D97-AF65-F5344CB8AC3E}">
+        <p14:creationId xmlns:p14="http://schemas.microsoft.com/office/powerpoint/2010/main" val="4129760149"/>
       </p:ext>
     </p:extLst>
   </p:cSld>
@@ -10673,7 +11535,13 @@
       </p:grpSpPr>
       <p:sp>
         <p:nvSpPr>
-          <p:cNvPr id="2" name="Title 1"/>
+          <p:cNvPr id="5" name="Title 4">
+            <a:extLst>
+              <a:ext uri="{FF2B5EF4-FFF2-40B4-BE49-F238E27FC236}">
+                <a16:creationId xmlns:a16="http://schemas.microsoft.com/office/drawing/2014/main" id="{81C98E5E-488B-48DA-9812-6FB31C1D7DAC}"/>
+              </a:ext>
+            </a:extLst>
+          </p:cNvPr>
           <p:cNvSpPr>
             <a:spLocks noGrp="1"/>
           </p:cNvSpPr>
@@ -10688,14 +11556,20 @@
           <a:p>
             <a:r>
               <a:rPr lang="en-US" dirty="0"/>
-              <a:t>As code:</a:t>
-            </a:r>
-          </a:p>
-        </p:txBody>
-      </p:sp>
-      <p:sp>
-        <p:nvSpPr>
-          <p:cNvPr id="4" name="Content Placeholder 3"/>
+              <a:t>Let’s watch this work</a:t>
+            </a:r>
+          </a:p>
+        </p:txBody>
+      </p:sp>
+      <p:sp>
+        <p:nvSpPr>
+          <p:cNvPr id="6" name="Content Placeholder 5">
+            <a:extLst>
+              <a:ext uri="{FF2B5EF4-FFF2-40B4-BE49-F238E27FC236}">
+                <a16:creationId xmlns:a16="http://schemas.microsoft.com/office/drawing/2014/main" id="{F650ED01-3ECE-44AF-83E7-29785F5BC26C}"/>
+              </a:ext>
+            </a:extLst>
+          </p:cNvPr>
           <p:cNvSpPr>
             <a:spLocks noGrp="1"/>
           </p:cNvSpPr>
@@ -10703,268 +11577,49 @@
             <p:ph idx="1"/>
           </p:nvPr>
         </p:nvSpPr>
-        <p:spPr>
-          <a:xfrm>
-            <a:off x="61472" y="1600200"/>
-            <a:ext cx="8998004" cy="4525963"/>
-          </a:xfrm>
-        </p:spPr>
-        <p:txBody>
-          <a:bodyPr>
-            <a:normAutofit fontScale="25000" lnSpcReduction="20000"/>
-          </a:bodyPr>
-          <a:lstStyle/>
-          <a:p>
-            <a:r>
-              <a:rPr lang="en-US" sz="6400" dirty="0"/>
-              <a:t> static </a:t>
-            </a:r>
-            <a:r>
-              <a:rPr lang="en-US" sz="6400" dirty="0" err="1"/>
-              <a:t>int</a:t>
-            </a:r>
-            <a:r>
-              <a:rPr lang="en-US" sz="6400" dirty="0"/>
-              <a:t> </a:t>
-            </a:r>
-            <a:r>
-              <a:rPr lang="en-US" sz="6400" dirty="0" err="1"/>
-              <a:t>recursive_loop</a:t>
-            </a:r>
-            <a:r>
-              <a:rPr lang="en-US" sz="6400" dirty="0"/>
-              <a:t> (</a:t>
-            </a:r>
-            <a:r>
-              <a:rPr lang="en-US" sz="6400" dirty="0" err="1"/>
-              <a:t>int</a:t>
-            </a:r>
-            <a:r>
-              <a:rPr lang="en-US" sz="6400" dirty="0"/>
-              <a:t> lo, </a:t>
-            </a:r>
-            <a:r>
-              <a:rPr lang="en-US" sz="6400" dirty="0" err="1"/>
-              <a:t>int</a:t>
-            </a:r>
-            <a:r>
-              <a:rPr lang="en-US" sz="6400" dirty="0"/>
-              <a:t> hi, </a:t>
-            </a:r>
-            <a:r>
-              <a:rPr lang="en-US" sz="6400" dirty="0" err="1"/>
-              <a:t>int</a:t>
-            </a:r>
-            <a:r>
-              <a:rPr lang="en-US" sz="6400" dirty="0"/>
-              <a:t>[] A, </a:t>
-            </a:r>
-            <a:r>
-              <a:rPr lang="en-US" sz="6400" dirty="0" err="1"/>
-              <a:t>int</a:t>
-            </a:r>
-            <a:r>
-              <a:rPr lang="en-US" sz="6400" dirty="0"/>
-              <a:t> </a:t>
-            </a:r>
-            <a:r>
-              <a:rPr lang="en-US" sz="6400" dirty="0" err="1"/>
-              <a:t>tgt</a:t>
-            </a:r>
-            <a:r>
-              <a:rPr lang="en-US" sz="6400" dirty="0"/>
-              <a:t>) {</a:t>
-            </a:r>
-          </a:p>
-          <a:p>
-            <a:r>
-              <a:rPr lang="en-US" sz="6400" dirty="0"/>
-              <a:t>        if (lo == hi) { // the search area is empty        </a:t>
-            </a:r>
-          </a:p>
-          <a:p>
-            <a:r>
-              <a:rPr lang="en-US" sz="6400" dirty="0"/>
-              <a:t>            return -1;</a:t>
-            </a:r>
-          </a:p>
-          <a:p>
-            <a:r>
-              <a:rPr lang="en-US" sz="6400" dirty="0"/>
-              <a:t>        }</a:t>
-            </a:r>
-          </a:p>
-          <a:p>
-            <a:r>
-              <a:rPr lang="en-US" sz="6400" dirty="0"/>
-              <a:t>        else { /* do nothing */}</a:t>
-            </a:r>
-          </a:p>
-          <a:p>
-            <a:r>
-              <a:rPr lang="en-US" sz="6400" dirty="0"/>
-              <a:t>        // choose an element in [</a:t>
-            </a:r>
-            <a:r>
-              <a:rPr lang="en-US" sz="6400" dirty="0" err="1"/>
-              <a:t>lo,hi</a:t>
-            </a:r>
-            <a:r>
-              <a:rPr lang="en-US" sz="6400" dirty="0"/>
-              <a:t>) . </a:t>
-            </a:r>
-          </a:p>
-          <a:p>
-            <a:r>
-              <a:rPr lang="en-US" sz="6400" dirty="0"/>
-              <a:t>        </a:t>
-            </a:r>
-            <a:r>
-              <a:rPr lang="en-US" sz="6400" dirty="0" err="1"/>
-              <a:t>int</a:t>
-            </a:r>
-            <a:r>
-              <a:rPr lang="en-US" sz="6400" dirty="0"/>
-              <a:t> mid = (lo + hi) / 2;</a:t>
-            </a:r>
-          </a:p>
-          <a:p>
-            <a:r>
-              <a:rPr lang="en-US" sz="6400" dirty="0"/>
-              <a:t>        if (A[mid] == </a:t>
-            </a:r>
-            <a:r>
-              <a:rPr lang="en-US" sz="6400" dirty="0" err="1"/>
-              <a:t>tgt</a:t>
-            </a:r>
-            <a:r>
-              <a:rPr lang="en-US" sz="6400" dirty="0"/>
-              <a:t>) { // we have found the target</a:t>
-            </a:r>
-          </a:p>
-          <a:p>
-            <a:r>
-              <a:rPr lang="en-US" sz="6400" dirty="0"/>
-              <a:t>            return mid;</a:t>
-            </a:r>
-          </a:p>
-          <a:p>
-            <a:r>
-              <a:rPr lang="en-US" sz="6400" dirty="0"/>
-              <a:t>        }</a:t>
-            </a:r>
-          </a:p>
-          <a:p>
-            <a:r>
-              <a:rPr lang="en-US" sz="6400" dirty="0"/>
-              <a:t>        else if (A[mid] &lt; </a:t>
-            </a:r>
-            <a:r>
-              <a:rPr lang="en-US" sz="6400" dirty="0" err="1"/>
-              <a:t>tgt</a:t>
-            </a:r>
-            <a:r>
-              <a:rPr lang="en-US" sz="6400" dirty="0"/>
-              <a:t>) {</a:t>
-            </a:r>
-          </a:p>
-          <a:p>
-            <a:r>
-              <a:rPr lang="en-US" sz="6400" dirty="0"/>
-              <a:t>            // the target can't be to the left of mid, so search right half</a:t>
-            </a:r>
-          </a:p>
-          <a:p>
-            <a:r>
-              <a:rPr lang="en-US" sz="6400" dirty="0"/>
-              <a:t>            return </a:t>
-            </a:r>
-            <a:r>
-              <a:rPr lang="en-US" sz="6400" dirty="0" err="1"/>
-              <a:t>recursive_loop</a:t>
-            </a:r>
-            <a:r>
-              <a:rPr lang="en-US" sz="6400" dirty="0"/>
-              <a:t> (mid+1, hi, A, </a:t>
-            </a:r>
-            <a:r>
-              <a:rPr lang="en-US" sz="6400" dirty="0" err="1"/>
-              <a:t>tgt</a:t>
-            </a:r>
-            <a:r>
-              <a:rPr lang="en-US" sz="6400" dirty="0"/>
-              <a:t>);</a:t>
-            </a:r>
-          </a:p>
-          <a:p>
-            <a:r>
-              <a:rPr lang="en-US" sz="6400" dirty="0"/>
-              <a:t>        }</a:t>
-            </a:r>
-          </a:p>
-          <a:p>
-            <a:r>
-              <a:rPr lang="en-US" sz="6400" dirty="0"/>
-              <a:t>        else {</a:t>
-            </a:r>
-          </a:p>
-          <a:p>
-            <a:r>
-              <a:rPr lang="en-US" sz="6400" dirty="0"/>
-              <a:t>            // otherwise the target can't be to the right of mid, so</a:t>
-            </a:r>
-          </a:p>
-          <a:p>
-            <a:r>
-              <a:rPr lang="en-US" sz="6400" dirty="0"/>
-              <a:t>            // search left half.</a:t>
-            </a:r>
-          </a:p>
-          <a:p>
-            <a:r>
-              <a:rPr lang="en-US" sz="6400" dirty="0"/>
-              <a:t>            return </a:t>
-            </a:r>
-            <a:r>
-              <a:rPr lang="en-US" sz="6400" dirty="0" err="1"/>
-              <a:t>recursive_loop</a:t>
-            </a:r>
-            <a:r>
-              <a:rPr lang="en-US" sz="6400" dirty="0"/>
-              <a:t> (lo, mid, A, </a:t>
-            </a:r>
-            <a:r>
-              <a:rPr lang="en-US" sz="6400" dirty="0" err="1"/>
-              <a:t>tgt</a:t>
-            </a:r>
-            <a:r>
-              <a:rPr lang="en-US" sz="6400" dirty="0"/>
-              <a:t>);</a:t>
-            </a:r>
-          </a:p>
-          <a:p>
-            <a:r>
-              <a:rPr lang="en-US" sz="6400" dirty="0"/>
-              <a:t>        }</a:t>
-            </a:r>
-          </a:p>
-          <a:p>
-            <a:r>
-              <a:rPr lang="en-US" sz="6400" dirty="0"/>
-              <a:t>    }                           </a:t>
-            </a:r>
-          </a:p>
-          <a:p>
-            <a:r>
-              <a:rPr lang="en-US" sz="6400" dirty="0"/>
-              <a:t>               </a:t>
-            </a:r>
-          </a:p>
-        </p:txBody>
-      </p:sp>
-      <p:sp>
-        <p:nvSpPr>
-          <p:cNvPr id="3" name="Slide Number Placeholder 2"/>
+        <p:spPr/>
+        <p:txBody>
+          <a:bodyPr/>
+          <a:lstStyle/>
+          <a:p>
+            <a:r>
+              <a:rPr lang="en-US" dirty="0"/>
+              <a:t>Imagine A is an array with A[</a:t>
+            </a:r>
+            <a:r>
+              <a:rPr lang="en-US" dirty="0" err="1"/>
+              <a:t>i</a:t>
+            </a:r>
+            <a:r>
+              <a:rPr lang="en-US" dirty="0"/>
+              <a:t>] = i^2 for </a:t>
+            </a:r>
+            <a:r>
+              <a:rPr lang="en-US" dirty="0" err="1"/>
+              <a:t>i</a:t>
+            </a:r>
+            <a:r>
+              <a:rPr lang="en-US" dirty="0"/>
+              <a:t> in [0,40).</a:t>
+            </a:r>
+          </a:p>
+          <a:p>
+            <a:r>
+              <a:rPr lang="en-US" dirty="0"/>
+              <a:t>Let’s find an element of A that contains 49. </a:t>
+            </a:r>
+          </a:p>
+        </p:txBody>
+      </p:sp>
+      <p:sp>
+        <p:nvSpPr>
+          <p:cNvPr id="4" name="Slide Number Placeholder 3">
+            <a:extLst>
+              <a:ext uri="{FF2B5EF4-FFF2-40B4-BE49-F238E27FC236}">
+                <a16:creationId xmlns:a16="http://schemas.microsoft.com/office/drawing/2014/main" id="{25401DD5-AFC7-4FF7-8342-DE30F65CB0AB}"/>
+              </a:ext>
+            </a:extLst>
+          </p:cNvPr>
           <p:cNvSpPr>
             <a:spLocks noGrp="1"/>
           </p:cNvSpPr>
@@ -10977,9 +11632,8 @@
           <a:bodyPr/>
           <a:lstStyle/>
           <a:p>
-            <a:fld id="{9F4492BD-6A9C-48FC-AC76-0B4FE11194A1}" type="slidenum">
+            <a:fld id="{2AF3B5EA-18B6-4040-9F78-6052AF49C681}" type="slidenum">
               <a:rPr lang="en-US" smtClean="0"/>
-              <a:pPr/>
               <a:t>21</a:t>
             </a:fld>
             <a:endParaRPr lang="en-US"/>
@@ -10989,7 +11643,7 @@
     </p:spTree>
     <p:extLst>
       <p:ext uri="{BB962C8B-B14F-4D97-AF65-F5344CB8AC3E}">
-        <p14:creationId xmlns:p14="http://schemas.microsoft.com/office/powerpoint/2010/main" val="4129760149"/>
+        <p14:creationId xmlns:p14="http://schemas.microsoft.com/office/powerpoint/2010/main" val="2590455869"/>
       </p:ext>
     </p:extLst>
   </p:cSld>
@@ -11018,13 +11672,7 @@
       </p:grpSpPr>
       <p:sp>
         <p:nvSpPr>
-          <p:cNvPr id="5" name="Title 4">
-            <a:extLst>
-              <a:ext uri="{FF2B5EF4-FFF2-40B4-BE49-F238E27FC236}">
-                <a16:creationId xmlns:a16="http://schemas.microsoft.com/office/drawing/2014/main" id="{81C98E5E-488B-48DA-9812-6FB31C1D7DAC}"/>
-              </a:ext>
-            </a:extLst>
-          </p:cNvPr>
+          <p:cNvPr id="2" name="Title 1"/>
           <p:cNvSpPr>
             <a:spLocks noGrp="1"/>
           </p:cNvSpPr>
@@ -11039,20 +11687,14 @@
           <a:p>
             <a:r>
               <a:rPr lang="en-US" dirty="0"/>
-              <a:t>Let’s watch this work</a:t>
-            </a:r>
-          </a:p>
-        </p:txBody>
-      </p:sp>
-      <p:sp>
-        <p:nvSpPr>
-          <p:cNvPr id="6" name="Content Placeholder 5">
-            <a:extLst>
-              <a:ext uri="{FF2B5EF4-FFF2-40B4-BE49-F238E27FC236}">
-                <a16:creationId xmlns:a16="http://schemas.microsoft.com/office/drawing/2014/main" id="{F650ED01-3ECE-44AF-83E7-29785F5BC26C}"/>
-              </a:ext>
-            </a:extLst>
-          </p:cNvPr>
+              <a:t>Watch this work</a:t>
+            </a:r>
+          </a:p>
+        </p:txBody>
+      </p:sp>
+      <p:sp>
+        <p:nvSpPr>
+          <p:cNvPr id="3" name="Content Placeholder 2"/>
           <p:cNvSpPr>
             <a:spLocks noGrp="1"/>
           </p:cNvSpPr>
@@ -11062,71 +11704,331 @@
         </p:nvSpPr>
         <p:spPr/>
         <p:txBody>
+          <a:bodyPr>
+            <a:normAutofit fontScale="92500" lnSpcReduction="10000"/>
+          </a:bodyPr>
+          <a:lstStyle/>
+          <a:p>
+            <a:pPr>
+              <a:lnSpc>
+                <a:spcPct val="150000"/>
+              </a:lnSpc>
+            </a:pPr>
+            <a:r>
+              <a:rPr lang="en-US" dirty="0"/>
+              <a:t>(</a:t>
+            </a:r>
+            <a:r>
+              <a:rPr lang="en-US" dirty="0" err="1"/>
+              <a:t>recursive_loop</a:t>
+            </a:r>
+            <a:r>
+              <a:rPr lang="en-US" dirty="0"/>
+              <a:t> 0 40 A 49)</a:t>
+            </a:r>
+          </a:p>
+          <a:p>
+            <a:pPr>
+              <a:lnSpc>
+                <a:spcPct val="150000"/>
+              </a:lnSpc>
+            </a:pPr>
+            <a:r>
+              <a:rPr lang="en-US" dirty="0"/>
+              <a:t>= (</a:t>
+            </a:r>
+            <a:r>
+              <a:rPr lang="en-US" dirty="0" err="1"/>
+              <a:t>recursive_loop</a:t>
+            </a:r>
+            <a:r>
+              <a:rPr lang="en-US" dirty="0"/>
+              <a:t> 0 20 A 49) </a:t>
+            </a:r>
+          </a:p>
+          <a:p>
+            <a:pPr>
+              <a:lnSpc>
+                <a:spcPct val="150000"/>
+              </a:lnSpc>
+            </a:pPr>
+            <a:r>
+              <a:rPr lang="en-US" dirty="0"/>
+              <a:t>= (</a:t>
+            </a:r>
+            <a:r>
+              <a:rPr lang="en-US" dirty="0" err="1"/>
+              <a:t>recursive_loop</a:t>
+            </a:r>
+            <a:r>
+              <a:rPr lang="en-US" dirty="0"/>
+              <a:t> 0 10 A 49)</a:t>
+            </a:r>
+          </a:p>
+          <a:p>
+            <a:pPr>
+              <a:lnSpc>
+                <a:spcPct val="150000"/>
+              </a:lnSpc>
+            </a:pPr>
+            <a:r>
+              <a:rPr lang="en-US" dirty="0"/>
+              <a:t>= (</a:t>
+            </a:r>
+            <a:r>
+              <a:rPr lang="en-US" dirty="0" err="1"/>
+              <a:t>recursive_loop</a:t>
+            </a:r>
+            <a:r>
+              <a:rPr lang="en-US" dirty="0"/>
+              <a:t> 6 10 A 49)</a:t>
+            </a:r>
+          </a:p>
+          <a:p>
+            <a:pPr>
+              <a:lnSpc>
+                <a:spcPct val="150000"/>
+              </a:lnSpc>
+            </a:pPr>
+            <a:r>
+              <a:rPr lang="en-US" dirty="0"/>
+              <a:t>= (</a:t>
+            </a:r>
+            <a:r>
+              <a:rPr lang="en-US" dirty="0" err="1"/>
+              <a:t>recursive_loop</a:t>
+            </a:r>
+            <a:r>
+              <a:rPr lang="en-US" dirty="0"/>
+              <a:t> 6 8 A 49)</a:t>
+            </a:r>
+          </a:p>
+          <a:p>
+            <a:pPr>
+              <a:lnSpc>
+                <a:spcPct val="150000"/>
+              </a:lnSpc>
+            </a:pPr>
+            <a:r>
+              <a:rPr lang="en-US" dirty="0"/>
+              <a:t>= 7</a:t>
+            </a:r>
+          </a:p>
+        </p:txBody>
+      </p:sp>
+      <p:sp>
+        <p:nvSpPr>
+          <p:cNvPr id="9" name="Slide Number Placeholder 8"/>
+          <p:cNvSpPr>
+            <a:spLocks noGrp="1"/>
+          </p:cNvSpPr>
+          <p:nvPr>
+            <p:ph type="sldNum" sz="quarter" idx="12"/>
+          </p:nvPr>
+        </p:nvSpPr>
+        <p:spPr/>
+        <p:txBody>
           <a:bodyPr/>
           <a:lstStyle/>
           <a:p>
-            <a:r>
-              <a:rPr lang="en-US" dirty="0"/>
-              <a:t>Imagine A is an array with A[</a:t>
-            </a:r>
-            <a:r>
-              <a:rPr lang="en-US" dirty="0" err="1"/>
-              <a:t>i</a:t>
-            </a:r>
-            <a:r>
-              <a:rPr lang="en-US" dirty="0"/>
-              <a:t>] = i^2 for </a:t>
-            </a:r>
-            <a:r>
-              <a:rPr lang="en-US" dirty="0" err="1"/>
-              <a:t>i</a:t>
-            </a:r>
-            <a:r>
-              <a:rPr lang="en-US" dirty="0"/>
-              <a:t> in [0,40).</a:t>
-            </a:r>
-          </a:p>
-          <a:p>
-            <a:r>
-              <a:rPr lang="en-US" dirty="0"/>
-              <a:t>Let’s find an element of A that contains 49. </a:t>
-            </a:r>
-          </a:p>
-        </p:txBody>
-      </p:sp>
-      <p:sp>
-        <p:nvSpPr>
-          <p:cNvPr id="4" name="Slide Number Placeholder 3">
-            <a:extLst>
-              <a:ext uri="{FF2B5EF4-FFF2-40B4-BE49-F238E27FC236}">
-                <a16:creationId xmlns:a16="http://schemas.microsoft.com/office/drawing/2014/main" id="{25401DD5-AFC7-4FF7-8342-DE30F65CB0AB}"/>
-              </a:ext>
-            </a:extLst>
-          </p:cNvPr>
-          <p:cNvSpPr>
-            <a:spLocks noGrp="1"/>
-          </p:cNvSpPr>
-          <p:nvPr>
-            <p:ph type="sldNum" sz="quarter" idx="12"/>
-          </p:nvPr>
-        </p:nvSpPr>
-        <p:spPr/>
-        <p:txBody>
-          <a:bodyPr/>
-          <a:lstStyle/>
-          <a:p>
-            <a:fld id="{2AF3B5EA-18B6-4040-9F78-6052AF49C681}" type="slidenum">
+            <a:fld id="{9F4492BD-6A9C-48FC-AC76-0B4FE11194A1}" type="slidenum">
               <a:rPr lang="en-US" smtClean="0"/>
+              <a:pPr/>
               <a:t>22</a:t>
             </a:fld>
             <a:endParaRPr lang="en-US"/>
           </a:p>
         </p:txBody>
       </p:sp>
+      <p:sp>
+        <p:nvSpPr>
+          <p:cNvPr id="4" name="TextBox 3"/>
+          <p:cNvSpPr txBox="1"/>
+          <p:nvPr/>
+        </p:nvSpPr>
+        <p:spPr>
+          <a:xfrm>
+            <a:off x="6277215" y="2051566"/>
+            <a:ext cx="998991" cy="369332"/>
+          </a:xfrm>
+          <a:prstGeom prst="rect">
+            <a:avLst/>
+          </a:prstGeom>
+          <a:solidFill>
+            <a:schemeClr val="accent1">
+              <a:lumMod val="20000"/>
+              <a:lumOff val="80000"/>
+            </a:schemeClr>
+          </a:solidFill>
+          <a:ln>
+            <a:noFill/>
+          </a:ln>
+        </p:spPr>
+        <p:txBody>
+          <a:bodyPr wrap="none" rtlCol="0">
+            <a:spAutoFit/>
+          </a:bodyPr>
+          <a:lstStyle/>
+          <a:p>
+            <a:r>
+              <a:rPr lang="en-US" dirty="0"/>
+              <a:t>mid = 20</a:t>
+            </a:r>
+          </a:p>
+        </p:txBody>
+      </p:sp>
+      <p:sp>
+        <p:nvSpPr>
+          <p:cNvPr id="5" name="TextBox 4"/>
+          <p:cNvSpPr txBox="1"/>
+          <p:nvPr/>
+        </p:nvSpPr>
+        <p:spPr>
+          <a:xfrm>
+            <a:off x="6341335" y="2971800"/>
+            <a:ext cx="1051891" cy="369332"/>
+          </a:xfrm>
+          <a:prstGeom prst="rect">
+            <a:avLst/>
+          </a:prstGeom>
+          <a:solidFill>
+            <a:schemeClr val="accent1">
+              <a:lumMod val="20000"/>
+              <a:lumOff val="80000"/>
+            </a:schemeClr>
+          </a:solidFill>
+          <a:ln>
+            <a:noFill/>
+          </a:ln>
+        </p:spPr>
+        <p:txBody>
+          <a:bodyPr wrap="none" rtlCol="0">
+            <a:spAutoFit/>
+          </a:bodyPr>
+          <a:lstStyle/>
+          <a:p>
+            <a:r>
+              <a:rPr lang="en-US" dirty="0"/>
+              <a:t>mid = 10 </a:t>
+            </a:r>
+          </a:p>
+        </p:txBody>
+      </p:sp>
+      <p:sp>
+        <p:nvSpPr>
+          <p:cNvPr id="6" name="TextBox 5"/>
+          <p:cNvSpPr txBox="1"/>
+          <p:nvPr/>
+        </p:nvSpPr>
+        <p:spPr>
+          <a:xfrm>
+            <a:off x="6341335" y="3733800"/>
+            <a:ext cx="934871" cy="369332"/>
+          </a:xfrm>
+          <a:prstGeom prst="rect">
+            <a:avLst/>
+          </a:prstGeom>
+          <a:solidFill>
+            <a:schemeClr val="accent1">
+              <a:lumMod val="20000"/>
+              <a:lumOff val="80000"/>
+            </a:schemeClr>
+          </a:solidFill>
+          <a:ln>
+            <a:noFill/>
+          </a:ln>
+        </p:spPr>
+        <p:txBody>
+          <a:bodyPr wrap="none" rtlCol="0">
+            <a:spAutoFit/>
+          </a:bodyPr>
+          <a:lstStyle/>
+          <a:p>
+            <a:r>
+              <a:rPr lang="en-US" dirty="0"/>
+              <a:t>mid = 5 </a:t>
+            </a:r>
+          </a:p>
+        </p:txBody>
+      </p:sp>
+      <p:sp>
+        <p:nvSpPr>
+          <p:cNvPr id="7" name="TextBox 6"/>
+          <p:cNvSpPr txBox="1"/>
+          <p:nvPr/>
+        </p:nvSpPr>
+        <p:spPr>
+          <a:xfrm>
+            <a:off x="6309274" y="4495800"/>
+            <a:ext cx="881973" cy="369332"/>
+          </a:xfrm>
+          <a:prstGeom prst="rect">
+            <a:avLst/>
+          </a:prstGeom>
+          <a:solidFill>
+            <a:schemeClr val="accent1">
+              <a:lumMod val="20000"/>
+              <a:lumOff val="80000"/>
+            </a:schemeClr>
+          </a:solidFill>
+          <a:ln>
+            <a:noFill/>
+          </a:ln>
+        </p:spPr>
+        <p:txBody>
+          <a:bodyPr wrap="none" rtlCol="0">
+            <a:spAutoFit/>
+          </a:bodyPr>
+          <a:lstStyle/>
+          <a:p>
+            <a:r>
+              <a:rPr lang="en-US" dirty="0"/>
+              <a:t>mid = 8</a:t>
+            </a:r>
+          </a:p>
+        </p:txBody>
+      </p:sp>
+      <p:sp>
+        <p:nvSpPr>
+          <p:cNvPr id="8" name="TextBox 7"/>
+          <p:cNvSpPr txBox="1"/>
+          <p:nvPr/>
+        </p:nvSpPr>
+        <p:spPr>
+          <a:xfrm>
+            <a:off x="6309274" y="5257800"/>
+            <a:ext cx="934871" cy="369332"/>
+          </a:xfrm>
+          <a:prstGeom prst="rect">
+            <a:avLst/>
+          </a:prstGeom>
+          <a:solidFill>
+            <a:schemeClr val="accent1">
+              <a:lumMod val="20000"/>
+              <a:lumOff val="80000"/>
+            </a:schemeClr>
+          </a:solidFill>
+          <a:ln>
+            <a:noFill/>
+          </a:ln>
+        </p:spPr>
+        <p:txBody>
+          <a:bodyPr wrap="none" rtlCol="0">
+            <a:spAutoFit/>
+          </a:bodyPr>
+          <a:lstStyle/>
+          <a:p>
+            <a:r>
+              <a:rPr lang="en-US" dirty="0"/>
+              <a:t>mid = 7 </a:t>
+            </a:r>
+          </a:p>
+        </p:txBody>
+      </p:sp>
     </p:spTree>
     <p:extLst>
       <p:ext uri="{BB962C8B-B14F-4D97-AF65-F5344CB8AC3E}">
-        <p14:creationId xmlns:p14="http://schemas.microsoft.com/office/powerpoint/2010/main" val="2590455869"/>
+        <p14:creationId xmlns:p14="http://schemas.microsoft.com/office/powerpoint/2010/main" val="498782498"/>
       </p:ext>
     </p:extLst>
   </p:cSld>
@@ -11170,14 +12072,14 @@
           <a:p>
             <a:r>
               <a:rPr lang="en-US" dirty="0"/>
-              <a:t>Watch this work</a:t>
-            </a:r>
-          </a:p>
-        </p:txBody>
-      </p:sp>
-      <p:sp>
-        <p:nvSpPr>
-          <p:cNvPr id="3" name="Content Placeholder 2"/>
+              <a:t>What's the halting measure?</a:t>
+            </a:r>
+          </a:p>
+        </p:txBody>
+      </p:sp>
+      <p:sp>
+        <p:nvSpPr>
+          <p:cNvPr id="5" name="Content Placeholder 4"/>
           <p:cNvSpPr>
             <a:spLocks noGrp="1"/>
           </p:cNvSpPr>
@@ -11188,120 +12090,65 @@
         <p:spPr/>
         <p:txBody>
           <a:bodyPr>
-            <a:normAutofit fontScale="92500" lnSpcReduction="10000"/>
+            <a:normAutofit fontScale="92500" lnSpcReduction="20000"/>
           </a:bodyPr>
           <a:lstStyle/>
           <a:p>
-            <a:pPr>
-              <a:lnSpc>
-                <a:spcPct val="150000"/>
-              </a:lnSpc>
-            </a:pPr>
-            <a:r>
-              <a:rPr lang="en-US" dirty="0"/>
-              <a:t>(</a:t>
-            </a:r>
-            <a:r>
-              <a:rPr lang="en-US" dirty="0" err="1"/>
-              <a:t>recursive_loop</a:t>
-            </a:r>
-            <a:r>
-              <a:rPr lang="en-US" dirty="0"/>
-              <a:t> 0 40 A 49)</a:t>
-            </a:r>
-          </a:p>
-          <a:p>
-            <a:pPr>
-              <a:lnSpc>
-                <a:spcPct val="150000"/>
-              </a:lnSpc>
-            </a:pPr>
-            <a:r>
-              <a:rPr lang="en-US" dirty="0"/>
-              <a:t>= (</a:t>
-            </a:r>
-            <a:r>
-              <a:rPr lang="en-US" dirty="0" err="1"/>
-              <a:t>recursive_loop</a:t>
-            </a:r>
-            <a:r>
-              <a:rPr lang="en-US" dirty="0"/>
-              <a:t> 0 20 A 49) </a:t>
-            </a:r>
-          </a:p>
-          <a:p>
-            <a:pPr>
-              <a:lnSpc>
-                <a:spcPct val="150000"/>
-              </a:lnSpc>
-            </a:pPr>
-            <a:r>
-              <a:rPr lang="en-US" dirty="0"/>
-              <a:t>= (</a:t>
-            </a:r>
-            <a:r>
-              <a:rPr lang="en-US" dirty="0" err="1"/>
-              <a:t>recursive_loop</a:t>
-            </a:r>
-            <a:r>
-              <a:rPr lang="en-US" dirty="0"/>
-              <a:t> 0 10 A 49)</a:t>
-            </a:r>
-          </a:p>
-          <a:p>
-            <a:pPr>
-              <a:lnSpc>
-                <a:spcPct val="150000"/>
-              </a:lnSpc>
-            </a:pPr>
-            <a:r>
-              <a:rPr lang="en-US" dirty="0"/>
-              <a:t>= (</a:t>
-            </a:r>
-            <a:r>
-              <a:rPr lang="en-US" dirty="0" err="1"/>
-              <a:t>recursive_loop</a:t>
-            </a:r>
-            <a:r>
-              <a:rPr lang="en-US" dirty="0"/>
-              <a:t> 6 10 A 49)</a:t>
-            </a:r>
-          </a:p>
-          <a:p>
-            <a:pPr>
-              <a:lnSpc>
-                <a:spcPct val="150000"/>
-              </a:lnSpc>
-            </a:pPr>
-            <a:r>
-              <a:rPr lang="en-US" dirty="0"/>
-              <a:t>= (</a:t>
-            </a:r>
-            <a:r>
-              <a:rPr lang="en-US" dirty="0" err="1"/>
-              <a:t>recursive_loop</a:t>
-            </a:r>
-            <a:r>
-              <a:rPr lang="en-US" dirty="0"/>
-              <a:t> 6 8 A 49)</a:t>
-            </a:r>
-          </a:p>
-          <a:p>
-            <a:pPr>
-              <a:lnSpc>
-                <a:spcPct val="150000"/>
-              </a:lnSpc>
-            </a:pPr>
-            <a:r>
-              <a:rPr lang="en-US" dirty="0"/>
-              <a:t>= 7</a:t>
-            </a:r>
-          </a:p>
-        </p:txBody>
-      </p:sp>
-      <p:sp>
-        <p:nvSpPr>
-          <p:cNvPr id="9" name="Slide Number Placeholder 8"/>
+            <a:r>
+              <a:rPr lang="en-US" dirty="0"/>
+              <a:t>Proposed halting measure: hi-lo</a:t>
+            </a:r>
+          </a:p>
+          <a:p>
+            <a:pPr lvl="1"/>
+            <a:r>
+              <a:rPr lang="en-US" dirty="0"/>
+              <a:t>(the size of the search region)</a:t>
+            </a:r>
+          </a:p>
+          <a:p>
+            <a:r>
+              <a:rPr lang="en-US" dirty="0"/>
+              <a:t>Justification:</a:t>
+            </a:r>
+          </a:p>
+          <a:p>
+            <a:pPr lvl="1"/>
+            <a:r>
+              <a:rPr lang="en-US" dirty="0"/>
+              <a:t>Since the invariant says that lo &lt;= hi, we are guaranteed that hi-lo is a non-negative integer</a:t>
+            </a:r>
+          </a:p>
+          <a:p>
+            <a:pPr lvl="1"/>
+            <a:r>
+              <a:rPr lang="en-US" dirty="0"/>
+              <a:t>Must check to see that hi-lo decreases on every recursive call.</a:t>
+            </a:r>
+          </a:p>
+          <a:p>
+            <a:pPr lvl="1"/>
+            <a:r>
+              <a:rPr lang="en-US" dirty="0"/>
+              <a:t>At the first recursive call, lo increases (since lo &lt;= mid &lt; mid+1) and hi stays the same.</a:t>
+            </a:r>
+          </a:p>
+          <a:p>
+            <a:pPr lvl="1"/>
+            <a:r>
+              <a:rPr lang="en-US" dirty="0"/>
+              <a:t>At the second recursive call, lo stays the same but hi decreases (mid will always be less than hi because integer quotient rounds down).</a:t>
+            </a:r>
+          </a:p>
+          <a:p>
+            <a:pPr lvl="2"/>
+            <a:endParaRPr lang="en-US" dirty="0"/>
+          </a:p>
+        </p:txBody>
+      </p:sp>
+      <p:sp>
+        <p:nvSpPr>
+          <p:cNvPr id="3" name="Slide Number Placeholder 2"/>
           <p:cNvSpPr>
             <a:spLocks noGrp="1"/>
           </p:cNvSpPr>
@@ -11323,195 +12170,10 @@
           </a:p>
         </p:txBody>
       </p:sp>
-      <p:sp>
-        <p:nvSpPr>
-          <p:cNvPr id="4" name="TextBox 3"/>
-          <p:cNvSpPr txBox="1"/>
-          <p:nvPr/>
-        </p:nvSpPr>
-        <p:spPr>
-          <a:xfrm>
-            <a:off x="6277215" y="2051566"/>
-            <a:ext cx="998991" cy="369332"/>
-          </a:xfrm>
-          <a:prstGeom prst="rect">
-            <a:avLst/>
-          </a:prstGeom>
-          <a:solidFill>
-            <a:schemeClr val="accent1">
-              <a:lumMod val="20000"/>
-              <a:lumOff val="80000"/>
-            </a:schemeClr>
-          </a:solidFill>
-          <a:ln>
-            <a:noFill/>
-          </a:ln>
-        </p:spPr>
-        <p:txBody>
-          <a:bodyPr wrap="none" rtlCol="0">
-            <a:spAutoFit/>
-          </a:bodyPr>
-          <a:lstStyle/>
-          <a:p>
-            <a:r>
-              <a:rPr lang="en-US" dirty="0"/>
-              <a:t>mid = 20</a:t>
-            </a:r>
-          </a:p>
-        </p:txBody>
-      </p:sp>
-      <p:sp>
-        <p:nvSpPr>
-          <p:cNvPr id="5" name="TextBox 4"/>
-          <p:cNvSpPr txBox="1"/>
-          <p:nvPr/>
-        </p:nvSpPr>
-        <p:spPr>
-          <a:xfrm>
-            <a:off x="6341335" y="2971800"/>
-            <a:ext cx="1051891" cy="369332"/>
-          </a:xfrm>
-          <a:prstGeom prst="rect">
-            <a:avLst/>
-          </a:prstGeom>
-          <a:solidFill>
-            <a:schemeClr val="accent1">
-              <a:lumMod val="20000"/>
-              <a:lumOff val="80000"/>
-            </a:schemeClr>
-          </a:solidFill>
-          <a:ln>
-            <a:noFill/>
-          </a:ln>
-        </p:spPr>
-        <p:txBody>
-          <a:bodyPr wrap="none" rtlCol="0">
-            <a:spAutoFit/>
-          </a:bodyPr>
-          <a:lstStyle/>
-          <a:p>
-            <a:r>
-              <a:rPr lang="en-US" dirty="0"/>
-              <a:t>mid = 10 </a:t>
-            </a:r>
-          </a:p>
-        </p:txBody>
-      </p:sp>
-      <p:sp>
-        <p:nvSpPr>
-          <p:cNvPr id="6" name="TextBox 5"/>
-          <p:cNvSpPr txBox="1"/>
-          <p:nvPr/>
-        </p:nvSpPr>
-        <p:spPr>
-          <a:xfrm>
-            <a:off x="6341335" y="3733800"/>
-            <a:ext cx="934871" cy="369332"/>
-          </a:xfrm>
-          <a:prstGeom prst="rect">
-            <a:avLst/>
-          </a:prstGeom>
-          <a:solidFill>
-            <a:schemeClr val="accent1">
-              <a:lumMod val="20000"/>
-              <a:lumOff val="80000"/>
-            </a:schemeClr>
-          </a:solidFill>
-          <a:ln>
-            <a:noFill/>
-          </a:ln>
-        </p:spPr>
-        <p:txBody>
-          <a:bodyPr wrap="none" rtlCol="0">
-            <a:spAutoFit/>
-          </a:bodyPr>
-          <a:lstStyle/>
-          <a:p>
-            <a:r>
-              <a:rPr lang="en-US" dirty="0"/>
-              <a:t>mid = 5 </a:t>
-            </a:r>
-          </a:p>
-        </p:txBody>
-      </p:sp>
-      <p:sp>
-        <p:nvSpPr>
-          <p:cNvPr id="7" name="TextBox 6"/>
-          <p:cNvSpPr txBox="1"/>
-          <p:nvPr/>
-        </p:nvSpPr>
-        <p:spPr>
-          <a:xfrm>
-            <a:off x="6309274" y="4495800"/>
-            <a:ext cx="881973" cy="369332"/>
-          </a:xfrm>
-          <a:prstGeom prst="rect">
-            <a:avLst/>
-          </a:prstGeom>
-          <a:solidFill>
-            <a:schemeClr val="accent1">
-              <a:lumMod val="20000"/>
-              <a:lumOff val="80000"/>
-            </a:schemeClr>
-          </a:solidFill>
-          <a:ln>
-            <a:noFill/>
-          </a:ln>
-        </p:spPr>
-        <p:txBody>
-          <a:bodyPr wrap="none" rtlCol="0">
-            <a:spAutoFit/>
-          </a:bodyPr>
-          <a:lstStyle/>
-          <a:p>
-            <a:r>
-              <a:rPr lang="en-US" dirty="0"/>
-              <a:t>mid = 8</a:t>
-            </a:r>
-          </a:p>
-        </p:txBody>
-      </p:sp>
-      <p:sp>
-        <p:nvSpPr>
-          <p:cNvPr id="8" name="TextBox 7"/>
-          <p:cNvSpPr txBox="1"/>
-          <p:nvPr/>
-        </p:nvSpPr>
-        <p:spPr>
-          <a:xfrm>
-            <a:off x="6309274" y="5257800"/>
-            <a:ext cx="934871" cy="369332"/>
-          </a:xfrm>
-          <a:prstGeom prst="rect">
-            <a:avLst/>
-          </a:prstGeom>
-          <a:solidFill>
-            <a:schemeClr val="accent1">
-              <a:lumMod val="20000"/>
-              <a:lumOff val="80000"/>
-            </a:schemeClr>
-          </a:solidFill>
-          <a:ln>
-            <a:noFill/>
-          </a:ln>
-        </p:spPr>
-        <p:txBody>
-          <a:bodyPr wrap="none" rtlCol="0">
-            <a:spAutoFit/>
-          </a:bodyPr>
-          <a:lstStyle/>
-          <a:p>
-            <a:r>
-              <a:rPr lang="en-US" dirty="0"/>
-              <a:t>mid = 7 </a:t>
-            </a:r>
-          </a:p>
-        </p:txBody>
-      </p:sp>
     </p:spTree>
     <p:extLst>
       <p:ext uri="{BB962C8B-B14F-4D97-AF65-F5344CB8AC3E}">
-        <p14:creationId xmlns:p14="http://schemas.microsoft.com/office/powerpoint/2010/main" val="498782498"/>
+        <p14:creationId xmlns:p14="http://schemas.microsoft.com/office/powerpoint/2010/main" val="3641683565"/>
       </p:ext>
     </p:extLst>
   </p:cSld>
@@ -11540,151 +12202,6 @@
       </p:grpSpPr>
       <p:sp>
         <p:nvSpPr>
-          <p:cNvPr id="2" name="Title 1"/>
-          <p:cNvSpPr>
-            <a:spLocks noGrp="1"/>
-          </p:cNvSpPr>
-          <p:nvPr>
-            <p:ph type="title"/>
-          </p:nvPr>
-        </p:nvSpPr>
-        <p:spPr/>
-        <p:txBody>
-          <a:bodyPr/>
-          <a:lstStyle/>
-          <a:p>
-            <a:r>
-              <a:rPr lang="en-US" dirty="0"/>
-              <a:t>What's the halting measure?</a:t>
-            </a:r>
-          </a:p>
-        </p:txBody>
-      </p:sp>
-      <p:sp>
-        <p:nvSpPr>
-          <p:cNvPr id="5" name="Content Placeholder 4"/>
-          <p:cNvSpPr>
-            <a:spLocks noGrp="1"/>
-          </p:cNvSpPr>
-          <p:nvPr>
-            <p:ph idx="1"/>
-          </p:nvPr>
-        </p:nvSpPr>
-        <p:spPr/>
-        <p:txBody>
-          <a:bodyPr>
-            <a:normAutofit fontScale="92500" lnSpcReduction="20000"/>
-          </a:bodyPr>
-          <a:lstStyle/>
-          <a:p>
-            <a:r>
-              <a:rPr lang="en-US" dirty="0"/>
-              <a:t>Proposed halting measure: hi-lo</a:t>
-            </a:r>
-          </a:p>
-          <a:p>
-            <a:pPr lvl="1"/>
-            <a:r>
-              <a:rPr lang="en-US" dirty="0"/>
-              <a:t>(the size of the search region)</a:t>
-            </a:r>
-          </a:p>
-          <a:p>
-            <a:r>
-              <a:rPr lang="en-US" dirty="0"/>
-              <a:t>Justification:</a:t>
-            </a:r>
-          </a:p>
-          <a:p>
-            <a:pPr lvl="1"/>
-            <a:r>
-              <a:rPr lang="en-US" dirty="0"/>
-              <a:t>Since the invariant says that lo &lt;= hi, we are guaranteed that hi-lo is a non-negative integer</a:t>
-            </a:r>
-          </a:p>
-          <a:p>
-            <a:pPr lvl="1"/>
-            <a:r>
-              <a:rPr lang="en-US" dirty="0"/>
-              <a:t>Must check to see that hi-lo decreases on every recursive call.</a:t>
-            </a:r>
-          </a:p>
-          <a:p>
-            <a:pPr lvl="1"/>
-            <a:r>
-              <a:rPr lang="en-US" dirty="0"/>
-              <a:t>At the first recursive call, lo increases (since lo &lt;= mid &lt; mid+1) and hi stays the same.</a:t>
-            </a:r>
-          </a:p>
-          <a:p>
-            <a:pPr lvl="1"/>
-            <a:r>
-              <a:rPr lang="en-US" dirty="0"/>
-              <a:t>At the second recursive call, lo stays the same but hi decreases (mid will always be less than hi because integer quotient rounds down).</a:t>
-            </a:r>
-          </a:p>
-          <a:p>
-            <a:pPr lvl="2"/>
-            <a:endParaRPr lang="en-US" dirty="0"/>
-          </a:p>
-        </p:txBody>
-      </p:sp>
-      <p:sp>
-        <p:nvSpPr>
-          <p:cNvPr id="3" name="Slide Number Placeholder 2"/>
-          <p:cNvSpPr>
-            <a:spLocks noGrp="1"/>
-          </p:cNvSpPr>
-          <p:nvPr>
-            <p:ph type="sldNum" sz="quarter" idx="12"/>
-          </p:nvPr>
-        </p:nvSpPr>
-        <p:spPr/>
-        <p:txBody>
-          <a:bodyPr/>
-          <a:lstStyle/>
-          <a:p>
-            <a:fld id="{9F4492BD-6A9C-48FC-AC76-0B4FE11194A1}" type="slidenum">
-              <a:rPr lang="en-US" smtClean="0"/>
-              <a:pPr/>
-              <a:t>24</a:t>
-            </a:fld>
-            <a:endParaRPr lang="en-US"/>
-          </a:p>
-        </p:txBody>
-      </p:sp>
-    </p:spTree>
-    <p:extLst>
-      <p:ext uri="{BB962C8B-B14F-4D97-AF65-F5344CB8AC3E}">
-        <p14:creationId xmlns:p14="http://schemas.microsoft.com/office/powerpoint/2010/main" val="3641683565"/>
-      </p:ext>
-    </p:extLst>
-  </p:cSld>
-  <p:clrMapOvr>
-    <a:masterClrMapping/>
-  </p:clrMapOvr>
-</p:sld>
-</file>
-
-<file path=ppt/slides/slide25.xml><?xml version="1.0" encoding="utf-8"?>
-<p:sld xmlns:a="http://schemas.openxmlformats.org/drawingml/2006/main" xmlns:r="http://schemas.openxmlformats.org/officeDocument/2006/relationships" xmlns:p="http://schemas.openxmlformats.org/presentationml/2006/main">
-  <p:cSld>
-    <p:spTree>
-      <p:nvGrpSpPr>
-        <p:cNvPr id="1" name=""/>
-        <p:cNvGrpSpPr/>
-        <p:nvPr/>
-      </p:nvGrpSpPr>
-      <p:grpSpPr>
-        <a:xfrm>
-          <a:off x="0" y="0"/>
-          <a:ext cx="0" cy="0"/>
-          <a:chOff x="0" y="0"/>
-          <a:chExt cx="0" cy="0"/>
-        </a:xfrm>
-      </p:grpSpPr>
-      <p:sp>
-        <p:nvSpPr>
           <p:cNvPr id="2" name="Title 1">
             <a:extLst>
               <a:ext uri="{FF2B5EF4-FFF2-40B4-BE49-F238E27FC236}">
@@ -11794,7 +12311,7 @@
           <a:p>
             <a:fld id="{2AF3B5EA-18B6-4040-9F78-6052AF49C681}" type="slidenum">
               <a:rPr lang="en-US" smtClean="0"/>
-              <a:t>25</a:t>
+              <a:t>24</a:t>
             </a:fld>
             <a:endParaRPr lang="en-US"/>
           </a:p>
@@ -12102,7 +12619,7 @@
 </p:sld>
 </file>
 
-<file path=ppt/slides/slide26.xml><?xml version="1.0" encoding="utf-8"?>
+<file path=ppt/slides/slide25.xml><?xml version="1.0" encoding="utf-8"?>
 <p:sld xmlns:a="http://schemas.openxmlformats.org/drawingml/2006/main" xmlns:r="http://schemas.openxmlformats.org/officeDocument/2006/relationships" xmlns:p="http://schemas.openxmlformats.org/presentationml/2006/main">
   <p:cSld>
     <p:spTree>
@@ -12309,7 +12826,7 @@
           <a:p>
             <a:fld id="{2AF3B5EA-18B6-4040-9F78-6052AF49C681}" type="slidenum">
               <a:rPr lang="en-US" smtClean="0"/>
-              <a:t>26</a:t>
+              <a:t>25</a:t>
             </a:fld>
             <a:endParaRPr lang="en-US"/>
           </a:p>
@@ -12534,6 +13051,194 @@
     <p:extLst>
       <p:ext uri="{BB962C8B-B14F-4D97-AF65-F5344CB8AC3E}">
         <p14:creationId xmlns:p14="http://schemas.microsoft.com/office/powerpoint/2010/main" val="55550802"/>
+      </p:ext>
+    </p:extLst>
+  </p:cSld>
+  <p:clrMapOvr>
+    <a:masterClrMapping/>
+  </p:clrMapOvr>
+</p:sld>
+</file>
+
+<file path=ppt/slides/slide26.xml><?xml version="1.0" encoding="utf-8"?>
+<p:sld xmlns:a="http://schemas.openxmlformats.org/drawingml/2006/main" xmlns:r="http://schemas.openxmlformats.org/officeDocument/2006/relationships" xmlns:p="http://schemas.openxmlformats.org/presentationml/2006/main">
+  <p:cSld>
+    <p:spTree>
+      <p:nvGrpSpPr>
+        <p:cNvPr id="1" name=""/>
+        <p:cNvGrpSpPr/>
+        <p:nvPr/>
+      </p:nvGrpSpPr>
+      <p:grpSpPr>
+        <a:xfrm>
+          <a:off x="0" y="0"/>
+          <a:ext cx="0" cy="0"/>
+          <a:chOff x="0" y="0"/>
+          <a:chExt cx="0" cy="0"/>
+        </a:xfrm>
+      </p:grpSpPr>
+      <p:sp>
+        <p:nvSpPr>
+          <p:cNvPr id="2" name="Title 1">
+            <a:extLst>
+              <a:ext uri="{FF2B5EF4-FFF2-40B4-BE49-F238E27FC236}">
+                <a16:creationId xmlns:a16="http://schemas.microsoft.com/office/drawing/2014/main" id="{A680300E-9432-4763-AFBE-752591EC723A}"/>
+              </a:ext>
+            </a:extLst>
+          </p:cNvPr>
+          <p:cNvSpPr>
+            <a:spLocks noGrp="1"/>
+          </p:cNvSpPr>
+          <p:nvPr>
+            <p:ph type="title"/>
+          </p:nvPr>
+        </p:nvSpPr>
+        <p:spPr/>
+        <p:txBody>
+          <a:bodyPr>
+            <a:normAutofit fontScale="90000"/>
+          </a:bodyPr>
+          <a:lstStyle/>
+          <a:p>
+            <a:r>
+              <a:rPr lang="en-US" dirty="0"/>
+              <a:t>In this case, we can rewrite the recursion as a loop</a:t>
+            </a:r>
+          </a:p>
+        </p:txBody>
+      </p:sp>
+      <p:sp>
+        <p:nvSpPr>
+          <p:cNvPr id="3" name="Content Placeholder 2">
+            <a:extLst>
+              <a:ext uri="{FF2B5EF4-FFF2-40B4-BE49-F238E27FC236}">
+                <a16:creationId xmlns:a16="http://schemas.microsoft.com/office/drawing/2014/main" id="{C9AC16E5-45F2-4CF0-BC4D-EA9D07C44DEF}"/>
+              </a:ext>
+            </a:extLst>
+          </p:cNvPr>
+          <p:cNvSpPr>
+            <a:spLocks noGrp="1"/>
+          </p:cNvSpPr>
+          <p:nvPr>
+            <p:ph idx="1"/>
+          </p:nvPr>
+        </p:nvSpPr>
+        <p:spPr>
+          <a:xfrm>
+            <a:off x="457200" y="1577148"/>
+            <a:ext cx="8229600" cy="4525963"/>
+          </a:xfrm>
+        </p:spPr>
+        <p:txBody>
+          <a:bodyPr/>
+          <a:lstStyle/>
+          <a:p>
+            <a:r>
+              <a:rPr lang="en-US" b="0" dirty="0">
+                <a:latin typeface="+mn-lt"/>
+              </a:rPr>
+              <a:t>Instead of saying</a:t>
+            </a:r>
+          </a:p>
+          <a:p>
+            <a:r>
+              <a:rPr lang="en-US" sz="2400" dirty="0"/>
+              <a:t>return </a:t>
+            </a:r>
+            <a:r>
+              <a:rPr lang="en-US" sz="2400" dirty="0" err="1"/>
+              <a:t>recursive_loop</a:t>
+            </a:r>
+            <a:r>
+              <a:rPr lang="en-US" sz="2400" dirty="0"/>
+              <a:t> (</a:t>
+            </a:r>
+            <a:r>
+              <a:rPr lang="en-US" sz="2400" b="0" i="1" dirty="0"/>
+              <a:t>...</a:t>
+            </a:r>
+            <a:r>
+              <a:rPr lang="en-US" sz="2400" dirty="0"/>
+              <a:t>, ..., A, </a:t>
+            </a:r>
+            <a:r>
+              <a:rPr lang="en-US" sz="2400" dirty="0" err="1"/>
+              <a:t>tgt</a:t>
+            </a:r>
+            <a:r>
+              <a:rPr lang="en-US" sz="2400" dirty="0"/>
+              <a:t>);</a:t>
+            </a:r>
+          </a:p>
+          <a:p>
+            <a:r>
+              <a:rPr lang="en-US" b="0" dirty="0">
+                <a:latin typeface="+mn-lt"/>
+              </a:rPr>
+              <a:t>we say</a:t>
+            </a:r>
+          </a:p>
+          <a:p>
+            <a:r>
+              <a:rPr lang="en-US" sz="2400" dirty="0"/>
+              <a:t>   lo = ...</a:t>
+            </a:r>
+          </a:p>
+          <a:p>
+            <a:r>
+              <a:rPr lang="en-US" sz="2400" dirty="0"/>
+              <a:t>   hi = ...</a:t>
+            </a:r>
+          </a:p>
+          <a:p>
+            <a:r>
+              <a:rPr lang="en-US" b="0" dirty="0">
+                <a:latin typeface="+mn-lt"/>
+              </a:rPr>
+              <a:t>and go to the top of the loop.</a:t>
+            </a:r>
+          </a:p>
+          <a:p>
+            <a:endParaRPr lang="en-US" dirty="0"/>
+          </a:p>
+          <a:p>
+            <a:endParaRPr lang="en-US" dirty="0"/>
+          </a:p>
+        </p:txBody>
+      </p:sp>
+      <p:sp>
+        <p:nvSpPr>
+          <p:cNvPr id="4" name="Slide Number Placeholder 3">
+            <a:extLst>
+              <a:ext uri="{FF2B5EF4-FFF2-40B4-BE49-F238E27FC236}">
+                <a16:creationId xmlns:a16="http://schemas.microsoft.com/office/drawing/2014/main" id="{97D7F0B0-1A48-45FB-957F-F18B2E146A33}"/>
+              </a:ext>
+            </a:extLst>
+          </p:cNvPr>
+          <p:cNvSpPr>
+            <a:spLocks noGrp="1"/>
+          </p:cNvSpPr>
+          <p:nvPr>
+            <p:ph type="sldNum" sz="quarter" idx="12"/>
+          </p:nvPr>
+        </p:nvSpPr>
+        <p:spPr/>
+        <p:txBody>
+          <a:bodyPr/>
+          <a:lstStyle/>
+          <a:p>
+            <a:fld id="{2AF3B5EA-18B6-4040-9F78-6052AF49C681}" type="slidenum">
+              <a:rPr lang="en-US" smtClean="0"/>
+              <a:t>26</a:t>
+            </a:fld>
+            <a:endParaRPr lang="en-US"/>
+          </a:p>
+        </p:txBody>
+      </p:sp>
+    </p:spTree>
+    <p:extLst>
+      <p:ext uri="{BB962C8B-B14F-4D97-AF65-F5344CB8AC3E}">
+        <p14:creationId xmlns:p14="http://schemas.microsoft.com/office/powerpoint/2010/main" val="448329837"/>
       </p:ext>
     </p:extLst>
   </p:cSld>
@@ -12562,7 +13267,13 @@
       </p:grpSpPr>
       <p:sp>
         <p:nvSpPr>
-          <p:cNvPr id="2" name="Title 1"/>
+          <p:cNvPr id="2" name="Title 1">
+            <a:extLst>
+              <a:ext uri="{FF2B5EF4-FFF2-40B4-BE49-F238E27FC236}">
+                <a16:creationId xmlns:a16="http://schemas.microsoft.com/office/drawing/2014/main" id="{B5C1E486-EF91-480F-B209-1C474A724F6F}"/>
+              </a:ext>
+            </a:extLst>
+          </p:cNvPr>
           <p:cNvSpPr>
             <a:spLocks noGrp="1"/>
           </p:cNvSpPr>
@@ -12570,82 +13281,794 @@
             <p:ph type="title"/>
           </p:nvPr>
         </p:nvSpPr>
-        <p:spPr>
-          <a:solidFill>
-            <a:schemeClr val="bg1"/>
-          </a:solidFill>
-        </p:spPr>
+        <p:spPr/>
         <p:txBody>
           <a:bodyPr/>
           <a:lstStyle/>
           <a:p>
             <a:r>
               <a:rPr lang="en-US" dirty="0"/>
-              <a:t>Summary</a:t>
-            </a:r>
-          </a:p>
-        </p:txBody>
-      </p:sp>
-      <p:sp>
-        <p:nvSpPr>
-          <p:cNvPr id="3" name="Content Placeholder 2"/>
-          <p:cNvSpPr>
-            <a:spLocks noGrp="1"/>
-          </p:cNvSpPr>
-          <p:nvPr>
-            <p:ph idx="1"/>
-          </p:nvPr>
-        </p:nvSpPr>
-        <p:spPr>
-          <a:xfrm>
-            <a:off x="457200" y="1676400"/>
-            <a:ext cx="8229600" cy="4525963"/>
-          </a:xfrm>
-        </p:spPr>
+              <a:t>The code</a:t>
+            </a:r>
+          </a:p>
+        </p:txBody>
+      </p:sp>
+      <p:sp>
+        <p:nvSpPr>
+          <p:cNvPr id="3" name="Content Placeholder 2">
+            <a:extLst>
+              <a:ext uri="{FF2B5EF4-FFF2-40B4-BE49-F238E27FC236}">
+                <a16:creationId xmlns:a16="http://schemas.microsoft.com/office/drawing/2014/main" id="{3FACE09E-A862-4568-86B8-08A62131C11B}"/>
+              </a:ext>
+            </a:extLst>
+          </p:cNvPr>
+          <p:cNvSpPr>
+            <a:spLocks noGrp="1"/>
+          </p:cNvSpPr>
+          <p:nvPr>
+            <p:ph sz="half" idx="1"/>
+          </p:nvPr>
+        </p:nvSpPr>
+        <p:spPr/>
         <p:txBody>
           <a:bodyPr>
-            <a:normAutofit/>
+            <a:noAutofit/>
           </a:bodyPr>
           <a:lstStyle/>
           <a:p>
-            <a:r>
-              <a:rPr lang="en-US" dirty="0"/>
-              <a:t>You should now be able to:</a:t>
-            </a:r>
-          </a:p>
-          <a:p>
-            <a:pPr lvl="1"/>
-            <a:r>
-              <a:rPr lang="en-US" dirty="0"/>
-              <a:t>explain what binary search is and when it is appropriate</a:t>
-            </a:r>
-          </a:p>
-          <a:p>
-            <a:pPr lvl="1"/>
-            <a:r>
-              <a:rPr lang="en-US" dirty="0"/>
-              <a:t>explain how the standard binary search works, and how it fits into the framework of general recursion, invariants, and halting functions</a:t>
-            </a:r>
-          </a:p>
-          <a:p>
-            <a:pPr lvl="1"/>
-            <a:r>
-              <a:rPr lang="en-US" dirty="0"/>
-              <a:t>give the halting measure and explain the termination argument for binary search</a:t>
-            </a:r>
-          </a:p>
-          <a:p>
-            <a:pPr lvl="1"/>
-            <a:r>
-              <a:rPr lang="en-US" dirty="0"/>
-              <a:t>write variations on a binary search function</a:t>
-            </a:r>
-          </a:p>
-        </p:txBody>
-      </p:sp>
-      <p:sp>
-        <p:nvSpPr>
-          <p:cNvPr id="4" name="Slide Number Placeholder 3"/>
+            <a:pPr marL="0" indent="0">
+              <a:buNone/>
+            </a:pPr>
+            <a:r>
+              <a:rPr lang="en-US" sz="1200" dirty="0">
+                <a:latin typeface="Consolas" panose="020B0609020204030204" pitchFamily="49" charset="0"/>
+              </a:rPr>
+              <a:t>static </a:t>
+            </a:r>
+            <a:r>
+              <a:rPr lang="en-US" sz="1200" dirty="0" err="1">
+                <a:latin typeface="Consolas" panose="020B0609020204030204" pitchFamily="49" charset="0"/>
+              </a:rPr>
+              <a:t>int</a:t>
+            </a:r>
+            <a:r>
+              <a:rPr lang="en-US" sz="1200" dirty="0">
+                <a:latin typeface="Consolas" panose="020B0609020204030204" pitchFamily="49" charset="0"/>
+              </a:rPr>
+              <a:t> </a:t>
+            </a:r>
+            <a:r>
+              <a:rPr lang="en-US" sz="1200" dirty="0" err="1">
+                <a:latin typeface="Consolas" panose="020B0609020204030204" pitchFamily="49" charset="0"/>
+              </a:rPr>
+              <a:t>binsearch_iterative</a:t>
+            </a:r>
+            <a:r>
+              <a:rPr lang="en-US" sz="1200" dirty="0">
+                <a:latin typeface="Consolas" panose="020B0609020204030204" pitchFamily="49" charset="0"/>
+              </a:rPr>
+              <a:t> (</a:t>
+            </a:r>
+            <a:r>
+              <a:rPr lang="en-US" sz="1200" dirty="0" err="1">
+                <a:latin typeface="Consolas" panose="020B0609020204030204" pitchFamily="49" charset="0"/>
+              </a:rPr>
+              <a:t>int</a:t>
+            </a:r>
+            <a:r>
+              <a:rPr lang="en-US" sz="1200" dirty="0">
+                <a:latin typeface="Consolas" panose="020B0609020204030204" pitchFamily="49" charset="0"/>
+              </a:rPr>
+              <a:t>[] A, </a:t>
+            </a:r>
+            <a:r>
+              <a:rPr lang="en-US" sz="1200" dirty="0" err="1">
+                <a:latin typeface="Consolas" panose="020B0609020204030204" pitchFamily="49" charset="0"/>
+              </a:rPr>
+              <a:t>int</a:t>
+            </a:r>
+            <a:r>
+              <a:rPr lang="en-US" sz="1200" dirty="0">
+                <a:latin typeface="Consolas" panose="020B0609020204030204" pitchFamily="49" charset="0"/>
+              </a:rPr>
+              <a:t> </a:t>
+            </a:r>
+            <a:r>
+              <a:rPr lang="en-US" sz="1200" dirty="0" err="1">
+                <a:latin typeface="Consolas" panose="020B0609020204030204" pitchFamily="49" charset="0"/>
+              </a:rPr>
+              <a:t>tgt</a:t>
+            </a:r>
+            <a:r>
+              <a:rPr lang="en-US" sz="1200" dirty="0">
+                <a:latin typeface="Consolas" panose="020B0609020204030204" pitchFamily="49" charset="0"/>
+              </a:rPr>
+              <a:t>) {</a:t>
+            </a:r>
+          </a:p>
+          <a:p>
+            <a:pPr marL="0" indent="0">
+              <a:buNone/>
+            </a:pPr>
+            <a:endParaRPr lang="en-US" sz="1200" dirty="0">
+              <a:latin typeface="Consolas" panose="020B0609020204030204" pitchFamily="49" charset="0"/>
+            </a:endParaRPr>
+          </a:p>
+          <a:p>
+            <a:pPr marL="0" indent="0">
+              <a:buNone/>
+            </a:pPr>
+            <a:r>
+              <a:rPr lang="en-US" sz="1200" dirty="0">
+                <a:latin typeface="Consolas" panose="020B0609020204030204" pitchFamily="49" charset="0"/>
+              </a:rPr>
+              <a:t>        // GIVEN: An array A of integers and an integer target '</a:t>
+            </a:r>
+            <a:r>
+              <a:rPr lang="en-US" sz="1200" dirty="0" err="1">
+                <a:latin typeface="Consolas" panose="020B0609020204030204" pitchFamily="49" charset="0"/>
+              </a:rPr>
+              <a:t>tgt</a:t>
+            </a:r>
+            <a:r>
+              <a:rPr lang="en-US" sz="1200" dirty="0">
+                <a:latin typeface="Consolas" panose="020B0609020204030204" pitchFamily="49" charset="0"/>
+              </a:rPr>
+              <a:t>'</a:t>
+            </a:r>
+          </a:p>
+          <a:p>
+            <a:pPr marL="0" indent="0">
+              <a:buNone/>
+            </a:pPr>
+            <a:r>
+              <a:rPr lang="en-US" sz="1200" dirty="0">
+                <a:latin typeface="Consolas" panose="020B0609020204030204" pitchFamily="49" charset="0"/>
+              </a:rPr>
+              <a:t>        // WHERE: A is non-decreasing</a:t>
+            </a:r>
+          </a:p>
+          <a:p>
+            <a:pPr marL="0" indent="0">
+              <a:buNone/>
+            </a:pPr>
+            <a:r>
+              <a:rPr lang="en-US" sz="1200" dirty="0">
+                <a:latin typeface="Consolas" panose="020B0609020204030204" pitchFamily="49" charset="0"/>
+              </a:rPr>
+              <a:t>        // RETURNS: a number k such that</a:t>
+            </a:r>
+          </a:p>
+          <a:p>
+            <a:pPr marL="0" indent="0">
+              <a:buNone/>
+            </a:pPr>
+            <a:r>
+              <a:rPr lang="en-US" sz="1200" dirty="0">
+                <a:latin typeface="Consolas" panose="020B0609020204030204" pitchFamily="49" charset="0"/>
+              </a:rPr>
+              <a:t>        //         0 &lt;= k &lt; </a:t>
+            </a:r>
+            <a:r>
+              <a:rPr lang="en-US" sz="1200" dirty="0" err="1">
+                <a:latin typeface="Consolas" panose="020B0609020204030204" pitchFamily="49" charset="0"/>
+              </a:rPr>
+              <a:t>A.length</a:t>
+            </a:r>
+            <a:endParaRPr lang="en-US" sz="1200" dirty="0">
+              <a:latin typeface="Consolas" panose="020B0609020204030204" pitchFamily="49" charset="0"/>
+            </a:endParaRPr>
+          </a:p>
+          <a:p>
+            <a:pPr marL="0" indent="0">
+              <a:buNone/>
+            </a:pPr>
+            <a:r>
+              <a:rPr lang="en-US" sz="1200" dirty="0">
+                <a:latin typeface="Consolas" panose="020B0609020204030204" pitchFamily="49" charset="0"/>
+              </a:rPr>
+              <a:t>        //     and A[k] = </a:t>
+            </a:r>
+            <a:r>
+              <a:rPr lang="en-US" sz="1200" dirty="0" err="1">
+                <a:latin typeface="Consolas" panose="020B0609020204030204" pitchFamily="49" charset="0"/>
+              </a:rPr>
+              <a:t>tgt</a:t>
+            </a:r>
+            <a:endParaRPr lang="en-US" sz="1200" dirty="0">
+              <a:latin typeface="Consolas" panose="020B0609020204030204" pitchFamily="49" charset="0"/>
+            </a:endParaRPr>
+          </a:p>
+          <a:p>
+            <a:pPr marL="0" indent="0">
+              <a:buNone/>
+            </a:pPr>
+            <a:r>
+              <a:rPr lang="en-US" sz="1200" dirty="0">
+                <a:latin typeface="Consolas" panose="020B0609020204030204" pitchFamily="49" charset="0"/>
+              </a:rPr>
+              <a:t>        // if there is such a k, otherwise returns -1</a:t>
+            </a:r>
+          </a:p>
+          <a:p>
+            <a:pPr marL="0" indent="0">
+              <a:buNone/>
+            </a:pPr>
+            <a:endParaRPr lang="en-US" sz="1200" dirty="0">
+              <a:latin typeface="Consolas" panose="020B0609020204030204" pitchFamily="49" charset="0"/>
+            </a:endParaRPr>
+          </a:p>
+          <a:p>
+            <a:pPr marL="0" indent="0">
+              <a:buNone/>
+            </a:pPr>
+            <a:r>
+              <a:rPr lang="en-US" sz="1200" dirty="0">
+                <a:latin typeface="Consolas" panose="020B0609020204030204" pitchFamily="49" charset="0"/>
+              </a:rPr>
+              <a:t>        </a:t>
+            </a:r>
+            <a:r>
+              <a:rPr lang="en-US" sz="1200" dirty="0" err="1">
+                <a:latin typeface="Consolas" panose="020B0609020204030204" pitchFamily="49" charset="0"/>
+              </a:rPr>
+              <a:t>int</a:t>
+            </a:r>
+            <a:r>
+              <a:rPr lang="en-US" sz="1200" dirty="0">
+                <a:latin typeface="Consolas" panose="020B0609020204030204" pitchFamily="49" charset="0"/>
+              </a:rPr>
+              <a:t> lo = 0;        </a:t>
+            </a:r>
+          </a:p>
+          <a:p>
+            <a:pPr marL="0" indent="0">
+              <a:buNone/>
+            </a:pPr>
+            <a:r>
+              <a:rPr lang="en-US" sz="1200" dirty="0">
+                <a:latin typeface="Consolas" panose="020B0609020204030204" pitchFamily="49" charset="0"/>
+              </a:rPr>
+              <a:t>        </a:t>
+            </a:r>
+            <a:r>
+              <a:rPr lang="en-US" sz="1200" dirty="0" err="1">
+                <a:latin typeface="Consolas" panose="020B0609020204030204" pitchFamily="49" charset="0"/>
+              </a:rPr>
+              <a:t>int</a:t>
+            </a:r>
+            <a:r>
+              <a:rPr lang="en-US" sz="1200" dirty="0">
+                <a:latin typeface="Consolas" panose="020B0609020204030204" pitchFamily="49" charset="0"/>
+              </a:rPr>
+              <a:t> hi = </a:t>
+            </a:r>
+            <a:r>
+              <a:rPr lang="en-US" sz="1200" dirty="0" err="1">
+                <a:latin typeface="Consolas" panose="020B0609020204030204" pitchFamily="49" charset="0"/>
+              </a:rPr>
+              <a:t>A.length</a:t>
+            </a:r>
+            <a:r>
+              <a:rPr lang="en-US" sz="1200" dirty="0">
+                <a:latin typeface="Consolas" panose="020B0609020204030204" pitchFamily="49" charset="0"/>
+              </a:rPr>
+              <a:t>;</a:t>
+            </a:r>
+          </a:p>
+          <a:p>
+            <a:pPr marL="0" indent="0">
+              <a:buNone/>
+            </a:pPr>
+            <a:endParaRPr lang="en-US" sz="1200" dirty="0">
+              <a:latin typeface="Consolas" panose="020B0609020204030204" pitchFamily="49" charset="0"/>
+            </a:endParaRPr>
+          </a:p>
+          <a:p>
+            <a:pPr marL="0" indent="0">
+              <a:buNone/>
+            </a:pPr>
+            <a:r>
+              <a:rPr lang="en-US" sz="1200" dirty="0">
+                <a:latin typeface="Consolas" panose="020B0609020204030204" pitchFamily="49" charset="0"/>
+              </a:rPr>
+              <a:t>        // INVARIANT:</a:t>
+            </a:r>
+          </a:p>
+          <a:p>
+            <a:pPr marL="0" indent="0">
+              <a:buNone/>
+            </a:pPr>
+            <a:r>
+              <a:rPr lang="en-US" sz="1200" dirty="0">
+                <a:latin typeface="Consolas" panose="020B0609020204030204" pitchFamily="49" charset="0"/>
+              </a:rPr>
+              <a:t>        //       0 &lt;= lo &lt;= hi &lt;= </a:t>
+            </a:r>
+            <a:r>
+              <a:rPr lang="en-US" sz="1200" dirty="0" err="1">
+                <a:latin typeface="Consolas" panose="020B0609020204030204" pitchFamily="49" charset="0"/>
+              </a:rPr>
+              <a:t>A.length</a:t>
+            </a:r>
+            <a:endParaRPr lang="en-US" sz="1200" dirty="0">
+              <a:latin typeface="Consolas" panose="020B0609020204030204" pitchFamily="49" charset="0"/>
+            </a:endParaRPr>
+          </a:p>
+          <a:p>
+            <a:pPr marL="0" indent="0">
+              <a:buNone/>
+            </a:pPr>
+            <a:r>
+              <a:rPr lang="en-US" sz="1200" dirty="0">
+                <a:latin typeface="Consolas" panose="020B0609020204030204" pitchFamily="49" charset="0"/>
+              </a:rPr>
+              <a:t>        // AND   (</a:t>
+            </a:r>
+            <a:r>
+              <a:rPr lang="en-US" sz="1200" dirty="0" err="1">
+                <a:latin typeface="Consolas" panose="020B0609020204030204" pitchFamily="49" charset="0"/>
+              </a:rPr>
+              <a:t>forall</a:t>
+            </a:r>
+            <a:r>
+              <a:rPr lang="en-US" sz="1200" dirty="0">
+                <a:latin typeface="Consolas" panose="020B0609020204030204" pitchFamily="49" charset="0"/>
+              </a:rPr>
+              <a:t> j)(0  &lt;= j &lt; lo       ==&gt; A[j] &lt; </a:t>
+            </a:r>
+            <a:r>
+              <a:rPr lang="en-US" sz="1200" dirty="0" err="1">
+                <a:latin typeface="Consolas" panose="020B0609020204030204" pitchFamily="49" charset="0"/>
+              </a:rPr>
+              <a:t>tgt</a:t>
+            </a:r>
+            <a:r>
+              <a:rPr lang="en-US" sz="1200" dirty="0">
+                <a:latin typeface="Consolas" panose="020B0609020204030204" pitchFamily="49" charset="0"/>
+              </a:rPr>
+              <a:t>)</a:t>
+            </a:r>
+          </a:p>
+          <a:p>
+            <a:pPr marL="0" indent="0">
+              <a:buNone/>
+            </a:pPr>
+            <a:r>
+              <a:rPr lang="en-US" sz="1200" dirty="0">
+                <a:latin typeface="Consolas" panose="020B0609020204030204" pitchFamily="49" charset="0"/>
+              </a:rPr>
+              <a:t>        // AND   (</a:t>
+            </a:r>
+            <a:r>
+              <a:rPr lang="en-US" sz="1200" dirty="0" err="1">
+                <a:latin typeface="Consolas" panose="020B0609020204030204" pitchFamily="49" charset="0"/>
+              </a:rPr>
+              <a:t>forall</a:t>
+            </a:r>
+            <a:r>
+              <a:rPr lang="en-US" sz="1200" dirty="0">
+                <a:latin typeface="Consolas" panose="020B0609020204030204" pitchFamily="49" charset="0"/>
+              </a:rPr>
+              <a:t> j)(hi &lt;= j &lt; </a:t>
+            </a:r>
+            <a:r>
+              <a:rPr lang="en-US" sz="1200" dirty="0" err="1">
+                <a:latin typeface="Consolas" panose="020B0609020204030204" pitchFamily="49" charset="0"/>
+              </a:rPr>
+              <a:t>A.length</a:t>
+            </a:r>
+            <a:r>
+              <a:rPr lang="en-US" sz="1200" dirty="0">
+                <a:latin typeface="Consolas" panose="020B0609020204030204" pitchFamily="49" charset="0"/>
+              </a:rPr>
+              <a:t> ==&gt; A[j] &gt; </a:t>
+            </a:r>
+            <a:r>
+              <a:rPr lang="en-US" sz="1200" dirty="0" err="1">
+                <a:latin typeface="Consolas" panose="020B0609020204030204" pitchFamily="49" charset="0"/>
+              </a:rPr>
+              <a:t>tgt</a:t>
+            </a:r>
+            <a:r>
+              <a:rPr lang="en-US" sz="1200" dirty="0">
+                <a:latin typeface="Consolas" panose="020B0609020204030204" pitchFamily="49" charset="0"/>
+              </a:rPr>
+              <a:t>)</a:t>
+            </a:r>
+          </a:p>
+          <a:p>
+            <a:pPr marL="0" indent="0">
+              <a:buNone/>
+            </a:pPr>
+            <a:endParaRPr lang="en-US" sz="1200" dirty="0">
+              <a:latin typeface="Consolas" panose="020B0609020204030204" pitchFamily="49" charset="0"/>
+            </a:endParaRPr>
+          </a:p>
+          <a:p>
+            <a:pPr marL="0" indent="0">
+              <a:buNone/>
+            </a:pPr>
+            <a:r>
+              <a:rPr lang="en-US" sz="1200" dirty="0">
+                <a:latin typeface="Consolas" panose="020B0609020204030204" pitchFamily="49" charset="0"/>
+              </a:rPr>
+              <a:t>        // Note that lo = 0 and hi = </a:t>
+            </a:r>
+            <a:r>
+              <a:rPr lang="en-US" sz="1200" dirty="0" err="1">
+                <a:latin typeface="Consolas" panose="020B0609020204030204" pitchFamily="49" charset="0"/>
+              </a:rPr>
+              <a:t>A.length</a:t>
+            </a:r>
+            <a:r>
+              <a:rPr lang="en-US" sz="1200" dirty="0">
+                <a:latin typeface="Consolas" panose="020B0609020204030204" pitchFamily="49" charset="0"/>
+              </a:rPr>
+              <a:t> makes the invariant</a:t>
+            </a:r>
+          </a:p>
+          <a:p>
+            <a:pPr marL="0" indent="0">
+              <a:buNone/>
+            </a:pPr>
+            <a:r>
+              <a:rPr lang="en-US" sz="1200" dirty="0">
+                <a:latin typeface="Consolas" panose="020B0609020204030204" pitchFamily="49" charset="0"/>
+              </a:rPr>
+              <a:t>        // true, since in both cases there is no such j.</a:t>
+            </a:r>
+          </a:p>
+          <a:p>
+            <a:pPr marL="0" indent="0">
+              <a:buNone/>
+            </a:pPr>
+            <a:endParaRPr lang="en-US" sz="1200" dirty="0">
+              <a:latin typeface="Consolas" panose="020B0609020204030204" pitchFamily="49" charset="0"/>
+            </a:endParaRPr>
+          </a:p>
+          <a:p>
+            <a:pPr marL="0" indent="0">
+              <a:buNone/>
+            </a:pPr>
+            <a:r>
+              <a:rPr lang="en-US" sz="1200" dirty="0">
+                <a:latin typeface="Consolas" panose="020B0609020204030204" pitchFamily="49" charset="0"/>
+              </a:rPr>
+              <a:t>        // HALTING MEASURE: hi-lo</a:t>
+            </a:r>
+          </a:p>
+          <a:p>
+            <a:pPr marL="0" indent="0">
+              <a:buNone/>
+            </a:pPr>
+            <a:r>
+              <a:rPr lang="en-US" sz="1200" dirty="0">
+                <a:latin typeface="Consolas" panose="020B0609020204030204" pitchFamily="49" charset="0"/>
+              </a:rPr>
+              <a:t>        // JUSTIFICATION: Same as above.</a:t>
+            </a:r>
+          </a:p>
+          <a:p>
+            <a:pPr marL="0" indent="0">
+              <a:buNone/>
+            </a:pPr>
+            <a:endParaRPr lang="en-US" sz="1200" dirty="0">
+              <a:latin typeface="Consolas" panose="020B0609020204030204" pitchFamily="49" charset="0"/>
+            </a:endParaRPr>
+          </a:p>
+          <a:p>
+            <a:pPr marL="0" indent="0">
+              <a:buNone/>
+            </a:pPr>
+            <a:r>
+              <a:rPr lang="en-US" sz="1200" dirty="0">
+                <a:latin typeface="Consolas" panose="020B0609020204030204" pitchFamily="49" charset="0"/>
+              </a:rPr>
+              <a:t>        while (lo &lt; hi) {       // the search area is non-empty</a:t>
+            </a:r>
+          </a:p>
+          <a:p>
+            <a:pPr marL="0" indent="0">
+              <a:buNone/>
+            </a:pPr>
+            <a:r>
+              <a:rPr lang="en-US" sz="1200" dirty="0">
+                <a:latin typeface="Consolas" panose="020B0609020204030204" pitchFamily="49" charset="0"/>
+              </a:rPr>
+              <a:t>            // choose an element in [</a:t>
+            </a:r>
+            <a:r>
+              <a:rPr lang="en-US" sz="1200" dirty="0" err="1">
+                <a:latin typeface="Consolas" panose="020B0609020204030204" pitchFamily="49" charset="0"/>
+              </a:rPr>
+              <a:t>lo,hi</a:t>
+            </a:r>
+            <a:r>
+              <a:rPr lang="en-US" sz="1200" dirty="0">
+                <a:latin typeface="Consolas" panose="020B0609020204030204" pitchFamily="49" charset="0"/>
+              </a:rPr>
+              <a:t>) . </a:t>
+            </a:r>
+          </a:p>
+          <a:p>
+            <a:pPr marL="0" indent="0">
+              <a:buNone/>
+            </a:pPr>
+            <a:r>
+              <a:rPr lang="en-US" sz="1200" dirty="0">
+                <a:latin typeface="Consolas" panose="020B0609020204030204" pitchFamily="49" charset="0"/>
+              </a:rPr>
+              <a:t>            </a:t>
+            </a:r>
+            <a:r>
+              <a:rPr lang="en-US" sz="1200" dirty="0" err="1">
+                <a:latin typeface="Consolas" panose="020B0609020204030204" pitchFamily="49" charset="0"/>
+              </a:rPr>
+              <a:t>int</a:t>
+            </a:r>
+            <a:r>
+              <a:rPr lang="en-US" sz="1200" dirty="0">
+                <a:latin typeface="Consolas" panose="020B0609020204030204" pitchFamily="49" charset="0"/>
+              </a:rPr>
+              <a:t> mid = (lo + hi) / 2;</a:t>
+            </a:r>
+          </a:p>
+          <a:p>
+            <a:pPr marL="0" indent="0">
+              <a:buNone/>
+            </a:pPr>
+            <a:r>
+              <a:rPr lang="en-US" sz="1200" dirty="0">
+                <a:latin typeface="Consolas" panose="020B0609020204030204" pitchFamily="49" charset="0"/>
+              </a:rPr>
+              <a:t>            if (A[mid] == </a:t>
+            </a:r>
+            <a:r>
+              <a:rPr lang="en-US" sz="1200" dirty="0" err="1">
+                <a:latin typeface="Consolas" panose="020B0609020204030204" pitchFamily="49" charset="0"/>
+              </a:rPr>
+              <a:t>tgt</a:t>
+            </a:r>
+            <a:r>
+              <a:rPr lang="en-US" sz="1200" dirty="0">
+                <a:latin typeface="Consolas" panose="020B0609020204030204" pitchFamily="49" charset="0"/>
+              </a:rPr>
+              <a:t>) {</a:t>
+            </a:r>
+          </a:p>
+          <a:p>
+            <a:pPr marL="0" indent="0">
+              <a:buNone/>
+            </a:pPr>
+            <a:r>
+              <a:rPr lang="en-US" sz="1200" dirty="0">
+                <a:latin typeface="Consolas" panose="020B0609020204030204" pitchFamily="49" charset="0"/>
+              </a:rPr>
+              <a:t>                // we have found the target</a:t>
+            </a:r>
+          </a:p>
+          <a:p>
+            <a:pPr marL="0" indent="0">
+              <a:buNone/>
+            </a:pPr>
+            <a:r>
+              <a:rPr lang="en-US" sz="1200" dirty="0">
+                <a:latin typeface="Consolas" panose="020B0609020204030204" pitchFamily="49" charset="0"/>
+              </a:rPr>
+              <a:t>                return mid;</a:t>
+            </a:r>
+          </a:p>
+          <a:p>
+            <a:pPr marL="0" indent="0">
+              <a:buNone/>
+            </a:pPr>
+            <a:r>
+              <a:rPr lang="en-US" sz="1200" dirty="0">
+                <a:latin typeface="Consolas" panose="020B0609020204030204" pitchFamily="49" charset="0"/>
+              </a:rPr>
+              <a:t>            }</a:t>
+            </a:r>
+          </a:p>
+          <a:p>
+            <a:pPr marL="0" indent="0">
+              <a:buNone/>
+            </a:pPr>
+            <a:r>
+              <a:rPr lang="en-US" sz="1200" dirty="0">
+                <a:latin typeface="Consolas" panose="020B0609020204030204" pitchFamily="49" charset="0"/>
+              </a:rPr>
+              <a:t>            else if (A[mid] &lt; </a:t>
+            </a:r>
+            <a:r>
+              <a:rPr lang="en-US" sz="1200" dirty="0" err="1">
+                <a:latin typeface="Consolas" panose="020B0609020204030204" pitchFamily="49" charset="0"/>
+              </a:rPr>
+              <a:t>tgt</a:t>
+            </a:r>
+            <a:r>
+              <a:rPr lang="en-US" sz="1200" dirty="0">
+                <a:latin typeface="Consolas" panose="020B0609020204030204" pitchFamily="49" charset="0"/>
+              </a:rPr>
+              <a:t>) {</a:t>
+            </a:r>
+          </a:p>
+          <a:p>
+            <a:pPr marL="0" indent="0">
+              <a:buNone/>
+            </a:pPr>
+            <a:r>
+              <a:rPr lang="en-US" sz="1200" dirty="0">
+                <a:latin typeface="Consolas" panose="020B0609020204030204" pitchFamily="49" charset="0"/>
+              </a:rPr>
+              <a:t>                // the target can't be to the left of mid, so search</a:t>
+            </a:r>
+          </a:p>
+          <a:p>
+            <a:pPr marL="0" indent="0">
+              <a:buNone/>
+            </a:pPr>
+            <a:r>
+              <a:rPr lang="en-US" sz="1200" dirty="0">
+                <a:latin typeface="Consolas" panose="020B0609020204030204" pitchFamily="49" charset="0"/>
+              </a:rPr>
+              <a:t>                // right half. </a:t>
+            </a:r>
+          </a:p>
+          <a:p>
+            <a:pPr marL="0" indent="0">
+              <a:buNone/>
+            </a:pPr>
+            <a:r>
+              <a:rPr lang="en-US" sz="1200" dirty="0">
+                <a:latin typeface="Consolas" panose="020B0609020204030204" pitchFamily="49" charset="0"/>
+              </a:rPr>
+              <a:t>                lo = mid+1;</a:t>
+            </a:r>
+          </a:p>
+          <a:p>
+            <a:pPr marL="0" indent="0">
+              <a:buNone/>
+            </a:pPr>
+            <a:r>
+              <a:rPr lang="en-US" sz="1200" dirty="0">
+                <a:latin typeface="Consolas" panose="020B0609020204030204" pitchFamily="49" charset="0"/>
+              </a:rPr>
+              <a:t>            }</a:t>
+            </a:r>
+          </a:p>
+          <a:p>
+            <a:pPr marL="0" indent="0">
+              <a:buNone/>
+            </a:pPr>
+            <a:r>
+              <a:rPr lang="en-US" sz="1200" dirty="0">
+                <a:latin typeface="Consolas" panose="020B0609020204030204" pitchFamily="49" charset="0"/>
+              </a:rPr>
+              <a:t>            // otherwise the target can't be to the right of mid,</a:t>
+            </a:r>
+          </a:p>
+          <a:p>
+            <a:pPr marL="0" indent="0">
+              <a:buNone/>
+            </a:pPr>
+            <a:r>
+              <a:rPr lang="en-US" sz="1200" dirty="0">
+                <a:latin typeface="Consolas" panose="020B0609020204030204" pitchFamily="49" charset="0"/>
+              </a:rPr>
+              <a:t>            // so search left half. </a:t>
+            </a:r>
+          </a:p>
+          <a:p>
+            <a:pPr marL="0" indent="0">
+              <a:buNone/>
+            </a:pPr>
+            <a:r>
+              <a:rPr lang="en-US" sz="1200" dirty="0">
+                <a:latin typeface="Consolas" panose="020B0609020204030204" pitchFamily="49" charset="0"/>
+              </a:rPr>
+              <a:t>            else</a:t>
+            </a:r>
+          </a:p>
+          <a:p>
+            <a:pPr marL="0" indent="0">
+              <a:buNone/>
+            </a:pPr>
+            <a:r>
+              <a:rPr lang="en-US" sz="1200" dirty="0">
+                <a:latin typeface="Consolas" panose="020B0609020204030204" pitchFamily="49" charset="0"/>
+              </a:rPr>
+              <a:t>                hi = mid;</a:t>
+            </a:r>
+          </a:p>
+          <a:p>
+            <a:pPr marL="0" indent="0">
+              <a:buNone/>
+            </a:pPr>
+            <a:r>
+              <a:rPr lang="en-US" sz="1200" dirty="0">
+                <a:latin typeface="Consolas" panose="020B0609020204030204" pitchFamily="49" charset="0"/>
+              </a:rPr>
+              <a:t>        }</a:t>
+            </a:r>
+          </a:p>
+          <a:p>
+            <a:pPr marL="0" indent="0">
+              <a:buNone/>
+            </a:pPr>
+            <a:endParaRPr lang="en-US" sz="1200" dirty="0">
+              <a:latin typeface="Consolas" panose="020B0609020204030204" pitchFamily="49" charset="0"/>
+            </a:endParaRPr>
+          </a:p>
+          <a:p>
+            <a:pPr marL="0" indent="0">
+              <a:buNone/>
+            </a:pPr>
+            <a:r>
+              <a:rPr lang="en-US" sz="1200" dirty="0">
+                <a:latin typeface="Consolas" panose="020B0609020204030204" pitchFamily="49" charset="0"/>
+              </a:rPr>
+              <a:t>        // the search area is empty</a:t>
+            </a:r>
+          </a:p>
+          <a:p>
+            <a:pPr marL="0" indent="0">
+              <a:buNone/>
+            </a:pPr>
+            <a:r>
+              <a:rPr lang="en-US" sz="1200" dirty="0">
+                <a:latin typeface="Consolas" panose="020B0609020204030204" pitchFamily="49" charset="0"/>
+              </a:rPr>
+              <a:t>        return -1;</a:t>
+            </a:r>
+          </a:p>
+          <a:p>
+            <a:pPr marL="0" indent="0">
+              <a:buNone/>
+            </a:pPr>
+            <a:r>
+              <a:rPr lang="en-US" sz="1200" dirty="0">
+                <a:latin typeface="Consolas" panose="020B0609020204030204" pitchFamily="49" charset="0"/>
+              </a:rPr>
+              <a:t>    }</a:t>
+            </a:r>
+          </a:p>
+        </p:txBody>
+      </p:sp>
+      <p:sp>
+        <p:nvSpPr>
+          <p:cNvPr id="5" name="Content Placeholder 4">
+            <a:extLst>
+              <a:ext uri="{FF2B5EF4-FFF2-40B4-BE49-F238E27FC236}">
+                <a16:creationId xmlns:a16="http://schemas.microsoft.com/office/drawing/2014/main" id="{E0ADF159-7DAC-42E0-9B7C-48911F0CC5E0}"/>
+              </a:ext>
+            </a:extLst>
+          </p:cNvPr>
+          <p:cNvSpPr>
+            <a:spLocks noGrp="1"/>
+          </p:cNvSpPr>
+          <p:nvPr>
+            <p:ph sz="half" idx="2"/>
+          </p:nvPr>
+        </p:nvSpPr>
+        <p:spPr/>
+        <p:txBody>
+          <a:bodyPr/>
+          <a:lstStyle/>
+          <a:p>
+            <a:endParaRPr lang="en-US"/>
+          </a:p>
+        </p:txBody>
+      </p:sp>
+      <p:sp>
+        <p:nvSpPr>
+          <p:cNvPr id="4" name="Slide Number Placeholder 3">
+            <a:extLst>
+              <a:ext uri="{FF2B5EF4-FFF2-40B4-BE49-F238E27FC236}">
+                <a16:creationId xmlns:a16="http://schemas.microsoft.com/office/drawing/2014/main" id="{E465BFCC-9193-4F7F-B645-B7097032A001}"/>
+              </a:ext>
+            </a:extLst>
+          </p:cNvPr>
           <p:cNvSpPr>
             <a:spLocks noGrp="1"/>
           </p:cNvSpPr>
@@ -12658,9 +14081,8 @@
           <a:bodyPr/>
           <a:lstStyle/>
           <a:p>
-            <a:fld id="{9F4492BD-6A9C-48FC-AC76-0B4FE11194A1}" type="slidenum">
+            <a:fld id="{2AF3B5EA-18B6-4040-9F78-6052AF49C681}" type="slidenum">
               <a:rPr lang="en-US" smtClean="0"/>
-              <a:pPr/>
               <a:t>27</a:t>
             </a:fld>
             <a:endParaRPr lang="en-US"/>
@@ -12670,7 +14092,7 @@
     </p:spTree>
     <p:extLst>
       <p:ext uri="{BB962C8B-B14F-4D97-AF65-F5344CB8AC3E}">
-        <p14:creationId xmlns:p14="http://schemas.microsoft.com/office/powerpoint/2010/main" val="1174789038"/>
+        <p14:creationId xmlns:p14="http://schemas.microsoft.com/office/powerpoint/2010/main" val="2595065371"/>
       </p:ext>
     </p:extLst>
   </p:cSld>
@@ -12707,14 +14129,18 @@
             <p:ph type="title"/>
           </p:nvPr>
         </p:nvSpPr>
-        <p:spPr/>
+        <p:spPr>
+          <a:solidFill>
+            <a:schemeClr val="bg1"/>
+          </a:solidFill>
+        </p:spPr>
         <p:txBody>
           <a:bodyPr/>
           <a:lstStyle/>
           <a:p>
             <a:r>
               <a:rPr lang="en-US" dirty="0"/>
-              <a:t>Next Steps</a:t>
+              <a:t>Summary</a:t>
             </a:r>
           </a:p>
         </p:txBody>
@@ -12729,40 +14155,49 @@
             <p:ph idx="1"/>
           </p:nvPr>
         </p:nvSpPr>
-        <p:spPr/>
-        <p:txBody>
-          <a:bodyPr/>
-          <a:lstStyle/>
-          <a:p>
-            <a:r>
-              <a:rPr lang="en-US" dirty="0"/>
-              <a:t>Study the </a:t>
-            </a:r>
-            <a:r>
-              <a:rPr lang="en-US"/>
-              <a:t>file 08-4-binary-search.rkt </a:t>
-            </a:r>
-            <a:r>
-              <a:rPr lang="en-US" dirty="0"/>
-              <a:t>in the Examples folder</a:t>
-            </a:r>
-          </a:p>
-          <a:p>
-            <a:r>
-              <a:rPr lang="en-US" dirty="0"/>
-              <a:t>If you have questions about this lesson, ask them on the Discussion Board</a:t>
-            </a:r>
-          </a:p>
-          <a:p>
-            <a:r>
-              <a:rPr lang="en-US" dirty="0"/>
-              <a:t>Do Guided Practice 8.3</a:t>
-            </a:r>
-          </a:p>
-          <a:p>
-            <a:r>
-              <a:rPr lang="en-US" dirty="0"/>
-              <a:t>Go on to the next lesson</a:t>
+        <p:spPr>
+          <a:xfrm>
+            <a:off x="457200" y="1676400"/>
+            <a:ext cx="8229600" cy="4525963"/>
+          </a:xfrm>
+        </p:spPr>
+        <p:txBody>
+          <a:bodyPr>
+            <a:normAutofit/>
+          </a:bodyPr>
+          <a:lstStyle/>
+          <a:p>
+            <a:r>
+              <a:rPr lang="en-US" dirty="0"/>
+              <a:t>You should now be able to:</a:t>
+            </a:r>
+          </a:p>
+          <a:p>
+            <a:pPr lvl="1"/>
+            <a:r>
+              <a:rPr lang="en-US" dirty="0"/>
+              <a:t>explain what binary search is and when it is appropriate</a:t>
+            </a:r>
+          </a:p>
+          <a:p>
+            <a:pPr lvl="1"/>
+            <a:r>
+              <a:rPr lang="en-US" dirty="0"/>
+              <a:t>explain how the standard binary search works, and how it fits into the framework of general recursion, invariants, and halting functions</a:t>
+            </a:r>
+          </a:p>
+          <a:p>
+            <a:pPr lvl="1"/>
+            <a:r>
+              <a:rPr lang="en-US" dirty="0"/>
+              <a:t>give the halting measure and explain the termination argument for binary search</a:t>
+            </a:r>
+          </a:p>
+          <a:p>
+            <a:pPr lvl="1"/>
+            <a:r>
+              <a:rPr lang="en-US" dirty="0"/>
+              <a:t>write variations on a binary search function</a:t>
             </a:r>
           </a:p>
         </p:txBody>
@@ -12786,6 +14221,130 @@
               <a:rPr lang="en-US" smtClean="0"/>
               <a:pPr/>
               <a:t>28</a:t>
+            </a:fld>
+            <a:endParaRPr lang="en-US"/>
+          </a:p>
+        </p:txBody>
+      </p:sp>
+    </p:spTree>
+    <p:extLst>
+      <p:ext uri="{BB962C8B-B14F-4D97-AF65-F5344CB8AC3E}">
+        <p14:creationId xmlns:p14="http://schemas.microsoft.com/office/powerpoint/2010/main" val="1174789038"/>
+      </p:ext>
+    </p:extLst>
+  </p:cSld>
+  <p:clrMapOvr>
+    <a:masterClrMapping/>
+  </p:clrMapOvr>
+</p:sld>
+</file>
+
+<file path=ppt/slides/slide29.xml><?xml version="1.0" encoding="utf-8"?>
+<p:sld xmlns:a="http://schemas.openxmlformats.org/drawingml/2006/main" xmlns:r="http://schemas.openxmlformats.org/officeDocument/2006/relationships" xmlns:p="http://schemas.openxmlformats.org/presentationml/2006/main">
+  <p:cSld>
+    <p:spTree>
+      <p:nvGrpSpPr>
+        <p:cNvPr id="1" name=""/>
+        <p:cNvGrpSpPr/>
+        <p:nvPr/>
+      </p:nvGrpSpPr>
+      <p:grpSpPr>
+        <a:xfrm>
+          <a:off x="0" y="0"/>
+          <a:ext cx="0" cy="0"/>
+          <a:chOff x="0" y="0"/>
+          <a:chExt cx="0" cy="0"/>
+        </a:xfrm>
+      </p:grpSpPr>
+      <p:sp>
+        <p:nvSpPr>
+          <p:cNvPr id="2" name="Title 1"/>
+          <p:cNvSpPr>
+            <a:spLocks noGrp="1"/>
+          </p:cNvSpPr>
+          <p:nvPr>
+            <p:ph type="title"/>
+          </p:nvPr>
+        </p:nvSpPr>
+        <p:spPr/>
+        <p:txBody>
+          <a:bodyPr/>
+          <a:lstStyle/>
+          <a:p>
+            <a:r>
+              <a:rPr lang="en-US" dirty="0"/>
+              <a:t>Next Steps</a:t>
+            </a:r>
+          </a:p>
+        </p:txBody>
+      </p:sp>
+      <p:sp>
+        <p:nvSpPr>
+          <p:cNvPr id="3" name="Content Placeholder 2"/>
+          <p:cNvSpPr>
+            <a:spLocks noGrp="1"/>
+          </p:cNvSpPr>
+          <p:nvPr>
+            <p:ph idx="1"/>
+          </p:nvPr>
+        </p:nvSpPr>
+        <p:spPr/>
+        <p:txBody>
+          <a:bodyPr/>
+          <a:lstStyle/>
+          <a:p>
+            <a:r>
+              <a:rPr lang="en-US" dirty="0"/>
+              <a:t>Study the </a:t>
+            </a:r>
+            <a:r>
+              <a:rPr lang="en-US"/>
+              <a:t>file 08-4-binary-search.rkt </a:t>
+            </a:r>
+            <a:r>
+              <a:rPr lang="en-US" dirty="0"/>
+              <a:t>in the Examples folder</a:t>
+            </a:r>
+          </a:p>
+          <a:p>
+            <a:r>
+              <a:rPr lang="en-US" dirty="0"/>
+              <a:t>If you have questions about this lesson, ask them on the Discussion Board</a:t>
+            </a:r>
+          </a:p>
+          <a:p>
+            <a:r>
+              <a:rPr lang="en-US" dirty="0"/>
+              <a:t>Do Guided Practice 8.3</a:t>
+            </a:r>
+          </a:p>
+          <a:p>
+            <a:r>
+              <a:rPr lang="en-US" dirty="0"/>
+              <a:t>Go on to the next lesson</a:t>
+            </a:r>
+          </a:p>
+        </p:txBody>
+      </p:sp>
+      <p:sp>
+        <p:nvSpPr>
+          <p:cNvPr id="4" name="Slide Number Placeholder 3"/>
+          <p:cNvSpPr>
+            <a:spLocks noGrp="1"/>
+          </p:cNvSpPr>
+          <p:nvPr>
+            <p:ph type="sldNum" sz="quarter" idx="12"/>
+          </p:nvPr>
+        </p:nvSpPr>
+        <p:spPr/>
+        <p:txBody>
+          <a:bodyPr/>
+          <a:lstStyle/>
+          <a:p>
+            <a:fld id="{9F4492BD-6A9C-48FC-AC76-0B4FE11194A1}" type="slidenum">
+              <a:rPr lang="en-US" smtClean="0"/>
+              <a:pPr/>
+              <a:t>29</a:t>
             </a:fld>
             <a:endParaRPr lang="en-US"/>
           </a:p>
@@ -13144,7 +14703,7 @@
             </a:r>
             <a:r>
               <a:rPr lang="en-US" dirty="0"/>
-              <a:t> of increasing integer values and a target </a:t>
+              <a:t> of non-decreasing integer values and a target </a:t>
             </a:r>
             <a:r>
               <a:rPr lang="en-US" b="1" dirty="0" err="1"/>
@@ -13550,80 +15109,6 @@
           <a:p>
             <a:pPr algn="ctr"/>
             <a:endParaRPr lang="en-US"/>
-          </a:p>
-        </p:txBody>
-      </p:sp>
-      <p:sp>
-        <p:nvSpPr>
-          <p:cNvPr id="6" name="TextBox 5"/>
-          <p:cNvSpPr txBox="1"/>
-          <p:nvPr/>
-        </p:nvSpPr>
-        <p:spPr>
-          <a:xfrm>
-            <a:off x="914400" y="2590800"/>
-            <a:ext cx="354584" cy="461665"/>
-          </a:xfrm>
-          <a:prstGeom prst="rect">
-            <a:avLst/>
-          </a:prstGeom>
-          <a:noFill/>
-        </p:spPr>
-        <p:txBody>
-          <a:bodyPr wrap="none" rtlCol="0">
-            <a:spAutoFit/>
-          </a:bodyPr>
-          <a:lstStyle/>
-          <a:p>
-            <a:r>
-              <a:rPr lang="en-US" sz="2400" b="1" dirty="0">
-                <a:latin typeface="Consolas" pitchFamily="49" charset="0"/>
-                <a:cs typeface="Consolas" pitchFamily="49" charset="0"/>
-              </a:rPr>
-              <a:t>0</a:t>
-            </a:r>
-          </a:p>
-        </p:txBody>
-      </p:sp>
-      <p:sp>
-        <p:nvSpPr>
-          <p:cNvPr id="16" name="TextBox 15">
-            <a:extLst>
-              <a:ext uri="{FF2B5EF4-FFF2-40B4-BE49-F238E27FC236}">
-                <a16:creationId xmlns:a16="http://schemas.microsoft.com/office/drawing/2014/main" id="{8C3DF9E2-BD31-49D0-8523-649DBF1945D8}"/>
-              </a:ext>
-            </a:extLst>
-          </p:cNvPr>
-          <p:cNvSpPr txBox="1"/>
-          <p:nvPr/>
-        </p:nvSpPr>
-        <p:spPr>
-          <a:xfrm>
-            <a:off x="7429499" y="2588567"/>
-            <a:ext cx="1600200" cy="461665"/>
-          </a:xfrm>
-          <a:prstGeom prst="rect">
-            <a:avLst/>
-          </a:prstGeom>
-          <a:noFill/>
-        </p:spPr>
-        <p:txBody>
-          <a:bodyPr wrap="square" rtlCol="0">
-            <a:spAutoFit/>
-          </a:bodyPr>
-          <a:lstStyle/>
-          <a:p>
-            <a:r>
-              <a:rPr lang="en-US" sz="2400" b="1" dirty="0" err="1">
-                <a:latin typeface="Consolas" pitchFamily="49" charset="0"/>
-                <a:cs typeface="Consolas" pitchFamily="49" charset="0"/>
-              </a:rPr>
-              <a:t>A.length</a:t>
-            </a:r>
-            <a:endParaRPr lang="en-US" sz="2400" b="1" dirty="0">
-              <a:latin typeface="Consolas" pitchFamily="49" charset="0"/>
-              <a:cs typeface="Consolas" pitchFamily="49" charset="0"/>
-            </a:endParaRPr>
           </a:p>
         </p:txBody>
       </p:sp>
@@ -14194,6 +15679,219 @@
           </a:p>
         </p:txBody>
       </p:sp>
+      <p:grpSp>
+        <p:nvGrpSpPr>
+          <p:cNvPr id="18" name="Group 17">
+            <a:extLst>
+              <a:ext uri="{FF2B5EF4-FFF2-40B4-BE49-F238E27FC236}">
+                <a16:creationId xmlns:a16="http://schemas.microsoft.com/office/drawing/2014/main" id="{6E236802-BA80-429C-8D85-4A1C23348333}"/>
+              </a:ext>
+            </a:extLst>
+          </p:cNvPr>
+          <p:cNvGrpSpPr/>
+          <p:nvPr/>
+        </p:nvGrpSpPr>
+        <p:grpSpPr>
+          <a:xfrm>
+            <a:off x="829473" y="3174842"/>
+            <a:ext cx="354584" cy="1220563"/>
+            <a:chOff x="3048000" y="3660702"/>
+            <a:chExt cx="354584" cy="1220563"/>
+          </a:xfrm>
+        </p:grpSpPr>
+        <p:sp>
+          <p:nvSpPr>
+            <p:cNvPr id="19" name="TextBox 18">
+              <a:extLst>
+                <a:ext uri="{FF2B5EF4-FFF2-40B4-BE49-F238E27FC236}">
+                  <a16:creationId xmlns:a16="http://schemas.microsoft.com/office/drawing/2014/main" id="{2D866BF6-5B19-49D9-BE37-10D973E35141}"/>
+                </a:ext>
+              </a:extLst>
+            </p:cNvPr>
+            <p:cNvSpPr txBox="1"/>
+            <p:nvPr/>
+          </p:nvSpPr>
+          <p:spPr>
+            <a:xfrm>
+              <a:off x="3048000" y="4419600"/>
+              <a:ext cx="354584" cy="461665"/>
+            </a:xfrm>
+            <a:prstGeom prst="rect">
+              <a:avLst/>
+            </a:prstGeom>
+            <a:noFill/>
+          </p:spPr>
+          <p:txBody>
+            <a:bodyPr wrap="none" rtlCol="0">
+              <a:spAutoFit/>
+            </a:bodyPr>
+            <a:lstStyle/>
+            <a:p>
+              <a:r>
+                <a:rPr lang="en-US" sz="2400" b="1" dirty="0">
+                  <a:latin typeface="Consolas" pitchFamily="49" charset="0"/>
+                  <a:cs typeface="Consolas" pitchFamily="49" charset="0"/>
+                </a:rPr>
+                <a:t>0</a:t>
+              </a:r>
+            </a:p>
+          </p:txBody>
+        </p:sp>
+        <p:cxnSp>
+          <p:nvCxnSpPr>
+            <p:cNvPr id="20" name="Straight Arrow Connector 19">
+              <a:extLst>
+                <a:ext uri="{FF2B5EF4-FFF2-40B4-BE49-F238E27FC236}">
+                  <a16:creationId xmlns:a16="http://schemas.microsoft.com/office/drawing/2014/main" id="{F13A8CC4-42F2-4825-8E8B-FD5680671099}"/>
+                </a:ext>
+              </a:extLst>
+            </p:cNvPr>
+            <p:cNvCxnSpPr>
+              <a:cxnSpLocks/>
+              <a:stCxn id="19" idx="0"/>
+            </p:cNvCxnSpPr>
+            <p:nvPr/>
+          </p:nvCxnSpPr>
+          <p:spPr>
+            <a:xfrm flipH="1" flipV="1">
+              <a:off x="3220888" y="3660702"/>
+              <a:ext cx="4404" cy="758898"/>
+            </a:xfrm>
+            <a:prstGeom prst="straightConnector1">
+              <a:avLst/>
+            </a:prstGeom>
+            <a:ln w="15875">
+              <a:solidFill>
+                <a:schemeClr val="tx1"/>
+              </a:solidFill>
+              <a:tailEnd type="triangle"/>
+            </a:ln>
+          </p:spPr>
+          <p:style>
+            <a:lnRef idx="1">
+              <a:schemeClr val="accent1"/>
+            </a:lnRef>
+            <a:fillRef idx="0">
+              <a:schemeClr val="accent1"/>
+            </a:fillRef>
+            <a:effectRef idx="0">
+              <a:schemeClr val="accent1"/>
+            </a:effectRef>
+            <a:fontRef idx="minor">
+              <a:schemeClr val="tx1"/>
+            </a:fontRef>
+          </p:style>
+        </p:cxnSp>
+      </p:grpSp>
+      <p:grpSp>
+        <p:nvGrpSpPr>
+          <p:cNvPr id="23" name="Group 22">
+            <a:extLst>
+              <a:ext uri="{FF2B5EF4-FFF2-40B4-BE49-F238E27FC236}">
+                <a16:creationId xmlns:a16="http://schemas.microsoft.com/office/drawing/2014/main" id="{E38B4070-563A-4F4E-9DCD-4DF25328BF3F}"/>
+              </a:ext>
+            </a:extLst>
+          </p:cNvPr>
+          <p:cNvGrpSpPr/>
+          <p:nvPr/>
+        </p:nvGrpSpPr>
+        <p:grpSpPr>
+          <a:xfrm>
+            <a:off x="6553200" y="3174842"/>
+            <a:ext cx="2090737" cy="1220563"/>
+            <a:chOff x="2188551" y="3660702"/>
+            <a:chExt cx="2090737" cy="1220563"/>
+          </a:xfrm>
+        </p:grpSpPr>
+        <p:sp>
+          <p:nvSpPr>
+            <p:cNvPr id="24" name="TextBox 23">
+              <a:extLst>
+                <a:ext uri="{FF2B5EF4-FFF2-40B4-BE49-F238E27FC236}">
+                  <a16:creationId xmlns:a16="http://schemas.microsoft.com/office/drawing/2014/main" id="{55F96885-CA80-4D1A-8D5B-E5B8C01DB0AE}"/>
+                </a:ext>
+              </a:extLst>
+            </p:cNvPr>
+            <p:cNvSpPr txBox="1"/>
+            <p:nvPr/>
+          </p:nvSpPr>
+          <p:spPr>
+            <a:xfrm>
+              <a:off x="2188551" y="4419600"/>
+              <a:ext cx="2090737" cy="461665"/>
+            </a:xfrm>
+            <a:prstGeom prst="rect">
+              <a:avLst/>
+            </a:prstGeom>
+            <a:noFill/>
+          </p:spPr>
+          <p:txBody>
+            <a:bodyPr wrap="square" rtlCol="0">
+              <a:spAutoFit/>
+            </a:bodyPr>
+            <a:lstStyle/>
+            <a:p>
+              <a:pPr algn="ctr"/>
+              <a:r>
+                <a:rPr lang="en-US" sz="2400" b="1" dirty="0" err="1">
+                  <a:latin typeface="Consolas" pitchFamily="49" charset="0"/>
+                  <a:cs typeface="Consolas" pitchFamily="49" charset="0"/>
+                </a:rPr>
+                <a:t>A.length</a:t>
+              </a:r>
+              <a:endParaRPr lang="en-US" sz="2400" b="1" dirty="0">
+                <a:latin typeface="Consolas" pitchFamily="49" charset="0"/>
+                <a:cs typeface="Consolas" pitchFamily="49" charset="0"/>
+              </a:endParaRPr>
+            </a:p>
+          </p:txBody>
+        </p:sp>
+        <p:cxnSp>
+          <p:nvCxnSpPr>
+            <p:cNvPr id="26" name="Straight Arrow Connector 25">
+              <a:extLst>
+                <a:ext uri="{FF2B5EF4-FFF2-40B4-BE49-F238E27FC236}">
+                  <a16:creationId xmlns:a16="http://schemas.microsoft.com/office/drawing/2014/main" id="{9B814CA4-E4C3-4C0A-AE5C-93CC6A7822AD}"/>
+                </a:ext>
+              </a:extLst>
+            </p:cNvPr>
+            <p:cNvCxnSpPr>
+              <a:cxnSpLocks/>
+              <a:stCxn id="24" idx="0"/>
+            </p:cNvCxnSpPr>
+            <p:nvPr/>
+          </p:nvCxnSpPr>
+          <p:spPr>
+            <a:xfrm flipH="1" flipV="1">
+              <a:off x="3220888" y="3660702"/>
+              <a:ext cx="13032" cy="758898"/>
+            </a:xfrm>
+            <a:prstGeom prst="straightConnector1">
+              <a:avLst/>
+            </a:prstGeom>
+            <a:ln w="15875">
+              <a:solidFill>
+                <a:schemeClr val="tx1"/>
+              </a:solidFill>
+              <a:tailEnd type="triangle"/>
+            </a:ln>
+          </p:spPr>
+          <p:style>
+            <a:lnRef idx="1">
+              <a:schemeClr val="accent1"/>
+            </a:lnRef>
+            <a:fillRef idx="0">
+              <a:schemeClr val="accent1"/>
+            </a:fillRef>
+            <a:effectRef idx="0">
+              <a:schemeClr val="accent1"/>
+            </a:effectRef>
+            <a:fontRef idx="minor">
+              <a:schemeClr val="tx1"/>
+            </a:fontRef>
+          </p:style>
+        </p:cxnSp>
+      </p:grpSp>
     </p:spTree>
     <p:extLst>
       <p:ext uri="{BB962C8B-B14F-4D97-AF65-F5344CB8AC3E}">
@@ -14401,57 +16099,6 @@
       </p:grpSpPr>
       <p:sp>
         <p:nvSpPr>
-          <p:cNvPr id="14" name="Rectangle 13"/>
-          <p:cNvSpPr/>
-          <p:nvPr/>
-        </p:nvSpPr>
-        <p:spPr>
-          <a:xfrm>
-            <a:off x="914400" y="2514600"/>
-            <a:ext cx="1828800" cy="609600"/>
-          </a:xfrm>
-          <a:prstGeom prst="rect">
-            <a:avLst/>
-          </a:prstGeom>
-          <a:solidFill>
-            <a:schemeClr val="bg2">
-              <a:lumMod val="75000"/>
-            </a:schemeClr>
-          </a:solidFill>
-          <a:ln w="12700">
-            <a:solidFill>
-              <a:schemeClr val="tx1"/>
-            </a:solidFill>
-            <a:tailEnd type="stealth" w="lg" len="lg"/>
-          </a:ln>
-        </p:spPr>
-        <p:style>
-          <a:lnRef idx="2">
-            <a:schemeClr val="accent1">
-              <a:shade val="50000"/>
-            </a:schemeClr>
-          </a:lnRef>
-          <a:fillRef idx="1">
-            <a:schemeClr val="accent1"/>
-          </a:fillRef>
-          <a:effectRef idx="0">
-            <a:schemeClr val="accent1"/>
-          </a:effectRef>
-          <a:fontRef idx="minor">
-            <a:schemeClr val="lt1"/>
-          </a:fontRef>
-        </p:style>
-        <p:txBody>
-          <a:bodyPr rtlCol="0" anchor="ctr"/>
-          <a:lstStyle/>
-          <a:p>
-            <a:pPr algn="ctr"/>
-            <a:endParaRPr lang="en-US"/>
-          </a:p>
-        </p:txBody>
-      </p:sp>
-      <p:sp>
-        <p:nvSpPr>
           <p:cNvPr id="2" name="Title 1"/>
           <p:cNvSpPr>
             <a:spLocks noGrp="1"/>
@@ -14467,14 +16114,50 @@
           <a:p>
             <a:r>
               <a:rPr lang="en-US" dirty="0"/>
-              <a:t>Representing this picture as data</a:t>
-            </a:r>
-          </a:p>
-        </p:txBody>
-      </p:sp>
-      <p:sp>
-        <p:nvSpPr>
-          <p:cNvPr id="3" name="Slide Number Placeholder 2"/>
+              <a:t>Let's do the obvious generalization</a:t>
+            </a:r>
+          </a:p>
+        </p:txBody>
+      </p:sp>
+      <p:sp>
+        <p:nvSpPr>
+          <p:cNvPr id="3" name="Content Placeholder 2"/>
+          <p:cNvSpPr>
+            <a:spLocks noGrp="1"/>
+          </p:cNvSpPr>
+          <p:nvPr>
+            <p:ph idx="1"/>
+          </p:nvPr>
+        </p:nvSpPr>
+        <p:spPr/>
+        <p:txBody>
+          <a:bodyPr/>
+          <a:lstStyle/>
+          <a:p>
+            <a:r>
+              <a:rPr lang="en-US" dirty="0"/>
+              <a:t>Instead of searching from 0 to A.length-1, we can search an arbitrary range in the array.</a:t>
+            </a:r>
+          </a:p>
+          <a:p>
+            <a:r>
+              <a:rPr lang="en-US" dirty="0"/>
+              <a:t>We don’t want to lose any solutions, so we need to make sure that if </a:t>
+            </a:r>
+            <a:r>
+              <a:rPr lang="en-US" dirty="0" err="1"/>
+              <a:t>tgt</a:t>
+            </a:r>
+            <a:r>
+              <a:rPr lang="en-US" dirty="0"/>
+              <a:t> exists anywhere in the array, it exists in [lo,hi-1].</a:t>
+            </a:r>
+          </a:p>
+        </p:txBody>
+      </p:sp>
+      <p:sp>
+        <p:nvSpPr>
+          <p:cNvPr id="4" name="Slide Number Placeholder 3"/>
           <p:cNvSpPr>
             <a:spLocks noGrp="1"/>
           </p:cNvSpPr>
@@ -14496,923 +16179,16 @@
           </a:p>
         </p:txBody>
       </p:sp>
-      <p:sp>
-        <p:nvSpPr>
-          <p:cNvPr id="4" name="Rectangle 3"/>
-          <p:cNvSpPr/>
-          <p:nvPr/>
-        </p:nvSpPr>
-        <p:spPr>
-          <a:xfrm>
-            <a:off x="914400" y="2516832"/>
-            <a:ext cx="7315200" cy="609600"/>
-          </a:xfrm>
-          <a:prstGeom prst="rect">
-            <a:avLst/>
-          </a:prstGeom>
-          <a:ln w="12700">
-            <a:solidFill>
-              <a:schemeClr val="tx1"/>
-            </a:solidFill>
-            <a:tailEnd type="stealth" w="lg" len="lg"/>
-          </a:ln>
-        </p:spPr>
-        <p:style>
-          <a:lnRef idx="1">
-            <a:schemeClr val="accent1"/>
-          </a:lnRef>
-          <a:fillRef idx="0">
-            <a:schemeClr val="accent1"/>
-          </a:fillRef>
-          <a:effectRef idx="0">
-            <a:schemeClr val="accent1"/>
-          </a:effectRef>
-          <a:fontRef idx="minor">
-            <a:schemeClr val="tx1"/>
-          </a:fontRef>
-        </p:style>
-        <p:txBody>
-          <a:bodyPr rtlCol="0" anchor="ctr"/>
-          <a:lstStyle/>
-          <a:p>
-            <a:pPr algn="ctr"/>
-            <a:endParaRPr lang="en-US"/>
-          </a:p>
-        </p:txBody>
-      </p:sp>
-      <p:sp>
-        <p:nvSpPr>
-          <p:cNvPr id="6" name="TextBox 5"/>
-          <p:cNvSpPr txBox="1"/>
-          <p:nvPr/>
-        </p:nvSpPr>
-        <p:spPr>
-          <a:xfrm>
-            <a:off x="914400" y="2590800"/>
-            <a:ext cx="524503" cy="461665"/>
-          </a:xfrm>
-          <a:prstGeom prst="rect">
-            <a:avLst/>
-          </a:prstGeom>
-          <a:noFill/>
-        </p:spPr>
-        <p:txBody>
-          <a:bodyPr wrap="none" rtlCol="0">
-            <a:spAutoFit/>
-          </a:bodyPr>
-          <a:lstStyle/>
-          <a:p>
-            <a:r>
-              <a:rPr lang="en-US" sz="2400" b="1" dirty="0">
-                <a:latin typeface="Consolas" pitchFamily="49" charset="0"/>
-                <a:cs typeface="Consolas" pitchFamily="49" charset="0"/>
-              </a:rPr>
-              <a:t>lo</a:t>
-            </a:r>
-          </a:p>
-        </p:txBody>
-      </p:sp>
-      <p:sp>
-        <p:nvSpPr>
-          <p:cNvPr id="7" name="TextBox 6"/>
-          <p:cNvSpPr txBox="1"/>
-          <p:nvPr/>
-        </p:nvSpPr>
-        <p:spPr>
-          <a:xfrm>
-            <a:off x="7620000" y="2590800"/>
-            <a:ext cx="659384" cy="461665"/>
-          </a:xfrm>
-          <a:prstGeom prst="rect">
-            <a:avLst/>
-          </a:prstGeom>
-          <a:noFill/>
-        </p:spPr>
-        <p:txBody>
-          <a:bodyPr wrap="square" rtlCol="0">
-            <a:spAutoFit/>
-          </a:bodyPr>
-          <a:lstStyle/>
-          <a:p>
-            <a:pPr algn="r"/>
-            <a:r>
-              <a:rPr lang="en-US" sz="2400" b="1" dirty="0">
-                <a:latin typeface="Consolas" pitchFamily="49" charset="0"/>
-                <a:cs typeface="Consolas" pitchFamily="49" charset="0"/>
-              </a:rPr>
-              <a:t>hi</a:t>
-            </a:r>
-          </a:p>
-        </p:txBody>
-      </p:sp>
-      <p:cxnSp>
-        <p:nvCxnSpPr>
-          <p:cNvPr id="9" name="Straight Connector 8"/>
-          <p:cNvCxnSpPr/>
-          <p:nvPr/>
-        </p:nvCxnSpPr>
-        <p:spPr>
-          <a:xfrm>
-            <a:off x="2743200" y="2514600"/>
-            <a:ext cx="0" cy="609600"/>
-          </a:xfrm>
-          <a:prstGeom prst="line">
-            <a:avLst/>
-          </a:prstGeom>
-          <a:ln>
-            <a:solidFill>
-              <a:schemeClr val="tx1"/>
-            </a:solidFill>
-          </a:ln>
-        </p:spPr>
-        <p:style>
-          <a:lnRef idx="1">
-            <a:schemeClr val="accent1"/>
-          </a:lnRef>
-          <a:fillRef idx="0">
-            <a:schemeClr val="accent1"/>
-          </a:fillRef>
-          <a:effectRef idx="0">
-            <a:schemeClr val="accent1"/>
-          </a:effectRef>
-          <a:fontRef idx="minor">
-            <a:schemeClr val="tx1"/>
-          </a:fontRef>
-        </p:style>
-      </p:cxnSp>
-      <p:sp>
-        <p:nvSpPr>
-          <p:cNvPr id="5" name="Rectangle 4"/>
-          <p:cNvSpPr/>
-          <p:nvPr/>
-        </p:nvSpPr>
-        <p:spPr>
-          <a:xfrm>
-            <a:off x="533400" y="1295400"/>
-            <a:ext cx="3200400" cy="762000"/>
-          </a:xfrm>
-          <a:prstGeom prst="rect">
-            <a:avLst/>
-          </a:prstGeom>
-          <a:solidFill>
-            <a:schemeClr val="accent1">
-              <a:lumMod val="20000"/>
-              <a:lumOff val="80000"/>
-            </a:schemeClr>
-          </a:solidFill>
-          <a:ln>
-            <a:noFill/>
-          </a:ln>
-        </p:spPr>
-        <p:style>
-          <a:lnRef idx="2">
-            <a:schemeClr val="accent1"/>
-          </a:lnRef>
-          <a:fillRef idx="1">
-            <a:schemeClr val="lt1"/>
-          </a:fillRef>
-          <a:effectRef idx="0">
-            <a:schemeClr val="accent1"/>
-          </a:effectRef>
-          <a:fontRef idx="minor">
-            <a:schemeClr val="dk1"/>
-          </a:fontRef>
-        </p:style>
-        <p:txBody>
-          <a:bodyPr rot="0" spcFirstLastPara="0" vertOverflow="overflow" horzOverflow="overflow" vert="horz" wrap="square" lIns="91440" tIns="45720" rIns="91440" bIns="45720" numCol="1" spcCol="0" rtlCol="0" fromWordArt="0" anchor="ctr" anchorCtr="0" forceAA="0" compatLnSpc="1">
-            <a:prstTxWarp prst="textNoShape">
-              <a:avLst/>
-            </a:prstTxWarp>
-            <a:noAutofit/>
-          </a:bodyPr>
-          <a:lstStyle/>
-          <a:p>
-            <a:pPr algn="ctr"/>
-            <a:r>
-              <a:rPr lang="en-US" dirty="0" err="1">
-                <a:solidFill>
-                  <a:schemeClr val="tx1"/>
-                </a:solidFill>
-              </a:rPr>
-              <a:t>sofar</a:t>
-            </a:r>
-            <a:r>
-              <a:rPr lang="en-US" dirty="0">
-                <a:solidFill>
-                  <a:schemeClr val="tx1"/>
-                </a:solidFill>
-              </a:rPr>
-              <a:t> contains the sum of the f(j) for j in this region</a:t>
-            </a:r>
-          </a:p>
-        </p:txBody>
-      </p:sp>
-      <p:cxnSp>
-        <p:nvCxnSpPr>
-          <p:cNvPr id="18" name="Straight Arrow Connector 17"/>
-          <p:cNvCxnSpPr>
-            <a:stCxn id="5" idx="2"/>
-          </p:cNvCxnSpPr>
-          <p:nvPr/>
-        </p:nvCxnSpPr>
-        <p:spPr>
-          <a:xfrm flipH="1">
-            <a:off x="1905000" y="2057400"/>
-            <a:ext cx="228600" cy="762000"/>
-          </a:xfrm>
-          <a:prstGeom prst="straightConnector1">
-            <a:avLst/>
-          </a:prstGeom>
-          <a:ln w="12700">
-            <a:solidFill>
-              <a:schemeClr val="tx1"/>
-            </a:solidFill>
-            <a:tailEnd type="arrow"/>
-          </a:ln>
-        </p:spPr>
-        <p:style>
-          <a:lnRef idx="1">
-            <a:schemeClr val="accent1"/>
-          </a:lnRef>
-          <a:fillRef idx="0">
-            <a:schemeClr val="accent1"/>
-          </a:fillRef>
-          <a:effectRef idx="0">
-            <a:schemeClr val="accent1"/>
-          </a:effectRef>
-          <a:fontRef idx="minor">
-            <a:schemeClr val="tx1"/>
-          </a:fontRef>
-        </p:style>
-      </p:cxnSp>
-      <p:sp>
-        <p:nvSpPr>
-          <p:cNvPr id="19" name="TextBox 18"/>
-          <p:cNvSpPr txBox="1"/>
-          <p:nvPr/>
-        </p:nvSpPr>
-        <p:spPr>
-          <a:xfrm>
-            <a:off x="2743200" y="2590800"/>
-            <a:ext cx="354584" cy="461665"/>
-          </a:xfrm>
-          <a:prstGeom prst="rect">
-            <a:avLst/>
-          </a:prstGeom>
-          <a:noFill/>
-        </p:spPr>
-        <p:txBody>
-          <a:bodyPr wrap="none" rtlCol="0">
-            <a:spAutoFit/>
-          </a:bodyPr>
-          <a:lstStyle/>
-          <a:p>
-            <a:r>
-              <a:rPr lang="en-US" sz="2400" b="1" dirty="0" err="1">
-                <a:latin typeface="Consolas" pitchFamily="49" charset="0"/>
-                <a:cs typeface="Consolas" pitchFamily="49" charset="0"/>
-              </a:rPr>
-              <a:t>i</a:t>
-            </a:r>
-            <a:endParaRPr lang="en-US" sz="2400" b="1" dirty="0">
-              <a:latin typeface="Consolas" pitchFamily="49" charset="0"/>
-              <a:cs typeface="Consolas" pitchFamily="49" charset="0"/>
-            </a:endParaRPr>
-          </a:p>
-        </p:txBody>
-      </p:sp>
-      <p:sp>
-        <p:nvSpPr>
-          <p:cNvPr id="20" name="Rectangle 19"/>
-          <p:cNvSpPr/>
-          <p:nvPr/>
-        </p:nvSpPr>
-        <p:spPr>
-          <a:xfrm>
-            <a:off x="588325" y="3429000"/>
-            <a:ext cx="6290949" cy="1752600"/>
-          </a:xfrm>
-          <a:prstGeom prst="rect">
-            <a:avLst/>
-          </a:prstGeom>
-          <a:solidFill>
-            <a:schemeClr val="accent1">
-              <a:lumMod val="20000"/>
-              <a:lumOff val="80000"/>
-            </a:schemeClr>
-          </a:solidFill>
-          <a:ln>
-            <a:noFill/>
-          </a:ln>
-        </p:spPr>
-        <p:style>
-          <a:lnRef idx="2">
-            <a:schemeClr val="accent1"/>
-          </a:lnRef>
-          <a:fillRef idx="1">
-            <a:schemeClr val="lt1"/>
-          </a:fillRef>
-          <a:effectRef idx="0">
-            <a:schemeClr val="accent1"/>
-          </a:effectRef>
-          <a:fontRef idx="minor">
-            <a:schemeClr val="dk1"/>
-          </a:fontRef>
-        </p:style>
-        <p:txBody>
-          <a:bodyPr rot="0" spcFirstLastPara="0" vertOverflow="overflow" horzOverflow="overflow" vert="horz" wrap="square" lIns="91440" tIns="45720" rIns="91440" bIns="45720" numCol="1" spcCol="0" rtlCol="0" fromWordArt="0" anchor="ctr" anchorCtr="0" forceAA="0" compatLnSpc="1">
-            <a:prstTxWarp prst="textNoShape">
-              <a:avLst/>
-            </a:prstTxWarp>
-            <a:noAutofit/>
-          </a:bodyPr>
-          <a:lstStyle/>
-          <a:p>
-            <a:r>
-              <a:rPr lang="en-US" dirty="0">
-                <a:solidFill>
-                  <a:schemeClr val="tx1"/>
-                </a:solidFill>
-              </a:rPr>
-              <a:t>We can represent this picture with 4 numbers:</a:t>
-            </a:r>
-          </a:p>
-          <a:p>
-            <a:pPr marL="285750" indent="-285750">
-              <a:buFont typeface="Arial" panose="020B0604020202020204" pitchFamily="34" charset="0"/>
-              <a:buChar char="•"/>
-            </a:pPr>
-            <a:r>
-              <a:rPr lang="en-US" b="1" dirty="0">
-                <a:solidFill>
-                  <a:schemeClr val="tx1"/>
-                </a:solidFill>
-              </a:rPr>
-              <a:t>lo </a:t>
-            </a:r>
-          </a:p>
-          <a:p>
-            <a:pPr marL="285750" indent="-285750">
-              <a:buFont typeface="Arial" panose="020B0604020202020204" pitchFamily="34" charset="0"/>
-              <a:buChar char="•"/>
-            </a:pPr>
-            <a:r>
-              <a:rPr lang="en-US" b="1" dirty="0" err="1">
-                <a:solidFill>
-                  <a:schemeClr val="tx1"/>
-                </a:solidFill>
-              </a:rPr>
-              <a:t>i</a:t>
-            </a:r>
-            <a:r>
-              <a:rPr lang="en-US" dirty="0">
-                <a:solidFill>
-                  <a:schemeClr val="tx1"/>
-                </a:solidFill>
-              </a:rPr>
-              <a:t>, which is the first value of j to right of the boundary</a:t>
-            </a:r>
-          </a:p>
-          <a:p>
-            <a:pPr marL="285750" indent="-285750">
-              <a:buFont typeface="Arial" panose="020B0604020202020204" pitchFamily="34" charset="0"/>
-              <a:buChar char="•"/>
-            </a:pPr>
-            <a:r>
-              <a:rPr lang="en-US" b="1" dirty="0">
-                <a:solidFill>
-                  <a:schemeClr val="tx1"/>
-                </a:solidFill>
-              </a:rPr>
-              <a:t>hi</a:t>
-            </a:r>
-            <a:r>
-              <a:rPr lang="en-US" dirty="0">
-                <a:solidFill>
-                  <a:schemeClr val="tx1"/>
-                </a:solidFill>
-              </a:rPr>
-              <a:t>, and</a:t>
-            </a:r>
-          </a:p>
-          <a:p>
-            <a:pPr marL="285750" indent="-285750">
-              <a:buFont typeface="Arial" panose="020B0604020202020204" pitchFamily="34" charset="0"/>
-              <a:buChar char="•"/>
-            </a:pPr>
-            <a:r>
-              <a:rPr lang="en-US" b="1" dirty="0" err="1">
-                <a:solidFill>
-                  <a:schemeClr val="tx1"/>
-                </a:solidFill>
-              </a:rPr>
-              <a:t>sofar</a:t>
-            </a:r>
-            <a:r>
-              <a:rPr lang="en-US" dirty="0">
-                <a:solidFill>
-                  <a:schemeClr val="tx1"/>
-                </a:solidFill>
-              </a:rPr>
-              <a:t>, which is the sum of the f(j) for j in the brown region</a:t>
-            </a:r>
-          </a:p>
-        </p:txBody>
-      </p:sp>
-      <p:sp>
-        <p:nvSpPr>
-          <p:cNvPr id="23" name="Rectangle 22"/>
-          <p:cNvSpPr/>
-          <p:nvPr/>
-        </p:nvSpPr>
-        <p:spPr>
-          <a:xfrm>
-            <a:off x="1295400" y="5562600"/>
-            <a:ext cx="3276600" cy="762000"/>
-          </a:xfrm>
-          <a:prstGeom prst="rect">
-            <a:avLst/>
-          </a:prstGeom>
-          <a:solidFill>
-            <a:schemeClr val="accent1">
-              <a:lumMod val="20000"/>
-              <a:lumOff val="80000"/>
-            </a:schemeClr>
-          </a:solidFill>
-          <a:ln>
-            <a:noFill/>
-          </a:ln>
-        </p:spPr>
-        <p:style>
-          <a:lnRef idx="2">
-            <a:schemeClr val="accent1"/>
-          </a:lnRef>
-          <a:fillRef idx="1">
-            <a:schemeClr val="lt1"/>
-          </a:fillRef>
-          <a:effectRef idx="0">
-            <a:schemeClr val="accent1"/>
-          </a:effectRef>
-          <a:fontRef idx="minor">
-            <a:schemeClr val="dk1"/>
-          </a:fontRef>
-        </p:style>
-        <p:txBody>
-          <a:bodyPr rot="0" spcFirstLastPara="0" vertOverflow="overflow" horzOverflow="overflow" vert="horz" wrap="square" lIns="91440" tIns="45720" rIns="91440" bIns="45720" numCol="1" spcCol="0" rtlCol="0" fromWordArt="0" anchor="ctr" anchorCtr="0" forceAA="0" compatLnSpc="1">
-            <a:prstTxWarp prst="textNoShape">
-              <a:avLst/>
-            </a:prstTxWarp>
-            <a:noAutofit/>
-          </a:bodyPr>
-          <a:lstStyle/>
-          <a:p>
-            <a:pPr algn="ctr"/>
-            <a:r>
-              <a:rPr lang="en-US" dirty="0">
-                <a:solidFill>
-                  <a:schemeClr val="tx1"/>
-                </a:solidFill>
-              </a:rPr>
-              <a:t>So what we want to compute is</a:t>
-            </a:r>
-          </a:p>
-          <a:p>
-            <a:pPr algn="ctr"/>
-            <a:r>
-              <a:rPr lang="en-US" b="1" dirty="0" err="1">
-                <a:solidFill>
-                  <a:schemeClr val="tx1"/>
-                </a:solidFill>
-              </a:rPr>
-              <a:t>sofar</a:t>
-            </a:r>
-            <a:r>
-              <a:rPr lang="en-US" b="1" dirty="0">
-                <a:solidFill>
-                  <a:schemeClr val="tx1"/>
-                </a:solidFill>
-              </a:rPr>
-              <a:t> + SUM{f(j)|</a:t>
-            </a:r>
-            <a:r>
-              <a:rPr lang="en-US" b="1" dirty="0" err="1">
-                <a:solidFill>
-                  <a:schemeClr val="tx1"/>
-                </a:solidFill>
-              </a:rPr>
-              <a:t>i</a:t>
-            </a:r>
-            <a:r>
-              <a:rPr lang="en-US" b="1" dirty="0">
-                <a:solidFill>
-                  <a:schemeClr val="tx1"/>
-                </a:solidFill>
-              </a:rPr>
-              <a:t> ≤ j ≤ hi}</a:t>
-            </a:r>
-          </a:p>
-        </p:txBody>
-      </p:sp>
-      <p:sp>
-        <p:nvSpPr>
-          <p:cNvPr id="24" name="Rectangle 23"/>
-          <p:cNvSpPr/>
-          <p:nvPr/>
-        </p:nvSpPr>
-        <p:spPr>
-          <a:xfrm>
-            <a:off x="4800600" y="5562600"/>
-            <a:ext cx="2819400" cy="762000"/>
-          </a:xfrm>
-          <a:prstGeom prst="rect">
-            <a:avLst/>
-          </a:prstGeom>
-          <a:solidFill>
-            <a:schemeClr val="accent1">
-              <a:lumMod val="20000"/>
-              <a:lumOff val="80000"/>
-            </a:schemeClr>
-          </a:solidFill>
-          <a:ln>
-            <a:noFill/>
-          </a:ln>
-        </p:spPr>
-        <p:style>
-          <a:lnRef idx="2">
-            <a:schemeClr val="accent1"/>
-          </a:lnRef>
-          <a:fillRef idx="1">
-            <a:schemeClr val="lt1"/>
-          </a:fillRef>
-          <a:effectRef idx="0">
-            <a:schemeClr val="accent1"/>
-          </a:effectRef>
-          <a:fontRef idx="minor">
-            <a:schemeClr val="dk1"/>
-          </a:fontRef>
-        </p:style>
-        <p:txBody>
-          <a:bodyPr rot="0" spcFirstLastPara="0" vertOverflow="overflow" horzOverflow="overflow" vert="horz" wrap="square" lIns="91440" tIns="45720" rIns="91440" bIns="45720" numCol="1" spcCol="0" rtlCol="0" fromWordArt="0" anchor="ctr" anchorCtr="0" forceAA="0" compatLnSpc="1">
-            <a:prstTxWarp prst="textNoShape">
-              <a:avLst/>
-            </a:prstTxWarp>
-            <a:noAutofit/>
-          </a:bodyPr>
-          <a:lstStyle/>
-          <a:p>
-            <a:pPr algn="ctr"/>
-            <a:r>
-              <a:rPr lang="en-US" dirty="0">
-                <a:solidFill>
-                  <a:schemeClr val="tx1"/>
-                </a:solidFill>
-              </a:rPr>
-              <a:t>This is a function of </a:t>
-            </a:r>
-            <a:r>
-              <a:rPr lang="en-US" b="1" dirty="0" err="1">
-                <a:solidFill>
-                  <a:schemeClr val="tx1"/>
-                </a:solidFill>
-              </a:rPr>
-              <a:t>i</a:t>
-            </a:r>
-            <a:r>
-              <a:rPr lang="en-US" dirty="0">
-                <a:solidFill>
-                  <a:schemeClr val="tx1"/>
-                </a:solidFill>
-              </a:rPr>
-              <a:t>, </a:t>
-            </a:r>
-            <a:r>
-              <a:rPr lang="en-US" b="1" dirty="0">
-                <a:solidFill>
-                  <a:schemeClr val="tx1"/>
-                </a:solidFill>
-              </a:rPr>
-              <a:t>hi</a:t>
-            </a:r>
-            <a:r>
-              <a:rPr lang="en-US" dirty="0">
-                <a:solidFill>
-                  <a:schemeClr val="tx1"/>
-                </a:solidFill>
-              </a:rPr>
-              <a:t>, </a:t>
-            </a:r>
-            <a:r>
-              <a:rPr lang="en-US" b="1" dirty="0" err="1">
-                <a:solidFill>
-                  <a:schemeClr val="tx1"/>
-                </a:solidFill>
-              </a:rPr>
-              <a:t>sofar</a:t>
-            </a:r>
-            <a:r>
-              <a:rPr lang="en-US" dirty="0">
-                <a:solidFill>
-                  <a:schemeClr val="tx1"/>
-                </a:solidFill>
-              </a:rPr>
-              <a:t>, and </a:t>
-            </a:r>
-            <a:r>
-              <a:rPr lang="en-US" b="1" dirty="0">
-                <a:solidFill>
-                  <a:schemeClr val="tx1"/>
-                </a:solidFill>
-              </a:rPr>
-              <a:t>f</a:t>
-            </a:r>
-            <a:r>
-              <a:rPr lang="en-US" dirty="0">
-                <a:solidFill>
-                  <a:schemeClr val="tx1"/>
-                </a:solidFill>
-              </a:rPr>
-              <a:t>.</a:t>
-            </a:r>
-          </a:p>
-        </p:txBody>
-      </p:sp>
-      <p:sp>
-        <p:nvSpPr>
-          <p:cNvPr id="8" name="Hexagon 7">
-            <a:extLst>
-              <a:ext uri="{FF2B5EF4-FFF2-40B4-BE49-F238E27FC236}">
-                <a16:creationId xmlns:a16="http://schemas.microsoft.com/office/drawing/2014/main" id="{C9950A7D-25E4-4A33-AB64-C0227F026A34}"/>
-              </a:ext>
-            </a:extLst>
-          </p:cNvPr>
-          <p:cNvSpPr/>
-          <p:nvPr/>
-        </p:nvSpPr>
-        <p:spPr>
-          <a:xfrm>
-            <a:off x="6629400" y="914400"/>
-            <a:ext cx="1905000" cy="1371600"/>
-          </a:xfrm>
-          <a:prstGeom prst="hexagon">
-            <a:avLst/>
-          </a:prstGeom>
-          <a:solidFill>
-            <a:srgbClr val="FFFF00"/>
-          </a:solidFill>
-          <a:ln/>
-        </p:spPr>
-        <p:style>
-          <a:lnRef idx="2">
-            <a:schemeClr val="accent1"/>
-          </a:lnRef>
-          <a:fillRef idx="1">
-            <a:schemeClr val="lt1"/>
-          </a:fillRef>
-          <a:effectRef idx="0">
-            <a:schemeClr val="accent1"/>
-          </a:effectRef>
-          <a:fontRef idx="minor">
-            <a:schemeClr val="dk1"/>
-          </a:fontRef>
-        </p:style>
-        <p:txBody>
-          <a:bodyPr rot="0" spcFirstLastPara="0" vertOverflow="overflow" horzOverflow="overflow" vert="horz" wrap="square" lIns="91440" tIns="45720" rIns="91440" bIns="45720" numCol="1" spcCol="0" rtlCol="0" fromWordArt="0" anchor="ctr" anchorCtr="0" forceAA="0" compatLnSpc="1">
-            <a:prstTxWarp prst="textNoShape">
-              <a:avLst/>
-            </a:prstTxWarp>
-            <a:noAutofit/>
-          </a:bodyPr>
-          <a:lstStyle/>
-          <a:p>
-            <a:pPr algn="ctr"/>
-            <a:r>
-              <a:rPr lang="en-US" sz="3600" dirty="0">
-                <a:solidFill>
-                  <a:schemeClr val="tx1"/>
-                </a:solidFill>
-              </a:rPr>
-              <a:t>OLD</a:t>
-            </a:r>
-          </a:p>
-        </p:txBody>
-      </p:sp>
-      <p:sp>
-        <p:nvSpPr>
-          <p:cNvPr id="16" name="Rectangle 15">
-            <a:extLst>
-              <a:ext uri="{FF2B5EF4-FFF2-40B4-BE49-F238E27FC236}">
-                <a16:creationId xmlns:a16="http://schemas.microsoft.com/office/drawing/2014/main" id="{2EB642C1-303B-48C5-B05A-B2255DFA4812}"/>
-              </a:ext>
-            </a:extLst>
-          </p:cNvPr>
-          <p:cNvSpPr/>
-          <p:nvPr/>
-        </p:nvSpPr>
-        <p:spPr>
-          <a:xfrm>
-            <a:off x="7287666" y="3328342"/>
-            <a:ext cx="914400" cy="609600"/>
-          </a:xfrm>
-          <a:prstGeom prst="rect">
-            <a:avLst/>
-          </a:prstGeom>
-          <a:ln w="12700">
-            <a:solidFill>
-              <a:schemeClr val="tx1"/>
-            </a:solidFill>
-            <a:tailEnd type="stealth" w="lg" len="lg"/>
-          </a:ln>
-        </p:spPr>
-        <p:style>
-          <a:lnRef idx="1">
-            <a:schemeClr val="accent1"/>
-          </a:lnRef>
-          <a:fillRef idx="0">
-            <a:schemeClr val="accent1"/>
-          </a:fillRef>
-          <a:effectRef idx="0">
-            <a:schemeClr val="accent1"/>
-          </a:effectRef>
-          <a:fontRef idx="minor">
-            <a:schemeClr val="tx1"/>
-          </a:fontRef>
-        </p:style>
-        <p:txBody>
-          <a:bodyPr rtlCol="0" anchor="ctr"/>
-          <a:lstStyle/>
-          <a:p>
-            <a:pPr algn="ctr"/>
-            <a:r>
-              <a:rPr lang="en-US" sz="2400" b="1" dirty="0">
-                <a:latin typeface="Consolas" panose="020B0609020204030204" pitchFamily="49" charset="0"/>
-              </a:rPr>
-              <a:t>A[</a:t>
-            </a:r>
-            <a:r>
-              <a:rPr lang="en-US" sz="2400" b="1" dirty="0" err="1">
-                <a:latin typeface="Consolas" panose="020B0609020204030204" pitchFamily="49" charset="0"/>
-              </a:rPr>
-              <a:t>i</a:t>
-            </a:r>
-            <a:r>
-              <a:rPr lang="en-US" sz="2400" b="1" dirty="0">
-                <a:latin typeface="Consolas" panose="020B0609020204030204" pitchFamily="49" charset="0"/>
-              </a:rPr>
-              <a:t>]</a:t>
-            </a:r>
-          </a:p>
-        </p:txBody>
-      </p:sp>
     </p:spTree>
     <p:extLst>
       <p:ext uri="{BB962C8B-B14F-4D97-AF65-F5344CB8AC3E}">
-        <p14:creationId xmlns:p14="http://schemas.microsoft.com/office/powerpoint/2010/main" val="1327140884"/>
+        <p14:creationId xmlns:p14="http://schemas.microsoft.com/office/powerpoint/2010/main" val="4186944835"/>
       </p:ext>
     </p:extLst>
   </p:cSld>
   <p:clrMapOvr>
     <a:masterClrMapping/>
   </p:clrMapOvr>
-  <p:timing>
-    <p:tnLst>
-      <p:par>
-        <p:cTn id="1" dur="indefinite" restart="never" nodeType="tmRoot">
-          <p:childTnLst>
-            <p:seq concurrent="1" nextAc="seek">
-              <p:cTn id="2" dur="indefinite" nodeType="mainSeq">
-                <p:childTnLst>
-                  <p:par>
-                    <p:cTn id="3" fill="hold">
-                      <p:stCondLst>
-                        <p:cond delay="indefinite"/>
-                      </p:stCondLst>
-                      <p:childTnLst>
-                        <p:par>
-                          <p:cTn id="4" fill="hold">
-                            <p:stCondLst>
-                              <p:cond delay="0"/>
-                            </p:stCondLst>
-                            <p:childTnLst>
-                              <p:par>
-                                <p:cTn id="5" presetID="10" presetClass="entr" presetSubtype="0" fill="hold" grpId="0" nodeType="clickEffect">
-                                  <p:stCondLst>
-                                    <p:cond delay="0"/>
-                                  </p:stCondLst>
-                                  <p:childTnLst>
-                                    <p:set>
-                                      <p:cBhvr>
-                                        <p:cTn id="6" dur="1" fill="hold">
-                                          <p:stCondLst>
-                                            <p:cond delay="0"/>
-                                          </p:stCondLst>
-                                        </p:cTn>
-                                        <p:tgtEl>
-                                          <p:spTgt spid="20"/>
-                                        </p:tgtEl>
-                                        <p:attrNameLst>
-                                          <p:attrName>style.visibility</p:attrName>
-                                        </p:attrNameLst>
-                                      </p:cBhvr>
-                                      <p:to>
-                                        <p:strVal val="visible"/>
-                                      </p:to>
-                                    </p:set>
-                                    <p:animEffect transition="in" filter="fade">
-                                      <p:cBhvr>
-                                        <p:cTn id="7" dur="500"/>
-                                        <p:tgtEl>
-                                          <p:spTgt spid="20"/>
-                                        </p:tgtEl>
-                                      </p:cBhvr>
-                                    </p:animEffect>
-                                  </p:childTnLst>
-                                </p:cTn>
-                              </p:par>
-                            </p:childTnLst>
-                          </p:cTn>
-                        </p:par>
-                      </p:childTnLst>
-                    </p:cTn>
-                  </p:par>
-                  <p:par>
-                    <p:cTn id="8" fill="hold">
-                      <p:stCondLst>
-                        <p:cond delay="indefinite"/>
-                      </p:stCondLst>
-                      <p:childTnLst>
-                        <p:par>
-                          <p:cTn id="9" fill="hold">
-                            <p:stCondLst>
-                              <p:cond delay="0"/>
-                            </p:stCondLst>
-                            <p:childTnLst>
-                              <p:par>
-                                <p:cTn id="10" presetID="10" presetClass="entr" presetSubtype="0" fill="hold" grpId="0" nodeType="clickEffect">
-                                  <p:stCondLst>
-                                    <p:cond delay="0"/>
-                                  </p:stCondLst>
-                                  <p:childTnLst>
-                                    <p:set>
-                                      <p:cBhvr>
-                                        <p:cTn id="11" dur="1" fill="hold">
-                                          <p:stCondLst>
-                                            <p:cond delay="0"/>
-                                          </p:stCondLst>
-                                        </p:cTn>
-                                        <p:tgtEl>
-                                          <p:spTgt spid="23"/>
-                                        </p:tgtEl>
-                                        <p:attrNameLst>
-                                          <p:attrName>style.visibility</p:attrName>
-                                        </p:attrNameLst>
-                                      </p:cBhvr>
-                                      <p:to>
-                                        <p:strVal val="visible"/>
-                                      </p:to>
-                                    </p:set>
-                                    <p:animEffect transition="in" filter="fade">
-                                      <p:cBhvr>
-                                        <p:cTn id="12" dur="500"/>
-                                        <p:tgtEl>
-                                          <p:spTgt spid="23"/>
-                                        </p:tgtEl>
-                                      </p:cBhvr>
-                                    </p:animEffect>
-                                  </p:childTnLst>
-                                </p:cTn>
-                              </p:par>
-                            </p:childTnLst>
-                          </p:cTn>
-                        </p:par>
-                      </p:childTnLst>
-                    </p:cTn>
-                  </p:par>
-                </p:childTnLst>
-              </p:cTn>
-              <p:prevCondLst>
-                <p:cond evt="onPrev" delay="0">
-                  <p:tgtEl>
-                    <p:sldTgt/>
-                  </p:tgtEl>
-                </p:cond>
-              </p:prevCondLst>
-              <p:nextCondLst>
-                <p:cond evt="onNext" delay="0">
-                  <p:tgtEl>
-                    <p:sldTgt/>
-                  </p:tgtEl>
-                </p:cond>
-              </p:nextCondLst>
-            </p:seq>
-          </p:childTnLst>
-        </p:cTn>
-      </p:par>
-    </p:tnLst>
-    <p:bldLst>
-      <p:bldP spid="20" grpId="0" animBg="1"/>
-      <p:bldP spid="23" grpId="0" animBg="1"/>
-    </p:bldLst>
-  </p:timing>
 </p:sld>
 </file>
 

--- a/Slides/Lesson 8.2 Binary Search.pptx
+++ b/Slides/Lesson 8.2 Binary Search.pptx
@@ -5,7 +5,7 @@
     <p:sldMasterId id="2147483660" r:id="rId1"/>
   </p:sldMasterIdLst>
   <p:notesMasterIdLst>
-    <p:notesMasterId r:id="rId31"/>
+    <p:notesMasterId r:id="rId32"/>
   </p:notesMasterIdLst>
   <p:sldIdLst>
     <p:sldId id="358" r:id="rId2"/>
@@ -34,14 +34,15 @@
     <p:sldId id="385" r:id="rId25"/>
     <p:sldId id="386" r:id="rId26"/>
     <p:sldId id="387" r:id="rId27"/>
-    <p:sldId id="388" r:id="rId28"/>
-    <p:sldId id="372" r:id="rId29"/>
-    <p:sldId id="373" r:id="rId30"/>
+    <p:sldId id="389" r:id="rId28"/>
+    <p:sldId id="390" r:id="rId29"/>
+    <p:sldId id="372" r:id="rId30"/>
+    <p:sldId id="373" r:id="rId31"/>
   </p:sldIdLst>
   <p:sldSz cx="9144000" cy="6858000" type="screen4x3"/>
   <p:notesSz cx="6858000" cy="9144000"/>
   <p:custDataLst>
-    <p:tags r:id="rId32"/>
+    <p:tags r:id="rId33"/>
   </p:custDataLst>
   <p:defaultTextStyle>
     <a:defPPr>
@@ -146,7 +147,7 @@
             <a:srgbClr val="A4A3A4"/>
           </p15:clr>
         </p15:guide>
-        <p15:guide id="2" pos="2688" userDrawn="1">
+        <p15:guide id="2" pos="576" userDrawn="1">
           <p15:clr>
             <a:srgbClr val="A4A3A4"/>
           </p15:clr>
@@ -258,7 +259,7 @@
             <a:fld id="{CF8F25F6-E1EF-4065-8525-42EDEBD9BD22}" type="datetimeFigureOut">
               <a:rPr lang="en-US" smtClean="0"/>
               <a:pPr/>
-              <a:t>10/20/2017</a:t>
+              <a:t>10/22/2017</a:t>
             </a:fld>
             <a:endParaRPr lang="en-US"/>
           </a:p>
@@ -964,7 +965,7 @@
           <a:p>
             <a:fld id="{2F1F79F5-7BEC-496A-AFC7-876E38F64D71}" type="datetime1">
               <a:rPr lang="en-US" smtClean="0"/>
-              <a:t>10/20/2017</a:t>
+              <a:t>10/22/2017</a:t>
             </a:fld>
             <a:endParaRPr lang="en-US"/>
           </a:p>
@@ -1059,7 +1060,7 @@
           <a:p>
             <a:fld id="{0A05703A-7669-4FEA-9056-25299B4D29D4}" type="datetime1">
               <a:rPr lang="en-US" smtClean="0"/>
-              <a:t>10/20/2017</a:t>
+              <a:t>10/22/2017</a:t>
             </a:fld>
             <a:endParaRPr lang="en-US"/>
           </a:p>
@@ -1334,7 +1335,7 @@
           <a:p>
             <a:fld id="{6E5077B5-BB57-49DB-88CA-226A139E5C01}" type="datetime1">
               <a:rPr lang="en-US" smtClean="0"/>
-              <a:t>10/20/2017</a:t>
+              <a:t>10/22/2017</a:t>
             </a:fld>
             <a:endParaRPr lang="en-US"/>
           </a:p>
@@ -1586,7 +1587,7 @@
           <a:p>
             <a:fld id="{C48D9447-CBD6-49A1-89FD-8512A8CF8999}" type="datetime1">
               <a:rPr lang="en-US" smtClean="0"/>
-              <a:t>10/20/2017</a:t>
+              <a:t>10/22/2017</a:t>
             </a:fld>
             <a:endParaRPr lang="en-US"/>
           </a:p>
@@ -1754,7 +1755,7 @@
           <a:p>
             <a:fld id="{A3639A2A-823D-48B7-9ACE-7FAF42870BA9}" type="datetime1">
               <a:rPr lang="en-US" smtClean="0"/>
-              <a:t>10/20/2017</a:t>
+              <a:t>10/22/2017</a:t>
             </a:fld>
             <a:endParaRPr lang="en-US"/>
           </a:p>
@@ -1932,7 +1933,7 @@
           <a:p>
             <a:fld id="{ED1B6996-82E9-463C-972C-7B56056E426C}" type="datetime1">
               <a:rPr lang="en-US" smtClean="0"/>
-              <a:t>10/20/2017</a:t>
+              <a:t>10/22/2017</a:t>
             </a:fld>
             <a:endParaRPr lang="en-US"/>
           </a:p>
@@ -2106,7 +2107,7 @@
           <a:p>
             <a:fld id="{E22ED4DA-448D-4BB1-B935-CC112220207B}" type="datetime1">
               <a:rPr lang="en-US" smtClean="0"/>
-              <a:t>10/20/2017</a:t>
+              <a:t>10/22/2017</a:t>
             </a:fld>
             <a:endParaRPr lang="en-US"/>
           </a:p>
@@ -2279,7 +2280,7 @@
           <a:p>
             <a:fld id="{E22ED4DA-448D-4BB1-B935-CC112220207B}" type="datetime1">
               <a:rPr lang="en-US" smtClean="0"/>
-              <a:t>10/20/2017</a:t>
+              <a:t>10/22/2017</a:t>
             </a:fld>
             <a:endParaRPr lang="en-US"/>
           </a:p>
@@ -2539,7 +2540,7 @@
           <a:p>
             <a:fld id="{FF5D65A6-AB94-4435-B0B7-3743215FA46C}" type="datetime1">
               <a:rPr lang="en-US" smtClean="0"/>
-              <a:t>10/20/2017</a:t>
+              <a:t>10/22/2017</a:t>
             </a:fld>
             <a:endParaRPr lang="en-US"/>
           </a:p>
@@ -2715,7 +2716,7 @@
           <a:p>
             <a:fld id="{FF5D65A6-AB94-4435-B0B7-3743215FA46C}" type="datetime1">
               <a:rPr lang="en-US" smtClean="0"/>
-              <a:t>10/20/2017</a:t>
+              <a:t>10/22/2017</a:t>
             </a:fld>
             <a:endParaRPr lang="en-US"/>
           </a:p>
@@ -3009,7 +3010,7 @@
           <a:p>
             <a:fld id="{7C193DC4-6EF0-48C9-B29C-616106A645E1}" type="datetime1">
               <a:rPr lang="en-US" smtClean="0"/>
-              <a:t>10/20/2017</a:t>
+              <a:t>10/22/2017</a:t>
             </a:fld>
             <a:endParaRPr lang="en-US"/>
           </a:p>
@@ -3294,7 +3295,7 @@
           <a:p>
             <a:fld id="{5D1846AD-9252-4647-9435-4C2AC365653A}" type="datetime1">
               <a:rPr lang="en-US" smtClean="0"/>
-              <a:t>10/20/2017</a:t>
+              <a:t>10/22/2017</a:t>
             </a:fld>
             <a:endParaRPr lang="en-US"/>
           </a:p>
@@ -3713,7 +3714,7 @@
           <a:p>
             <a:fld id="{CE56DC10-3561-4063-A6AF-C1CC7A41040A}" type="datetime1">
               <a:rPr lang="en-US" smtClean="0"/>
-              <a:t>10/20/2017</a:t>
+              <a:t>10/22/2017</a:t>
             </a:fld>
             <a:endParaRPr lang="en-US"/>
           </a:p>
@@ -3830,7 +3831,7 @@
           <a:p>
             <a:fld id="{2F7B77F5-1464-4F6B-92A8-64FC8A508293}" type="datetime1">
               <a:rPr lang="en-US" smtClean="0"/>
-              <a:t>10/20/2017</a:t>
+              <a:t>10/22/2017</a:t>
             </a:fld>
             <a:endParaRPr lang="en-US"/>
           </a:p>
@@ -4053,7 +4054,7 @@
           <a:p>
             <a:fld id="{02B3F677-983B-48DB-ADFD-63FE6CBC7FB2}" type="datetime1">
               <a:rPr lang="en-US" smtClean="0"/>
-              <a:t>10/20/2017</a:t>
+              <a:t>10/22/2017</a:t>
             </a:fld>
             <a:endParaRPr lang="en-US"/>
           </a:p>
@@ -13267,10 +13268,10 @@
       </p:grpSpPr>
       <p:sp>
         <p:nvSpPr>
-          <p:cNvPr id="2" name="Title 1">
+          <p:cNvPr id="6" name="Title 5">
             <a:extLst>
               <a:ext uri="{FF2B5EF4-FFF2-40B4-BE49-F238E27FC236}">
-                <a16:creationId xmlns:a16="http://schemas.microsoft.com/office/drawing/2014/main" id="{B5C1E486-EF91-480F-B209-1C474A724F6F}"/>
+                <a16:creationId xmlns:a16="http://schemas.microsoft.com/office/drawing/2014/main" id="{2C42CF23-3345-4F0D-A18D-298BF15BF36A}"/>
               </a:ext>
             </a:extLst>
           </p:cNvPr>
@@ -13288,17 +13289,17 @@
           <a:p>
             <a:r>
               <a:rPr lang="en-US" dirty="0"/>
-              <a:t>The code</a:t>
-            </a:r>
-          </a:p>
-        </p:txBody>
-      </p:sp>
-      <p:sp>
-        <p:nvSpPr>
-          <p:cNvPr id="3" name="Content Placeholder 2">
+              <a:t>The Method Definition (1)</a:t>
+            </a:r>
+          </a:p>
+        </p:txBody>
+      </p:sp>
+      <p:sp>
+        <p:nvSpPr>
+          <p:cNvPr id="7" name="Content Placeholder 6">
             <a:extLst>
               <a:ext uri="{FF2B5EF4-FFF2-40B4-BE49-F238E27FC236}">
-                <a16:creationId xmlns:a16="http://schemas.microsoft.com/office/drawing/2014/main" id="{3FACE09E-A862-4568-86B8-08A62131C11B}"/>
+                <a16:creationId xmlns:a16="http://schemas.microsoft.com/office/drawing/2014/main" id="{847EE52C-2420-4755-8BB6-DE7FB94D336D}"/>
               </a:ext>
             </a:extLst>
           </p:cNvPr>
@@ -13306,766 +13307,275 @@
             <a:spLocks noGrp="1"/>
           </p:cNvSpPr>
           <p:nvPr>
-            <p:ph sz="half" idx="1"/>
+            <p:ph idx="1"/>
           </p:nvPr>
         </p:nvSpPr>
         <p:spPr/>
         <p:txBody>
           <a:bodyPr>
-            <a:noAutofit/>
+            <a:normAutofit fontScale="40000" lnSpcReduction="20000"/>
           </a:bodyPr>
           <a:lstStyle/>
           <a:p>
-            <a:pPr marL="0" indent="0">
-              <a:buNone/>
-            </a:pPr>
-            <a:r>
-              <a:rPr lang="en-US" sz="1200" dirty="0">
-                <a:latin typeface="Consolas" panose="020B0609020204030204" pitchFamily="49" charset="0"/>
-              </a:rPr>
-              <a:t>static </a:t>
-            </a:r>
-            <a:r>
-              <a:rPr lang="en-US" sz="1200" dirty="0" err="1">
-                <a:latin typeface="Consolas" panose="020B0609020204030204" pitchFamily="49" charset="0"/>
-              </a:rPr>
+            <a:r>
+              <a:rPr lang="en-US" dirty="0"/>
+              <a:t> static </a:t>
+            </a:r>
+            <a:r>
+              <a:rPr lang="en-US" dirty="0" err="1"/>
               <a:t>int</a:t>
             </a:r>
             <a:r>
-              <a:rPr lang="en-US" sz="1200" dirty="0">
-                <a:latin typeface="Consolas" panose="020B0609020204030204" pitchFamily="49" charset="0"/>
-              </a:rPr>
+              <a:rPr lang="en-US" dirty="0"/>
               <a:t> </a:t>
             </a:r>
             <a:r>
-              <a:rPr lang="en-US" sz="1200" dirty="0" err="1">
-                <a:latin typeface="Consolas" panose="020B0609020204030204" pitchFamily="49" charset="0"/>
-              </a:rPr>
+              <a:rPr lang="en-US" dirty="0" err="1"/>
               <a:t>binsearch_iterative</a:t>
             </a:r>
             <a:r>
-              <a:rPr lang="en-US" sz="1200" dirty="0">
-                <a:latin typeface="Consolas" panose="020B0609020204030204" pitchFamily="49" charset="0"/>
-              </a:rPr>
+              <a:rPr lang="en-US" dirty="0"/>
               <a:t> (</a:t>
             </a:r>
             <a:r>
-              <a:rPr lang="en-US" sz="1200" dirty="0" err="1">
-                <a:latin typeface="Consolas" panose="020B0609020204030204" pitchFamily="49" charset="0"/>
-              </a:rPr>
+              <a:rPr lang="en-US" dirty="0" err="1"/>
               <a:t>int</a:t>
             </a:r>
             <a:r>
-              <a:rPr lang="en-US" sz="1200" dirty="0">
-                <a:latin typeface="Consolas" panose="020B0609020204030204" pitchFamily="49" charset="0"/>
-              </a:rPr>
+              <a:rPr lang="en-US" dirty="0"/>
               <a:t>[] A, </a:t>
             </a:r>
             <a:r>
-              <a:rPr lang="en-US" sz="1200" dirty="0" err="1">
-                <a:latin typeface="Consolas" panose="020B0609020204030204" pitchFamily="49" charset="0"/>
-              </a:rPr>
+              <a:rPr lang="en-US" dirty="0" err="1"/>
               <a:t>int</a:t>
             </a:r>
             <a:r>
-              <a:rPr lang="en-US" sz="1200" dirty="0">
-                <a:latin typeface="Consolas" panose="020B0609020204030204" pitchFamily="49" charset="0"/>
-              </a:rPr>
+              <a:rPr lang="en-US" dirty="0"/>
               <a:t> </a:t>
             </a:r>
             <a:r>
-              <a:rPr lang="en-US" sz="1200" dirty="0" err="1">
-                <a:latin typeface="Consolas" panose="020B0609020204030204" pitchFamily="49" charset="0"/>
-              </a:rPr>
+              <a:rPr lang="en-US" dirty="0" err="1"/>
               <a:t>tgt</a:t>
             </a:r>
             <a:r>
-              <a:rPr lang="en-US" sz="1200" dirty="0">
-                <a:latin typeface="Consolas" panose="020B0609020204030204" pitchFamily="49" charset="0"/>
-              </a:rPr>
+              <a:rPr lang="en-US" dirty="0"/>
               <a:t>) {</a:t>
             </a:r>
           </a:p>
           <a:p>
-            <a:pPr marL="0" indent="0">
-              <a:buNone/>
-            </a:pPr>
-            <a:endParaRPr lang="en-US" sz="1200" dirty="0">
-              <a:latin typeface="Consolas" panose="020B0609020204030204" pitchFamily="49" charset="0"/>
-            </a:endParaRPr>
-          </a:p>
-          <a:p>
-            <a:pPr marL="0" indent="0">
-              <a:buNone/>
-            </a:pPr>
-            <a:r>
-              <a:rPr lang="en-US" sz="1200" dirty="0">
-                <a:latin typeface="Consolas" panose="020B0609020204030204" pitchFamily="49" charset="0"/>
-              </a:rPr>
+            <a:endParaRPr lang="en-US" dirty="0"/>
+          </a:p>
+          <a:p>
+            <a:r>
+              <a:rPr lang="en-US" dirty="0"/>
               <a:t>        // GIVEN: An array A of integers and an integer target '</a:t>
             </a:r>
             <a:r>
-              <a:rPr lang="en-US" sz="1200" dirty="0" err="1">
-                <a:latin typeface="Consolas" panose="020B0609020204030204" pitchFamily="49" charset="0"/>
-              </a:rPr>
+              <a:rPr lang="en-US" dirty="0" err="1"/>
               <a:t>tgt</a:t>
             </a:r>
             <a:r>
-              <a:rPr lang="en-US" sz="1200" dirty="0">
-                <a:latin typeface="Consolas" panose="020B0609020204030204" pitchFamily="49" charset="0"/>
-              </a:rPr>
+              <a:rPr lang="en-US" dirty="0"/>
               <a:t>'</a:t>
             </a:r>
           </a:p>
           <a:p>
-            <a:pPr marL="0" indent="0">
-              <a:buNone/>
-            </a:pPr>
-            <a:r>
-              <a:rPr lang="en-US" sz="1200" dirty="0">
-                <a:latin typeface="Consolas" panose="020B0609020204030204" pitchFamily="49" charset="0"/>
-              </a:rPr>
+            <a:r>
+              <a:rPr lang="en-US" dirty="0"/>
               <a:t>        // WHERE: A is non-decreasing</a:t>
             </a:r>
           </a:p>
           <a:p>
-            <a:pPr marL="0" indent="0">
-              <a:buNone/>
-            </a:pPr>
-            <a:r>
-              <a:rPr lang="en-US" sz="1200" dirty="0">
-                <a:latin typeface="Consolas" panose="020B0609020204030204" pitchFamily="49" charset="0"/>
-              </a:rPr>
+            <a:r>
+              <a:rPr lang="en-US" dirty="0"/>
               <a:t>        // RETURNS: a number k such that</a:t>
             </a:r>
           </a:p>
           <a:p>
-            <a:pPr marL="0" indent="0">
-              <a:buNone/>
-            </a:pPr>
-            <a:r>
-              <a:rPr lang="en-US" sz="1200" dirty="0">
-                <a:latin typeface="Consolas" panose="020B0609020204030204" pitchFamily="49" charset="0"/>
-              </a:rPr>
+            <a:r>
+              <a:rPr lang="en-US" dirty="0"/>
               <a:t>        //         0 &lt;= k &lt; </a:t>
             </a:r>
             <a:r>
-              <a:rPr lang="en-US" sz="1200" dirty="0" err="1">
-                <a:latin typeface="Consolas" panose="020B0609020204030204" pitchFamily="49" charset="0"/>
-              </a:rPr>
+              <a:rPr lang="en-US" dirty="0" err="1"/>
               <a:t>A.length</a:t>
             </a:r>
-            <a:endParaRPr lang="en-US" sz="1200" dirty="0">
-              <a:latin typeface="Consolas" panose="020B0609020204030204" pitchFamily="49" charset="0"/>
-            </a:endParaRPr>
-          </a:p>
-          <a:p>
-            <a:pPr marL="0" indent="0">
-              <a:buNone/>
-            </a:pPr>
-            <a:r>
-              <a:rPr lang="en-US" sz="1200" dirty="0">
-                <a:latin typeface="Consolas" panose="020B0609020204030204" pitchFamily="49" charset="0"/>
-              </a:rPr>
+            <a:endParaRPr lang="en-US" dirty="0"/>
+          </a:p>
+          <a:p>
+            <a:r>
+              <a:rPr lang="en-US" dirty="0"/>
               <a:t>        //     and A[k] = </a:t>
             </a:r>
             <a:r>
-              <a:rPr lang="en-US" sz="1200" dirty="0" err="1">
-                <a:latin typeface="Consolas" panose="020B0609020204030204" pitchFamily="49" charset="0"/>
-              </a:rPr>
+              <a:rPr lang="en-US" dirty="0" err="1"/>
               <a:t>tgt</a:t>
             </a:r>
-            <a:endParaRPr lang="en-US" sz="1200" dirty="0">
-              <a:latin typeface="Consolas" panose="020B0609020204030204" pitchFamily="49" charset="0"/>
-            </a:endParaRPr>
-          </a:p>
-          <a:p>
-            <a:pPr marL="0" indent="0">
-              <a:buNone/>
-            </a:pPr>
-            <a:r>
-              <a:rPr lang="en-US" sz="1200" dirty="0">
-                <a:latin typeface="Consolas" panose="020B0609020204030204" pitchFamily="49" charset="0"/>
-              </a:rPr>
+            <a:endParaRPr lang="en-US" dirty="0"/>
+          </a:p>
+          <a:p>
+            <a:r>
+              <a:rPr lang="en-US" dirty="0"/>
               <a:t>        // if there is such a k, otherwise returns -1</a:t>
             </a:r>
           </a:p>
           <a:p>
-            <a:pPr marL="0" indent="0">
-              <a:buNone/>
-            </a:pPr>
-            <a:endParaRPr lang="en-US" sz="1200" dirty="0">
-              <a:latin typeface="Consolas" panose="020B0609020204030204" pitchFamily="49" charset="0"/>
-            </a:endParaRPr>
-          </a:p>
-          <a:p>
-            <a:pPr marL="0" indent="0">
-              <a:buNone/>
-            </a:pPr>
-            <a:r>
-              <a:rPr lang="en-US" sz="1200" dirty="0">
-                <a:latin typeface="Consolas" panose="020B0609020204030204" pitchFamily="49" charset="0"/>
-              </a:rPr>
+            <a:endParaRPr lang="en-US" dirty="0"/>
+          </a:p>
+          <a:p>
+            <a:r>
+              <a:rPr lang="en-US" dirty="0"/>
               <a:t>        </a:t>
             </a:r>
             <a:r>
-              <a:rPr lang="en-US" sz="1200" dirty="0" err="1">
-                <a:latin typeface="Consolas" panose="020B0609020204030204" pitchFamily="49" charset="0"/>
-              </a:rPr>
+              <a:rPr lang="en-US" dirty="0" err="1"/>
               <a:t>int</a:t>
             </a:r>
             <a:r>
-              <a:rPr lang="en-US" sz="1200" dirty="0">
-                <a:latin typeface="Consolas" panose="020B0609020204030204" pitchFamily="49" charset="0"/>
-              </a:rPr>
+              <a:rPr lang="en-US" dirty="0"/>
               <a:t> lo = 0;        </a:t>
             </a:r>
           </a:p>
           <a:p>
-            <a:pPr marL="0" indent="0">
-              <a:buNone/>
-            </a:pPr>
-            <a:r>
-              <a:rPr lang="en-US" sz="1200" dirty="0">
-                <a:latin typeface="Consolas" panose="020B0609020204030204" pitchFamily="49" charset="0"/>
-              </a:rPr>
+            <a:r>
+              <a:rPr lang="en-US" dirty="0"/>
               <a:t>        </a:t>
             </a:r>
             <a:r>
-              <a:rPr lang="en-US" sz="1200" dirty="0" err="1">
-                <a:latin typeface="Consolas" panose="020B0609020204030204" pitchFamily="49" charset="0"/>
-              </a:rPr>
+              <a:rPr lang="en-US" dirty="0" err="1"/>
               <a:t>int</a:t>
             </a:r>
             <a:r>
-              <a:rPr lang="en-US" sz="1200" dirty="0">
-                <a:latin typeface="Consolas" panose="020B0609020204030204" pitchFamily="49" charset="0"/>
-              </a:rPr>
+              <a:rPr lang="en-US" dirty="0"/>
               <a:t> hi = </a:t>
             </a:r>
             <a:r>
-              <a:rPr lang="en-US" sz="1200" dirty="0" err="1">
-                <a:latin typeface="Consolas" panose="020B0609020204030204" pitchFamily="49" charset="0"/>
-              </a:rPr>
+              <a:rPr lang="en-US" dirty="0" err="1"/>
               <a:t>A.length</a:t>
             </a:r>
             <a:r>
-              <a:rPr lang="en-US" sz="1200" dirty="0">
-                <a:latin typeface="Consolas" panose="020B0609020204030204" pitchFamily="49" charset="0"/>
-              </a:rPr>
+              <a:rPr lang="en-US" dirty="0"/>
               <a:t>;</a:t>
             </a:r>
           </a:p>
           <a:p>
-            <a:pPr marL="0" indent="0">
-              <a:buNone/>
-            </a:pPr>
-            <a:endParaRPr lang="en-US" sz="1200" dirty="0">
-              <a:latin typeface="Consolas" panose="020B0609020204030204" pitchFamily="49" charset="0"/>
-            </a:endParaRPr>
-          </a:p>
-          <a:p>
-            <a:pPr marL="0" indent="0">
-              <a:buNone/>
-            </a:pPr>
-            <a:r>
-              <a:rPr lang="en-US" sz="1200" dirty="0">
-                <a:latin typeface="Consolas" panose="020B0609020204030204" pitchFamily="49" charset="0"/>
-              </a:rPr>
+            <a:endParaRPr lang="en-US" dirty="0"/>
+          </a:p>
+          <a:p>
+            <a:r>
+              <a:rPr lang="en-US" dirty="0"/>
               <a:t>        // INVARIANT:</a:t>
             </a:r>
           </a:p>
           <a:p>
-            <a:pPr marL="0" indent="0">
-              <a:buNone/>
-            </a:pPr>
-            <a:r>
-              <a:rPr lang="en-US" sz="1200" dirty="0">
-                <a:latin typeface="Consolas" panose="020B0609020204030204" pitchFamily="49" charset="0"/>
-              </a:rPr>
+            <a:r>
+              <a:rPr lang="en-US" dirty="0"/>
               <a:t>        //       0 &lt;= lo &lt;= hi &lt;= </a:t>
             </a:r>
             <a:r>
-              <a:rPr lang="en-US" sz="1200" dirty="0" err="1">
-                <a:latin typeface="Consolas" panose="020B0609020204030204" pitchFamily="49" charset="0"/>
-              </a:rPr>
+              <a:rPr lang="en-US" dirty="0" err="1"/>
               <a:t>A.length</a:t>
             </a:r>
-            <a:endParaRPr lang="en-US" sz="1200" dirty="0">
-              <a:latin typeface="Consolas" panose="020B0609020204030204" pitchFamily="49" charset="0"/>
-            </a:endParaRPr>
-          </a:p>
-          <a:p>
-            <a:pPr marL="0" indent="0">
-              <a:buNone/>
-            </a:pPr>
-            <a:r>
-              <a:rPr lang="en-US" sz="1200" dirty="0">
-                <a:latin typeface="Consolas" panose="020B0609020204030204" pitchFamily="49" charset="0"/>
-              </a:rPr>
+            <a:endParaRPr lang="en-US" dirty="0"/>
+          </a:p>
+          <a:p>
+            <a:r>
+              <a:rPr lang="en-US" dirty="0"/>
               <a:t>        // AND   (</a:t>
             </a:r>
             <a:r>
-              <a:rPr lang="en-US" sz="1200" dirty="0" err="1">
-                <a:latin typeface="Consolas" panose="020B0609020204030204" pitchFamily="49" charset="0"/>
-              </a:rPr>
+              <a:rPr lang="en-US" dirty="0" err="1"/>
               <a:t>forall</a:t>
             </a:r>
             <a:r>
-              <a:rPr lang="en-US" sz="1200" dirty="0">
-                <a:latin typeface="Consolas" panose="020B0609020204030204" pitchFamily="49" charset="0"/>
-              </a:rPr>
+              <a:rPr lang="en-US" dirty="0"/>
               <a:t> j)(0  &lt;= j &lt; lo       ==&gt; A[j] &lt; </a:t>
             </a:r>
             <a:r>
-              <a:rPr lang="en-US" sz="1200" dirty="0" err="1">
-                <a:latin typeface="Consolas" panose="020B0609020204030204" pitchFamily="49" charset="0"/>
-              </a:rPr>
+              <a:rPr lang="en-US" dirty="0" err="1"/>
               <a:t>tgt</a:t>
             </a:r>
             <a:r>
-              <a:rPr lang="en-US" sz="1200" dirty="0">
-                <a:latin typeface="Consolas" panose="020B0609020204030204" pitchFamily="49" charset="0"/>
-              </a:rPr>
+              <a:rPr lang="en-US" dirty="0"/>
               <a:t>)</a:t>
             </a:r>
           </a:p>
           <a:p>
-            <a:pPr marL="0" indent="0">
-              <a:buNone/>
-            </a:pPr>
-            <a:r>
-              <a:rPr lang="en-US" sz="1200" dirty="0">
-                <a:latin typeface="Consolas" panose="020B0609020204030204" pitchFamily="49" charset="0"/>
-              </a:rPr>
+            <a:r>
+              <a:rPr lang="en-US" dirty="0"/>
               <a:t>        // AND   (</a:t>
             </a:r>
             <a:r>
-              <a:rPr lang="en-US" sz="1200" dirty="0" err="1">
-                <a:latin typeface="Consolas" panose="020B0609020204030204" pitchFamily="49" charset="0"/>
-              </a:rPr>
+              <a:rPr lang="en-US" dirty="0" err="1"/>
               <a:t>forall</a:t>
             </a:r>
             <a:r>
-              <a:rPr lang="en-US" sz="1200" dirty="0">
-                <a:latin typeface="Consolas" panose="020B0609020204030204" pitchFamily="49" charset="0"/>
-              </a:rPr>
+              <a:rPr lang="en-US" dirty="0"/>
               <a:t> j)(hi &lt;= j &lt; </a:t>
             </a:r>
             <a:r>
-              <a:rPr lang="en-US" sz="1200" dirty="0" err="1">
-                <a:latin typeface="Consolas" panose="020B0609020204030204" pitchFamily="49" charset="0"/>
-              </a:rPr>
+              <a:rPr lang="en-US" dirty="0" err="1"/>
               <a:t>A.length</a:t>
             </a:r>
             <a:r>
-              <a:rPr lang="en-US" sz="1200" dirty="0">
-                <a:latin typeface="Consolas" panose="020B0609020204030204" pitchFamily="49" charset="0"/>
-              </a:rPr>
+              <a:rPr lang="en-US" dirty="0"/>
               <a:t> ==&gt; A[j] &gt; </a:t>
             </a:r>
             <a:r>
-              <a:rPr lang="en-US" sz="1200" dirty="0" err="1">
-                <a:latin typeface="Consolas" panose="020B0609020204030204" pitchFamily="49" charset="0"/>
-              </a:rPr>
+              <a:rPr lang="en-US" dirty="0" err="1"/>
               <a:t>tgt</a:t>
             </a:r>
             <a:r>
-              <a:rPr lang="en-US" sz="1200" dirty="0">
-                <a:latin typeface="Consolas" panose="020B0609020204030204" pitchFamily="49" charset="0"/>
-              </a:rPr>
+              <a:rPr lang="en-US" dirty="0"/>
               <a:t>)</a:t>
             </a:r>
           </a:p>
           <a:p>
-            <a:pPr marL="0" indent="0">
-              <a:buNone/>
-            </a:pPr>
-            <a:endParaRPr lang="en-US" sz="1200" dirty="0">
-              <a:latin typeface="Consolas" panose="020B0609020204030204" pitchFamily="49" charset="0"/>
-            </a:endParaRPr>
-          </a:p>
-          <a:p>
-            <a:pPr marL="0" indent="0">
-              <a:buNone/>
-            </a:pPr>
-            <a:r>
-              <a:rPr lang="en-US" sz="1200" dirty="0">
-                <a:latin typeface="Consolas" panose="020B0609020204030204" pitchFamily="49" charset="0"/>
-              </a:rPr>
+            <a:endParaRPr lang="en-US" dirty="0"/>
+          </a:p>
+          <a:p>
+            <a:r>
+              <a:rPr lang="en-US" dirty="0"/>
               <a:t>        // Note that lo = 0 and hi = </a:t>
             </a:r>
             <a:r>
-              <a:rPr lang="en-US" sz="1200" dirty="0" err="1">
-                <a:latin typeface="Consolas" panose="020B0609020204030204" pitchFamily="49" charset="0"/>
-              </a:rPr>
+              <a:rPr lang="en-US" dirty="0" err="1"/>
               <a:t>A.length</a:t>
             </a:r>
             <a:r>
-              <a:rPr lang="en-US" sz="1200" dirty="0">
-                <a:latin typeface="Consolas" panose="020B0609020204030204" pitchFamily="49" charset="0"/>
-              </a:rPr>
+              <a:rPr lang="en-US" dirty="0"/>
               <a:t> makes the invariant</a:t>
             </a:r>
           </a:p>
           <a:p>
-            <a:pPr marL="0" indent="0">
-              <a:buNone/>
-            </a:pPr>
-            <a:r>
-              <a:rPr lang="en-US" sz="1200" dirty="0">
-                <a:latin typeface="Consolas" panose="020B0609020204030204" pitchFamily="49" charset="0"/>
-              </a:rPr>
+            <a:r>
+              <a:rPr lang="en-US" dirty="0"/>
               <a:t>        // true, since in both cases there is no such j.</a:t>
             </a:r>
           </a:p>
           <a:p>
-            <a:pPr marL="0" indent="0">
-              <a:buNone/>
-            </a:pPr>
-            <a:endParaRPr lang="en-US" sz="1200" dirty="0">
-              <a:latin typeface="Consolas" panose="020B0609020204030204" pitchFamily="49" charset="0"/>
-            </a:endParaRPr>
-          </a:p>
-          <a:p>
-            <a:pPr marL="0" indent="0">
-              <a:buNone/>
-            </a:pPr>
-            <a:r>
-              <a:rPr lang="en-US" sz="1200" dirty="0">
-                <a:latin typeface="Consolas" panose="020B0609020204030204" pitchFamily="49" charset="0"/>
-              </a:rPr>
+            <a:endParaRPr lang="en-US" dirty="0"/>
+          </a:p>
+          <a:p>
+            <a:r>
+              <a:rPr lang="en-US" dirty="0"/>
               <a:t>        // HALTING MEASURE: hi-lo</a:t>
             </a:r>
           </a:p>
           <a:p>
-            <a:pPr marL="0" indent="0">
-              <a:buNone/>
-            </a:pPr>
-            <a:r>
-              <a:rPr lang="en-US" sz="1200" dirty="0">
-                <a:latin typeface="Consolas" panose="020B0609020204030204" pitchFamily="49" charset="0"/>
-              </a:rPr>
+            <a:r>
+              <a:rPr lang="en-US" dirty="0"/>
               <a:t>        // JUSTIFICATION: Same as above.</a:t>
             </a:r>
           </a:p>
-          <a:p>
-            <a:pPr marL="0" indent="0">
-              <a:buNone/>
-            </a:pPr>
-            <a:endParaRPr lang="en-US" sz="1200" dirty="0">
-              <a:latin typeface="Consolas" panose="020B0609020204030204" pitchFamily="49" charset="0"/>
-            </a:endParaRPr>
-          </a:p>
-          <a:p>
-            <a:pPr marL="0" indent="0">
-              <a:buNone/>
-            </a:pPr>
-            <a:r>
-              <a:rPr lang="en-US" sz="1200" dirty="0">
-                <a:latin typeface="Consolas" panose="020B0609020204030204" pitchFamily="49" charset="0"/>
-              </a:rPr>
-              <a:t>        while (lo &lt; hi) {       // the search area is non-empty</a:t>
-            </a:r>
-          </a:p>
-          <a:p>
-            <a:pPr marL="0" indent="0">
-              <a:buNone/>
-            </a:pPr>
-            <a:r>
-              <a:rPr lang="en-US" sz="1200" dirty="0">
-                <a:latin typeface="Consolas" panose="020B0609020204030204" pitchFamily="49" charset="0"/>
-              </a:rPr>
-              <a:t>            // choose an element in [</a:t>
-            </a:r>
-            <a:r>
-              <a:rPr lang="en-US" sz="1200" dirty="0" err="1">
-                <a:latin typeface="Consolas" panose="020B0609020204030204" pitchFamily="49" charset="0"/>
-              </a:rPr>
-              <a:t>lo,hi</a:t>
-            </a:r>
-            <a:r>
-              <a:rPr lang="en-US" sz="1200" dirty="0">
-                <a:latin typeface="Consolas" panose="020B0609020204030204" pitchFamily="49" charset="0"/>
-              </a:rPr>
-              <a:t>) . </a:t>
-            </a:r>
-          </a:p>
-          <a:p>
-            <a:pPr marL="0" indent="0">
-              <a:buNone/>
-            </a:pPr>
-            <a:r>
-              <a:rPr lang="en-US" sz="1200" dirty="0">
-                <a:latin typeface="Consolas" panose="020B0609020204030204" pitchFamily="49" charset="0"/>
-              </a:rPr>
-              <a:t>            </a:t>
-            </a:r>
-            <a:r>
-              <a:rPr lang="en-US" sz="1200" dirty="0" err="1">
-                <a:latin typeface="Consolas" panose="020B0609020204030204" pitchFamily="49" charset="0"/>
-              </a:rPr>
-              <a:t>int</a:t>
-            </a:r>
-            <a:r>
-              <a:rPr lang="en-US" sz="1200" dirty="0">
-                <a:latin typeface="Consolas" panose="020B0609020204030204" pitchFamily="49" charset="0"/>
-              </a:rPr>
-              <a:t> mid = (lo + hi) / 2;</a:t>
-            </a:r>
-          </a:p>
-          <a:p>
-            <a:pPr marL="0" indent="0">
-              <a:buNone/>
-            </a:pPr>
-            <a:r>
-              <a:rPr lang="en-US" sz="1200" dirty="0">
-                <a:latin typeface="Consolas" panose="020B0609020204030204" pitchFamily="49" charset="0"/>
-              </a:rPr>
-              <a:t>            if (A[mid] == </a:t>
-            </a:r>
-            <a:r>
-              <a:rPr lang="en-US" sz="1200" dirty="0" err="1">
-                <a:latin typeface="Consolas" panose="020B0609020204030204" pitchFamily="49" charset="0"/>
-              </a:rPr>
-              <a:t>tgt</a:t>
-            </a:r>
-            <a:r>
-              <a:rPr lang="en-US" sz="1200" dirty="0">
-                <a:latin typeface="Consolas" panose="020B0609020204030204" pitchFamily="49" charset="0"/>
-              </a:rPr>
-              <a:t>) {</a:t>
-            </a:r>
-          </a:p>
-          <a:p>
-            <a:pPr marL="0" indent="0">
-              <a:buNone/>
-            </a:pPr>
-            <a:r>
-              <a:rPr lang="en-US" sz="1200" dirty="0">
-                <a:latin typeface="Consolas" panose="020B0609020204030204" pitchFamily="49" charset="0"/>
-              </a:rPr>
-              <a:t>                // we have found the target</a:t>
-            </a:r>
-          </a:p>
-          <a:p>
-            <a:pPr marL="0" indent="0">
-              <a:buNone/>
-            </a:pPr>
-            <a:r>
-              <a:rPr lang="en-US" sz="1200" dirty="0">
-                <a:latin typeface="Consolas" panose="020B0609020204030204" pitchFamily="49" charset="0"/>
-              </a:rPr>
-              <a:t>                return mid;</a:t>
-            </a:r>
-          </a:p>
-          <a:p>
-            <a:pPr marL="0" indent="0">
-              <a:buNone/>
-            </a:pPr>
-            <a:r>
-              <a:rPr lang="en-US" sz="1200" dirty="0">
-                <a:latin typeface="Consolas" panose="020B0609020204030204" pitchFamily="49" charset="0"/>
-              </a:rPr>
-              <a:t>            }</a:t>
-            </a:r>
-          </a:p>
-          <a:p>
-            <a:pPr marL="0" indent="0">
-              <a:buNone/>
-            </a:pPr>
-            <a:r>
-              <a:rPr lang="en-US" sz="1200" dirty="0">
-                <a:latin typeface="Consolas" panose="020B0609020204030204" pitchFamily="49" charset="0"/>
-              </a:rPr>
-              <a:t>            else if (A[mid] &lt; </a:t>
-            </a:r>
-            <a:r>
-              <a:rPr lang="en-US" sz="1200" dirty="0" err="1">
-                <a:latin typeface="Consolas" panose="020B0609020204030204" pitchFamily="49" charset="0"/>
-              </a:rPr>
-              <a:t>tgt</a:t>
-            </a:r>
-            <a:r>
-              <a:rPr lang="en-US" sz="1200" dirty="0">
-                <a:latin typeface="Consolas" panose="020B0609020204030204" pitchFamily="49" charset="0"/>
-              </a:rPr>
-              <a:t>) {</a:t>
-            </a:r>
-          </a:p>
-          <a:p>
-            <a:pPr marL="0" indent="0">
-              <a:buNone/>
-            </a:pPr>
-            <a:r>
-              <a:rPr lang="en-US" sz="1200" dirty="0">
-                <a:latin typeface="Consolas" panose="020B0609020204030204" pitchFamily="49" charset="0"/>
-              </a:rPr>
-              <a:t>                // the target can't be to the left of mid, so search</a:t>
-            </a:r>
-          </a:p>
-          <a:p>
-            <a:pPr marL="0" indent="0">
-              <a:buNone/>
-            </a:pPr>
-            <a:r>
-              <a:rPr lang="en-US" sz="1200" dirty="0">
-                <a:latin typeface="Consolas" panose="020B0609020204030204" pitchFamily="49" charset="0"/>
-              </a:rPr>
-              <a:t>                // right half. </a:t>
-            </a:r>
-          </a:p>
-          <a:p>
-            <a:pPr marL="0" indent="0">
-              <a:buNone/>
-            </a:pPr>
-            <a:r>
-              <a:rPr lang="en-US" sz="1200" dirty="0">
-                <a:latin typeface="Consolas" panose="020B0609020204030204" pitchFamily="49" charset="0"/>
-              </a:rPr>
-              <a:t>                lo = mid+1;</a:t>
-            </a:r>
-          </a:p>
-          <a:p>
-            <a:pPr marL="0" indent="0">
-              <a:buNone/>
-            </a:pPr>
-            <a:r>
-              <a:rPr lang="en-US" sz="1200" dirty="0">
-                <a:latin typeface="Consolas" panose="020B0609020204030204" pitchFamily="49" charset="0"/>
-              </a:rPr>
-              <a:t>            }</a:t>
-            </a:r>
-          </a:p>
-          <a:p>
-            <a:pPr marL="0" indent="0">
-              <a:buNone/>
-            </a:pPr>
-            <a:r>
-              <a:rPr lang="en-US" sz="1200" dirty="0">
-                <a:latin typeface="Consolas" panose="020B0609020204030204" pitchFamily="49" charset="0"/>
-              </a:rPr>
-              <a:t>            // otherwise the target can't be to the right of mid,</a:t>
-            </a:r>
-          </a:p>
-          <a:p>
-            <a:pPr marL="0" indent="0">
-              <a:buNone/>
-            </a:pPr>
-            <a:r>
-              <a:rPr lang="en-US" sz="1200" dirty="0">
-                <a:latin typeface="Consolas" panose="020B0609020204030204" pitchFamily="49" charset="0"/>
-              </a:rPr>
-              <a:t>            // so search left half. </a:t>
-            </a:r>
-          </a:p>
-          <a:p>
-            <a:pPr marL="0" indent="0">
-              <a:buNone/>
-            </a:pPr>
-            <a:r>
-              <a:rPr lang="en-US" sz="1200" dirty="0">
-                <a:latin typeface="Consolas" panose="020B0609020204030204" pitchFamily="49" charset="0"/>
-              </a:rPr>
-              <a:t>            else</a:t>
-            </a:r>
-          </a:p>
-          <a:p>
-            <a:pPr marL="0" indent="0">
-              <a:buNone/>
-            </a:pPr>
-            <a:r>
-              <a:rPr lang="en-US" sz="1200" dirty="0">
-                <a:latin typeface="Consolas" panose="020B0609020204030204" pitchFamily="49" charset="0"/>
-              </a:rPr>
-              <a:t>                hi = mid;</a:t>
-            </a:r>
-          </a:p>
-          <a:p>
-            <a:pPr marL="0" indent="0">
-              <a:buNone/>
-            </a:pPr>
-            <a:r>
-              <a:rPr lang="en-US" sz="1200" dirty="0">
-                <a:latin typeface="Consolas" panose="020B0609020204030204" pitchFamily="49" charset="0"/>
-              </a:rPr>
-              <a:t>        }</a:t>
-            </a:r>
-          </a:p>
-          <a:p>
-            <a:pPr marL="0" indent="0">
-              <a:buNone/>
-            </a:pPr>
-            <a:endParaRPr lang="en-US" sz="1200" dirty="0">
-              <a:latin typeface="Consolas" panose="020B0609020204030204" pitchFamily="49" charset="0"/>
-            </a:endParaRPr>
-          </a:p>
-          <a:p>
-            <a:pPr marL="0" indent="0">
-              <a:buNone/>
-            </a:pPr>
-            <a:r>
-              <a:rPr lang="en-US" sz="1200" dirty="0">
-                <a:latin typeface="Consolas" panose="020B0609020204030204" pitchFamily="49" charset="0"/>
-              </a:rPr>
-              <a:t>        // the search area is empty</a:t>
-            </a:r>
-          </a:p>
-          <a:p>
-            <a:pPr marL="0" indent="0">
-              <a:buNone/>
-            </a:pPr>
-            <a:r>
-              <a:rPr lang="en-US" sz="1200" dirty="0">
-                <a:latin typeface="Consolas" panose="020B0609020204030204" pitchFamily="49" charset="0"/>
-              </a:rPr>
-              <a:t>        return -1;</a:t>
-            </a:r>
-          </a:p>
-          <a:p>
-            <a:pPr marL="0" indent="0">
-              <a:buNone/>
-            </a:pPr>
-            <a:r>
-              <a:rPr lang="en-US" sz="1200" dirty="0">
-                <a:latin typeface="Consolas" panose="020B0609020204030204" pitchFamily="49" charset="0"/>
-              </a:rPr>
-              <a:t>    }</a:t>
-            </a:r>
-          </a:p>
-        </p:txBody>
-      </p:sp>
-      <p:sp>
-        <p:nvSpPr>
-          <p:cNvPr id="5" name="Content Placeholder 4">
+        </p:txBody>
+      </p:sp>
+      <p:sp>
+        <p:nvSpPr>
+          <p:cNvPr id="5" name="Slide Number Placeholder 4">
             <a:extLst>
               <a:ext uri="{FF2B5EF4-FFF2-40B4-BE49-F238E27FC236}">
-                <a16:creationId xmlns:a16="http://schemas.microsoft.com/office/drawing/2014/main" id="{E0ADF159-7DAC-42E0-9B7C-48911F0CC5E0}"/>
-              </a:ext>
-            </a:extLst>
-          </p:cNvPr>
-          <p:cNvSpPr>
-            <a:spLocks noGrp="1"/>
-          </p:cNvSpPr>
-          <p:nvPr>
-            <p:ph sz="half" idx="2"/>
-          </p:nvPr>
-        </p:nvSpPr>
-        <p:spPr/>
-        <p:txBody>
-          <a:bodyPr/>
-          <a:lstStyle/>
-          <a:p>
-            <a:endParaRPr lang="en-US"/>
-          </a:p>
-        </p:txBody>
-      </p:sp>
-      <p:sp>
-        <p:nvSpPr>
-          <p:cNvPr id="4" name="Slide Number Placeholder 3">
-            <a:extLst>
-              <a:ext uri="{FF2B5EF4-FFF2-40B4-BE49-F238E27FC236}">
-                <a16:creationId xmlns:a16="http://schemas.microsoft.com/office/drawing/2014/main" id="{E465BFCC-9193-4F7F-B645-B7097032A001}"/>
+                <a16:creationId xmlns:a16="http://schemas.microsoft.com/office/drawing/2014/main" id="{1724B052-5F1C-4E30-9BCC-65DD4D7A7749}"/>
               </a:ext>
             </a:extLst>
           </p:cNvPr>
@@ -14092,7 +13602,7 @@
     </p:spTree>
     <p:extLst>
       <p:ext uri="{BB962C8B-B14F-4D97-AF65-F5344CB8AC3E}">
-        <p14:creationId xmlns:p14="http://schemas.microsoft.com/office/powerpoint/2010/main" val="2595065371"/>
+        <p14:creationId xmlns:p14="http://schemas.microsoft.com/office/powerpoint/2010/main" val="1198371563"/>
       </p:ext>
     </p:extLst>
   </p:cSld>
@@ -14121,7 +13631,13 @@
       </p:grpSpPr>
       <p:sp>
         <p:nvSpPr>
-          <p:cNvPr id="2" name="Title 1"/>
+          <p:cNvPr id="2" name="Title 1">
+            <a:extLst>
+              <a:ext uri="{FF2B5EF4-FFF2-40B4-BE49-F238E27FC236}">
+                <a16:creationId xmlns:a16="http://schemas.microsoft.com/office/drawing/2014/main" id="{B1C85EAF-EF0F-416A-8A29-D04EB70A21DD}"/>
+              </a:ext>
+            </a:extLst>
+          </p:cNvPr>
           <p:cNvSpPr>
             <a:spLocks noGrp="1"/>
           </p:cNvSpPr>
@@ -14129,25 +13645,27 @@
             <p:ph type="title"/>
           </p:nvPr>
         </p:nvSpPr>
-        <p:spPr>
-          <a:solidFill>
-            <a:schemeClr val="bg1"/>
-          </a:solidFill>
-        </p:spPr>
+        <p:spPr/>
         <p:txBody>
           <a:bodyPr/>
           <a:lstStyle/>
           <a:p>
             <a:r>
               <a:rPr lang="en-US" dirty="0"/>
-              <a:t>Summary</a:t>
-            </a:r>
-          </a:p>
-        </p:txBody>
-      </p:sp>
-      <p:sp>
-        <p:nvSpPr>
-          <p:cNvPr id="3" name="Content Placeholder 2"/>
+              <a:t>The Method Definition (2)</a:t>
+            </a:r>
+          </a:p>
+        </p:txBody>
+      </p:sp>
+      <p:sp>
+        <p:nvSpPr>
+          <p:cNvPr id="3" name="Content Placeholder 2">
+            <a:extLst>
+              <a:ext uri="{FF2B5EF4-FFF2-40B4-BE49-F238E27FC236}">
+                <a16:creationId xmlns:a16="http://schemas.microsoft.com/office/drawing/2014/main" id="{FED3EA2D-4EAB-4EB5-954A-791F92EFC592}"/>
+              </a:ext>
+            </a:extLst>
+          </p:cNvPr>
           <p:cNvSpPr>
             <a:spLocks noGrp="1"/>
           </p:cNvSpPr>
@@ -14155,56 +13673,166 @@
             <p:ph idx="1"/>
           </p:nvPr>
         </p:nvSpPr>
-        <p:spPr>
-          <a:xfrm>
-            <a:off x="457200" y="1676400"/>
-            <a:ext cx="8229600" cy="4525963"/>
-          </a:xfrm>
-        </p:spPr>
+        <p:spPr/>
         <p:txBody>
           <a:bodyPr>
-            <a:normAutofit/>
+            <a:normAutofit fontScale="40000" lnSpcReduction="20000"/>
           </a:bodyPr>
           <a:lstStyle/>
           <a:p>
             <a:r>
               <a:rPr lang="en-US" dirty="0"/>
-              <a:t>You should now be able to:</a:t>
-            </a:r>
-          </a:p>
-          <a:p>
-            <a:pPr lvl="1"/>
-            <a:r>
-              <a:rPr lang="en-US" dirty="0"/>
-              <a:t>explain what binary search is and when it is appropriate</a:t>
-            </a:r>
-          </a:p>
-          <a:p>
-            <a:pPr lvl="1"/>
-            <a:r>
-              <a:rPr lang="en-US" dirty="0"/>
-              <a:t>explain how the standard binary search works, and how it fits into the framework of general recursion, invariants, and halting functions</a:t>
-            </a:r>
-          </a:p>
-          <a:p>
-            <a:pPr lvl="1"/>
-            <a:r>
-              <a:rPr lang="en-US" dirty="0"/>
-              <a:t>give the halting measure and explain the termination argument for binary search</a:t>
-            </a:r>
-          </a:p>
-          <a:p>
-            <a:pPr lvl="1"/>
-            <a:r>
-              <a:rPr lang="en-US" dirty="0"/>
-              <a:t>write variations on a binary search function</a:t>
-            </a:r>
-          </a:p>
-        </p:txBody>
-      </p:sp>
-      <p:sp>
-        <p:nvSpPr>
-          <p:cNvPr id="4" name="Slide Number Placeholder 3"/>
+              <a:t>    while (lo &lt; hi) {  // the search area is non-empty</a:t>
+            </a:r>
+          </a:p>
+          <a:p>
+            <a:r>
+              <a:rPr lang="en-US" dirty="0"/>
+              <a:t>            // choose an element in [</a:t>
+            </a:r>
+            <a:r>
+              <a:rPr lang="en-US" dirty="0" err="1"/>
+              <a:t>lo,hi</a:t>
+            </a:r>
+            <a:r>
+              <a:rPr lang="en-US" dirty="0"/>
+              <a:t>) . </a:t>
+            </a:r>
+          </a:p>
+          <a:p>
+            <a:r>
+              <a:rPr lang="en-US" dirty="0"/>
+              <a:t>            </a:t>
+            </a:r>
+            <a:r>
+              <a:rPr lang="en-US" dirty="0" err="1"/>
+              <a:t>int</a:t>
+            </a:r>
+            <a:r>
+              <a:rPr lang="en-US" dirty="0"/>
+              <a:t> mid = (lo + hi) / 2;</a:t>
+            </a:r>
+          </a:p>
+          <a:p>
+            <a:r>
+              <a:rPr lang="en-US" dirty="0"/>
+              <a:t>            if (A[mid] == </a:t>
+            </a:r>
+            <a:r>
+              <a:rPr lang="en-US" dirty="0" err="1"/>
+              <a:t>tgt</a:t>
+            </a:r>
+            <a:r>
+              <a:rPr lang="en-US" dirty="0"/>
+              <a:t>) {</a:t>
+            </a:r>
+          </a:p>
+          <a:p>
+            <a:r>
+              <a:rPr lang="en-US" dirty="0"/>
+              <a:t>                // we have found the target</a:t>
+            </a:r>
+          </a:p>
+          <a:p>
+            <a:r>
+              <a:rPr lang="en-US" dirty="0"/>
+              <a:t>                return mid;</a:t>
+            </a:r>
+          </a:p>
+          <a:p>
+            <a:r>
+              <a:rPr lang="en-US" dirty="0"/>
+              <a:t>            }</a:t>
+            </a:r>
+          </a:p>
+          <a:p>
+            <a:r>
+              <a:rPr lang="en-US" dirty="0"/>
+              <a:t>            else if (A[mid] &lt; </a:t>
+            </a:r>
+            <a:r>
+              <a:rPr lang="en-US" dirty="0" err="1"/>
+              <a:t>tgt</a:t>
+            </a:r>
+            <a:r>
+              <a:rPr lang="en-US" dirty="0"/>
+              <a:t>) {</a:t>
+            </a:r>
+          </a:p>
+          <a:p>
+            <a:r>
+              <a:rPr lang="en-US" dirty="0"/>
+              <a:t>                // the target can't be to the left of mid, so search right half. </a:t>
+            </a:r>
+          </a:p>
+          <a:p>
+            <a:r>
+              <a:rPr lang="en-US" dirty="0"/>
+              <a:t>                lo = mid+1;</a:t>
+            </a:r>
+          </a:p>
+          <a:p>
+            <a:r>
+              <a:rPr lang="en-US" dirty="0"/>
+              <a:t>            }</a:t>
+            </a:r>
+          </a:p>
+          <a:p>
+            <a:r>
+              <a:rPr lang="en-US" dirty="0"/>
+              <a:t>            // otherwise the target can't be to the right of mid, so search left half. </a:t>
+            </a:r>
+          </a:p>
+          <a:p>
+            <a:r>
+              <a:rPr lang="en-US" dirty="0"/>
+              <a:t>            else</a:t>
+            </a:r>
+          </a:p>
+          <a:p>
+            <a:r>
+              <a:rPr lang="en-US" dirty="0"/>
+              <a:t>                hi = mid;</a:t>
+            </a:r>
+          </a:p>
+          <a:p>
+            <a:r>
+              <a:rPr lang="en-US" dirty="0"/>
+              <a:t>        }</a:t>
+            </a:r>
+          </a:p>
+          <a:p>
+            <a:endParaRPr lang="en-US" dirty="0"/>
+          </a:p>
+          <a:p>
+            <a:r>
+              <a:rPr lang="en-US" dirty="0"/>
+              <a:t>        // the search area is empty</a:t>
+            </a:r>
+          </a:p>
+          <a:p>
+            <a:r>
+              <a:rPr lang="en-US" dirty="0"/>
+              <a:t>        return -1;</a:t>
+            </a:r>
+          </a:p>
+          <a:p>
+            <a:r>
+              <a:rPr lang="en-US" dirty="0"/>
+              <a:t>    }</a:t>
+            </a:r>
+          </a:p>
+        </p:txBody>
+      </p:sp>
+      <p:sp>
+        <p:nvSpPr>
+          <p:cNvPr id="4" name="Slide Number Placeholder 3">
+            <a:extLst>
+              <a:ext uri="{FF2B5EF4-FFF2-40B4-BE49-F238E27FC236}">
+                <a16:creationId xmlns:a16="http://schemas.microsoft.com/office/drawing/2014/main" id="{B18F5C89-1516-44DA-A866-258B47BACEBE}"/>
+              </a:ext>
+            </a:extLst>
+          </p:cNvPr>
           <p:cNvSpPr>
             <a:spLocks noGrp="1"/>
           </p:cNvSpPr>
@@ -14217,9 +13845,8 @@
           <a:bodyPr/>
           <a:lstStyle/>
           <a:p>
-            <a:fld id="{9F4492BD-6A9C-48FC-AC76-0B4FE11194A1}" type="slidenum">
+            <a:fld id="{2AF3B5EA-18B6-4040-9F78-6052AF49C681}" type="slidenum">
               <a:rPr lang="en-US" smtClean="0"/>
-              <a:pPr/>
               <a:t>28</a:t>
             </a:fld>
             <a:endParaRPr lang="en-US"/>
@@ -14229,7 +13856,7 @@
     </p:spTree>
     <p:extLst>
       <p:ext uri="{BB962C8B-B14F-4D97-AF65-F5344CB8AC3E}">
-        <p14:creationId xmlns:p14="http://schemas.microsoft.com/office/powerpoint/2010/main" val="1174789038"/>
+        <p14:creationId xmlns:p14="http://schemas.microsoft.com/office/powerpoint/2010/main" val="2208195196"/>
       </p:ext>
     </p:extLst>
   </p:cSld>
@@ -14266,14 +13893,18 @@
             <p:ph type="title"/>
           </p:nvPr>
         </p:nvSpPr>
-        <p:spPr/>
+        <p:spPr>
+          <a:solidFill>
+            <a:schemeClr val="bg1"/>
+          </a:solidFill>
+        </p:spPr>
         <p:txBody>
           <a:bodyPr/>
           <a:lstStyle/>
           <a:p>
             <a:r>
               <a:rPr lang="en-US" dirty="0"/>
-              <a:t>Next Steps</a:t>
+              <a:t>Summary</a:t>
             </a:r>
           </a:p>
         </p:txBody>
@@ -14288,40 +13919,49 @@
             <p:ph idx="1"/>
           </p:nvPr>
         </p:nvSpPr>
-        <p:spPr/>
-        <p:txBody>
-          <a:bodyPr/>
-          <a:lstStyle/>
-          <a:p>
-            <a:r>
-              <a:rPr lang="en-US" dirty="0"/>
-              <a:t>Study the </a:t>
-            </a:r>
-            <a:r>
-              <a:rPr lang="en-US"/>
-              <a:t>file 08-4-binary-search.rkt </a:t>
-            </a:r>
-            <a:r>
-              <a:rPr lang="en-US" dirty="0"/>
-              <a:t>in the Examples folder</a:t>
-            </a:r>
-          </a:p>
-          <a:p>
-            <a:r>
-              <a:rPr lang="en-US" dirty="0"/>
-              <a:t>If you have questions about this lesson, ask them on the Discussion Board</a:t>
-            </a:r>
-          </a:p>
-          <a:p>
-            <a:r>
-              <a:rPr lang="en-US" dirty="0"/>
-              <a:t>Do Guided Practice 8.3</a:t>
-            </a:r>
-          </a:p>
-          <a:p>
-            <a:r>
-              <a:rPr lang="en-US" dirty="0"/>
-              <a:t>Go on to the next lesson</a:t>
+        <p:spPr>
+          <a:xfrm>
+            <a:off x="457200" y="1676400"/>
+            <a:ext cx="8229600" cy="4525963"/>
+          </a:xfrm>
+        </p:spPr>
+        <p:txBody>
+          <a:bodyPr>
+            <a:normAutofit/>
+          </a:bodyPr>
+          <a:lstStyle/>
+          <a:p>
+            <a:r>
+              <a:rPr lang="en-US" dirty="0"/>
+              <a:t>You should now be able to:</a:t>
+            </a:r>
+          </a:p>
+          <a:p>
+            <a:pPr lvl="1"/>
+            <a:r>
+              <a:rPr lang="en-US" dirty="0"/>
+              <a:t>explain what binary search is and when it is appropriate</a:t>
+            </a:r>
+          </a:p>
+          <a:p>
+            <a:pPr lvl="1"/>
+            <a:r>
+              <a:rPr lang="en-US" dirty="0"/>
+              <a:t>explain how the standard binary search works, and how it fits into the framework of general recursion, invariants, and halting functions</a:t>
+            </a:r>
+          </a:p>
+          <a:p>
+            <a:pPr lvl="1"/>
+            <a:r>
+              <a:rPr lang="en-US" dirty="0"/>
+              <a:t>give the halting measure and explain the termination argument for binary search</a:t>
+            </a:r>
+          </a:p>
+          <a:p>
+            <a:pPr lvl="1"/>
+            <a:r>
+              <a:rPr lang="en-US" dirty="0"/>
+              <a:t>write variations on a binary search function</a:t>
             </a:r>
           </a:p>
         </p:txBody>
@@ -14353,7 +13993,7 @@
     </p:spTree>
     <p:extLst>
       <p:ext uri="{BB962C8B-B14F-4D97-AF65-F5344CB8AC3E}">
-        <p14:creationId xmlns:p14="http://schemas.microsoft.com/office/powerpoint/2010/main" val="1758776814"/>
+        <p14:creationId xmlns:p14="http://schemas.microsoft.com/office/powerpoint/2010/main" val="1174789038"/>
       </p:ext>
     </p:extLst>
   </p:cSld>
@@ -14504,6 +14144,122 @@
     <p:extLst>
       <p:ext uri="{BB962C8B-B14F-4D97-AF65-F5344CB8AC3E}">
         <p14:creationId xmlns:p14="http://schemas.microsoft.com/office/powerpoint/2010/main" val="2331585014"/>
+      </p:ext>
+    </p:extLst>
+  </p:cSld>
+  <p:clrMapOvr>
+    <a:masterClrMapping/>
+  </p:clrMapOvr>
+</p:sld>
+</file>
+
+<file path=ppt/slides/slide30.xml><?xml version="1.0" encoding="utf-8"?>
+<p:sld xmlns:a="http://schemas.openxmlformats.org/drawingml/2006/main" xmlns:r="http://schemas.openxmlformats.org/officeDocument/2006/relationships" xmlns:p="http://schemas.openxmlformats.org/presentationml/2006/main">
+  <p:cSld>
+    <p:spTree>
+      <p:nvGrpSpPr>
+        <p:cNvPr id="1" name=""/>
+        <p:cNvGrpSpPr/>
+        <p:nvPr/>
+      </p:nvGrpSpPr>
+      <p:grpSpPr>
+        <a:xfrm>
+          <a:off x="0" y="0"/>
+          <a:ext cx="0" cy="0"/>
+          <a:chOff x="0" y="0"/>
+          <a:chExt cx="0" cy="0"/>
+        </a:xfrm>
+      </p:grpSpPr>
+      <p:sp>
+        <p:nvSpPr>
+          <p:cNvPr id="2" name="Title 1"/>
+          <p:cNvSpPr>
+            <a:spLocks noGrp="1"/>
+          </p:cNvSpPr>
+          <p:nvPr>
+            <p:ph type="title"/>
+          </p:nvPr>
+        </p:nvSpPr>
+        <p:spPr/>
+        <p:txBody>
+          <a:bodyPr/>
+          <a:lstStyle/>
+          <a:p>
+            <a:r>
+              <a:rPr lang="en-US" dirty="0"/>
+              <a:t>Next Steps</a:t>
+            </a:r>
+          </a:p>
+        </p:txBody>
+      </p:sp>
+      <p:sp>
+        <p:nvSpPr>
+          <p:cNvPr id="3" name="Content Placeholder 2"/>
+          <p:cNvSpPr>
+            <a:spLocks noGrp="1"/>
+          </p:cNvSpPr>
+          <p:nvPr>
+            <p:ph idx="1"/>
+          </p:nvPr>
+        </p:nvSpPr>
+        <p:spPr/>
+        <p:txBody>
+          <a:bodyPr/>
+          <a:lstStyle/>
+          <a:p>
+            <a:r>
+              <a:rPr lang="en-US" dirty="0"/>
+              <a:t>Study the file 08-2-binary-search.rkt in the Examples folder</a:t>
+            </a:r>
+          </a:p>
+          <a:p>
+            <a:r>
+              <a:rPr lang="en-US" dirty="0"/>
+              <a:t>If you have questions about this lesson, ask them on the Discussion Board</a:t>
+            </a:r>
+          </a:p>
+          <a:p>
+            <a:r>
+              <a:rPr lang="en-US" dirty="0"/>
+              <a:t>Do Guided Practice 8.3</a:t>
+            </a:r>
+          </a:p>
+          <a:p>
+            <a:r>
+              <a:rPr lang="en-US" dirty="0"/>
+              <a:t>Go on to the next lesson</a:t>
+            </a:r>
+          </a:p>
+        </p:txBody>
+      </p:sp>
+      <p:sp>
+        <p:nvSpPr>
+          <p:cNvPr id="4" name="Slide Number Placeholder 3"/>
+          <p:cNvSpPr>
+            <a:spLocks noGrp="1"/>
+          </p:cNvSpPr>
+          <p:nvPr>
+            <p:ph type="sldNum" sz="quarter" idx="12"/>
+          </p:nvPr>
+        </p:nvSpPr>
+        <p:spPr/>
+        <p:txBody>
+          <a:bodyPr/>
+          <a:lstStyle/>
+          <a:p>
+            <a:fld id="{9F4492BD-6A9C-48FC-AC76-0B4FE11194A1}" type="slidenum">
+              <a:rPr lang="en-US" smtClean="0"/>
+              <a:pPr/>
+              <a:t>30</a:t>
+            </a:fld>
+            <a:endParaRPr lang="en-US"/>
+          </a:p>
+        </p:txBody>
+      </p:sp>
+    </p:spTree>
+    <p:extLst>
+      <p:ext uri="{BB962C8B-B14F-4D97-AF65-F5344CB8AC3E}">
+        <p14:creationId xmlns:p14="http://schemas.microsoft.com/office/powerpoint/2010/main" val="1758776814"/>
       </p:ext>
     </p:extLst>
   </p:cSld>

--- a/Slides/Lesson 8.2 Binary Search.pptx
+++ b/Slides/Lesson 8.2 Binary Search.pptx
@@ -259,7 +259,7 @@
             <a:fld id="{CF8F25F6-E1EF-4065-8525-42EDEBD9BD22}" type="datetimeFigureOut">
               <a:rPr lang="en-US" smtClean="0"/>
               <a:pPr/>
-              <a:t>10/22/2017</a:t>
+              <a:t>11/1/2017</a:t>
             </a:fld>
             <a:endParaRPr lang="en-US"/>
           </a:p>
@@ -965,7 +965,7 @@
           <a:p>
             <a:fld id="{2F1F79F5-7BEC-496A-AFC7-876E38F64D71}" type="datetime1">
               <a:rPr lang="en-US" smtClean="0"/>
-              <a:t>10/22/2017</a:t>
+              <a:t>11/1/2017</a:t>
             </a:fld>
             <a:endParaRPr lang="en-US"/>
           </a:p>
@@ -1060,7 +1060,7 @@
           <a:p>
             <a:fld id="{0A05703A-7669-4FEA-9056-25299B4D29D4}" type="datetime1">
               <a:rPr lang="en-US" smtClean="0"/>
-              <a:t>10/22/2017</a:t>
+              <a:t>11/1/2017</a:t>
             </a:fld>
             <a:endParaRPr lang="en-US"/>
           </a:p>
@@ -1335,7 +1335,7 @@
           <a:p>
             <a:fld id="{6E5077B5-BB57-49DB-88CA-226A139E5C01}" type="datetime1">
               <a:rPr lang="en-US" smtClean="0"/>
-              <a:t>10/22/2017</a:t>
+              <a:t>11/1/2017</a:t>
             </a:fld>
             <a:endParaRPr lang="en-US"/>
           </a:p>
@@ -1587,7 +1587,7 @@
           <a:p>
             <a:fld id="{C48D9447-CBD6-49A1-89FD-8512A8CF8999}" type="datetime1">
               <a:rPr lang="en-US" smtClean="0"/>
-              <a:t>10/22/2017</a:t>
+              <a:t>11/1/2017</a:t>
             </a:fld>
             <a:endParaRPr lang="en-US"/>
           </a:p>
@@ -1755,7 +1755,7 @@
           <a:p>
             <a:fld id="{A3639A2A-823D-48B7-9ACE-7FAF42870BA9}" type="datetime1">
               <a:rPr lang="en-US" smtClean="0"/>
-              <a:t>10/22/2017</a:t>
+              <a:t>11/1/2017</a:t>
             </a:fld>
             <a:endParaRPr lang="en-US"/>
           </a:p>
@@ -1933,7 +1933,7 @@
           <a:p>
             <a:fld id="{ED1B6996-82E9-463C-972C-7B56056E426C}" type="datetime1">
               <a:rPr lang="en-US" smtClean="0"/>
-              <a:t>10/22/2017</a:t>
+              <a:t>11/1/2017</a:t>
             </a:fld>
             <a:endParaRPr lang="en-US"/>
           </a:p>
@@ -2107,7 +2107,7 @@
           <a:p>
             <a:fld id="{E22ED4DA-448D-4BB1-B935-CC112220207B}" type="datetime1">
               <a:rPr lang="en-US" smtClean="0"/>
-              <a:t>10/22/2017</a:t>
+              <a:t>11/1/2017</a:t>
             </a:fld>
             <a:endParaRPr lang="en-US"/>
           </a:p>
@@ -2280,7 +2280,7 @@
           <a:p>
             <a:fld id="{E22ED4DA-448D-4BB1-B935-CC112220207B}" type="datetime1">
               <a:rPr lang="en-US" smtClean="0"/>
-              <a:t>10/22/2017</a:t>
+              <a:t>11/1/2017</a:t>
             </a:fld>
             <a:endParaRPr lang="en-US"/>
           </a:p>
@@ -2540,7 +2540,7 @@
           <a:p>
             <a:fld id="{FF5D65A6-AB94-4435-B0B7-3743215FA46C}" type="datetime1">
               <a:rPr lang="en-US" smtClean="0"/>
-              <a:t>10/22/2017</a:t>
+              <a:t>11/1/2017</a:t>
             </a:fld>
             <a:endParaRPr lang="en-US"/>
           </a:p>
@@ -2716,7 +2716,7 @@
           <a:p>
             <a:fld id="{FF5D65A6-AB94-4435-B0B7-3743215FA46C}" type="datetime1">
               <a:rPr lang="en-US" smtClean="0"/>
-              <a:t>10/22/2017</a:t>
+              <a:t>11/1/2017</a:t>
             </a:fld>
             <a:endParaRPr lang="en-US"/>
           </a:p>
@@ -3010,7 +3010,7 @@
           <a:p>
             <a:fld id="{7C193DC4-6EF0-48C9-B29C-616106A645E1}" type="datetime1">
               <a:rPr lang="en-US" smtClean="0"/>
-              <a:t>10/22/2017</a:t>
+              <a:t>11/1/2017</a:t>
             </a:fld>
             <a:endParaRPr lang="en-US"/>
           </a:p>
@@ -3295,7 +3295,7 @@
           <a:p>
             <a:fld id="{5D1846AD-9252-4647-9435-4C2AC365653A}" type="datetime1">
               <a:rPr lang="en-US" smtClean="0"/>
-              <a:t>10/22/2017</a:t>
+              <a:t>11/1/2017</a:t>
             </a:fld>
             <a:endParaRPr lang="en-US"/>
           </a:p>
@@ -3714,7 +3714,7 @@
           <a:p>
             <a:fld id="{CE56DC10-3561-4063-A6AF-C1CC7A41040A}" type="datetime1">
               <a:rPr lang="en-US" smtClean="0"/>
-              <a:t>10/22/2017</a:t>
+              <a:t>11/1/2017</a:t>
             </a:fld>
             <a:endParaRPr lang="en-US"/>
           </a:p>
@@ -3831,7 +3831,7 @@
           <a:p>
             <a:fld id="{2F7B77F5-1464-4F6B-92A8-64FC8A508293}" type="datetime1">
               <a:rPr lang="en-US" smtClean="0"/>
-              <a:t>10/22/2017</a:t>
+              <a:t>11/1/2017</a:t>
             </a:fld>
             <a:endParaRPr lang="en-US"/>
           </a:p>
@@ -4054,7 +4054,7 @@
           <a:p>
             <a:fld id="{02B3F677-983B-48DB-ADFD-63FE6CBC7FB2}" type="datetime1">
               <a:rPr lang="en-US" smtClean="0"/>
-              <a:t>10/22/2017</a:t>
+              <a:t>11/1/2017</a:t>
             </a:fld>
             <a:endParaRPr lang="en-US"/>
           </a:p>
@@ -14209,7 +14209,15 @@
           <a:p>
             <a:r>
               <a:rPr lang="en-US" dirty="0"/>
-              <a:t>Study the file 08-2-binary-search.rkt in the Examples folder</a:t>
+              <a:t>Study the file </a:t>
+            </a:r>
+            <a:r>
+              <a:rPr lang="en-US"/>
+              <a:t>08-2-binary-search.java </a:t>
+            </a:r>
+            <a:r>
+              <a:rPr lang="en-US" dirty="0"/>
+              <a:t>in the Examples folder</a:t>
             </a:r>
           </a:p>
           <a:p>
